--- a/prezentaceops.pptx
+++ b/prezentaceops.pptx
@@ -11,6 +11,11 @@
     <p:sldId id="260" r:id="rId5"/>
     <p:sldId id="261" r:id="rId6"/>
     <p:sldId id="262" r:id="rId7"/>
+    <p:sldId id="263" r:id="rId8"/>
+    <p:sldId id="266" r:id="rId9"/>
+    <p:sldId id="264" r:id="rId10"/>
+    <p:sldId id="265" r:id="rId11"/>
+    <p:sldId id="267" r:id="rId12"/>
   </p:sldIdLst>
   <p:sldSz cx="12192000" cy="6858000"/>
   <p:notesSz cx="6858000" cy="9144000"/>
@@ -250,7 +255,7 @@
           <a:p>
             <a:fld id="{02AC24A9-CCB6-4F8D-B8DB-C2F3692CFA5A}" type="datetimeFigureOut">
               <a:rPr lang="en-US" smtClean="0"/>
-              <a:t>2/19/2024</a:t>
+              <a:t>3/11/2024</a:t>
             </a:fld>
             <a:endParaRPr lang="en-US" dirty="0"/>
           </a:p>
@@ -537,7 +542,7 @@
           <a:p>
             <a:fld id="{02AC24A9-CCB6-4F8D-B8DB-C2F3692CFA5A}" type="datetimeFigureOut">
               <a:rPr lang="en-US" smtClean="0"/>
-              <a:t>2/19/2024</a:t>
+              <a:t>3/11/2024</a:t>
             </a:fld>
             <a:endParaRPr lang="en-US"/>
           </a:p>
@@ -729,7 +734,7 @@
           <a:p>
             <a:fld id="{02AC24A9-CCB6-4F8D-B8DB-C2F3692CFA5A}" type="datetimeFigureOut">
               <a:rPr lang="en-US" smtClean="0"/>
-              <a:t>2/19/2024</a:t>
+              <a:t>3/11/2024</a:t>
             </a:fld>
             <a:endParaRPr lang="en-US"/>
           </a:p>
@@ -990,7 +995,7 @@
           <a:p>
             <a:fld id="{02AC24A9-CCB6-4F8D-B8DB-C2F3692CFA5A}" type="datetimeFigureOut">
               <a:rPr lang="en-US" smtClean="0"/>
-              <a:t>2/19/2024</a:t>
+              <a:t>3/11/2024</a:t>
             </a:fld>
             <a:endParaRPr lang="en-US"/>
           </a:p>
@@ -1414,7 +1419,7 @@
           <a:p>
             <a:fld id="{02AC24A9-CCB6-4F8D-B8DB-C2F3692CFA5A}" type="datetimeFigureOut">
               <a:rPr lang="en-US" smtClean="0"/>
-              <a:t>2/19/2024</a:t>
+              <a:t>3/11/2024</a:t>
             </a:fld>
             <a:endParaRPr lang="en-US"/>
           </a:p>
@@ -1960,7 +1965,7 @@
           <a:p>
             <a:fld id="{02AC24A9-CCB6-4F8D-B8DB-C2F3692CFA5A}" type="datetimeFigureOut">
               <a:rPr lang="en-US" smtClean="0"/>
-              <a:t>2/19/2024</a:t>
+              <a:t>3/11/2024</a:t>
             </a:fld>
             <a:endParaRPr lang="en-US"/>
           </a:p>
@@ -2800,7 +2805,7 @@
           <a:p>
             <a:fld id="{02AC24A9-CCB6-4F8D-B8DB-C2F3692CFA5A}" type="datetimeFigureOut">
               <a:rPr lang="en-US" smtClean="0"/>
-              <a:t>2/19/2024</a:t>
+              <a:t>3/11/2024</a:t>
             </a:fld>
             <a:endParaRPr lang="en-US"/>
           </a:p>
@@ -2970,7 +2975,7 @@
           <a:p>
             <a:fld id="{02AC24A9-CCB6-4F8D-B8DB-C2F3692CFA5A}" type="datetimeFigureOut">
               <a:rPr lang="en-US" smtClean="0"/>
-              <a:t>2/19/2024</a:t>
+              <a:t>3/11/2024</a:t>
             </a:fld>
             <a:endParaRPr lang="en-US"/>
           </a:p>
@@ -3154,7 +3159,7 @@
           <a:p>
             <a:fld id="{02AC24A9-CCB6-4F8D-B8DB-C2F3692CFA5A}" type="datetimeFigureOut">
               <a:rPr lang="en-US" smtClean="0"/>
-              <a:t>2/19/2024</a:t>
+              <a:t>3/11/2024</a:t>
             </a:fld>
             <a:endParaRPr lang="en-US"/>
           </a:p>
@@ -3324,7 +3329,7 @@
           <a:p>
             <a:fld id="{02AC24A9-CCB6-4F8D-B8DB-C2F3692CFA5A}" type="datetimeFigureOut">
               <a:rPr lang="en-US" smtClean="0"/>
-              <a:t>2/19/2024</a:t>
+              <a:t>3/11/2024</a:t>
             </a:fld>
             <a:endParaRPr lang="en-US"/>
           </a:p>
@@ -3572,7 +3577,7 @@
           <a:p>
             <a:fld id="{02AC24A9-CCB6-4F8D-B8DB-C2F3692CFA5A}" type="datetimeFigureOut">
               <a:rPr lang="en-US" smtClean="0"/>
-              <a:t>2/19/2024</a:t>
+              <a:t>3/11/2024</a:t>
             </a:fld>
             <a:endParaRPr lang="en-US"/>
           </a:p>
@@ -3809,7 +3814,7 @@
           <a:p>
             <a:fld id="{02AC24A9-CCB6-4F8D-B8DB-C2F3692CFA5A}" type="datetimeFigureOut">
               <a:rPr lang="en-US" smtClean="0"/>
-              <a:t>2/19/2024</a:t>
+              <a:t>3/11/2024</a:t>
             </a:fld>
             <a:endParaRPr lang="en-US"/>
           </a:p>
@@ -4182,7 +4187,7 @@
           <a:p>
             <a:fld id="{02AC24A9-CCB6-4F8D-B8DB-C2F3692CFA5A}" type="datetimeFigureOut">
               <a:rPr lang="en-US" smtClean="0"/>
-              <a:t>2/19/2024</a:t>
+              <a:t>3/11/2024</a:t>
             </a:fld>
             <a:endParaRPr lang="en-US"/>
           </a:p>
@@ -4300,7 +4305,7 @@
           <a:p>
             <a:fld id="{02AC24A9-CCB6-4F8D-B8DB-C2F3692CFA5A}" type="datetimeFigureOut">
               <a:rPr lang="en-US" smtClean="0"/>
-              <a:t>2/19/2024</a:t>
+              <a:t>3/11/2024</a:t>
             </a:fld>
             <a:endParaRPr lang="en-US"/>
           </a:p>
@@ -4395,7 +4400,7 @@
           <a:p>
             <a:fld id="{02AC24A9-CCB6-4F8D-B8DB-C2F3692CFA5A}" type="datetimeFigureOut">
               <a:rPr lang="en-US" smtClean="0"/>
-              <a:t>2/19/2024</a:t>
+              <a:t>3/11/2024</a:t>
             </a:fld>
             <a:endParaRPr lang="en-US"/>
           </a:p>
@@ -4646,7 +4651,7 @@
           <a:p>
             <a:fld id="{02AC24A9-CCB6-4F8D-B8DB-C2F3692CFA5A}" type="datetimeFigureOut">
               <a:rPr lang="en-US" smtClean="0"/>
-              <a:t>2/19/2024</a:t>
+              <a:t>3/11/2024</a:t>
             </a:fld>
             <a:endParaRPr lang="en-US" dirty="0"/>
           </a:p>
@@ -4933,7 +4938,7 @@
           <a:p>
             <a:fld id="{02AC24A9-CCB6-4F8D-B8DB-C2F3692CFA5A}" type="datetimeFigureOut">
               <a:rPr lang="en-US" smtClean="0"/>
-              <a:t>2/19/2024</a:t>
+              <a:t>3/11/2024</a:t>
             </a:fld>
             <a:endParaRPr lang="en-US"/>
           </a:p>
@@ -5146,7 +5151,7 @@
           <a:p>
             <a:fld id="{02AC24A9-CCB6-4F8D-B8DB-C2F3692CFA5A}" type="datetimeFigureOut">
               <a:rPr lang="en-US" smtClean="0"/>
-              <a:t>2/19/2024</a:t>
+              <a:t>3/11/2024</a:t>
             </a:fld>
             <a:endParaRPr lang="en-US"/>
           </a:p>
@@ -6044,6 +6049,2672 @@
 </p:sld>
 </file>
 
+<file path=ppt/slides/slide10.xml><?xml version="1.0" encoding="utf-8"?>
+<p:sld xmlns:a="http://schemas.openxmlformats.org/drawingml/2006/main" xmlns:r="http://schemas.openxmlformats.org/officeDocument/2006/relationships" xmlns:p="http://schemas.openxmlformats.org/presentationml/2006/main">
+  <p:cSld>
+    <p:bg>
+      <p:bgPr>
+        <a:solidFill>
+          <a:schemeClr val="bg1"/>
+        </a:solidFill>
+        <a:effectLst/>
+      </p:bgPr>
+    </p:bg>
+    <p:spTree>
+      <p:nvGrpSpPr>
+        <p:cNvPr id="1" name="">
+          <a:extLst>
+            <a:ext uri="{FF2B5EF4-FFF2-40B4-BE49-F238E27FC236}">
+              <a16:creationId xmlns:a16="http://schemas.microsoft.com/office/drawing/2014/main" id="{76049970-45B4-63DE-4B1B-787F9C06C788}"/>
+            </a:ext>
+          </a:extLst>
+        </p:cNvPr>
+        <p:cNvGrpSpPr/>
+        <p:nvPr/>
+      </p:nvGrpSpPr>
+      <p:grpSpPr>
+        <a:xfrm>
+          <a:off x="0" y="0"/>
+          <a:ext cx="0" cy="0"/>
+          <a:chOff x="0" y="0"/>
+          <a:chExt cx="0" cy="0"/>
+        </a:xfrm>
+      </p:grpSpPr>
+      <p:pic>
+        <p:nvPicPr>
+          <p:cNvPr id="4" name="Picture 3">
+            <a:extLst>
+              <a:ext uri="{FF2B5EF4-FFF2-40B4-BE49-F238E27FC236}">
+                <a16:creationId xmlns:a16="http://schemas.microsoft.com/office/drawing/2014/main" id="{CE60D75E-128F-0746-DB5B-54FDF5D1AE5A}"/>
+              </a:ext>
+            </a:extLst>
+          </p:cNvPr>
+          <p:cNvPicPr>
+            <a:picLocks noChangeAspect="1"/>
+          </p:cNvPicPr>
+          <p:nvPr/>
+        </p:nvPicPr>
+        <p:blipFill rotWithShape="1">
+          <a:blip r:embed="rId2"/>
+          <a:srcRect l="10572" r="-1" b="-1"/>
+          <a:stretch/>
+        </p:blipFill>
+        <p:spPr>
+          <a:xfrm>
+            <a:off x="3624745" y="0"/>
+            <a:ext cx="8668512" cy="6857990"/>
+          </a:xfrm>
+          <a:prstGeom prst="rect">
+            <a:avLst/>
+          </a:prstGeom>
+        </p:spPr>
+      </p:pic>
+      <p:sp>
+        <p:nvSpPr>
+          <p:cNvPr id="2" name="Title 1">
+            <a:extLst>
+              <a:ext uri="{FF2B5EF4-FFF2-40B4-BE49-F238E27FC236}">
+                <a16:creationId xmlns:a16="http://schemas.microsoft.com/office/drawing/2014/main" id="{A04B0A44-B2F6-D5AC-469A-F33AB40C1341}"/>
+              </a:ext>
+            </a:extLst>
+          </p:cNvPr>
+          <p:cNvSpPr>
+            <a:spLocks noGrp="1"/>
+          </p:cNvSpPr>
+          <p:nvPr>
+            <p:ph type="ctrTitle"/>
+          </p:nvPr>
+        </p:nvSpPr>
+        <p:spPr>
+          <a:xfrm>
+            <a:off x="-816865" y="553119"/>
+            <a:ext cx="13825728" cy="780671"/>
+          </a:xfrm>
+        </p:spPr>
+        <p:txBody>
+          <a:bodyPr anchor="b">
+            <a:noAutofit/>
+          </a:bodyPr>
+          <a:lstStyle/>
+          <a:p>
+            <a:r>
+              <a:rPr lang="cs-CZ" sz="3600" dirty="0">
+                <a:latin typeface="Aptos Black" panose="020B0004020202020204" pitchFamily="34" charset="0"/>
+              </a:rPr>
+              <a:t>Přepínače pro jednotlivé vrsty</a:t>
+            </a:r>
+          </a:p>
+        </p:txBody>
+      </p:sp>
+      <p:sp>
+        <p:nvSpPr>
+          <p:cNvPr id="5" name="Subtitle 2">
+            <a:extLst>
+              <a:ext uri="{FF2B5EF4-FFF2-40B4-BE49-F238E27FC236}">
+                <a16:creationId xmlns:a16="http://schemas.microsoft.com/office/drawing/2014/main" id="{D9FDE3A3-3CBA-C13F-5860-797321AE9D43}"/>
+              </a:ext>
+            </a:extLst>
+          </p:cNvPr>
+          <p:cNvSpPr txBox="1">
+            <a:spLocks/>
+          </p:cNvSpPr>
+          <p:nvPr/>
+        </p:nvSpPr>
+        <p:spPr>
+          <a:xfrm>
+            <a:off x="1245958" y="1571534"/>
+            <a:ext cx="9700083" cy="1208141"/>
+          </a:xfrm>
+          <a:prstGeom prst="rect">
+            <a:avLst/>
+          </a:prstGeom>
+        </p:spPr>
+        <p:txBody>
+          <a:bodyPr vert="horz" lIns="91440" tIns="45720" rIns="91440" bIns="45720" rtlCol="0">
+            <a:noAutofit/>
+          </a:bodyPr>
+          <a:lstStyle>
+            <a:lvl1pPr marL="0" indent="0" algn="ctr" defTabSz="914400" rtl="0" eaLnBrk="1" latinLnBrk="0" hangingPunct="1">
+              <a:lnSpc>
+                <a:spcPct val="120000"/>
+              </a:lnSpc>
+              <a:spcBef>
+                <a:spcPts val="1000"/>
+              </a:spcBef>
+              <a:buFont typeface="Arial" panose="020B0604020202020204" pitchFamily="34" charset="0"/>
+              <a:buNone/>
+              <a:defRPr sz="2400" kern="1200">
+                <a:solidFill>
+                  <a:schemeClr val="tx1"/>
+                </a:solidFill>
+                <a:effectLst>
+                  <a:outerShdw blurRad="50800" dist="38100" dir="2700000" algn="tl" rotWithShape="0">
+                    <a:srgbClr val="000000">
+                      <a:alpha val="48000"/>
+                    </a:srgbClr>
+                  </a:outerShdw>
+                </a:effectLst>
+                <a:latin typeface="+mn-lt"/>
+                <a:ea typeface="+mn-ea"/>
+                <a:cs typeface="+mn-cs"/>
+              </a:defRPr>
+            </a:lvl1pPr>
+            <a:lvl2pPr marL="457200" indent="0" algn="ctr" defTabSz="914400" rtl="0" eaLnBrk="1" latinLnBrk="0" hangingPunct="1">
+              <a:lnSpc>
+                <a:spcPct val="120000"/>
+              </a:lnSpc>
+              <a:spcBef>
+                <a:spcPts val="500"/>
+              </a:spcBef>
+              <a:buFont typeface="Arial" panose="020B0604020202020204" pitchFamily="34" charset="0"/>
+              <a:buNone/>
+              <a:defRPr sz="2000" kern="1200">
+                <a:solidFill>
+                  <a:schemeClr val="tx1"/>
+                </a:solidFill>
+                <a:effectLst>
+                  <a:outerShdw blurRad="50800" dist="38100" dir="2700000" algn="tl" rotWithShape="0">
+                    <a:srgbClr val="000000">
+                      <a:alpha val="48000"/>
+                    </a:srgbClr>
+                  </a:outerShdw>
+                </a:effectLst>
+                <a:latin typeface="+mn-lt"/>
+                <a:ea typeface="+mn-ea"/>
+                <a:cs typeface="+mn-cs"/>
+              </a:defRPr>
+            </a:lvl2pPr>
+            <a:lvl3pPr marL="914400" indent="0" algn="ctr" defTabSz="914400" rtl="0" eaLnBrk="1" latinLnBrk="0" hangingPunct="1">
+              <a:lnSpc>
+                <a:spcPct val="120000"/>
+              </a:lnSpc>
+              <a:spcBef>
+                <a:spcPts val="500"/>
+              </a:spcBef>
+              <a:buFont typeface="Arial" panose="020B0604020202020204" pitchFamily="34" charset="0"/>
+              <a:buNone/>
+              <a:defRPr sz="1800" kern="1200">
+                <a:solidFill>
+                  <a:schemeClr val="tx1"/>
+                </a:solidFill>
+                <a:effectLst>
+                  <a:outerShdw blurRad="50800" dist="38100" dir="2700000" algn="tl" rotWithShape="0">
+                    <a:srgbClr val="000000">
+                      <a:alpha val="48000"/>
+                    </a:srgbClr>
+                  </a:outerShdw>
+                </a:effectLst>
+                <a:latin typeface="+mn-lt"/>
+                <a:ea typeface="+mn-ea"/>
+                <a:cs typeface="+mn-cs"/>
+              </a:defRPr>
+            </a:lvl3pPr>
+            <a:lvl4pPr marL="1371600" indent="0" algn="ctr" defTabSz="914400" rtl="0" eaLnBrk="1" latinLnBrk="0" hangingPunct="1">
+              <a:lnSpc>
+                <a:spcPct val="120000"/>
+              </a:lnSpc>
+              <a:spcBef>
+                <a:spcPts val="500"/>
+              </a:spcBef>
+              <a:buFont typeface="Arial" panose="020B0604020202020204" pitchFamily="34" charset="0"/>
+              <a:buNone/>
+              <a:defRPr sz="1600" kern="1200">
+                <a:solidFill>
+                  <a:schemeClr val="tx1"/>
+                </a:solidFill>
+                <a:effectLst>
+                  <a:outerShdw blurRad="50800" dist="38100" dir="2700000" algn="tl" rotWithShape="0">
+                    <a:srgbClr val="000000">
+                      <a:alpha val="48000"/>
+                    </a:srgbClr>
+                  </a:outerShdw>
+                </a:effectLst>
+                <a:latin typeface="+mn-lt"/>
+                <a:ea typeface="+mn-ea"/>
+                <a:cs typeface="+mn-cs"/>
+              </a:defRPr>
+            </a:lvl4pPr>
+            <a:lvl5pPr marL="1828800" indent="0" algn="ctr" defTabSz="914400" rtl="0" eaLnBrk="1" latinLnBrk="0" hangingPunct="1">
+              <a:lnSpc>
+                <a:spcPct val="120000"/>
+              </a:lnSpc>
+              <a:spcBef>
+                <a:spcPts val="500"/>
+              </a:spcBef>
+              <a:buFont typeface="Arial" panose="020B0604020202020204" pitchFamily="34" charset="0"/>
+              <a:buNone/>
+              <a:defRPr sz="1600" kern="1200">
+                <a:solidFill>
+                  <a:schemeClr val="tx1"/>
+                </a:solidFill>
+                <a:effectLst>
+                  <a:outerShdw blurRad="50800" dist="38100" dir="2700000" algn="tl" rotWithShape="0">
+                    <a:srgbClr val="000000">
+                      <a:alpha val="48000"/>
+                    </a:srgbClr>
+                  </a:outerShdw>
+                </a:effectLst>
+                <a:latin typeface="+mn-lt"/>
+                <a:ea typeface="+mn-ea"/>
+                <a:cs typeface="+mn-cs"/>
+              </a:defRPr>
+            </a:lvl5pPr>
+            <a:lvl6pPr marL="2286000" indent="0" algn="ctr" defTabSz="914400" rtl="0" eaLnBrk="1" latinLnBrk="0" hangingPunct="1">
+              <a:lnSpc>
+                <a:spcPct val="120000"/>
+              </a:lnSpc>
+              <a:spcBef>
+                <a:spcPts val="500"/>
+              </a:spcBef>
+              <a:buFont typeface="Arial" panose="020B0604020202020204" pitchFamily="34" charset="0"/>
+              <a:buNone/>
+              <a:defRPr sz="1600" kern="1200">
+                <a:solidFill>
+                  <a:schemeClr val="tx1"/>
+                </a:solidFill>
+                <a:effectLst>
+                  <a:outerShdw blurRad="50800" dist="38100" dir="2700000" algn="tl" rotWithShape="0">
+                    <a:srgbClr val="000000">
+                      <a:alpha val="48000"/>
+                    </a:srgbClr>
+                  </a:outerShdw>
+                </a:effectLst>
+                <a:latin typeface="+mn-lt"/>
+                <a:ea typeface="+mn-ea"/>
+                <a:cs typeface="+mn-cs"/>
+              </a:defRPr>
+            </a:lvl6pPr>
+            <a:lvl7pPr marL="2743200" indent="0" algn="ctr" defTabSz="914400" rtl="0" eaLnBrk="1" latinLnBrk="0" hangingPunct="1">
+              <a:lnSpc>
+                <a:spcPct val="120000"/>
+              </a:lnSpc>
+              <a:spcBef>
+                <a:spcPts val="500"/>
+              </a:spcBef>
+              <a:buFont typeface="Arial" panose="020B0604020202020204" pitchFamily="34" charset="0"/>
+              <a:buNone/>
+              <a:defRPr sz="1600" kern="1200">
+                <a:solidFill>
+                  <a:schemeClr val="tx1"/>
+                </a:solidFill>
+                <a:effectLst>
+                  <a:outerShdw blurRad="50800" dist="38100" dir="2700000" algn="tl" rotWithShape="0">
+                    <a:srgbClr val="000000">
+                      <a:alpha val="48000"/>
+                    </a:srgbClr>
+                  </a:outerShdw>
+                </a:effectLst>
+                <a:latin typeface="+mn-lt"/>
+                <a:ea typeface="+mn-ea"/>
+                <a:cs typeface="+mn-cs"/>
+              </a:defRPr>
+            </a:lvl7pPr>
+            <a:lvl8pPr marL="3200400" indent="0" algn="ctr" defTabSz="914400" rtl="0" eaLnBrk="1" latinLnBrk="0" hangingPunct="1">
+              <a:lnSpc>
+                <a:spcPct val="120000"/>
+              </a:lnSpc>
+              <a:spcBef>
+                <a:spcPts val="500"/>
+              </a:spcBef>
+              <a:buFont typeface="Arial" panose="020B0604020202020204" pitchFamily="34" charset="0"/>
+              <a:buNone/>
+              <a:defRPr sz="1600" kern="1200">
+                <a:solidFill>
+                  <a:schemeClr val="tx1"/>
+                </a:solidFill>
+                <a:effectLst>
+                  <a:outerShdw blurRad="50800" dist="38100" dir="2700000" algn="tl" rotWithShape="0">
+                    <a:srgbClr val="000000">
+                      <a:alpha val="48000"/>
+                    </a:srgbClr>
+                  </a:outerShdw>
+                </a:effectLst>
+                <a:latin typeface="+mn-lt"/>
+                <a:ea typeface="+mn-ea"/>
+                <a:cs typeface="+mn-cs"/>
+              </a:defRPr>
+            </a:lvl8pPr>
+            <a:lvl9pPr marL="3657600" indent="0" algn="ctr" defTabSz="914400" rtl="0" eaLnBrk="1" latinLnBrk="0" hangingPunct="1">
+              <a:lnSpc>
+                <a:spcPct val="120000"/>
+              </a:lnSpc>
+              <a:spcBef>
+                <a:spcPts val="500"/>
+              </a:spcBef>
+              <a:buFont typeface="Arial" panose="020B0604020202020204" pitchFamily="34" charset="0"/>
+              <a:buNone/>
+              <a:defRPr sz="1600" kern="1200">
+                <a:solidFill>
+                  <a:schemeClr val="tx1"/>
+                </a:solidFill>
+                <a:effectLst>
+                  <a:outerShdw blurRad="50800" dist="38100" dir="2700000" algn="tl" rotWithShape="0">
+                    <a:srgbClr val="000000">
+                      <a:alpha val="48000"/>
+                    </a:srgbClr>
+                  </a:outerShdw>
+                </a:effectLst>
+                <a:latin typeface="+mn-lt"/>
+                <a:ea typeface="+mn-ea"/>
+                <a:cs typeface="+mn-cs"/>
+              </a:defRPr>
+            </a:lvl9pPr>
+          </a:lstStyle>
+          <a:p>
+            <a:pPr>
+              <a:lnSpc>
+                <a:spcPct val="100000"/>
+              </a:lnSpc>
+            </a:pPr>
+            <a:endParaRPr lang="cs-CZ" sz="2000" dirty="0"/>
+          </a:p>
+        </p:txBody>
+      </p:sp>
+      <p:sp>
+        <p:nvSpPr>
+          <p:cNvPr id="3" name="Subtitle 2">
+            <a:extLst>
+              <a:ext uri="{FF2B5EF4-FFF2-40B4-BE49-F238E27FC236}">
+                <a16:creationId xmlns:a16="http://schemas.microsoft.com/office/drawing/2014/main" id="{23BC322F-6DE2-5049-239F-890D9C6CBD7B}"/>
+              </a:ext>
+            </a:extLst>
+          </p:cNvPr>
+          <p:cNvSpPr txBox="1">
+            <a:spLocks/>
+          </p:cNvSpPr>
+          <p:nvPr/>
+        </p:nvSpPr>
+        <p:spPr>
+          <a:xfrm>
+            <a:off x="1245957" y="1333790"/>
+            <a:ext cx="9700083" cy="4733347"/>
+          </a:xfrm>
+          <a:prstGeom prst="rect">
+            <a:avLst/>
+          </a:prstGeom>
+        </p:spPr>
+        <p:txBody>
+          <a:bodyPr vert="horz" lIns="91440" tIns="45720" rIns="91440" bIns="45720" rtlCol="0">
+            <a:noAutofit/>
+          </a:bodyPr>
+          <a:lstStyle>
+            <a:lvl1pPr marL="0" indent="0" algn="ctr" defTabSz="914400" rtl="0" eaLnBrk="1" latinLnBrk="0" hangingPunct="1">
+              <a:lnSpc>
+                <a:spcPct val="120000"/>
+              </a:lnSpc>
+              <a:spcBef>
+                <a:spcPts val="1000"/>
+              </a:spcBef>
+              <a:buFont typeface="Arial" panose="020B0604020202020204" pitchFamily="34" charset="0"/>
+              <a:buNone/>
+              <a:defRPr sz="2400" kern="1200">
+                <a:solidFill>
+                  <a:schemeClr val="tx1"/>
+                </a:solidFill>
+                <a:effectLst>
+                  <a:outerShdw blurRad="50800" dist="38100" dir="2700000" algn="tl" rotWithShape="0">
+                    <a:srgbClr val="000000">
+                      <a:alpha val="48000"/>
+                    </a:srgbClr>
+                  </a:outerShdw>
+                </a:effectLst>
+                <a:latin typeface="+mn-lt"/>
+                <a:ea typeface="+mn-ea"/>
+                <a:cs typeface="+mn-cs"/>
+              </a:defRPr>
+            </a:lvl1pPr>
+            <a:lvl2pPr marL="457200" indent="0" algn="ctr" defTabSz="914400" rtl="0" eaLnBrk="1" latinLnBrk="0" hangingPunct="1">
+              <a:lnSpc>
+                <a:spcPct val="120000"/>
+              </a:lnSpc>
+              <a:spcBef>
+                <a:spcPts val="500"/>
+              </a:spcBef>
+              <a:buFont typeface="Arial" panose="020B0604020202020204" pitchFamily="34" charset="0"/>
+              <a:buNone/>
+              <a:defRPr sz="2000" kern="1200">
+                <a:solidFill>
+                  <a:schemeClr val="tx1"/>
+                </a:solidFill>
+                <a:effectLst>
+                  <a:outerShdw blurRad="50800" dist="38100" dir="2700000" algn="tl" rotWithShape="0">
+                    <a:srgbClr val="000000">
+                      <a:alpha val="48000"/>
+                    </a:srgbClr>
+                  </a:outerShdw>
+                </a:effectLst>
+                <a:latin typeface="+mn-lt"/>
+                <a:ea typeface="+mn-ea"/>
+                <a:cs typeface="+mn-cs"/>
+              </a:defRPr>
+            </a:lvl2pPr>
+            <a:lvl3pPr marL="914400" indent="0" algn="ctr" defTabSz="914400" rtl="0" eaLnBrk="1" latinLnBrk="0" hangingPunct="1">
+              <a:lnSpc>
+                <a:spcPct val="120000"/>
+              </a:lnSpc>
+              <a:spcBef>
+                <a:spcPts val="500"/>
+              </a:spcBef>
+              <a:buFont typeface="Arial" panose="020B0604020202020204" pitchFamily="34" charset="0"/>
+              <a:buNone/>
+              <a:defRPr sz="1800" kern="1200">
+                <a:solidFill>
+                  <a:schemeClr val="tx1"/>
+                </a:solidFill>
+                <a:effectLst>
+                  <a:outerShdw blurRad="50800" dist="38100" dir="2700000" algn="tl" rotWithShape="0">
+                    <a:srgbClr val="000000">
+                      <a:alpha val="48000"/>
+                    </a:srgbClr>
+                  </a:outerShdw>
+                </a:effectLst>
+                <a:latin typeface="+mn-lt"/>
+                <a:ea typeface="+mn-ea"/>
+                <a:cs typeface="+mn-cs"/>
+              </a:defRPr>
+            </a:lvl3pPr>
+            <a:lvl4pPr marL="1371600" indent="0" algn="ctr" defTabSz="914400" rtl="0" eaLnBrk="1" latinLnBrk="0" hangingPunct="1">
+              <a:lnSpc>
+                <a:spcPct val="120000"/>
+              </a:lnSpc>
+              <a:spcBef>
+                <a:spcPts val="500"/>
+              </a:spcBef>
+              <a:buFont typeface="Arial" panose="020B0604020202020204" pitchFamily="34" charset="0"/>
+              <a:buNone/>
+              <a:defRPr sz="1600" kern="1200">
+                <a:solidFill>
+                  <a:schemeClr val="tx1"/>
+                </a:solidFill>
+                <a:effectLst>
+                  <a:outerShdw blurRad="50800" dist="38100" dir="2700000" algn="tl" rotWithShape="0">
+                    <a:srgbClr val="000000">
+                      <a:alpha val="48000"/>
+                    </a:srgbClr>
+                  </a:outerShdw>
+                </a:effectLst>
+                <a:latin typeface="+mn-lt"/>
+                <a:ea typeface="+mn-ea"/>
+                <a:cs typeface="+mn-cs"/>
+              </a:defRPr>
+            </a:lvl4pPr>
+            <a:lvl5pPr marL="1828800" indent="0" algn="ctr" defTabSz="914400" rtl="0" eaLnBrk="1" latinLnBrk="0" hangingPunct="1">
+              <a:lnSpc>
+                <a:spcPct val="120000"/>
+              </a:lnSpc>
+              <a:spcBef>
+                <a:spcPts val="500"/>
+              </a:spcBef>
+              <a:buFont typeface="Arial" panose="020B0604020202020204" pitchFamily="34" charset="0"/>
+              <a:buNone/>
+              <a:defRPr sz="1600" kern="1200">
+                <a:solidFill>
+                  <a:schemeClr val="tx1"/>
+                </a:solidFill>
+                <a:effectLst>
+                  <a:outerShdw blurRad="50800" dist="38100" dir="2700000" algn="tl" rotWithShape="0">
+                    <a:srgbClr val="000000">
+                      <a:alpha val="48000"/>
+                    </a:srgbClr>
+                  </a:outerShdw>
+                </a:effectLst>
+                <a:latin typeface="+mn-lt"/>
+                <a:ea typeface="+mn-ea"/>
+                <a:cs typeface="+mn-cs"/>
+              </a:defRPr>
+            </a:lvl5pPr>
+            <a:lvl6pPr marL="2286000" indent="0" algn="ctr" defTabSz="914400" rtl="0" eaLnBrk="1" latinLnBrk="0" hangingPunct="1">
+              <a:lnSpc>
+                <a:spcPct val="120000"/>
+              </a:lnSpc>
+              <a:spcBef>
+                <a:spcPts val="500"/>
+              </a:spcBef>
+              <a:buFont typeface="Arial" panose="020B0604020202020204" pitchFamily="34" charset="0"/>
+              <a:buNone/>
+              <a:defRPr sz="1600" kern="1200">
+                <a:solidFill>
+                  <a:schemeClr val="tx1"/>
+                </a:solidFill>
+                <a:effectLst>
+                  <a:outerShdw blurRad="50800" dist="38100" dir="2700000" algn="tl" rotWithShape="0">
+                    <a:srgbClr val="000000">
+                      <a:alpha val="48000"/>
+                    </a:srgbClr>
+                  </a:outerShdw>
+                </a:effectLst>
+                <a:latin typeface="+mn-lt"/>
+                <a:ea typeface="+mn-ea"/>
+                <a:cs typeface="+mn-cs"/>
+              </a:defRPr>
+            </a:lvl6pPr>
+            <a:lvl7pPr marL="2743200" indent="0" algn="ctr" defTabSz="914400" rtl="0" eaLnBrk="1" latinLnBrk="0" hangingPunct="1">
+              <a:lnSpc>
+                <a:spcPct val="120000"/>
+              </a:lnSpc>
+              <a:spcBef>
+                <a:spcPts val="500"/>
+              </a:spcBef>
+              <a:buFont typeface="Arial" panose="020B0604020202020204" pitchFamily="34" charset="0"/>
+              <a:buNone/>
+              <a:defRPr sz="1600" kern="1200">
+                <a:solidFill>
+                  <a:schemeClr val="tx1"/>
+                </a:solidFill>
+                <a:effectLst>
+                  <a:outerShdw blurRad="50800" dist="38100" dir="2700000" algn="tl" rotWithShape="0">
+                    <a:srgbClr val="000000">
+                      <a:alpha val="48000"/>
+                    </a:srgbClr>
+                  </a:outerShdw>
+                </a:effectLst>
+                <a:latin typeface="+mn-lt"/>
+                <a:ea typeface="+mn-ea"/>
+                <a:cs typeface="+mn-cs"/>
+              </a:defRPr>
+            </a:lvl7pPr>
+            <a:lvl8pPr marL="3200400" indent="0" algn="ctr" defTabSz="914400" rtl="0" eaLnBrk="1" latinLnBrk="0" hangingPunct="1">
+              <a:lnSpc>
+                <a:spcPct val="120000"/>
+              </a:lnSpc>
+              <a:spcBef>
+                <a:spcPts val="500"/>
+              </a:spcBef>
+              <a:buFont typeface="Arial" panose="020B0604020202020204" pitchFamily="34" charset="0"/>
+              <a:buNone/>
+              <a:defRPr sz="1600" kern="1200">
+                <a:solidFill>
+                  <a:schemeClr val="tx1"/>
+                </a:solidFill>
+                <a:effectLst>
+                  <a:outerShdw blurRad="50800" dist="38100" dir="2700000" algn="tl" rotWithShape="0">
+                    <a:srgbClr val="000000">
+                      <a:alpha val="48000"/>
+                    </a:srgbClr>
+                  </a:outerShdw>
+                </a:effectLst>
+                <a:latin typeface="+mn-lt"/>
+                <a:ea typeface="+mn-ea"/>
+                <a:cs typeface="+mn-cs"/>
+              </a:defRPr>
+            </a:lvl8pPr>
+            <a:lvl9pPr marL="3657600" indent="0" algn="ctr" defTabSz="914400" rtl="0" eaLnBrk="1" latinLnBrk="0" hangingPunct="1">
+              <a:lnSpc>
+                <a:spcPct val="120000"/>
+              </a:lnSpc>
+              <a:spcBef>
+                <a:spcPts val="500"/>
+              </a:spcBef>
+              <a:buFont typeface="Arial" panose="020B0604020202020204" pitchFamily="34" charset="0"/>
+              <a:buNone/>
+              <a:defRPr sz="1600" kern="1200">
+                <a:solidFill>
+                  <a:schemeClr val="tx1"/>
+                </a:solidFill>
+                <a:effectLst>
+                  <a:outerShdw blurRad="50800" dist="38100" dir="2700000" algn="tl" rotWithShape="0">
+                    <a:srgbClr val="000000">
+                      <a:alpha val="48000"/>
+                    </a:srgbClr>
+                  </a:outerShdw>
+                </a:effectLst>
+                <a:latin typeface="+mn-lt"/>
+                <a:ea typeface="+mn-ea"/>
+                <a:cs typeface="+mn-cs"/>
+              </a:defRPr>
+            </a:lvl9pPr>
+          </a:lstStyle>
+          <a:p>
+            <a:pPr>
+              <a:lnSpc>
+                <a:spcPct val="100000"/>
+              </a:lnSpc>
+            </a:pPr>
+            <a:r>
+              <a:rPr lang="cs-CZ" sz="2000" dirty="0"/>
+              <a:t>Přepínač vrstvy 2 – data z jednoho portu posílá do dalších na základě MAC adresy</a:t>
+            </a:r>
+          </a:p>
+          <a:p>
+            <a:pPr>
+              <a:lnSpc>
+                <a:spcPct val="100000"/>
+              </a:lnSpc>
+            </a:pPr>
+            <a:r>
+              <a:rPr lang="cs-CZ" sz="2000" dirty="0"/>
+              <a:t>Má více módu:</a:t>
+            </a:r>
+          </a:p>
+          <a:p>
+            <a:pPr>
+              <a:lnSpc>
+                <a:spcPct val="100000"/>
+              </a:lnSpc>
+            </a:pPr>
+            <a:r>
+              <a:rPr lang="cs-CZ" sz="2000" dirty="0"/>
+              <a:t>Cut-Through – rychlost, žádná kontrola</a:t>
+            </a:r>
+          </a:p>
+          <a:p>
+            <a:pPr>
+              <a:lnSpc>
+                <a:spcPct val="100000"/>
+              </a:lnSpc>
+            </a:pPr>
+            <a:r>
+              <a:rPr lang="cs-CZ" sz="2000" dirty="0"/>
+              <a:t>Store-and-Forward – celý rámec se přijme, poté se ověří, pak pošle</a:t>
+            </a:r>
+          </a:p>
+          <a:p>
+            <a:pPr>
+              <a:lnSpc>
+                <a:spcPct val="100000"/>
+              </a:lnSpc>
+            </a:pPr>
+            <a:r>
+              <a:rPr lang="cs-CZ" sz="2000" dirty="0"/>
+              <a:t>Fragment-Free – kompromis, nejprve načte 64 bytů, poté posílá dál</a:t>
+            </a:r>
+          </a:p>
+          <a:p>
+            <a:pPr>
+              <a:lnSpc>
+                <a:spcPct val="100000"/>
+              </a:lnSpc>
+            </a:pPr>
+            <a:endParaRPr lang="cs-CZ" sz="2000" dirty="0"/>
+          </a:p>
+          <a:p>
+            <a:pPr>
+              <a:lnSpc>
+                <a:spcPct val="100000"/>
+              </a:lnSpc>
+            </a:pPr>
+            <a:r>
+              <a:rPr lang="cs-CZ" sz="2000" dirty="0"/>
+              <a:t>Přepínač vrstvy 3 – dokáže vše co přepínač vrstvy 2 a navíc:</a:t>
+            </a:r>
+          </a:p>
+          <a:p>
+            <a:pPr>
+              <a:lnSpc>
+                <a:spcPct val="100000"/>
+              </a:lnSpc>
+            </a:pPr>
+            <a:r>
+              <a:rPr lang="cs-CZ" sz="2000" dirty="0"/>
+              <a:t>dynamicky i staticky směrovat podle IP adres</a:t>
+            </a:r>
+          </a:p>
+          <a:p>
+            <a:pPr>
+              <a:lnSpc>
+                <a:spcPct val="100000"/>
+              </a:lnSpc>
+            </a:pPr>
+            <a:r>
+              <a:rPr lang="cs-CZ" sz="2000" dirty="0"/>
+              <a:t> pracovat s VLAN (tagování)</a:t>
+            </a:r>
+          </a:p>
+          <a:p>
+            <a:pPr>
+              <a:lnSpc>
+                <a:spcPct val="100000"/>
+              </a:lnSpc>
+            </a:pPr>
+            <a:r>
+              <a:rPr lang="cs-CZ" sz="2000" dirty="0"/>
+              <a:t>Podpora ACL atd.</a:t>
+            </a:r>
+          </a:p>
+          <a:p>
+            <a:pPr>
+              <a:lnSpc>
+                <a:spcPct val="100000"/>
+              </a:lnSpc>
+            </a:pPr>
+            <a:endParaRPr lang="cs-CZ" sz="2000" dirty="0"/>
+          </a:p>
+          <a:p>
+            <a:pPr>
+              <a:lnSpc>
+                <a:spcPct val="100000"/>
+              </a:lnSpc>
+            </a:pPr>
+            <a:r>
+              <a:rPr lang="cs-CZ" sz="2000" dirty="0"/>
+              <a:t>Dražší a díky detailnější inspekci pomalejší než přepínač vrstvy 2</a:t>
+            </a:r>
+          </a:p>
+          <a:p>
+            <a:pPr>
+              <a:lnSpc>
+                <a:spcPct val="100000"/>
+              </a:lnSpc>
+            </a:pPr>
+            <a:r>
+              <a:rPr lang="cs-CZ" sz="2000" dirty="0"/>
+              <a:t> </a:t>
+            </a:r>
+          </a:p>
+        </p:txBody>
+      </p:sp>
+    </p:spTree>
+    <p:extLst>
+      <p:ext uri="{BB962C8B-B14F-4D97-AF65-F5344CB8AC3E}">
+        <p14:creationId xmlns:p14="http://schemas.microsoft.com/office/powerpoint/2010/main" val="2632044167"/>
+      </p:ext>
+    </p:extLst>
+  </p:cSld>
+  <p:clrMapOvr>
+    <a:masterClrMapping/>
+  </p:clrMapOvr>
+  <p:timing>
+    <p:tnLst>
+      <p:par>
+        <p:cTn id="1" dur="indefinite" restart="never" nodeType="tmRoot">
+          <p:childTnLst>
+            <p:seq concurrent="1" nextAc="seek">
+              <p:cTn id="2" dur="indefinite" nodeType="mainSeq">
+                <p:childTnLst>
+                  <p:par>
+                    <p:cTn id="3" fill="hold">
+                      <p:stCondLst>
+                        <p:cond delay="indefinite"/>
+                        <p:cond evt="onBegin" delay="0">
+                          <p:tn val="2"/>
+                        </p:cond>
+                      </p:stCondLst>
+                      <p:childTnLst>
+                        <p:par>
+                          <p:cTn id="4" fill="hold">
+                            <p:stCondLst>
+                              <p:cond delay="0"/>
+                            </p:stCondLst>
+                            <p:childTnLst>
+                              <p:par>
+                                <p:cTn id="5" presetID="10" presetClass="entr" presetSubtype="0" fill="hold" grpId="0" nodeType="withEffect">
+                                  <p:stCondLst>
+                                    <p:cond delay="1000"/>
+                                  </p:stCondLst>
+                                  <p:iterate>
+                                    <p:tmPct val="10000"/>
+                                  </p:iterate>
+                                  <p:childTnLst>
+                                    <p:set>
+                                      <p:cBhvr>
+                                        <p:cTn id="6" dur="1" fill="hold">
+                                          <p:stCondLst>
+                                            <p:cond delay="0"/>
+                                          </p:stCondLst>
+                                        </p:cTn>
+                                        <p:tgtEl>
+                                          <p:spTgt spid="2"/>
+                                        </p:tgtEl>
+                                        <p:attrNameLst>
+                                          <p:attrName>style.visibility</p:attrName>
+                                        </p:attrNameLst>
+                                      </p:cBhvr>
+                                      <p:to>
+                                        <p:strVal val="visible"/>
+                                      </p:to>
+                                    </p:set>
+                                    <p:animEffect transition="in" filter="fade">
+                                      <p:cBhvr>
+                                        <p:cTn id="7" dur="700"/>
+                                        <p:tgtEl>
+                                          <p:spTgt spid="2"/>
+                                        </p:tgtEl>
+                                      </p:cBhvr>
+                                    </p:animEffect>
+                                  </p:childTnLst>
+                                </p:cTn>
+                              </p:par>
+                              <p:par>
+                                <p:cTn id="8" presetID="10" presetClass="entr" presetSubtype="0" fill="hold" grpId="0" nodeType="withEffect" nodePh="1">
+                                  <p:stCondLst>
+                                    <p:cond delay="1500"/>
+                                  </p:stCondLst>
+                                  <p:endCondLst>
+                                    <p:cond evt="begin" delay="0">
+                                      <p:tn val="8"/>
+                                    </p:cond>
+                                  </p:endCondLst>
+                                  <p:iterate>
+                                    <p:tmPct val="10000"/>
+                                  </p:iterate>
+                                  <p:childTnLst>
+                                    <p:set>
+                                      <p:cBhvr>
+                                        <p:cTn id="9" dur="1" fill="hold">
+                                          <p:stCondLst>
+                                            <p:cond delay="0"/>
+                                          </p:stCondLst>
+                                        </p:cTn>
+                                        <p:tgtEl>
+                                          <p:spTgt spid="5">
+                                            <p:txEl>
+                                              <p:pRg st="0" end="0"/>
+                                            </p:txEl>
+                                          </p:spTgt>
+                                        </p:tgtEl>
+                                        <p:attrNameLst>
+                                          <p:attrName>style.visibility</p:attrName>
+                                        </p:attrNameLst>
+                                      </p:cBhvr>
+                                      <p:to>
+                                        <p:strVal val="visible"/>
+                                      </p:to>
+                                    </p:set>
+                                    <p:animEffect transition="in" filter="fade">
+                                      <p:cBhvr>
+                                        <p:cTn id="10" dur="700"/>
+                                        <p:tgtEl>
+                                          <p:spTgt spid="5">
+                                            <p:txEl>
+                                              <p:pRg st="0" end="0"/>
+                                            </p:txEl>
+                                          </p:spTgt>
+                                        </p:tgtEl>
+                                      </p:cBhvr>
+                                    </p:animEffect>
+                                  </p:childTnLst>
+                                </p:cTn>
+                              </p:par>
+                              <p:par>
+                                <p:cTn id="11" presetID="10" presetClass="entr" presetSubtype="0" fill="hold" grpId="0" nodeType="withEffect">
+                                  <p:stCondLst>
+                                    <p:cond delay="1500"/>
+                                  </p:stCondLst>
+                                  <p:iterate>
+                                    <p:tmPct val="10000"/>
+                                  </p:iterate>
+                                  <p:childTnLst>
+                                    <p:set>
+                                      <p:cBhvr>
+                                        <p:cTn id="12" dur="1" fill="hold">
+                                          <p:stCondLst>
+                                            <p:cond delay="0"/>
+                                          </p:stCondLst>
+                                        </p:cTn>
+                                        <p:tgtEl>
+                                          <p:spTgt spid="3">
+                                            <p:txEl>
+                                              <p:pRg st="0" end="0"/>
+                                            </p:txEl>
+                                          </p:spTgt>
+                                        </p:tgtEl>
+                                        <p:attrNameLst>
+                                          <p:attrName>style.visibility</p:attrName>
+                                        </p:attrNameLst>
+                                      </p:cBhvr>
+                                      <p:to>
+                                        <p:strVal val="visible"/>
+                                      </p:to>
+                                    </p:set>
+                                    <p:animEffect transition="in" filter="fade">
+                                      <p:cBhvr>
+                                        <p:cTn id="13" dur="700"/>
+                                        <p:tgtEl>
+                                          <p:spTgt spid="3">
+                                            <p:txEl>
+                                              <p:pRg st="0" end="0"/>
+                                            </p:txEl>
+                                          </p:spTgt>
+                                        </p:tgtEl>
+                                      </p:cBhvr>
+                                    </p:animEffect>
+                                  </p:childTnLst>
+                                </p:cTn>
+                              </p:par>
+                            </p:childTnLst>
+                          </p:cTn>
+                        </p:par>
+                      </p:childTnLst>
+                    </p:cTn>
+                  </p:par>
+                  <p:par>
+                    <p:cTn id="14" fill="hold">
+                      <p:stCondLst>
+                        <p:cond delay="indefinite"/>
+                      </p:stCondLst>
+                      <p:childTnLst>
+                        <p:par>
+                          <p:cTn id="15" fill="hold">
+                            <p:stCondLst>
+                              <p:cond delay="0"/>
+                            </p:stCondLst>
+                            <p:childTnLst>
+                              <p:par>
+                                <p:cTn id="16" presetID="10" presetClass="entr" presetSubtype="0" fill="hold" grpId="0" nodeType="clickEffect">
+                                  <p:stCondLst>
+                                    <p:cond delay="1500"/>
+                                  </p:stCondLst>
+                                  <p:iterate>
+                                    <p:tmPct val="10000"/>
+                                  </p:iterate>
+                                  <p:childTnLst>
+                                    <p:set>
+                                      <p:cBhvr>
+                                        <p:cTn id="17" dur="1" fill="hold">
+                                          <p:stCondLst>
+                                            <p:cond delay="0"/>
+                                          </p:stCondLst>
+                                        </p:cTn>
+                                        <p:tgtEl>
+                                          <p:spTgt spid="3">
+                                            <p:txEl>
+                                              <p:pRg st="1" end="1"/>
+                                            </p:txEl>
+                                          </p:spTgt>
+                                        </p:tgtEl>
+                                        <p:attrNameLst>
+                                          <p:attrName>style.visibility</p:attrName>
+                                        </p:attrNameLst>
+                                      </p:cBhvr>
+                                      <p:to>
+                                        <p:strVal val="visible"/>
+                                      </p:to>
+                                    </p:set>
+                                    <p:animEffect transition="in" filter="fade">
+                                      <p:cBhvr>
+                                        <p:cTn id="18" dur="700"/>
+                                        <p:tgtEl>
+                                          <p:spTgt spid="3">
+                                            <p:txEl>
+                                              <p:pRg st="1" end="1"/>
+                                            </p:txEl>
+                                          </p:spTgt>
+                                        </p:tgtEl>
+                                      </p:cBhvr>
+                                    </p:animEffect>
+                                  </p:childTnLst>
+                                </p:cTn>
+                              </p:par>
+                            </p:childTnLst>
+                          </p:cTn>
+                        </p:par>
+                      </p:childTnLst>
+                    </p:cTn>
+                  </p:par>
+                  <p:par>
+                    <p:cTn id="19" fill="hold">
+                      <p:stCondLst>
+                        <p:cond delay="indefinite"/>
+                      </p:stCondLst>
+                      <p:childTnLst>
+                        <p:par>
+                          <p:cTn id="20" fill="hold">
+                            <p:stCondLst>
+                              <p:cond delay="0"/>
+                            </p:stCondLst>
+                            <p:childTnLst>
+                              <p:par>
+                                <p:cTn id="21" presetID="10" presetClass="entr" presetSubtype="0" fill="hold" grpId="0" nodeType="clickEffect">
+                                  <p:stCondLst>
+                                    <p:cond delay="1500"/>
+                                  </p:stCondLst>
+                                  <p:iterate>
+                                    <p:tmPct val="10000"/>
+                                  </p:iterate>
+                                  <p:childTnLst>
+                                    <p:set>
+                                      <p:cBhvr>
+                                        <p:cTn id="22" dur="1" fill="hold">
+                                          <p:stCondLst>
+                                            <p:cond delay="0"/>
+                                          </p:stCondLst>
+                                        </p:cTn>
+                                        <p:tgtEl>
+                                          <p:spTgt spid="3">
+                                            <p:txEl>
+                                              <p:pRg st="2" end="2"/>
+                                            </p:txEl>
+                                          </p:spTgt>
+                                        </p:tgtEl>
+                                        <p:attrNameLst>
+                                          <p:attrName>style.visibility</p:attrName>
+                                        </p:attrNameLst>
+                                      </p:cBhvr>
+                                      <p:to>
+                                        <p:strVal val="visible"/>
+                                      </p:to>
+                                    </p:set>
+                                    <p:animEffect transition="in" filter="fade">
+                                      <p:cBhvr>
+                                        <p:cTn id="23" dur="700"/>
+                                        <p:tgtEl>
+                                          <p:spTgt spid="3">
+                                            <p:txEl>
+                                              <p:pRg st="2" end="2"/>
+                                            </p:txEl>
+                                          </p:spTgt>
+                                        </p:tgtEl>
+                                      </p:cBhvr>
+                                    </p:animEffect>
+                                  </p:childTnLst>
+                                </p:cTn>
+                              </p:par>
+                            </p:childTnLst>
+                          </p:cTn>
+                        </p:par>
+                      </p:childTnLst>
+                    </p:cTn>
+                  </p:par>
+                  <p:par>
+                    <p:cTn id="24" fill="hold">
+                      <p:stCondLst>
+                        <p:cond delay="indefinite"/>
+                      </p:stCondLst>
+                      <p:childTnLst>
+                        <p:par>
+                          <p:cTn id="25" fill="hold">
+                            <p:stCondLst>
+                              <p:cond delay="0"/>
+                            </p:stCondLst>
+                            <p:childTnLst>
+                              <p:par>
+                                <p:cTn id="26" presetID="10" presetClass="entr" presetSubtype="0" fill="hold" grpId="0" nodeType="clickEffect">
+                                  <p:stCondLst>
+                                    <p:cond delay="1500"/>
+                                  </p:stCondLst>
+                                  <p:iterate>
+                                    <p:tmPct val="10000"/>
+                                  </p:iterate>
+                                  <p:childTnLst>
+                                    <p:set>
+                                      <p:cBhvr>
+                                        <p:cTn id="27" dur="1" fill="hold">
+                                          <p:stCondLst>
+                                            <p:cond delay="0"/>
+                                          </p:stCondLst>
+                                        </p:cTn>
+                                        <p:tgtEl>
+                                          <p:spTgt spid="3">
+                                            <p:txEl>
+                                              <p:pRg st="3" end="3"/>
+                                            </p:txEl>
+                                          </p:spTgt>
+                                        </p:tgtEl>
+                                        <p:attrNameLst>
+                                          <p:attrName>style.visibility</p:attrName>
+                                        </p:attrNameLst>
+                                      </p:cBhvr>
+                                      <p:to>
+                                        <p:strVal val="visible"/>
+                                      </p:to>
+                                    </p:set>
+                                    <p:animEffect transition="in" filter="fade">
+                                      <p:cBhvr>
+                                        <p:cTn id="28" dur="700"/>
+                                        <p:tgtEl>
+                                          <p:spTgt spid="3">
+                                            <p:txEl>
+                                              <p:pRg st="3" end="3"/>
+                                            </p:txEl>
+                                          </p:spTgt>
+                                        </p:tgtEl>
+                                      </p:cBhvr>
+                                    </p:animEffect>
+                                  </p:childTnLst>
+                                </p:cTn>
+                              </p:par>
+                            </p:childTnLst>
+                          </p:cTn>
+                        </p:par>
+                      </p:childTnLst>
+                    </p:cTn>
+                  </p:par>
+                  <p:par>
+                    <p:cTn id="29" fill="hold">
+                      <p:stCondLst>
+                        <p:cond delay="indefinite"/>
+                      </p:stCondLst>
+                      <p:childTnLst>
+                        <p:par>
+                          <p:cTn id="30" fill="hold">
+                            <p:stCondLst>
+                              <p:cond delay="0"/>
+                            </p:stCondLst>
+                            <p:childTnLst>
+                              <p:par>
+                                <p:cTn id="31" presetID="10" presetClass="entr" presetSubtype="0" fill="hold" grpId="0" nodeType="clickEffect">
+                                  <p:stCondLst>
+                                    <p:cond delay="1500"/>
+                                  </p:stCondLst>
+                                  <p:iterate>
+                                    <p:tmPct val="10000"/>
+                                  </p:iterate>
+                                  <p:childTnLst>
+                                    <p:set>
+                                      <p:cBhvr>
+                                        <p:cTn id="32" dur="1" fill="hold">
+                                          <p:stCondLst>
+                                            <p:cond delay="0"/>
+                                          </p:stCondLst>
+                                        </p:cTn>
+                                        <p:tgtEl>
+                                          <p:spTgt spid="3">
+                                            <p:txEl>
+                                              <p:pRg st="4" end="4"/>
+                                            </p:txEl>
+                                          </p:spTgt>
+                                        </p:tgtEl>
+                                        <p:attrNameLst>
+                                          <p:attrName>style.visibility</p:attrName>
+                                        </p:attrNameLst>
+                                      </p:cBhvr>
+                                      <p:to>
+                                        <p:strVal val="visible"/>
+                                      </p:to>
+                                    </p:set>
+                                    <p:animEffect transition="in" filter="fade">
+                                      <p:cBhvr>
+                                        <p:cTn id="33" dur="700"/>
+                                        <p:tgtEl>
+                                          <p:spTgt spid="3">
+                                            <p:txEl>
+                                              <p:pRg st="4" end="4"/>
+                                            </p:txEl>
+                                          </p:spTgt>
+                                        </p:tgtEl>
+                                      </p:cBhvr>
+                                    </p:animEffect>
+                                  </p:childTnLst>
+                                </p:cTn>
+                              </p:par>
+                            </p:childTnLst>
+                          </p:cTn>
+                        </p:par>
+                      </p:childTnLst>
+                    </p:cTn>
+                  </p:par>
+                  <p:par>
+                    <p:cTn id="34" fill="hold">
+                      <p:stCondLst>
+                        <p:cond delay="indefinite"/>
+                      </p:stCondLst>
+                      <p:childTnLst>
+                        <p:par>
+                          <p:cTn id="35" fill="hold">
+                            <p:stCondLst>
+                              <p:cond delay="0"/>
+                            </p:stCondLst>
+                            <p:childTnLst>
+                              <p:par>
+                                <p:cTn id="36" presetID="10" presetClass="entr" presetSubtype="0" fill="hold" grpId="0" nodeType="clickEffect">
+                                  <p:stCondLst>
+                                    <p:cond delay="1500"/>
+                                  </p:stCondLst>
+                                  <p:iterate>
+                                    <p:tmPct val="10000"/>
+                                  </p:iterate>
+                                  <p:childTnLst>
+                                    <p:set>
+                                      <p:cBhvr>
+                                        <p:cTn id="37" dur="1" fill="hold">
+                                          <p:stCondLst>
+                                            <p:cond delay="0"/>
+                                          </p:stCondLst>
+                                        </p:cTn>
+                                        <p:tgtEl>
+                                          <p:spTgt spid="3">
+                                            <p:txEl>
+                                              <p:pRg st="6" end="6"/>
+                                            </p:txEl>
+                                          </p:spTgt>
+                                        </p:tgtEl>
+                                        <p:attrNameLst>
+                                          <p:attrName>style.visibility</p:attrName>
+                                        </p:attrNameLst>
+                                      </p:cBhvr>
+                                      <p:to>
+                                        <p:strVal val="visible"/>
+                                      </p:to>
+                                    </p:set>
+                                    <p:animEffect transition="in" filter="fade">
+                                      <p:cBhvr>
+                                        <p:cTn id="38" dur="700"/>
+                                        <p:tgtEl>
+                                          <p:spTgt spid="3">
+                                            <p:txEl>
+                                              <p:pRg st="6" end="6"/>
+                                            </p:txEl>
+                                          </p:spTgt>
+                                        </p:tgtEl>
+                                      </p:cBhvr>
+                                    </p:animEffect>
+                                  </p:childTnLst>
+                                </p:cTn>
+                              </p:par>
+                            </p:childTnLst>
+                          </p:cTn>
+                        </p:par>
+                      </p:childTnLst>
+                    </p:cTn>
+                  </p:par>
+                  <p:par>
+                    <p:cTn id="39" fill="hold">
+                      <p:stCondLst>
+                        <p:cond delay="indefinite"/>
+                      </p:stCondLst>
+                      <p:childTnLst>
+                        <p:par>
+                          <p:cTn id="40" fill="hold">
+                            <p:stCondLst>
+                              <p:cond delay="0"/>
+                            </p:stCondLst>
+                            <p:childTnLst>
+                              <p:par>
+                                <p:cTn id="41" presetID="10" presetClass="entr" presetSubtype="0" fill="hold" grpId="0" nodeType="clickEffect">
+                                  <p:stCondLst>
+                                    <p:cond delay="1500"/>
+                                  </p:stCondLst>
+                                  <p:iterate>
+                                    <p:tmPct val="10000"/>
+                                  </p:iterate>
+                                  <p:childTnLst>
+                                    <p:set>
+                                      <p:cBhvr>
+                                        <p:cTn id="42" dur="1" fill="hold">
+                                          <p:stCondLst>
+                                            <p:cond delay="0"/>
+                                          </p:stCondLst>
+                                        </p:cTn>
+                                        <p:tgtEl>
+                                          <p:spTgt spid="3">
+                                            <p:txEl>
+                                              <p:pRg st="7" end="7"/>
+                                            </p:txEl>
+                                          </p:spTgt>
+                                        </p:tgtEl>
+                                        <p:attrNameLst>
+                                          <p:attrName>style.visibility</p:attrName>
+                                        </p:attrNameLst>
+                                      </p:cBhvr>
+                                      <p:to>
+                                        <p:strVal val="visible"/>
+                                      </p:to>
+                                    </p:set>
+                                    <p:animEffect transition="in" filter="fade">
+                                      <p:cBhvr>
+                                        <p:cTn id="43" dur="700"/>
+                                        <p:tgtEl>
+                                          <p:spTgt spid="3">
+                                            <p:txEl>
+                                              <p:pRg st="7" end="7"/>
+                                            </p:txEl>
+                                          </p:spTgt>
+                                        </p:tgtEl>
+                                      </p:cBhvr>
+                                    </p:animEffect>
+                                  </p:childTnLst>
+                                </p:cTn>
+                              </p:par>
+                            </p:childTnLst>
+                          </p:cTn>
+                        </p:par>
+                      </p:childTnLst>
+                    </p:cTn>
+                  </p:par>
+                  <p:par>
+                    <p:cTn id="44" fill="hold">
+                      <p:stCondLst>
+                        <p:cond delay="indefinite"/>
+                      </p:stCondLst>
+                      <p:childTnLst>
+                        <p:par>
+                          <p:cTn id="45" fill="hold">
+                            <p:stCondLst>
+                              <p:cond delay="0"/>
+                            </p:stCondLst>
+                            <p:childTnLst>
+                              <p:par>
+                                <p:cTn id="46" presetID="10" presetClass="entr" presetSubtype="0" fill="hold" grpId="0" nodeType="clickEffect">
+                                  <p:stCondLst>
+                                    <p:cond delay="1500"/>
+                                  </p:stCondLst>
+                                  <p:iterate>
+                                    <p:tmPct val="10000"/>
+                                  </p:iterate>
+                                  <p:childTnLst>
+                                    <p:set>
+                                      <p:cBhvr>
+                                        <p:cTn id="47" dur="1" fill="hold">
+                                          <p:stCondLst>
+                                            <p:cond delay="0"/>
+                                          </p:stCondLst>
+                                        </p:cTn>
+                                        <p:tgtEl>
+                                          <p:spTgt spid="3">
+                                            <p:txEl>
+                                              <p:pRg st="8" end="8"/>
+                                            </p:txEl>
+                                          </p:spTgt>
+                                        </p:tgtEl>
+                                        <p:attrNameLst>
+                                          <p:attrName>style.visibility</p:attrName>
+                                        </p:attrNameLst>
+                                      </p:cBhvr>
+                                      <p:to>
+                                        <p:strVal val="visible"/>
+                                      </p:to>
+                                    </p:set>
+                                    <p:animEffect transition="in" filter="fade">
+                                      <p:cBhvr>
+                                        <p:cTn id="48" dur="700"/>
+                                        <p:tgtEl>
+                                          <p:spTgt spid="3">
+                                            <p:txEl>
+                                              <p:pRg st="8" end="8"/>
+                                            </p:txEl>
+                                          </p:spTgt>
+                                        </p:tgtEl>
+                                      </p:cBhvr>
+                                    </p:animEffect>
+                                  </p:childTnLst>
+                                </p:cTn>
+                              </p:par>
+                            </p:childTnLst>
+                          </p:cTn>
+                        </p:par>
+                      </p:childTnLst>
+                    </p:cTn>
+                  </p:par>
+                  <p:par>
+                    <p:cTn id="49" fill="hold">
+                      <p:stCondLst>
+                        <p:cond delay="indefinite"/>
+                      </p:stCondLst>
+                      <p:childTnLst>
+                        <p:par>
+                          <p:cTn id="50" fill="hold">
+                            <p:stCondLst>
+                              <p:cond delay="0"/>
+                            </p:stCondLst>
+                            <p:childTnLst>
+                              <p:par>
+                                <p:cTn id="51" presetID="10" presetClass="entr" presetSubtype="0" fill="hold" grpId="0" nodeType="clickEffect">
+                                  <p:stCondLst>
+                                    <p:cond delay="1500"/>
+                                  </p:stCondLst>
+                                  <p:iterate>
+                                    <p:tmPct val="10000"/>
+                                  </p:iterate>
+                                  <p:childTnLst>
+                                    <p:set>
+                                      <p:cBhvr>
+                                        <p:cTn id="52" dur="1" fill="hold">
+                                          <p:stCondLst>
+                                            <p:cond delay="0"/>
+                                          </p:stCondLst>
+                                        </p:cTn>
+                                        <p:tgtEl>
+                                          <p:spTgt spid="3">
+                                            <p:txEl>
+                                              <p:pRg st="9" end="9"/>
+                                            </p:txEl>
+                                          </p:spTgt>
+                                        </p:tgtEl>
+                                        <p:attrNameLst>
+                                          <p:attrName>style.visibility</p:attrName>
+                                        </p:attrNameLst>
+                                      </p:cBhvr>
+                                      <p:to>
+                                        <p:strVal val="visible"/>
+                                      </p:to>
+                                    </p:set>
+                                    <p:animEffect transition="in" filter="fade">
+                                      <p:cBhvr>
+                                        <p:cTn id="53" dur="700"/>
+                                        <p:tgtEl>
+                                          <p:spTgt spid="3">
+                                            <p:txEl>
+                                              <p:pRg st="9" end="9"/>
+                                            </p:txEl>
+                                          </p:spTgt>
+                                        </p:tgtEl>
+                                      </p:cBhvr>
+                                    </p:animEffect>
+                                  </p:childTnLst>
+                                </p:cTn>
+                              </p:par>
+                            </p:childTnLst>
+                          </p:cTn>
+                        </p:par>
+                      </p:childTnLst>
+                    </p:cTn>
+                  </p:par>
+                  <p:par>
+                    <p:cTn id="54" fill="hold">
+                      <p:stCondLst>
+                        <p:cond delay="indefinite"/>
+                      </p:stCondLst>
+                      <p:childTnLst>
+                        <p:par>
+                          <p:cTn id="55" fill="hold">
+                            <p:stCondLst>
+                              <p:cond delay="0"/>
+                            </p:stCondLst>
+                            <p:childTnLst>
+                              <p:par>
+                                <p:cTn id="56" presetID="10" presetClass="entr" presetSubtype="0" fill="hold" grpId="0" nodeType="clickEffect">
+                                  <p:stCondLst>
+                                    <p:cond delay="1500"/>
+                                  </p:stCondLst>
+                                  <p:iterate>
+                                    <p:tmPct val="10000"/>
+                                  </p:iterate>
+                                  <p:childTnLst>
+                                    <p:set>
+                                      <p:cBhvr>
+                                        <p:cTn id="57" dur="1" fill="hold">
+                                          <p:stCondLst>
+                                            <p:cond delay="0"/>
+                                          </p:stCondLst>
+                                        </p:cTn>
+                                        <p:tgtEl>
+                                          <p:spTgt spid="3">
+                                            <p:txEl>
+                                              <p:pRg st="11" end="11"/>
+                                            </p:txEl>
+                                          </p:spTgt>
+                                        </p:tgtEl>
+                                        <p:attrNameLst>
+                                          <p:attrName>style.visibility</p:attrName>
+                                        </p:attrNameLst>
+                                      </p:cBhvr>
+                                      <p:to>
+                                        <p:strVal val="visible"/>
+                                      </p:to>
+                                    </p:set>
+                                    <p:animEffect transition="in" filter="fade">
+                                      <p:cBhvr>
+                                        <p:cTn id="58" dur="700"/>
+                                        <p:tgtEl>
+                                          <p:spTgt spid="3">
+                                            <p:txEl>
+                                              <p:pRg st="11" end="11"/>
+                                            </p:txEl>
+                                          </p:spTgt>
+                                        </p:tgtEl>
+                                      </p:cBhvr>
+                                    </p:animEffect>
+                                  </p:childTnLst>
+                                </p:cTn>
+                              </p:par>
+                            </p:childTnLst>
+                          </p:cTn>
+                        </p:par>
+                      </p:childTnLst>
+                    </p:cTn>
+                  </p:par>
+                  <p:par>
+                    <p:cTn id="59" fill="hold">
+                      <p:stCondLst>
+                        <p:cond delay="indefinite"/>
+                      </p:stCondLst>
+                      <p:childTnLst>
+                        <p:par>
+                          <p:cTn id="60" fill="hold">
+                            <p:stCondLst>
+                              <p:cond delay="0"/>
+                            </p:stCondLst>
+                            <p:childTnLst>
+                              <p:par>
+                                <p:cTn id="61" presetID="10" presetClass="entr" presetSubtype="0" fill="hold" grpId="0" nodeType="clickEffect">
+                                  <p:stCondLst>
+                                    <p:cond delay="1500"/>
+                                  </p:stCondLst>
+                                  <p:iterate>
+                                    <p:tmPct val="10000"/>
+                                  </p:iterate>
+                                  <p:childTnLst>
+                                    <p:set>
+                                      <p:cBhvr>
+                                        <p:cTn id="62" dur="1" fill="hold">
+                                          <p:stCondLst>
+                                            <p:cond delay="0"/>
+                                          </p:stCondLst>
+                                        </p:cTn>
+                                        <p:tgtEl>
+                                          <p:spTgt spid="3">
+                                            <p:txEl>
+                                              <p:pRg st="12" end="12"/>
+                                            </p:txEl>
+                                          </p:spTgt>
+                                        </p:tgtEl>
+                                        <p:attrNameLst>
+                                          <p:attrName>style.visibility</p:attrName>
+                                        </p:attrNameLst>
+                                      </p:cBhvr>
+                                      <p:to>
+                                        <p:strVal val="visible"/>
+                                      </p:to>
+                                    </p:set>
+                                    <p:animEffect transition="in" filter="fade">
+                                      <p:cBhvr>
+                                        <p:cTn id="63" dur="700"/>
+                                        <p:tgtEl>
+                                          <p:spTgt spid="3">
+                                            <p:txEl>
+                                              <p:pRg st="12" end="12"/>
+                                            </p:txEl>
+                                          </p:spTgt>
+                                        </p:tgtEl>
+                                      </p:cBhvr>
+                                    </p:animEffect>
+                                  </p:childTnLst>
+                                </p:cTn>
+                              </p:par>
+                            </p:childTnLst>
+                          </p:cTn>
+                        </p:par>
+                      </p:childTnLst>
+                    </p:cTn>
+                  </p:par>
+                </p:childTnLst>
+              </p:cTn>
+              <p:prevCondLst>
+                <p:cond evt="onPrev" delay="0">
+                  <p:tgtEl>
+                    <p:sldTgt/>
+                  </p:tgtEl>
+                </p:cond>
+              </p:prevCondLst>
+              <p:nextCondLst>
+                <p:cond evt="onNext" delay="0">
+                  <p:tgtEl>
+                    <p:sldTgt/>
+                  </p:tgtEl>
+                </p:cond>
+              </p:nextCondLst>
+            </p:seq>
+          </p:childTnLst>
+        </p:cTn>
+      </p:par>
+    </p:tnLst>
+    <p:bldLst>
+      <p:bldP spid="2" grpId="0"/>
+      <p:bldP spid="5" grpId="0" build="p"/>
+      <p:bldP spid="3" grpId="0" build="p"/>
+    </p:bldLst>
+  </p:timing>
+</p:sld>
+</file>
+
+<file path=ppt/slides/slide11.xml><?xml version="1.0" encoding="utf-8"?>
+<p:sld xmlns:a="http://schemas.openxmlformats.org/drawingml/2006/main" xmlns:r="http://schemas.openxmlformats.org/officeDocument/2006/relationships" xmlns:p="http://schemas.openxmlformats.org/presentationml/2006/main">
+  <p:cSld>
+    <p:bg>
+      <p:bgPr>
+        <a:solidFill>
+          <a:schemeClr val="bg1"/>
+        </a:solidFill>
+        <a:effectLst/>
+      </p:bgPr>
+    </p:bg>
+    <p:spTree>
+      <p:nvGrpSpPr>
+        <p:cNvPr id="1" name="">
+          <a:extLst>
+            <a:ext uri="{FF2B5EF4-FFF2-40B4-BE49-F238E27FC236}">
+              <a16:creationId xmlns:a16="http://schemas.microsoft.com/office/drawing/2014/main" id="{76049970-45B4-63DE-4B1B-787F9C06C788}"/>
+            </a:ext>
+          </a:extLst>
+        </p:cNvPr>
+        <p:cNvGrpSpPr/>
+        <p:nvPr/>
+      </p:nvGrpSpPr>
+      <p:grpSpPr>
+        <a:xfrm>
+          <a:off x="0" y="0"/>
+          <a:ext cx="0" cy="0"/>
+          <a:chOff x="0" y="0"/>
+          <a:chExt cx="0" cy="0"/>
+        </a:xfrm>
+      </p:grpSpPr>
+      <p:sp>
+        <p:nvSpPr>
+          <p:cNvPr id="2" name="Title 1">
+            <a:extLst>
+              <a:ext uri="{FF2B5EF4-FFF2-40B4-BE49-F238E27FC236}">
+                <a16:creationId xmlns:a16="http://schemas.microsoft.com/office/drawing/2014/main" id="{A04B0A44-B2F6-D5AC-469A-F33AB40C1341}"/>
+              </a:ext>
+            </a:extLst>
+          </p:cNvPr>
+          <p:cNvSpPr>
+            <a:spLocks noGrp="1"/>
+          </p:cNvSpPr>
+          <p:nvPr>
+            <p:ph type="ctrTitle"/>
+          </p:nvPr>
+        </p:nvSpPr>
+        <p:spPr>
+          <a:xfrm>
+            <a:off x="-816865" y="553119"/>
+            <a:ext cx="13825728" cy="780671"/>
+          </a:xfrm>
+        </p:spPr>
+        <p:txBody>
+          <a:bodyPr anchor="b">
+            <a:noAutofit/>
+          </a:bodyPr>
+          <a:lstStyle/>
+          <a:p>
+            <a:r>
+              <a:rPr lang="cs-CZ" sz="3600" dirty="0">
+                <a:latin typeface="Aptos Black" panose="020B0004020202020204" pitchFamily="34" charset="0"/>
+              </a:rPr>
+              <a:t>KONEC</a:t>
+            </a:r>
+          </a:p>
+        </p:txBody>
+      </p:sp>
+      <p:sp>
+        <p:nvSpPr>
+          <p:cNvPr id="5" name="Subtitle 2">
+            <a:extLst>
+              <a:ext uri="{FF2B5EF4-FFF2-40B4-BE49-F238E27FC236}">
+                <a16:creationId xmlns:a16="http://schemas.microsoft.com/office/drawing/2014/main" id="{D9FDE3A3-3CBA-C13F-5860-797321AE9D43}"/>
+              </a:ext>
+            </a:extLst>
+          </p:cNvPr>
+          <p:cNvSpPr txBox="1">
+            <a:spLocks/>
+          </p:cNvSpPr>
+          <p:nvPr/>
+        </p:nvSpPr>
+        <p:spPr>
+          <a:xfrm>
+            <a:off x="1245958" y="1571534"/>
+            <a:ext cx="9700083" cy="1208141"/>
+          </a:xfrm>
+          <a:prstGeom prst="rect">
+            <a:avLst/>
+          </a:prstGeom>
+        </p:spPr>
+        <p:txBody>
+          <a:bodyPr vert="horz" lIns="91440" tIns="45720" rIns="91440" bIns="45720" rtlCol="0">
+            <a:noAutofit/>
+          </a:bodyPr>
+          <a:lstStyle>
+            <a:lvl1pPr marL="0" indent="0" algn="ctr" defTabSz="914400" rtl="0" eaLnBrk="1" latinLnBrk="0" hangingPunct="1">
+              <a:lnSpc>
+                <a:spcPct val="120000"/>
+              </a:lnSpc>
+              <a:spcBef>
+                <a:spcPts val="1000"/>
+              </a:spcBef>
+              <a:buFont typeface="Arial" panose="020B0604020202020204" pitchFamily="34" charset="0"/>
+              <a:buNone/>
+              <a:defRPr sz="2400" kern="1200">
+                <a:solidFill>
+                  <a:schemeClr val="tx1"/>
+                </a:solidFill>
+                <a:effectLst>
+                  <a:outerShdw blurRad="50800" dist="38100" dir="2700000" algn="tl" rotWithShape="0">
+                    <a:srgbClr val="000000">
+                      <a:alpha val="48000"/>
+                    </a:srgbClr>
+                  </a:outerShdw>
+                </a:effectLst>
+                <a:latin typeface="+mn-lt"/>
+                <a:ea typeface="+mn-ea"/>
+                <a:cs typeface="+mn-cs"/>
+              </a:defRPr>
+            </a:lvl1pPr>
+            <a:lvl2pPr marL="457200" indent="0" algn="ctr" defTabSz="914400" rtl="0" eaLnBrk="1" latinLnBrk="0" hangingPunct="1">
+              <a:lnSpc>
+                <a:spcPct val="120000"/>
+              </a:lnSpc>
+              <a:spcBef>
+                <a:spcPts val="500"/>
+              </a:spcBef>
+              <a:buFont typeface="Arial" panose="020B0604020202020204" pitchFamily="34" charset="0"/>
+              <a:buNone/>
+              <a:defRPr sz="2000" kern="1200">
+                <a:solidFill>
+                  <a:schemeClr val="tx1"/>
+                </a:solidFill>
+                <a:effectLst>
+                  <a:outerShdw blurRad="50800" dist="38100" dir="2700000" algn="tl" rotWithShape="0">
+                    <a:srgbClr val="000000">
+                      <a:alpha val="48000"/>
+                    </a:srgbClr>
+                  </a:outerShdw>
+                </a:effectLst>
+                <a:latin typeface="+mn-lt"/>
+                <a:ea typeface="+mn-ea"/>
+                <a:cs typeface="+mn-cs"/>
+              </a:defRPr>
+            </a:lvl2pPr>
+            <a:lvl3pPr marL="914400" indent="0" algn="ctr" defTabSz="914400" rtl="0" eaLnBrk="1" latinLnBrk="0" hangingPunct="1">
+              <a:lnSpc>
+                <a:spcPct val="120000"/>
+              </a:lnSpc>
+              <a:spcBef>
+                <a:spcPts val="500"/>
+              </a:spcBef>
+              <a:buFont typeface="Arial" panose="020B0604020202020204" pitchFamily="34" charset="0"/>
+              <a:buNone/>
+              <a:defRPr sz="1800" kern="1200">
+                <a:solidFill>
+                  <a:schemeClr val="tx1"/>
+                </a:solidFill>
+                <a:effectLst>
+                  <a:outerShdw blurRad="50800" dist="38100" dir="2700000" algn="tl" rotWithShape="0">
+                    <a:srgbClr val="000000">
+                      <a:alpha val="48000"/>
+                    </a:srgbClr>
+                  </a:outerShdw>
+                </a:effectLst>
+                <a:latin typeface="+mn-lt"/>
+                <a:ea typeface="+mn-ea"/>
+                <a:cs typeface="+mn-cs"/>
+              </a:defRPr>
+            </a:lvl3pPr>
+            <a:lvl4pPr marL="1371600" indent="0" algn="ctr" defTabSz="914400" rtl="0" eaLnBrk="1" latinLnBrk="0" hangingPunct="1">
+              <a:lnSpc>
+                <a:spcPct val="120000"/>
+              </a:lnSpc>
+              <a:spcBef>
+                <a:spcPts val="500"/>
+              </a:spcBef>
+              <a:buFont typeface="Arial" panose="020B0604020202020204" pitchFamily="34" charset="0"/>
+              <a:buNone/>
+              <a:defRPr sz="1600" kern="1200">
+                <a:solidFill>
+                  <a:schemeClr val="tx1"/>
+                </a:solidFill>
+                <a:effectLst>
+                  <a:outerShdw blurRad="50800" dist="38100" dir="2700000" algn="tl" rotWithShape="0">
+                    <a:srgbClr val="000000">
+                      <a:alpha val="48000"/>
+                    </a:srgbClr>
+                  </a:outerShdw>
+                </a:effectLst>
+                <a:latin typeface="+mn-lt"/>
+                <a:ea typeface="+mn-ea"/>
+                <a:cs typeface="+mn-cs"/>
+              </a:defRPr>
+            </a:lvl4pPr>
+            <a:lvl5pPr marL="1828800" indent="0" algn="ctr" defTabSz="914400" rtl="0" eaLnBrk="1" latinLnBrk="0" hangingPunct="1">
+              <a:lnSpc>
+                <a:spcPct val="120000"/>
+              </a:lnSpc>
+              <a:spcBef>
+                <a:spcPts val="500"/>
+              </a:spcBef>
+              <a:buFont typeface="Arial" panose="020B0604020202020204" pitchFamily="34" charset="0"/>
+              <a:buNone/>
+              <a:defRPr sz="1600" kern="1200">
+                <a:solidFill>
+                  <a:schemeClr val="tx1"/>
+                </a:solidFill>
+                <a:effectLst>
+                  <a:outerShdw blurRad="50800" dist="38100" dir="2700000" algn="tl" rotWithShape="0">
+                    <a:srgbClr val="000000">
+                      <a:alpha val="48000"/>
+                    </a:srgbClr>
+                  </a:outerShdw>
+                </a:effectLst>
+                <a:latin typeface="+mn-lt"/>
+                <a:ea typeface="+mn-ea"/>
+                <a:cs typeface="+mn-cs"/>
+              </a:defRPr>
+            </a:lvl5pPr>
+            <a:lvl6pPr marL="2286000" indent="0" algn="ctr" defTabSz="914400" rtl="0" eaLnBrk="1" latinLnBrk="0" hangingPunct="1">
+              <a:lnSpc>
+                <a:spcPct val="120000"/>
+              </a:lnSpc>
+              <a:spcBef>
+                <a:spcPts val="500"/>
+              </a:spcBef>
+              <a:buFont typeface="Arial" panose="020B0604020202020204" pitchFamily="34" charset="0"/>
+              <a:buNone/>
+              <a:defRPr sz="1600" kern="1200">
+                <a:solidFill>
+                  <a:schemeClr val="tx1"/>
+                </a:solidFill>
+                <a:effectLst>
+                  <a:outerShdw blurRad="50800" dist="38100" dir="2700000" algn="tl" rotWithShape="0">
+                    <a:srgbClr val="000000">
+                      <a:alpha val="48000"/>
+                    </a:srgbClr>
+                  </a:outerShdw>
+                </a:effectLst>
+                <a:latin typeface="+mn-lt"/>
+                <a:ea typeface="+mn-ea"/>
+                <a:cs typeface="+mn-cs"/>
+              </a:defRPr>
+            </a:lvl6pPr>
+            <a:lvl7pPr marL="2743200" indent="0" algn="ctr" defTabSz="914400" rtl="0" eaLnBrk="1" latinLnBrk="0" hangingPunct="1">
+              <a:lnSpc>
+                <a:spcPct val="120000"/>
+              </a:lnSpc>
+              <a:spcBef>
+                <a:spcPts val="500"/>
+              </a:spcBef>
+              <a:buFont typeface="Arial" panose="020B0604020202020204" pitchFamily="34" charset="0"/>
+              <a:buNone/>
+              <a:defRPr sz="1600" kern="1200">
+                <a:solidFill>
+                  <a:schemeClr val="tx1"/>
+                </a:solidFill>
+                <a:effectLst>
+                  <a:outerShdw blurRad="50800" dist="38100" dir="2700000" algn="tl" rotWithShape="0">
+                    <a:srgbClr val="000000">
+                      <a:alpha val="48000"/>
+                    </a:srgbClr>
+                  </a:outerShdw>
+                </a:effectLst>
+                <a:latin typeface="+mn-lt"/>
+                <a:ea typeface="+mn-ea"/>
+                <a:cs typeface="+mn-cs"/>
+              </a:defRPr>
+            </a:lvl7pPr>
+            <a:lvl8pPr marL="3200400" indent="0" algn="ctr" defTabSz="914400" rtl="0" eaLnBrk="1" latinLnBrk="0" hangingPunct="1">
+              <a:lnSpc>
+                <a:spcPct val="120000"/>
+              </a:lnSpc>
+              <a:spcBef>
+                <a:spcPts val="500"/>
+              </a:spcBef>
+              <a:buFont typeface="Arial" panose="020B0604020202020204" pitchFamily="34" charset="0"/>
+              <a:buNone/>
+              <a:defRPr sz="1600" kern="1200">
+                <a:solidFill>
+                  <a:schemeClr val="tx1"/>
+                </a:solidFill>
+                <a:effectLst>
+                  <a:outerShdw blurRad="50800" dist="38100" dir="2700000" algn="tl" rotWithShape="0">
+                    <a:srgbClr val="000000">
+                      <a:alpha val="48000"/>
+                    </a:srgbClr>
+                  </a:outerShdw>
+                </a:effectLst>
+                <a:latin typeface="+mn-lt"/>
+                <a:ea typeface="+mn-ea"/>
+                <a:cs typeface="+mn-cs"/>
+              </a:defRPr>
+            </a:lvl8pPr>
+            <a:lvl9pPr marL="3657600" indent="0" algn="ctr" defTabSz="914400" rtl="0" eaLnBrk="1" latinLnBrk="0" hangingPunct="1">
+              <a:lnSpc>
+                <a:spcPct val="120000"/>
+              </a:lnSpc>
+              <a:spcBef>
+                <a:spcPts val="500"/>
+              </a:spcBef>
+              <a:buFont typeface="Arial" panose="020B0604020202020204" pitchFamily="34" charset="0"/>
+              <a:buNone/>
+              <a:defRPr sz="1600" kern="1200">
+                <a:solidFill>
+                  <a:schemeClr val="tx1"/>
+                </a:solidFill>
+                <a:effectLst>
+                  <a:outerShdw blurRad="50800" dist="38100" dir="2700000" algn="tl" rotWithShape="0">
+                    <a:srgbClr val="000000">
+                      <a:alpha val="48000"/>
+                    </a:srgbClr>
+                  </a:outerShdw>
+                </a:effectLst>
+                <a:latin typeface="+mn-lt"/>
+                <a:ea typeface="+mn-ea"/>
+                <a:cs typeface="+mn-cs"/>
+              </a:defRPr>
+            </a:lvl9pPr>
+          </a:lstStyle>
+          <a:p>
+            <a:pPr>
+              <a:lnSpc>
+                <a:spcPct val="100000"/>
+              </a:lnSpc>
+            </a:pPr>
+            <a:endParaRPr lang="cs-CZ" sz="2000" dirty="0"/>
+          </a:p>
+        </p:txBody>
+      </p:sp>
+      <p:sp>
+        <p:nvSpPr>
+          <p:cNvPr id="3" name="Subtitle 2">
+            <a:extLst>
+              <a:ext uri="{FF2B5EF4-FFF2-40B4-BE49-F238E27FC236}">
+                <a16:creationId xmlns:a16="http://schemas.microsoft.com/office/drawing/2014/main" id="{23BC322F-6DE2-5049-239F-890D9C6CBD7B}"/>
+              </a:ext>
+            </a:extLst>
+          </p:cNvPr>
+          <p:cNvSpPr txBox="1">
+            <a:spLocks/>
+          </p:cNvSpPr>
+          <p:nvPr/>
+        </p:nvSpPr>
+        <p:spPr>
+          <a:xfrm>
+            <a:off x="1245957" y="1333790"/>
+            <a:ext cx="9700083" cy="4733347"/>
+          </a:xfrm>
+          <a:prstGeom prst="rect">
+            <a:avLst/>
+          </a:prstGeom>
+        </p:spPr>
+        <p:txBody>
+          <a:bodyPr vert="horz" lIns="91440" tIns="45720" rIns="91440" bIns="45720" rtlCol="0">
+            <a:noAutofit/>
+          </a:bodyPr>
+          <a:lstStyle>
+            <a:lvl1pPr marL="0" indent="0" algn="ctr" defTabSz="914400" rtl="0" eaLnBrk="1" latinLnBrk="0" hangingPunct="1">
+              <a:lnSpc>
+                <a:spcPct val="120000"/>
+              </a:lnSpc>
+              <a:spcBef>
+                <a:spcPts val="1000"/>
+              </a:spcBef>
+              <a:buFont typeface="Arial" panose="020B0604020202020204" pitchFamily="34" charset="0"/>
+              <a:buNone/>
+              <a:defRPr sz="2400" kern="1200">
+                <a:solidFill>
+                  <a:schemeClr val="tx1"/>
+                </a:solidFill>
+                <a:effectLst>
+                  <a:outerShdw blurRad="50800" dist="38100" dir="2700000" algn="tl" rotWithShape="0">
+                    <a:srgbClr val="000000">
+                      <a:alpha val="48000"/>
+                    </a:srgbClr>
+                  </a:outerShdw>
+                </a:effectLst>
+                <a:latin typeface="+mn-lt"/>
+                <a:ea typeface="+mn-ea"/>
+                <a:cs typeface="+mn-cs"/>
+              </a:defRPr>
+            </a:lvl1pPr>
+            <a:lvl2pPr marL="457200" indent="0" algn="ctr" defTabSz="914400" rtl="0" eaLnBrk="1" latinLnBrk="0" hangingPunct="1">
+              <a:lnSpc>
+                <a:spcPct val="120000"/>
+              </a:lnSpc>
+              <a:spcBef>
+                <a:spcPts val="500"/>
+              </a:spcBef>
+              <a:buFont typeface="Arial" panose="020B0604020202020204" pitchFamily="34" charset="0"/>
+              <a:buNone/>
+              <a:defRPr sz="2000" kern="1200">
+                <a:solidFill>
+                  <a:schemeClr val="tx1"/>
+                </a:solidFill>
+                <a:effectLst>
+                  <a:outerShdw blurRad="50800" dist="38100" dir="2700000" algn="tl" rotWithShape="0">
+                    <a:srgbClr val="000000">
+                      <a:alpha val="48000"/>
+                    </a:srgbClr>
+                  </a:outerShdw>
+                </a:effectLst>
+                <a:latin typeface="+mn-lt"/>
+                <a:ea typeface="+mn-ea"/>
+                <a:cs typeface="+mn-cs"/>
+              </a:defRPr>
+            </a:lvl2pPr>
+            <a:lvl3pPr marL="914400" indent="0" algn="ctr" defTabSz="914400" rtl="0" eaLnBrk="1" latinLnBrk="0" hangingPunct="1">
+              <a:lnSpc>
+                <a:spcPct val="120000"/>
+              </a:lnSpc>
+              <a:spcBef>
+                <a:spcPts val="500"/>
+              </a:spcBef>
+              <a:buFont typeface="Arial" panose="020B0604020202020204" pitchFamily="34" charset="0"/>
+              <a:buNone/>
+              <a:defRPr sz="1800" kern="1200">
+                <a:solidFill>
+                  <a:schemeClr val="tx1"/>
+                </a:solidFill>
+                <a:effectLst>
+                  <a:outerShdw blurRad="50800" dist="38100" dir="2700000" algn="tl" rotWithShape="0">
+                    <a:srgbClr val="000000">
+                      <a:alpha val="48000"/>
+                    </a:srgbClr>
+                  </a:outerShdw>
+                </a:effectLst>
+                <a:latin typeface="+mn-lt"/>
+                <a:ea typeface="+mn-ea"/>
+                <a:cs typeface="+mn-cs"/>
+              </a:defRPr>
+            </a:lvl3pPr>
+            <a:lvl4pPr marL="1371600" indent="0" algn="ctr" defTabSz="914400" rtl="0" eaLnBrk="1" latinLnBrk="0" hangingPunct="1">
+              <a:lnSpc>
+                <a:spcPct val="120000"/>
+              </a:lnSpc>
+              <a:spcBef>
+                <a:spcPts val="500"/>
+              </a:spcBef>
+              <a:buFont typeface="Arial" panose="020B0604020202020204" pitchFamily="34" charset="0"/>
+              <a:buNone/>
+              <a:defRPr sz="1600" kern="1200">
+                <a:solidFill>
+                  <a:schemeClr val="tx1"/>
+                </a:solidFill>
+                <a:effectLst>
+                  <a:outerShdw blurRad="50800" dist="38100" dir="2700000" algn="tl" rotWithShape="0">
+                    <a:srgbClr val="000000">
+                      <a:alpha val="48000"/>
+                    </a:srgbClr>
+                  </a:outerShdw>
+                </a:effectLst>
+                <a:latin typeface="+mn-lt"/>
+                <a:ea typeface="+mn-ea"/>
+                <a:cs typeface="+mn-cs"/>
+              </a:defRPr>
+            </a:lvl4pPr>
+            <a:lvl5pPr marL="1828800" indent="0" algn="ctr" defTabSz="914400" rtl="0" eaLnBrk="1" latinLnBrk="0" hangingPunct="1">
+              <a:lnSpc>
+                <a:spcPct val="120000"/>
+              </a:lnSpc>
+              <a:spcBef>
+                <a:spcPts val="500"/>
+              </a:spcBef>
+              <a:buFont typeface="Arial" panose="020B0604020202020204" pitchFamily="34" charset="0"/>
+              <a:buNone/>
+              <a:defRPr sz="1600" kern="1200">
+                <a:solidFill>
+                  <a:schemeClr val="tx1"/>
+                </a:solidFill>
+                <a:effectLst>
+                  <a:outerShdw blurRad="50800" dist="38100" dir="2700000" algn="tl" rotWithShape="0">
+                    <a:srgbClr val="000000">
+                      <a:alpha val="48000"/>
+                    </a:srgbClr>
+                  </a:outerShdw>
+                </a:effectLst>
+                <a:latin typeface="+mn-lt"/>
+                <a:ea typeface="+mn-ea"/>
+                <a:cs typeface="+mn-cs"/>
+              </a:defRPr>
+            </a:lvl5pPr>
+            <a:lvl6pPr marL="2286000" indent="0" algn="ctr" defTabSz="914400" rtl="0" eaLnBrk="1" latinLnBrk="0" hangingPunct="1">
+              <a:lnSpc>
+                <a:spcPct val="120000"/>
+              </a:lnSpc>
+              <a:spcBef>
+                <a:spcPts val="500"/>
+              </a:spcBef>
+              <a:buFont typeface="Arial" panose="020B0604020202020204" pitchFamily="34" charset="0"/>
+              <a:buNone/>
+              <a:defRPr sz="1600" kern="1200">
+                <a:solidFill>
+                  <a:schemeClr val="tx1"/>
+                </a:solidFill>
+                <a:effectLst>
+                  <a:outerShdw blurRad="50800" dist="38100" dir="2700000" algn="tl" rotWithShape="0">
+                    <a:srgbClr val="000000">
+                      <a:alpha val="48000"/>
+                    </a:srgbClr>
+                  </a:outerShdw>
+                </a:effectLst>
+                <a:latin typeface="+mn-lt"/>
+                <a:ea typeface="+mn-ea"/>
+                <a:cs typeface="+mn-cs"/>
+              </a:defRPr>
+            </a:lvl6pPr>
+            <a:lvl7pPr marL="2743200" indent="0" algn="ctr" defTabSz="914400" rtl="0" eaLnBrk="1" latinLnBrk="0" hangingPunct="1">
+              <a:lnSpc>
+                <a:spcPct val="120000"/>
+              </a:lnSpc>
+              <a:spcBef>
+                <a:spcPts val="500"/>
+              </a:spcBef>
+              <a:buFont typeface="Arial" panose="020B0604020202020204" pitchFamily="34" charset="0"/>
+              <a:buNone/>
+              <a:defRPr sz="1600" kern="1200">
+                <a:solidFill>
+                  <a:schemeClr val="tx1"/>
+                </a:solidFill>
+                <a:effectLst>
+                  <a:outerShdw blurRad="50800" dist="38100" dir="2700000" algn="tl" rotWithShape="0">
+                    <a:srgbClr val="000000">
+                      <a:alpha val="48000"/>
+                    </a:srgbClr>
+                  </a:outerShdw>
+                </a:effectLst>
+                <a:latin typeface="+mn-lt"/>
+                <a:ea typeface="+mn-ea"/>
+                <a:cs typeface="+mn-cs"/>
+              </a:defRPr>
+            </a:lvl7pPr>
+            <a:lvl8pPr marL="3200400" indent="0" algn="ctr" defTabSz="914400" rtl="0" eaLnBrk="1" latinLnBrk="0" hangingPunct="1">
+              <a:lnSpc>
+                <a:spcPct val="120000"/>
+              </a:lnSpc>
+              <a:spcBef>
+                <a:spcPts val="500"/>
+              </a:spcBef>
+              <a:buFont typeface="Arial" panose="020B0604020202020204" pitchFamily="34" charset="0"/>
+              <a:buNone/>
+              <a:defRPr sz="1600" kern="1200">
+                <a:solidFill>
+                  <a:schemeClr val="tx1"/>
+                </a:solidFill>
+                <a:effectLst>
+                  <a:outerShdw blurRad="50800" dist="38100" dir="2700000" algn="tl" rotWithShape="0">
+                    <a:srgbClr val="000000">
+                      <a:alpha val="48000"/>
+                    </a:srgbClr>
+                  </a:outerShdw>
+                </a:effectLst>
+                <a:latin typeface="+mn-lt"/>
+                <a:ea typeface="+mn-ea"/>
+                <a:cs typeface="+mn-cs"/>
+              </a:defRPr>
+            </a:lvl8pPr>
+            <a:lvl9pPr marL="3657600" indent="0" algn="ctr" defTabSz="914400" rtl="0" eaLnBrk="1" latinLnBrk="0" hangingPunct="1">
+              <a:lnSpc>
+                <a:spcPct val="120000"/>
+              </a:lnSpc>
+              <a:spcBef>
+                <a:spcPts val="500"/>
+              </a:spcBef>
+              <a:buFont typeface="Arial" panose="020B0604020202020204" pitchFamily="34" charset="0"/>
+              <a:buNone/>
+              <a:defRPr sz="1600" kern="1200">
+                <a:solidFill>
+                  <a:schemeClr val="tx1"/>
+                </a:solidFill>
+                <a:effectLst>
+                  <a:outerShdw blurRad="50800" dist="38100" dir="2700000" algn="tl" rotWithShape="0">
+                    <a:srgbClr val="000000">
+                      <a:alpha val="48000"/>
+                    </a:srgbClr>
+                  </a:outerShdw>
+                </a:effectLst>
+                <a:latin typeface="+mn-lt"/>
+                <a:ea typeface="+mn-ea"/>
+                <a:cs typeface="+mn-cs"/>
+              </a:defRPr>
+            </a:lvl9pPr>
+          </a:lstStyle>
+          <a:p>
+            <a:pPr>
+              <a:lnSpc>
+                <a:spcPct val="100000"/>
+              </a:lnSpc>
+            </a:pPr>
+            <a:r>
+              <a:rPr lang="cs-CZ" sz="2000" dirty="0"/>
+              <a:t>Děkujeme za pozornost</a:t>
+            </a:r>
+          </a:p>
+          <a:p>
+            <a:pPr>
+              <a:lnSpc>
+                <a:spcPct val="100000"/>
+              </a:lnSpc>
+            </a:pPr>
+            <a:endParaRPr lang="cs-CZ" sz="2000" dirty="0"/>
+          </a:p>
+          <a:p>
+            <a:pPr>
+              <a:lnSpc>
+                <a:spcPct val="100000"/>
+              </a:lnSpc>
+            </a:pPr>
+            <a:endParaRPr lang="cs-CZ" sz="2000" dirty="0"/>
+          </a:p>
+          <a:p>
+            <a:pPr>
+              <a:lnSpc>
+                <a:spcPct val="100000"/>
+              </a:lnSpc>
+            </a:pPr>
+            <a:endParaRPr lang="cs-CZ" sz="2000" dirty="0"/>
+          </a:p>
+          <a:p>
+            <a:pPr>
+              <a:lnSpc>
+                <a:spcPct val="100000"/>
+              </a:lnSpc>
+            </a:pPr>
+            <a:endParaRPr lang="cs-CZ" sz="2000" dirty="0"/>
+          </a:p>
+          <a:p>
+            <a:pPr>
+              <a:lnSpc>
+                <a:spcPct val="100000"/>
+              </a:lnSpc>
+            </a:pPr>
+            <a:endParaRPr lang="cs-CZ" sz="2000" dirty="0"/>
+          </a:p>
+          <a:p>
+            <a:pPr>
+              <a:lnSpc>
+                <a:spcPct val="100000"/>
+              </a:lnSpc>
+            </a:pPr>
+            <a:r>
+              <a:rPr lang="cs-CZ" sz="2000" dirty="0"/>
+              <a:t>O	O</a:t>
+            </a:r>
+          </a:p>
+          <a:p>
+            <a:pPr>
+              <a:lnSpc>
+                <a:spcPct val="100000"/>
+              </a:lnSpc>
+            </a:pPr>
+            <a:r>
+              <a:rPr lang="cs-CZ" sz="2000" dirty="0"/>
+              <a:t>|</a:t>
+            </a:r>
+          </a:p>
+          <a:p>
+            <a:pPr>
+              <a:lnSpc>
+                <a:spcPct val="100000"/>
+              </a:lnSpc>
+            </a:pPr>
+            <a:r>
+              <a:rPr lang="cs-CZ" sz="2000" dirty="0"/>
+              <a:t>____________</a:t>
+            </a:r>
+          </a:p>
+        </p:txBody>
+      </p:sp>
+    </p:spTree>
+    <p:extLst>
+      <p:ext uri="{BB962C8B-B14F-4D97-AF65-F5344CB8AC3E}">
+        <p14:creationId xmlns:p14="http://schemas.microsoft.com/office/powerpoint/2010/main" val="333389228"/>
+      </p:ext>
+    </p:extLst>
+  </p:cSld>
+  <p:clrMapOvr>
+    <a:masterClrMapping/>
+  </p:clrMapOvr>
+  <p:timing>
+    <p:tnLst>
+      <p:par>
+        <p:cTn id="1" dur="indefinite" restart="never" nodeType="tmRoot">
+          <p:childTnLst>
+            <p:seq concurrent="1" nextAc="seek">
+              <p:cTn id="2" dur="indefinite" nodeType="mainSeq">
+                <p:childTnLst>
+                  <p:par>
+                    <p:cTn id="3" fill="hold">
+                      <p:stCondLst>
+                        <p:cond delay="indefinite"/>
+                        <p:cond evt="onBegin" delay="0">
+                          <p:tn val="2"/>
+                        </p:cond>
+                      </p:stCondLst>
+                      <p:childTnLst>
+                        <p:par>
+                          <p:cTn id="4" fill="hold">
+                            <p:stCondLst>
+                              <p:cond delay="0"/>
+                            </p:stCondLst>
+                            <p:childTnLst>
+                              <p:par>
+                                <p:cTn id="5" presetID="10" presetClass="entr" presetSubtype="0" fill="hold" grpId="0" nodeType="withEffect">
+                                  <p:stCondLst>
+                                    <p:cond delay="1000"/>
+                                  </p:stCondLst>
+                                  <p:iterate>
+                                    <p:tmPct val="10000"/>
+                                  </p:iterate>
+                                  <p:childTnLst>
+                                    <p:set>
+                                      <p:cBhvr>
+                                        <p:cTn id="6" dur="1" fill="hold">
+                                          <p:stCondLst>
+                                            <p:cond delay="0"/>
+                                          </p:stCondLst>
+                                        </p:cTn>
+                                        <p:tgtEl>
+                                          <p:spTgt spid="2"/>
+                                        </p:tgtEl>
+                                        <p:attrNameLst>
+                                          <p:attrName>style.visibility</p:attrName>
+                                        </p:attrNameLst>
+                                      </p:cBhvr>
+                                      <p:to>
+                                        <p:strVal val="visible"/>
+                                      </p:to>
+                                    </p:set>
+                                    <p:animEffect transition="in" filter="fade">
+                                      <p:cBhvr>
+                                        <p:cTn id="7" dur="700"/>
+                                        <p:tgtEl>
+                                          <p:spTgt spid="2"/>
+                                        </p:tgtEl>
+                                      </p:cBhvr>
+                                    </p:animEffect>
+                                  </p:childTnLst>
+                                </p:cTn>
+                              </p:par>
+                              <p:par>
+                                <p:cTn id="8" presetID="10" presetClass="entr" presetSubtype="0" fill="hold" grpId="0" nodeType="withEffect" nodePh="1">
+                                  <p:stCondLst>
+                                    <p:cond delay="1500"/>
+                                  </p:stCondLst>
+                                  <p:endCondLst>
+                                    <p:cond evt="begin" delay="0">
+                                      <p:tn val="8"/>
+                                    </p:cond>
+                                  </p:endCondLst>
+                                  <p:iterate>
+                                    <p:tmPct val="10000"/>
+                                  </p:iterate>
+                                  <p:childTnLst>
+                                    <p:set>
+                                      <p:cBhvr>
+                                        <p:cTn id="9" dur="1" fill="hold">
+                                          <p:stCondLst>
+                                            <p:cond delay="0"/>
+                                          </p:stCondLst>
+                                        </p:cTn>
+                                        <p:tgtEl>
+                                          <p:spTgt spid="5">
+                                            <p:txEl>
+                                              <p:pRg st="0" end="0"/>
+                                            </p:txEl>
+                                          </p:spTgt>
+                                        </p:tgtEl>
+                                        <p:attrNameLst>
+                                          <p:attrName>style.visibility</p:attrName>
+                                        </p:attrNameLst>
+                                      </p:cBhvr>
+                                      <p:to>
+                                        <p:strVal val="visible"/>
+                                      </p:to>
+                                    </p:set>
+                                    <p:animEffect transition="in" filter="fade">
+                                      <p:cBhvr>
+                                        <p:cTn id="10" dur="700"/>
+                                        <p:tgtEl>
+                                          <p:spTgt spid="5">
+                                            <p:txEl>
+                                              <p:pRg st="0" end="0"/>
+                                            </p:txEl>
+                                          </p:spTgt>
+                                        </p:tgtEl>
+                                      </p:cBhvr>
+                                    </p:animEffect>
+                                  </p:childTnLst>
+                                </p:cTn>
+                              </p:par>
+                              <p:par>
+                                <p:cTn id="11" presetID="10" presetClass="entr" presetSubtype="0" fill="hold" grpId="0" nodeType="withEffect">
+                                  <p:stCondLst>
+                                    <p:cond delay="1500"/>
+                                  </p:stCondLst>
+                                  <p:iterate>
+                                    <p:tmPct val="10000"/>
+                                  </p:iterate>
+                                  <p:childTnLst>
+                                    <p:set>
+                                      <p:cBhvr>
+                                        <p:cTn id="12" dur="1" fill="hold">
+                                          <p:stCondLst>
+                                            <p:cond delay="0"/>
+                                          </p:stCondLst>
+                                        </p:cTn>
+                                        <p:tgtEl>
+                                          <p:spTgt spid="3">
+                                            <p:txEl>
+                                              <p:pRg st="0" end="0"/>
+                                            </p:txEl>
+                                          </p:spTgt>
+                                        </p:tgtEl>
+                                        <p:attrNameLst>
+                                          <p:attrName>style.visibility</p:attrName>
+                                        </p:attrNameLst>
+                                      </p:cBhvr>
+                                      <p:to>
+                                        <p:strVal val="visible"/>
+                                      </p:to>
+                                    </p:set>
+                                    <p:animEffect transition="in" filter="fade">
+                                      <p:cBhvr>
+                                        <p:cTn id="13" dur="700"/>
+                                        <p:tgtEl>
+                                          <p:spTgt spid="3">
+                                            <p:txEl>
+                                              <p:pRg st="0" end="0"/>
+                                            </p:txEl>
+                                          </p:spTgt>
+                                        </p:tgtEl>
+                                      </p:cBhvr>
+                                    </p:animEffect>
+                                  </p:childTnLst>
+                                </p:cTn>
+                              </p:par>
+                            </p:childTnLst>
+                          </p:cTn>
+                        </p:par>
+                      </p:childTnLst>
+                    </p:cTn>
+                  </p:par>
+                  <p:par>
+                    <p:cTn id="14" fill="hold">
+                      <p:stCondLst>
+                        <p:cond delay="indefinite"/>
+                      </p:stCondLst>
+                      <p:childTnLst>
+                        <p:par>
+                          <p:cTn id="15" fill="hold">
+                            <p:stCondLst>
+                              <p:cond delay="0"/>
+                            </p:stCondLst>
+                            <p:childTnLst>
+                              <p:par>
+                                <p:cTn id="16" presetID="10" presetClass="entr" presetSubtype="0" fill="hold" grpId="0" nodeType="clickEffect">
+                                  <p:stCondLst>
+                                    <p:cond delay="1500"/>
+                                  </p:stCondLst>
+                                  <p:iterate>
+                                    <p:tmPct val="10000"/>
+                                  </p:iterate>
+                                  <p:childTnLst>
+                                    <p:set>
+                                      <p:cBhvr>
+                                        <p:cTn id="17" dur="1" fill="hold">
+                                          <p:stCondLst>
+                                            <p:cond delay="0"/>
+                                          </p:stCondLst>
+                                        </p:cTn>
+                                        <p:tgtEl>
+                                          <p:spTgt spid="3">
+                                            <p:txEl>
+                                              <p:pRg st="6" end="6"/>
+                                            </p:txEl>
+                                          </p:spTgt>
+                                        </p:tgtEl>
+                                        <p:attrNameLst>
+                                          <p:attrName>style.visibility</p:attrName>
+                                        </p:attrNameLst>
+                                      </p:cBhvr>
+                                      <p:to>
+                                        <p:strVal val="visible"/>
+                                      </p:to>
+                                    </p:set>
+                                    <p:animEffect transition="in" filter="fade">
+                                      <p:cBhvr>
+                                        <p:cTn id="18" dur="700"/>
+                                        <p:tgtEl>
+                                          <p:spTgt spid="3">
+                                            <p:txEl>
+                                              <p:pRg st="6" end="6"/>
+                                            </p:txEl>
+                                          </p:spTgt>
+                                        </p:tgtEl>
+                                      </p:cBhvr>
+                                    </p:animEffect>
+                                  </p:childTnLst>
+                                </p:cTn>
+                              </p:par>
+                            </p:childTnLst>
+                          </p:cTn>
+                        </p:par>
+                      </p:childTnLst>
+                    </p:cTn>
+                  </p:par>
+                  <p:par>
+                    <p:cTn id="19" fill="hold">
+                      <p:stCondLst>
+                        <p:cond delay="indefinite"/>
+                      </p:stCondLst>
+                      <p:childTnLst>
+                        <p:par>
+                          <p:cTn id="20" fill="hold">
+                            <p:stCondLst>
+                              <p:cond delay="0"/>
+                            </p:stCondLst>
+                            <p:childTnLst>
+                              <p:par>
+                                <p:cTn id="21" presetID="10" presetClass="entr" presetSubtype="0" fill="hold" grpId="0" nodeType="clickEffect">
+                                  <p:stCondLst>
+                                    <p:cond delay="1500"/>
+                                  </p:stCondLst>
+                                  <p:iterate>
+                                    <p:tmPct val="10000"/>
+                                  </p:iterate>
+                                  <p:childTnLst>
+                                    <p:set>
+                                      <p:cBhvr>
+                                        <p:cTn id="22" dur="1" fill="hold">
+                                          <p:stCondLst>
+                                            <p:cond delay="0"/>
+                                          </p:stCondLst>
+                                        </p:cTn>
+                                        <p:tgtEl>
+                                          <p:spTgt spid="3">
+                                            <p:txEl>
+                                              <p:pRg st="7" end="7"/>
+                                            </p:txEl>
+                                          </p:spTgt>
+                                        </p:tgtEl>
+                                        <p:attrNameLst>
+                                          <p:attrName>style.visibility</p:attrName>
+                                        </p:attrNameLst>
+                                      </p:cBhvr>
+                                      <p:to>
+                                        <p:strVal val="visible"/>
+                                      </p:to>
+                                    </p:set>
+                                    <p:animEffect transition="in" filter="fade">
+                                      <p:cBhvr>
+                                        <p:cTn id="23" dur="700"/>
+                                        <p:tgtEl>
+                                          <p:spTgt spid="3">
+                                            <p:txEl>
+                                              <p:pRg st="7" end="7"/>
+                                            </p:txEl>
+                                          </p:spTgt>
+                                        </p:tgtEl>
+                                      </p:cBhvr>
+                                    </p:animEffect>
+                                  </p:childTnLst>
+                                </p:cTn>
+                              </p:par>
+                            </p:childTnLst>
+                          </p:cTn>
+                        </p:par>
+                      </p:childTnLst>
+                    </p:cTn>
+                  </p:par>
+                  <p:par>
+                    <p:cTn id="24" fill="hold">
+                      <p:stCondLst>
+                        <p:cond delay="indefinite"/>
+                      </p:stCondLst>
+                      <p:childTnLst>
+                        <p:par>
+                          <p:cTn id="25" fill="hold">
+                            <p:stCondLst>
+                              <p:cond delay="0"/>
+                            </p:stCondLst>
+                            <p:childTnLst>
+                              <p:par>
+                                <p:cTn id="26" presetID="10" presetClass="entr" presetSubtype="0" fill="hold" grpId="0" nodeType="clickEffect">
+                                  <p:stCondLst>
+                                    <p:cond delay="1500"/>
+                                  </p:stCondLst>
+                                  <p:iterate>
+                                    <p:tmPct val="10000"/>
+                                  </p:iterate>
+                                  <p:childTnLst>
+                                    <p:set>
+                                      <p:cBhvr>
+                                        <p:cTn id="27" dur="1" fill="hold">
+                                          <p:stCondLst>
+                                            <p:cond delay="0"/>
+                                          </p:stCondLst>
+                                        </p:cTn>
+                                        <p:tgtEl>
+                                          <p:spTgt spid="3">
+                                            <p:txEl>
+                                              <p:pRg st="8" end="8"/>
+                                            </p:txEl>
+                                          </p:spTgt>
+                                        </p:tgtEl>
+                                        <p:attrNameLst>
+                                          <p:attrName>style.visibility</p:attrName>
+                                        </p:attrNameLst>
+                                      </p:cBhvr>
+                                      <p:to>
+                                        <p:strVal val="visible"/>
+                                      </p:to>
+                                    </p:set>
+                                    <p:animEffect transition="in" filter="fade">
+                                      <p:cBhvr>
+                                        <p:cTn id="28" dur="700"/>
+                                        <p:tgtEl>
+                                          <p:spTgt spid="3">
+                                            <p:txEl>
+                                              <p:pRg st="8" end="8"/>
+                                            </p:txEl>
+                                          </p:spTgt>
+                                        </p:tgtEl>
+                                      </p:cBhvr>
+                                    </p:animEffect>
+                                  </p:childTnLst>
+                                </p:cTn>
+                              </p:par>
+                            </p:childTnLst>
+                          </p:cTn>
+                        </p:par>
+                      </p:childTnLst>
+                    </p:cTn>
+                  </p:par>
+                </p:childTnLst>
+              </p:cTn>
+              <p:prevCondLst>
+                <p:cond evt="onPrev" delay="0">
+                  <p:tgtEl>
+                    <p:sldTgt/>
+                  </p:tgtEl>
+                </p:cond>
+              </p:prevCondLst>
+              <p:nextCondLst>
+                <p:cond evt="onNext" delay="0">
+                  <p:tgtEl>
+                    <p:sldTgt/>
+                  </p:tgtEl>
+                </p:cond>
+              </p:nextCondLst>
+            </p:seq>
+          </p:childTnLst>
+        </p:cTn>
+      </p:par>
+    </p:tnLst>
+    <p:bldLst>
+      <p:bldP spid="2" grpId="0"/>
+      <p:bldP spid="5" grpId="0" build="p"/>
+      <p:bldP spid="3" grpId="0" build="p"/>
+    </p:bldLst>
+  </p:timing>
+</p:sld>
+</file>
+
 <file path=ppt/slides/slide2.xml><?xml version="1.0" encoding="utf-8"?>
 <p:sld xmlns:a="http://schemas.openxmlformats.org/drawingml/2006/main" xmlns:r="http://schemas.openxmlformats.org/officeDocument/2006/relationships" xmlns:p="http://schemas.openxmlformats.org/presentationml/2006/main">
   <p:cSld>
@@ -6231,8 +8902,8 @@
         </p:nvSpPr>
         <p:spPr>
           <a:xfrm>
-            <a:off x="3189514" y="1570522"/>
-            <a:ext cx="5812971" cy="1208141"/>
+            <a:off x="2685620" y="1553863"/>
+            <a:ext cx="6820760" cy="4469662"/>
           </a:xfrm>
           <a:prstGeom prst="rect">
             <a:avLst/>
@@ -6476,8 +9147,10 @@
               </a:lnSpc>
             </a:pPr>
             <a:r>
-              <a:rPr lang="cs-CZ" sz="2000" dirty="0"/>
-              <a:t>Protokol ?</a:t>
+              <a:rPr lang="cs-CZ" sz="2000" dirty="0">
+                <a:latin typeface="Aptos Black" panose="020B0004020202020204" pitchFamily="34" charset="0"/>
+              </a:rPr>
+              <a:t>OSI/ISO MODEL</a:t>
             </a:r>
           </a:p>
           <a:p>
@@ -6487,8 +9160,10 @@
               </a:lnSpc>
             </a:pPr>
             <a:r>
-              <a:rPr lang="cs-CZ" sz="2000" dirty="0"/>
-              <a:t>Rozhraní ?</a:t>
+              <a:rPr lang="cs-CZ" sz="2000" dirty="0">
+                <a:latin typeface="Aptos Black" panose="020B0004020202020204" pitchFamily="34" charset="0"/>
+              </a:rPr>
+              <a:t>Protokolová datová jednotka (PDU)</a:t>
             </a:r>
           </a:p>
           <a:p>
@@ -6498,8 +9173,10 @@
               </a:lnSpc>
             </a:pPr>
             <a:r>
-              <a:rPr lang="cs-CZ" sz="2000" dirty="0"/>
-              <a:t>Jednotlivé vrstvy [SLIDE 1] ok i suppose</a:t>
+              <a:rPr lang="cs-CZ" sz="2000" dirty="0">
+                <a:latin typeface="Aptos Black" panose="020B0004020202020204" pitchFamily="34" charset="0"/>
+              </a:rPr>
+              <a:t>Zapouzdřování (ENCAPSULACE a de-encapsulace)</a:t>
             </a:r>
           </a:p>
           <a:p>
@@ -6509,8 +9186,10 @@
               </a:lnSpc>
             </a:pPr>
             <a:r>
-              <a:rPr lang="cs-CZ" sz="2000" dirty="0"/>
-              <a:t>PDU [SLIDE 2] skoro nic</a:t>
+              <a:rPr lang="cs-CZ" sz="2000" dirty="0">
+                <a:latin typeface="Aptos Black" panose="020B0004020202020204" pitchFamily="34" charset="0"/>
+              </a:rPr>
+              <a:t>Porovnání s TCP/IP</a:t>
             </a:r>
           </a:p>
           <a:p>
@@ -6520,8 +9199,10 @@
               </a:lnSpc>
             </a:pPr>
             <a:r>
-              <a:rPr lang="cs-CZ" sz="2000" dirty="0"/>
-              <a:t>Zapouzdřování [SLIDE 3]</a:t>
+              <a:rPr lang="cs-CZ" sz="2000" dirty="0">
+                <a:latin typeface="Aptos Black" panose="020B0004020202020204" pitchFamily="34" charset="0"/>
+              </a:rPr>
+              <a:t>Průchod dat přes síťové prvky</a:t>
             </a:r>
           </a:p>
           <a:p>
@@ -6531,8 +9212,10 @@
               </a:lnSpc>
             </a:pPr>
             <a:r>
-              <a:rPr lang="cs-CZ" sz="2000" dirty="0"/>
-              <a:t>Vs TCP/IP [SLIDE 4]</a:t>
+              <a:rPr lang="cs-CZ" sz="2000" dirty="0">
+                <a:latin typeface="Aptos Black" panose="020B0004020202020204" pitchFamily="34" charset="0"/>
+              </a:rPr>
+              <a:t>Firewall</a:t>
             </a:r>
           </a:p>
           <a:p>
@@ -6542,8 +9225,10 @@
               </a:lnSpc>
             </a:pPr>
             <a:r>
-              <a:rPr lang="cs-CZ" sz="2000" dirty="0"/>
-              <a:t>Průchod dat přes síťové prvky</a:t>
+              <a:rPr lang="cs-CZ" sz="2000" dirty="0">
+                <a:latin typeface="Aptos Black" panose="020B0004020202020204" pitchFamily="34" charset="0"/>
+              </a:rPr>
+              <a:t>Nástroje pro zachycování dat v síti, testování a opravy problémů</a:t>
             </a:r>
           </a:p>
           <a:p>
@@ -6553,8 +9238,10 @@
               </a:lnSpc>
             </a:pPr>
             <a:r>
-              <a:rPr lang="cs-CZ" sz="2000" dirty="0"/>
-              <a:t>Kategorie přepínačů pro jednotlivé vrstvy</a:t>
+              <a:rPr lang="cs-CZ" sz="2000" dirty="0">
+                <a:latin typeface="Aptos Black" panose="020B0004020202020204" pitchFamily="34" charset="0"/>
+              </a:rPr>
+              <a:t>Přepínače pro jednotlivé vrsty</a:t>
             </a:r>
           </a:p>
           <a:p>
@@ -6563,10 +9250,9 @@
                 <a:spcPct val="100000"/>
               </a:lnSpc>
             </a:pPr>
-            <a:r>
-              <a:rPr lang="cs-CZ" sz="2000" dirty="0"/>
-              <a:t>Nástroje pro zachycování dat v síti, testování a oprava problémů v síti</a:t>
-            </a:r>
+            <a:endParaRPr lang="cs-CZ" sz="2000" dirty="0">
+              <a:latin typeface="Aptos Black" panose="020B0004020202020204" pitchFamily="34" charset="0"/>
+            </a:endParaRPr>
           </a:p>
           <a:p>
             <a:pPr>
@@ -6574,10 +9260,9 @@
                 <a:spcPct val="100000"/>
               </a:lnSpc>
             </a:pPr>
-            <a:r>
-              <a:rPr lang="cs-CZ" sz="2000" dirty="0"/>
-              <a:t>Standardní chování opakovače, mostu, přepínače, směrovače, L3 SW, Firewall</a:t>
-            </a:r>
+            <a:endParaRPr lang="cs-CZ" sz="2000" dirty="0">
+              <a:latin typeface="Aptos Black" panose="020B0004020202020204" pitchFamily="34" charset="0"/>
+            </a:endParaRPr>
           </a:p>
           <a:p>
             <a:pPr>
@@ -6585,7 +9270,9 @@
                 <a:spcPct val="100000"/>
               </a:lnSpc>
             </a:pPr>
-            <a:endParaRPr lang="cs-CZ" sz="2000" dirty="0"/>
+            <a:endParaRPr lang="cs-CZ" sz="2000" dirty="0">
+              <a:latin typeface="Aptos Black" panose="020B0004020202020204" pitchFamily="34" charset="0"/>
+            </a:endParaRPr>
           </a:p>
           <a:p>
             <a:pPr>
@@ -7328,134 +10015,6 @@
                                           <p:spTgt spid="5">
                                             <p:txEl>
                                               <p:pRg st="7" end="7"/>
-                                            </p:txEl>
-                                          </p:spTgt>
-                                        </p:tgtEl>
-                                      </p:cBhvr>
-                                    </p:animEffect>
-                                  </p:childTnLst>
-                                </p:cTn>
-                              </p:par>
-                            </p:childTnLst>
-                          </p:cTn>
-                        </p:par>
-                      </p:childTnLst>
-                    </p:cTn>
-                  </p:par>
-                  <p:par>
-                    <p:cTn id="59" fill="hold">
-                      <p:stCondLst>
-                        <p:cond delay="indefinite"/>
-                      </p:stCondLst>
-                      <p:childTnLst>
-                        <p:par>
-                          <p:cTn id="60" fill="hold">
-                            <p:stCondLst>
-                              <p:cond delay="0"/>
-                            </p:stCondLst>
-                            <p:childTnLst>
-                              <p:par>
-                                <p:cTn id="61" presetID="10" presetClass="entr" presetSubtype="0" fill="hold" grpId="0" nodeType="clickEffect">
-                                  <p:stCondLst>
-                                    <p:cond delay="1500"/>
-                                  </p:stCondLst>
-                                  <p:iterate>
-                                    <p:tmPct val="10000"/>
-                                  </p:iterate>
-                                  <p:childTnLst>
-                                    <p:set>
-                                      <p:cBhvr>
-                                        <p:cTn id="62" dur="1" fill="hold">
-                                          <p:stCondLst>
-                                            <p:cond delay="0"/>
-                                          </p:stCondLst>
-                                        </p:cTn>
-                                        <p:tgtEl>
-                                          <p:spTgt spid="5">
-                                            <p:txEl>
-                                              <p:pRg st="8" end="8"/>
-                                            </p:txEl>
-                                          </p:spTgt>
-                                        </p:tgtEl>
-                                        <p:attrNameLst>
-                                          <p:attrName>style.visibility</p:attrName>
-                                        </p:attrNameLst>
-                                      </p:cBhvr>
-                                      <p:to>
-                                        <p:strVal val="visible"/>
-                                      </p:to>
-                                    </p:set>
-                                    <p:animEffect transition="in" filter="fade">
-                                      <p:cBhvr>
-                                        <p:cTn id="63" dur="700"/>
-                                        <p:tgtEl>
-                                          <p:spTgt spid="5">
-                                            <p:txEl>
-                                              <p:pRg st="8" end="8"/>
-                                            </p:txEl>
-                                          </p:spTgt>
-                                        </p:tgtEl>
-                                      </p:cBhvr>
-                                    </p:animEffect>
-                                  </p:childTnLst>
-                                </p:cTn>
-                              </p:par>
-                            </p:childTnLst>
-                          </p:cTn>
-                        </p:par>
-                      </p:childTnLst>
-                    </p:cTn>
-                  </p:par>
-                  <p:par>
-                    <p:cTn id="64" fill="hold">
-                      <p:stCondLst>
-                        <p:cond delay="indefinite"/>
-                      </p:stCondLst>
-                      <p:childTnLst>
-                        <p:par>
-                          <p:cTn id="65" fill="hold">
-                            <p:stCondLst>
-                              <p:cond delay="0"/>
-                            </p:stCondLst>
-                            <p:childTnLst>
-                              <p:par>
-                                <p:cTn id="66" presetID="10" presetClass="entr" presetSubtype="0" fill="hold" grpId="0" nodeType="clickEffect">
-                                  <p:stCondLst>
-                                    <p:cond delay="1500"/>
-                                  </p:stCondLst>
-                                  <p:iterate>
-                                    <p:tmPct val="10000"/>
-                                  </p:iterate>
-                                  <p:childTnLst>
-                                    <p:set>
-                                      <p:cBhvr>
-                                        <p:cTn id="67" dur="1" fill="hold">
-                                          <p:stCondLst>
-                                            <p:cond delay="0"/>
-                                          </p:stCondLst>
-                                        </p:cTn>
-                                        <p:tgtEl>
-                                          <p:spTgt spid="5">
-                                            <p:txEl>
-                                              <p:pRg st="9" end="9"/>
-                                            </p:txEl>
-                                          </p:spTgt>
-                                        </p:tgtEl>
-                                        <p:attrNameLst>
-                                          <p:attrName>style.visibility</p:attrName>
-                                        </p:attrNameLst>
-                                      </p:cBhvr>
-                                      <p:to>
-                                        <p:strVal val="visible"/>
-                                      </p:to>
-                                    </p:set>
-                                    <p:animEffect transition="in" filter="fade">
-                                      <p:cBhvr>
-                                        <p:cTn id="68" dur="700"/>
-                                        <p:tgtEl>
-                                          <p:spTgt spid="5">
-                                            <p:txEl>
-                                              <p:pRg st="9" end="9"/>
                                             </p:txEl>
                                           </p:spTgt>
                                         </p:tgtEl>
@@ -8449,7 +11008,10 @@
                 <a:spcPct val="100000"/>
               </a:lnSpc>
             </a:pPr>
-            <a:endParaRPr lang="cs-CZ" sz="2000" dirty="0"/>
+            <a:r>
+              <a:rPr lang="cs-CZ" sz="2000" dirty="0"/>
+              <a:t>Její název se mění podle vrstvy</a:t>
+            </a:r>
           </a:p>
           <a:p>
             <a:pPr>
@@ -8459,8 +11021,63 @@
             </a:pPr>
             <a:endParaRPr lang="cs-CZ" sz="2000" dirty="0"/>
           </a:p>
+          <a:p>
+            <a:pPr>
+              <a:lnSpc>
+                <a:spcPct val="100000"/>
+              </a:lnSpc>
+            </a:pPr>
+            <a:endParaRPr lang="cs-CZ" sz="2000" dirty="0"/>
+          </a:p>
+          <a:p>
+            <a:pPr>
+              <a:lnSpc>
+                <a:spcPct val="100000"/>
+              </a:lnSpc>
+            </a:pPr>
+            <a:endParaRPr lang="cs-CZ" sz="2000" dirty="0"/>
+          </a:p>
         </p:txBody>
       </p:sp>
+      <p:pic>
+        <p:nvPicPr>
+          <p:cNvPr id="7" name="Picture 6" descr="A screenshot of a computer&#10;&#10;Description automatically generated">
+            <a:extLst>
+              <a:ext uri="{FF2B5EF4-FFF2-40B4-BE49-F238E27FC236}">
+                <a16:creationId xmlns:a16="http://schemas.microsoft.com/office/drawing/2014/main" id="{49EF6039-532B-5160-EC91-B33F2B41FCB8}"/>
+              </a:ext>
+            </a:extLst>
+          </p:cNvPr>
+          <p:cNvPicPr>
+            <a:picLocks noChangeAspect="1"/>
+          </p:cNvPicPr>
+          <p:nvPr/>
+        </p:nvPicPr>
+        <p:blipFill>
+          <a:blip r:embed="rId3">
+            <a:extLst>
+              <a:ext uri="{28A0092B-C50C-407E-A947-70E740481C1C}">
+                <a14:useLocalDpi xmlns:a14="http://schemas.microsoft.com/office/drawing/2010/main" val="0"/>
+              </a:ext>
+            </a:extLst>
+          </a:blip>
+          <a:stretch>
+            <a:fillRect/>
+          </a:stretch>
+        </p:blipFill>
+        <p:spPr>
+          <a:xfrm>
+            <a:off x="1515916" y="2659140"/>
+            <a:ext cx="9160165" cy="3717500"/>
+          </a:xfrm>
+          <a:prstGeom prst="rect">
+            <a:avLst/>
+          </a:prstGeom>
+          <a:solidFill>
+            <a:schemeClr val="tx1"/>
+          </a:solidFill>
+        </p:spPr>
+      </p:pic>
     </p:spTree>
     <p:extLst>
       <p:ext uri="{BB962C8B-B14F-4D97-AF65-F5344CB8AC3E}">
@@ -8744,6 +11361,70 @@
                                           <p:spTgt spid="5">
                                             <p:txEl>
                                               <p:pRg st="0" end="0"/>
+                                            </p:txEl>
+                                          </p:spTgt>
+                                        </p:tgtEl>
+                                      </p:cBhvr>
+                                    </p:animEffect>
+                                  </p:childTnLst>
+                                </p:cTn>
+                              </p:par>
+                            </p:childTnLst>
+                          </p:cTn>
+                        </p:par>
+                      </p:childTnLst>
+                    </p:cTn>
+                  </p:par>
+                  <p:par>
+                    <p:cTn id="24" fill="hold">
+                      <p:stCondLst>
+                        <p:cond delay="indefinite"/>
+                      </p:stCondLst>
+                      <p:childTnLst>
+                        <p:par>
+                          <p:cTn id="25" fill="hold">
+                            <p:stCondLst>
+                              <p:cond delay="0"/>
+                            </p:stCondLst>
+                            <p:childTnLst>
+                              <p:par>
+                                <p:cTn id="26" presetID="10" presetClass="entr" presetSubtype="0" fill="hold" grpId="0" nodeType="clickEffect">
+                                  <p:stCondLst>
+                                    <p:cond delay="1500"/>
+                                  </p:stCondLst>
+                                  <p:iterate>
+                                    <p:tmPct val="10000"/>
+                                  </p:iterate>
+                                  <p:childTnLst>
+                                    <p:set>
+                                      <p:cBhvr>
+                                        <p:cTn id="27" dur="1" fill="hold">
+                                          <p:stCondLst>
+                                            <p:cond delay="0"/>
+                                          </p:stCondLst>
+                                        </p:cTn>
+                                        <p:tgtEl>
+                                          <p:spTgt spid="5">
+                                            <p:txEl>
+                                              <p:pRg st="1" end="1"/>
+                                            </p:txEl>
+                                          </p:spTgt>
+                                        </p:tgtEl>
+                                        <p:attrNameLst>
+                                          <p:attrName>style.visibility</p:attrName>
+                                        </p:attrNameLst>
+                                      </p:cBhvr>
+                                      <p:to>
+                                        <p:strVal val="visible"/>
+                                      </p:to>
+                                    </p:set>
+                                    <p:animEffect transition="in" filter="fade">
+                                      <p:cBhvr>
+                                        <p:cTn id="28" dur="700"/>
+                                        <p:tgtEl>
+                                          <p:spTgt spid="5">
+                                            <p:txEl>
+                                              <p:pRg st="1" end="1"/>
                                             </p:txEl>
                                           </p:spTgt>
                                         </p:tgtEl>
@@ -9970,7 +12651,7 @@
         <p:spPr>
           <a:xfrm>
             <a:off x="1245958" y="1571534"/>
-            <a:ext cx="9700083" cy="1208141"/>
+            <a:ext cx="9700083" cy="4733347"/>
           </a:xfrm>
           <a:prstGeom prst="rect">
             <a:avLst/>
@@ -10214,10 +12895,154 @@
               </a:lnSpc>
             </a:pPr>
             <a:r>
-              <a:rPr lang="cs-CZ" sz="2000"/>
-              <a:t>M</a:t>
-            </a:r>
-            <a:endParaRPr lang="cs-CZ" sz="2000" dirty="0"/>
+              <a:rPr lang="cs-CZ" sz="2000" dirty="0"/>
+              <a:t>TCP/IP oproti OSI/ISO jen 4 vrstvy</a:t>
+            </a:r>
+          </a:p>
+          <a:p>
+            <a:pPr>
+              <a:lnSpc>
+                <a:spcPct val="100000"/>
+              </a:lnSpc>
+            </a:pPr>
+            <a:r>
+              <a:rPr lang="cs-CZ" sz="2000" dirty="0">
+                <a:effectLst/>
+              </a:rPr>
+              <a:t>Aplikační (aplikační, prezentační,relační)</a:t>
+            </a:r>
+          </a:p>
+          <a:p>
+            <a:pPr>
+              <a:lnSpc>
+                <a:spcPct val="100000"/>
+              </a:lnSpc>
+            </a:pPr>
+            <a:r>
+              <a:rPr lang="cs-CZ" sz="2000" dirty="0">
+                <a:effectLst/>
+              </a:rPr>
+              <a:t>Transportní (transportní)</a:t>
+            </a:r>
+          </a:p>
+          <a:p>
+            <a:pPr>
+              <a:lnSpc>
+                <a:spcPct val="100000"/>
+              </a:lnSpc>
+            </a:pPr>
+            <a:r>
+              <a:rPr lang="cs-CZ" sz="2000" dirty="0">
+                <a:effectLst/>
+              </a:rPr>
+              <a:t>Síťová (síťová)</a:t>
+            </a:r>
+          </a:p>
+          <a:p>
+            <a:pPr>
+              <a:lnSpc>
+                <a:spcPct val="100000"/>
+              </a:lnSpc>
+            </a:pPr>
+            <a:r>
+              <a:rPr lang="cs-CZ" sz="2000" dirty="0">
+                <a:effectLst/>
+              </a:rPr>
+              <a:t>Síťového rozhraní (linková, fyzická)</a:t>
+            </a:r>
+          </a:p>
+          <a:p>
+            <a:pPr>
+              <a:lnSpc>
+                <a:spcPct val="100000"/>
+              </a:lnSpc>
+            </a:pPr>
+            <a:r>
+              <a:rPr lang="cs-CZ" sz="2000" dirty="0">
+                <a:effectLst/>
+              </a:rPr>
+              <a:t>OSI/ISO je přesněji definováno</a:t>
+            </a:r>
+          </a:p>
+          <a:p>
+            <a:pPr>
+              <a:lnSpc>
+                <a:spcPct val="100000"/>
+              </a:lnSpc>
+            </a:pPr>
+            <a:endParaRPr lang="cs-CZ" sz="2000" dirty="0">
+              <a:effectLst/>
+            </a:endParaRPr>
+          </a:p>
+          <a:p>
+            <a:pPr>
+              <a:lnSpc>
+                <a:spcPct val="100000"/>
+              </a:lnSpc>
+            </a:pPr>
+            <a:r>
+              <a:rPr lang="cs-CZ" sz="2000" dirty="0">
+                <a:effectLst/>
+              </a:rPr>
+              <a:t>TCP/IP- DoD, USA (80. léta)</a:t>
+            </a:r>
+          </a:p>
+          <a:p>
+            <a:pPr>
+              <a:lnSpc>
+                <a:spcPct val="100000"/>
+              </a:lnSpc>
+            </a:pPr>
+            <a:r>
+              <a:rPr lang="cs-CZ" sz="2000" dirty="0">
+                <a:effectLst/>
+              </a:rPr>
+              <a:t>OSI/ISO- </a:t>
+            </a:r>
+            <a:r>
+              <a:rPr lang="cs-CZ" sz="2000" dirty="0"/>
+              <a:t>International Organization for Standardization (1984)</a:t>
+            </a:r>
+          </a:p>
+          <a:p>
+            <a:pPr>
+              <a:lnSpc>
+                <a:spcPct val="100000"/>
+              </a:lnSpc>
+            </a:pPr>
+            <a:endParaRPr lang="cs-CZ" sz="2000" dirty="0">
+              <a:effectLst/>
+            </a:endParaRPr>
+          </a:p>
+          <a:p>
+            <a:pPr>
+              <a:lnSpc>
+                <a:spcPct val="100000"/>
+              </a:lnSpc>
+            </a:pPr>
+            <a:endParaRPr lang="cs-CZ" sz="2000" dirty="0">
+              <a:effectLst/>
+            </a:endParaRPr>
+          </a:p>
+          <a:p>
+            <a:pPr>
+              <a:lnSpc>
+                <a:spcPct val="100000"/>
+              </a:lnSpc>
+            </a:pPr>
+            <a:endParaRPr lang="cs-CZ" sz="2000" dirty="0">
+              <a:effectLst/>
+            </a:endParaRPr>
+          </a:p>
+          <a:p>
+            <a:pPr>
+              <a:lnSpc>
+                <a:spcPct val="100000"/>
+              </a:lnSpc>
+            </a:pPr>
+            <a:endParaRPr lang="cs-CZ" sz="2000" dirty="0">
+              <a:effectLst/>
+            </a:endParaRPr>
           </a:p>
         </p:txBody>
       </p:sp>
@@ -10344,6 +13169,454 @@
                       </p:childTnLst>
                     </p:cTn>
                   </p:par>
+                  <p:par>
+                    <p:cTn id="11" fill="hold">
+                      <p:stCondLst>
+                        <p:cond delay="indefinite"/>
+                      </p:stCondLst>
+                      <p:childTnLst>
+                        <p:par>
+                          <p:cTn id="12" fill="hold">
+                            <p:stCondLst>
+                              <p:cond delay="0"/>
+                            </p:stCondLst>
+                            <p:childTnLst>
+                              <p:par>
+                                <p:cTn id="13" presetID="10" presetClass="entr" presetSubtype="0" fill="hold" grpId="0" nodeType="clickEffect">
+                                  <p:stCondLst>
+                                    <p:cond delay="1500"/>
+                                  </p:stCondLst>
+                                  <p:iterate>
+                                    <p:tmPct val="10000"/>
+                                  </p:iterate>
+                                  <p:childTnLst>
+                                    <p:set>
+                                      <p:cBhvr>
+                                        <p:cTn id="14" dur="1" fill="hold">
+                                          <p:stCondLst>
+                                            <p:cond delay="0"/>
+                                          </p:stCondLst>
+                                        </p:cTn>
+                                        <p:tgtEl>
+                                          <p:spTgt spid="5">
+                                            <p:txEl>
+                                              <p:pRg st="1" end="1"/>
+                                            </p:txEl>
+                                          </p:spTgt>
+                                        </p:tgtEl>
+                                        <p:attrNameLst>
+                                          <p:attrName>style.visibility</p:attrName>
+                                        </p:attrNameLst>
+                                      </p:cBhvr>
+                                      <p:to>
+                                        <p:strVal val="visible"/>
+                                      </p:to>
+                                    </p:set>
+                                    <p:animEffect transition="in" filter="fade">
+                                      <p:cBhvr>
+                                        <p:cTn id="15" dur="700"/>
+                                        <p:tgtEl>
+                                          <p:spTgt spid="5">
+                                            <p:txEl>
+                                              <p:pRg st="1" end="1"/>
+                                            </p:txEl>
+                                          </p:spTgt>
+                                        </p:tgtEl>
+                                      </p:cBhvr>
+                                    </p:animEffect>
+                                  </p:childTnLst>
+                                </p:cTn>
+                              </p:par>
+                            </p:childTnLst>
+                          </p:cTn>
+                        </p:par>
+                      </p:childTnLst>
+                    </p:cTn>
+                  </p:par>
+                  <p:par>
+                    <p:cTn id="16" fill="hold">
+                      <p:stCondLst>
+                        <p:cond delay="indefinite"/>
+                      </p:stCondLst>
+                      <p:childTnLst>
+                        <p:par>
+                          <p:cTn id="17" fill="hold">
+                            <p:stCondLst>
+                              <p:cond delay="0"/>
+                            </p:stCondLst>
+                            <p:childTnLst>
+                              <p:par>
+                                <p:cTn id="18" presetID="10" presetClass="entr" presetSubtype="0" fill="hold" grpId="0" nodeType="clickEffect">
+                                  <p:stCondLst>
+                                    <p:cond delay="1500"/>
+                                  </p:stCondLst>
+                                  <p:iterate>
+                                    <p:tmPct val="10000"/>
+                                  </p:iterate>
+                                  <p:childTnLst>
+                                    <p:set>
+                                      <p:cBhvr>
+                                        <p:cTn id="19" dur="1" fill="hold">
+                                          <p:stCondLst>
+                                            <p:cond delay="0"/>
+                                          </p:stCondLst>
+                                        </p:cTn>
+                                        <p:tgtEl>
+                                          <p:spTgt spid="5">
+                                            <p:txEl>
+                                              <p:pRg st="2" end="2"/>
+                                            </p:txEl>
+                                          </p:spTgt>
+                                        </p:tgtEl>
+                                        <p:attrNameLst>
+                                          <p:attrName>style.visibility</p:attrName>
+                                        </p:attrNameLst>
+                                      </p:cBhvr>
+                                      <p:to>
+                                        <p:strVal val="visible"/>
+                                      </p:to>
+                                    </p:set>
+                                    <p:animEffect transition="in" filter="fade">
+                                      <p:cBhvr>
+                                        <p:cTn id="20" dur="700"/>
+                                        <p:tgtEl>
+                                          <p:spTgt spid="5">
+                                            <p:txEl>
+                                              <p:pRg st="2" end="2"/>
+                                            </p:txEl>
+                                          </p:spTgt>
+                                        </p:tgtEl>
+                                      </p:cBhvr>
+                                    </p:animEffect>
+                                  </p:childTnLst>
+                                </p:cTn>
+                              </p:par>
+                            </p:childTnLst>
+                          </p:cTn>
+                        </p:par>
+                      </p:childTnLst>
+                    </p:cTn>
+                  </p:par>
+                  <p:par>
+                    <p:cTn id="21" fill="hold">
+                      <p:stCondLst>
+                        <p:cond delay="indefinite"/>
+                      </p:stCondLst>
+                      <p:childTnLst>
+                        <p:par>
+                          <p:cTn id="22" fill="hold">
+                            <p:stCondLst>
+                              <p:cond delay="0"/>
+                            </p:stCondLst>
+                            <p:childTnLst>
+                              <p:par>
+                                <p:cTn id="23" presetID="10" presetClass="entr" presetSubtype="0" fill="hold" grpId="0" nodeType="clickEffect">
+                                  <p:stCondLst>
+                                    <p:cond delay="1500"/>
+                                  </p:stCondLst>
+                                  <p:iterate>
+                                    <p:tmPct val="10000"/>
+                                  </p:iterate>
+                                  <p:childTnLst>
+                                    <p:set>
+                                      <p:cBhvr>
+                                        <p:cTn id="24" dur="1" fill="hold">
+                                          <p:stCondLst>
+                                            <p:cond delay="0"/>
+                                          </p:stCondLst>
+                                        </p:cTn>
+                                        <p:tgtEl>
+                                          <p:spTgt spid="5">
+                                            <p:txEl>
+                                              <p:pRg st="3" end="3"/>
+                                            </p:txEl>
+                                          </p:spTgt>
+                                        </p:tgtEl>
+                                        <p:attrNameLst>
+                                          <p:attrName>style.visibility</p:attrName>
+                                        </p:attrNameLst>
+                                      </p:cBhvr>
+                                      <p:to>
+                                        <p:strVal val="visible"/>
+                                      </p:to>
+                                    </p:set>
+                                    <p:animEffect transition="in" filter="fade">
+                                      <p:cBhvr>
+                                        <p:cTn id="25" dur="700"/>
+                                        <p:tgtEl>
+                                          <p:spTgt spid="5">
+                                            <p:txEl>
+                                              <p:pRg st="3" end="3"/>
+                                            </p:txEl>
+                                          </p:spTgt>
+                                        </p:tgtEl>
+                                      </p:cBhvr>
+                                    </p:animEffect>
+                                  </p:childTnLst>
+                                </p:cTn>
+                              </p:par>
+                            </p:childTnLst>
+                          </p:cTn>
+                        </p:par>
+                      </p:childTnLst>
+                    </p:cTn>
+                  </p:par>
+                  <p:par>
+                    <p:cTn id="26" fill="hold">
+                      <p:stCondLst>
+                        <p:cond delay="indefinite"/>
+                      </p:stCondLst>
+                      <p:childTnLst>
+                        <p:par>
+                          <p:cTn id="27" fill="hold">
+                            <p:stCondLst>
+                              <p:cond delay="0"/>
+                            </p:stCondLst>
+                            <p:childTnLst>
+                              <p:par>
+                                <p:cTn id="28" presetID="10" presetClass="entr" presetSubtype="0" fill="hold" grpId="0" nodeType="clickEffect">
+                                  <p:stCondLst>
+                                    <p:cond delay="1500"/>
+                                  </p:stCondLst>
+                                  <p:iterate>
+                                    <p:tmPct val="10000"/>
+                                  </p:iterate>
+                                  <p:childTnLst>
+                                    <p:set>
+                                      <p:cBhvr>
+                                        <p:cTn id="29" dur="1" fill="hold">
+                                          <p:stCondLst>
+                                            <p:cond delay="0"/>
+                                          </p:stCondLst>
+                                        </p:cTn>
+                                        <p:tgtEl>
+                                          <p:spTgt spid="5">
+                                            <p:txEl>
+                                              <p:pRg st="4" end="4"/>
+                                            </p:txEl>
+                                          </p:spTgt>
+                                        </p:tgtEl>
+                                        <p:attrNameLst>
+                                          <p:attrName>style.visibility</p:attrName>
+                                        </p:attrNameLst>
+                                      </p:cBhvr>
+                                      <p:to>
+                                        <p:strVal val="visible"/>
+                                      </p:to>
+                                    </p:set>
+                                    <p:animEffect transition="in" filter="fade">
+                                      <p:cBhvr>
+                                        <p:cTn id="30" dur="700"/>
+                                        <p:tgtEl>
+                                          <p:spTgt spid="5">
+                                            <p:txEl>
+                                              <p:pRg st="4" end="4"/>
+                                            </p:txEl>
+                                          </p:spTgt>
+                                        </p:tgtEl>
+                                      </p:cBhvr>
+                                    </p:animEffect>
+                                  </p:childTnLst>
+                                </p:cTn>
+                              </p:par>
+                            </p:childTnLst>
+                          </p:cTn>
+                        </p:par>
+                      </p:childTnLst>
+                    </p:cTn>
+                  </p:par>
+                  <p:par>
+                    <p:cTn id="31" fill="hold">
+                      <p:stCondLst>
+                        <p:cond delay="indefinite"/>
+                      </p:stCondLst>
+                      <p:childTnLst>
+                        <p:par>
+                          <p:cTn id="32" fill="hold">
+                            <p:stCondLst>
+                              <p:cond delay="0"/>
+                            </p:stCondLst>
+                            <p:childTnLst>
+                              <p:par>
+                                <p:cTn id="33" presetID="10" presetClass="entr" presetSubtype="0" fill="hold" grpId="0" nodeType="clickEffect">
+                                  <p:stCondLst>
+                                    <p:cond delay="1500"/>
+                                  </p:stCondLst>
+                                  <p:iterate>
+                                    <p:tmPct val="10000"/>
+                                  </p:iterate>
+                                  <p:childTnLst>
+                                    <p:set>
+                                      <p:cBhvr>
+                                        <p:cTn id="34" dur="1" fill="hold">
+                                          <p:stCondLst>
+                                            <p:cond delay="0"/>
+                                          </p:stCondLst>
+                                        </p:cTn>
+                                        <p:tgtEl>
+                                          <p:spTgt spid="5">
+                                            <p:txEl>
+                                              <p:pRg st="5" end="5"/>
+                                            </p:txEl>
+                                          </p:spTgt>
+                                        </p:tgtEl>
+                                        <p:attrNameLst>
+                                          <p:attrName>style.visibility</p:attrName>
+                                        </p:attrNameLst>
+                                      </p:cBhvr>
+                                      <p:to>
+                                        <p:strVal val="visible"/>
+                                      </p:to>
+                                    </p:set>
+                                    <p:animEffect transition="in" filter="fade">
+                                      <p:cBhvr>
+                                        <p:cTn id="35" dur="700"/>
+                                        <p:tgtEl>
+                                          <p:spTgt spid="5">
+                                            <p:txEl>
+                                              <p:pRg st="5" end="5"/>
+                                            </p:txEl>
+                                          </p:spTgt>
+                                        </p:tgtEl>
+                                      </p:cBhvr>
+                                    </p:animEffect>
+                                  </p:childTnLst>
+                                </p:cTn>
+                              </p:par>
+                            </p:childTnLst>
+                          </p:cTn>
+                        </p:par>
+                      </p:childTnLst>
+                    </p:cTn>
+                  </p:par>
+                  <p:par>
+                    <p:cTn id="36" fill="hold">
+                      <p:stCondLst>
+                        <p:cond delay="indefinite"/>
+                      </p:stCondLst>
+                      <p:childTnLst>
+                        <p:par>
+                          <p:cTn id="37" fill="hold">
+                            <p:stCondLst>
+                              <p:cond delay="0"/>
+                            </p:stCondLst>
+                            <p:childTnLst>
+                              <p:par>
+                                <p:cTn id="38" presetID="10" presetClass="entr" presetSubtype="0" fill="hold" grpId="0" nodeType="clickEffect">
+                                  <p:stCondLst>
+                                    <p:cond delay="1500"/>
+                                  </p:stCondLst>
+                                  <p:iterate>
+                                    <p:tmPct val="10000"/>
+                                  </p:iterate>
+                                  <p:childTnLst>
+                                    <p:set>
+                                      <p:cBhvr>
+                                        <p:cTn id="39" dur="1" fill="hold">
+                                          <p:stCondLst>
+                                            <p:cond delay="0"/>
+                                          </p:stCondLst>
+                                        </p:cTn>
+                                        <p:tgtEl>
+                                          <p:spTgt spid="5">
+                                            <p:txEl>
+                                              <p:pRg st="7" end="7"/>
+                                            </p:txEl>
+                                          </p:spTgt>
+                                        </p:tgtEl>
+                                        <p:attrNameLst>
+                                          <p:attrName>style.visibility</p:attrName>
+                                        </p:attrNameLst>
+                                      </p:cBhvr>
+                                      <p:to>
+                                        <p:strVal val="visible"/>
+                                      </p:to>
+                                    </p:set>
+                                    <p:animEffect transition="in" filter="fade">
+                                      <p:cBhvr>
+                                        <p:cTn id="40" dur="700"/>
+                                        <p:tgtEl>
+                                          <p:spTgt spid="5">
+                                            <p:txEl>
+                                              <p:pRg st="7" end="7"/>
+                                            </p:txEl>
+                                          </p:spTgt>
+                                        </p:tgtEl>
+                                      </p:cBhvr>
+                                    </p:animEffect>
+                                  </p:childTnLst>
+                                </p:cTn>
+                              </p:par>
+                            </p:childTnLst>
+                          </p:cTn>
+                        </p:par>
+                      </p:childTnLst>
+                    </p:cTn>
+                  </p:par>
+                  <p:par>
+                    <p:cTn id="41" fill="hold">
+                      <p:stCondLst>
+                        <p:cond delay="indefinite"/>
+                      </p:stCondLst>
+                      <p:childTnLst>
+                        <p:par>
+                          <p:cTn id="42" fill="hold">
+                            <p:stCondLst>
+                              <p:cond delay="0"/>
+                            </p:stCondLst>
+                            <p:childTnLst>
+                              <p:par>
+                                <p:cTn id="43" presetID="10" presetClass="entr" presetSubtype="0" fill="hold" grpId="0" nodeType="clickEffect">
+                                  <p:stCondLst>
+                                    <p:cond delay="1500"/>
+                                  </p:stCondLst>
+                                  <p:iterate>
+                                    <p:tmPct val="10000"/>
+                                  </p:iterate>
+                                  <p:childTnLst>
+                                    <p:set>
+                                      <p:cBhvr>
+                                        <p:cTn id="44" dur="1" fill="hold">
+                                          <p:stCondLst>
+                                            <p:cond delay="0"/>
+                                          </p:stCondLst>
+                                        </p:cTn>
+                                        <p:tgtEl>
+                                          <p:spTgt spid="5">
+                                            <p:txEl>
+                                              <p:pRg st="8" end="8"/>
+                                            </p:txEl>
+                                          </p:spTgt>
+                                        </p:tgtEl>
+                                        <p:attrNameLst>
+                                          <p:attrName>style.visibility</p:attrName>
+                                        </p:attrNameLst>
+                                      </p:cBhvr>
+                                      <p:to>
+                                        <p:strVal val="visible"/>
+                                      </p:to>
+                                    </p:set>
+                                    <p:animEffect transition="in" filter="fade">
+                                      <p:cBhvr>
+                                        <p:cTn id="45" dur="700"/>
+                                        <p:tgtEl>
+                                          <p:spTgt spid="5">
+                                            <p:txEl>
+                                              <p:pRg st="8" end="8"/>
+                                            </p:txEl>
+                                          </p:spTgt>
+                                        </p:tgtEl>
+                                      </p:cBhvr>
+                                    </p:animEffect>
+                                  </p:childTnLst>
+                                </p:cTn>
+                              </p:par>
+                            </p:childTnLst>
+                          </p:cTn>
+                        </p:par>
+                      </p:childTnLst>
+                    </p:cTn>
+                  </p:par>
                 </p:childTnLst>
               </p:cTn>
               <p:prevCondLst>
@@ -10368,6 +13641,4316 @@
     <p:bldLst>
       <p:bldP spid="2" grpId="0"/>
       <p:bldP spid="5" grpId="0" build="p"/>
+    </p:bldLst>
+  </p:timing>
+</p:sld>
+</file>
+
+<file path=ppt/slides/slide7.xml><?xml version="1.0" encoding="utf-8"?>
+<p:sld xmlns:a="http://schemas.openxmlformats.org/drawingml/2006/main" xmlns:r="http://schemas.openxmlformats.org/officeDocument/2006/relationships" xmlns:p="http://schemas.openxmlformats.org/presentationml/2006/main">
+  <p:cSld>
+    <p:bg>
+      <p:bgPr>
+        <a:solidFill>
+          <a:schemeClr val="bg1"/>
+        </a:solidFill>
+        <a:effectLst/>
+      </p:bgPr>
+    </p:bg>
+    <p:spTree>
+      <p:nvGrpSpPr>
+        <p:cNvPr id="1" name="">
+          <a:extLst>
+            <a:ext uri="{FF2B5EF4-FFF2-40B4-BE49-F238E27FC236}">
+              <a16:creationId xmlns:a16="http://schemas.microsoft.com/office/drawing/2014/main" id="{76049970-45B4-63DE-4B1B-787F9C06C788}"/>
+            </a:ext>
+          </a:extLst>
+        </p:cNvPr>
+        <p:cNvGrpSpPr/>
+        <p:nvPr/>
+      </p:nvGrpSpPr>
+      <p:grpSpPr>
+        <a:xfrm>
+          <a:off x="0" y="0"/>
+          <a:ext cx="0" cy="0"/>
+          <a:chOff x="0" y="0"/>
+          <a:chExt cx="0" cy="0"/>
+        </a:xfrm>
+      </p:grpSpPr>
+      <p:pic>
+        <p:nvPicPr>
+          <p:cNvPr id="4" name="Picture 3">
+            <a:extLst>
+              <a:ext uri="{FF2B5EF4-FFF2-40B4-BE49-F238E27FC236}">
+                <a16:creationId xmlns:a16="http://schemas.microsoft.com/office/drawing/2014/main" id="{CE60D75E-128F-0746-DB5B-54FDF5D1AE5A}"/>
+              </a:ext>
+            </a:extLst>
+          </p:cNvPr>
+          <p:cNvPicPr>
+            <a:picLocks noChangeAspect="1"/>
+          </p:cNvPicPr>
+          <p:nvPr/>
+        </p:nvPicPr>
+        <p:blipFill rotWithShape="1">
+          <a:blip r:embed="rId2"/>
+          <a:srcRect l="10572" r="-1" b="-1"/>
+          <a:stretch/>
+        </p:blipFill>
+        <p:spPr>
+          <a:xfrm>
+            <a:off x="3624745" y="0"/>
+            <a:ext cx="8668512" cy="6857990"/>
+          </a:xfrm>
+          <a:prstGeom prst="rect">
+            <a:avLst/>
+          </a:prstGeom>
+        </p:spPr>
+      </p:pic>
+      <p:sp>
+        <p:nvSpPr>
+          <p:cNvPr id="2" name="Title 1">
+            <a:extLst>
+              <a:ext uri="{FF2B5EF4-FFF2-40B4-BE49-F238E27FC236}">
+                <a16:creationId xmlns:a16="http://schemas.microsoft.com/office/drawing/2014/main" id="{A04B0A44-B2F6-D5AC-469A-F33AB40C1341}"/>
+              </a:ext>
+            </a:extLst>
+          </p:cNvPr>
+          <p:cNvSpPr>
+            <a:spLocks noGrp="1"/>
+          </p:cNvSpPr>
+          <p:nvPr>
+            <p:ph type="ctrTitle"/>
+          </p:nvPr>
+        </p:nvSpPr>
+        <p:spPr>
+          <a:xfrm>
+            <a:off x="-816865" y="553119"/>
+            <a:ext cx="13825728" cy="780671"/>
+          </a:xfrm>
+        </p:spPr>
+        <p:txBody>
+          <a:bodyPr anchor="b">
+            <a:noAutofit/>
+          </a:bodyPr>
+          <a:lstStyle/>
+          <a:p>
+            <a:r>
+              <a:rPr lang="cs-CZ" sz="3600" dirty="0">
+                <a:latin typeface="Aptos Black" panose="020B0004020202020204" pitchFamily="34" charset="0"/>
+              </a:rPr>
+              <a:t>Průchod dat přes síťové prvky</a:t>
+            </a:r>
+          </a:p>
+        </p:txBody>
+      </p:sp>
+      <p:sp>
+        <p:nvSpPr>
+          <p:cNvPr id="5" name="Subtitle 2">
+            <a:extLst>
+              <a:ext uri="{FF2B5EF4-FFF2-40B4-BE49-F238E27FC236}">
+                <a16:creationId xmlns:a16="http://schemas.microsoft.com/office/drawing/2014/main" id="{D9FDE3A3-3CBA-C13F-5860-797321AE9D43}"/>
+              </a:ext>
+            </a:extLst>
+          </p:cNvPr>
+          <p:cNvSpPr txBox="1">
+            <a:spLocks/>
+          </p:cNvSpPr>
+          <p:nvPr/>
+        </p:nvSpPr>
+        <p:spPr>
+          <a:xfrm>
+            <a:off x="1245958" y="1571534"/>
+            <a:ext cx="9700083" cy="1208141"/>
+          </a:xfrm>
+          <a:prstGeom prst="rect">
+            <a:avLst/>
+          </a:prstGeom>
+        </p:spPr>
+        <p:txBody>
+          <a:bodyPr vert="horz" lIns="91440" tIns="45720" rIns="91440" bIns="45720" rtlCol="0">
+            <a:noAutofit/>
+          </a:bodyPr>
+          <a:lstStyle>
+            <a:lvl1pPr marL="0" indent="0" algn="ctr" defTabSz="914400" rtl="0" eaLnBrk="1" latinLnBrk="0" hangingPunct="1">
+              <a:lnSpc>
+                <a:spcPct val="120000"/>
+              </a:lnSpc>
+              <a:spcBef>
+                <a:spcPts val="1000"/>
+              </a:spcBef>
+              <a:buFont typeface="Arial" panose="020B0604020202020204" pitchFamily="34" charset="0"/>
+              <a:buNone/>
+              <a:defRPr sz="2400" kern="1200">
+                <a:solidFill>
+                  <a:schemeClr val="tx1"/>
+                </a:solidFill>
+                <a:effectLst>
+                  <a:outerShdw blurRad="50800" dist="38100" dir="2700000" algn="tl" rotWithShape="0">
+                    <a:srgbClr val="000000">
+                      <a:alpha val="48000"/>
+                    </a:srgbClr>
+                  </a:outerShdw>
+                </a:effectLst>
+                <a:latin typeface="+mn-lt"/>
+                <a:ea typeface="+mn-ea"/>
+                <a:cs typeface="+mn-cs"/>
+              </a:defRPr>
+            </a:lvl1pPr>
+            <a:lvl2pPr marL="457200" indent="0" algn="ctr" defTabSz="914400" rtl="0" eaLnBrk="1" latinLnBrk="0" hangingPunct="1">
+              <a:lnSpc>
+                <a:spcPct val="120000"/>
+              </a:lnSpc>
+              <a:spcBef>
+                <a:spcPts val="500"/>
+              </a:spcBef>
+              <a:buFont typeface="Arial" panose="020B0604020202020204" pitchFamily="34" charset="0"/>
+              <a:buNone/>
+              <a:defRPr sz="2000" kern="1200">
+                <a:solidFill>
+                  <a:schemeClr val="tx1"/>
+                </a:solidFill>
+                <a:effectLst>
+                  <a:outerShdw blurRad="50800" dist="38100" dir="2700000" algn="tl" rotWithShape="0">
+                    <a:srgbClr val="000000">
+                      <a:alpha val="48000"/>
+                    </a:srgbClr>
+                  </a:outerShdw>
+                </a:effectLst>
+                <a:latin typeface="+mn-lt"/>
+                <a:ea typeface="+mn-ea"/>
+                <a:cs typeface="+mn-cs"/>
+              </a:defRPr>
+            </a:lvl2pPr>
+            <a:lvl3pPr marL="914400" indent="0" algn="ctr" defTabSz="914400" rtl="0" eaLnBrk="1" latinLnBrk="0" hangingPunct="1">
+              <a:lnSpc>
+                <a:spcPct val="120000"/>
+              </a:lnSpc>
+              <a:spcBef>
+                <a:spcPts val="500"/>
+              </a:spcBef>
+              <a:buFont typeface="Arial" panose="020B0604020202020204" pitchFamily="34" charset="0"/>
+              <a:buNone/>
+              <a:defRPr sz="1800" kern="1200">
+                <a:solidFill>
+                  <a:schemeClr val="tx1"/>
+                </a:solidFill>
+                <a:effectLst>
+                  <a:outerShdw blurRad="50800" dist="38100" dir="2700000" algn="tl" rotWithShape="0">
+                    <a:srgbClr val="000000">
+                      <a:alpha val="48000"/>
+                    </a:srgbClr>
+                  </a:outerShdw>
+                </a:effectLst>
+                <a:latin typeface="+mn-lt"/>
+                <a:ea typeface="+mn-ea"/>
+                <a:cs typeface="+mn-cs"/>
+              </a:defRPr>
+            </a:lvl3pPr>
+            <a:lvl4pPr marL="1371600" indent="0" algn="ctr" defTabSz="914400" rtl="0" eaLnBrk="1" latinLnBrk="0" hangingPunct="1">
+              <a:lnSpc>
+                <a:spcPct val="120000"/>
+              </a:lnSpc>
+              <a:spcBef>
+                <a:spcPts val="500"/>
+              </a:spcBef>
+              <a:buFont typeface="Arial" panose="020B0604020202020204" pitchFamily="34" charset="0"/>
+              <a:buNone/>
+              <a:defRPr sz="1600" kern="1200">
+                <a:solidFill>
+                  <a:schemeClr val="tx1"/>
+                </a:solidFill>
+                <a:effectLst>
+                  <a:outerShdw blurRad="50800" dist="38100" dir="2700000" algn="tl" rotWithShape="0">
+                    <a:srgbClr val="000000">
+                      <a:alpha val="48000"/>
+                    </a:srgbClr>
+                  </a:outerShdw>
+                </a:effectLst>
+                <a:latin typeface="+mn-lt"/>
+                <a:ea typeface="+mn-ea"/>
+                <a:cs typeface="+mn-cs"/>
+              </a:defRPr>
+            </a:lvl4pPr>
+            <a:lvl5pPr marL="1828800" indent="0" algn="ctr" defTabSz="914400" rtl="0" eaLnBrk="1" latinLnBrk="0" hangingPunct="1">
+              <a:lnSpc>
+                <a:spcPct val="120000"/>
+              </a:lnSpc>
+              <a:spcBef>
+                <a:spcPts val="500"/>
+              </a:spcBef>
+              <a:buFont typeface="Arial" panose="020B0604020202020204" pitchFamily="34" charset="0"/>
+              <a:buNone/>
+              <a:defRPr sz="1600" kern="1200">
+                <a:solidFill>
+                  <a:schemeClr val="tx1"/>
+                </a:solidFill>
+                <a:effectLst>
+                  <a:outerShdw blurRad="50800" dist="38100" dir="2700000" algn="tl" rotWithShape="0">
+                    <a:srgbClr val="000000">
+                      <a:alpha val="48000"/>
+                    </a:srgbClr>
+                  </a:outerShdw>
+                </a:effectLst>
+                <a:latin typeface="+mn-lt"/>
+                <a:ea typeface="+mn-ea"/>
+                <a:cs typeface="+mn-cs"/>
+              </a:defRPr>
+            </a:lvl5pPr>
+            <a:lvl6pPr marL="2286000" indent="0" algn="ctr" defTabSz="914400" rtl="0" eaLnBrk="1" latinLnBrk="0" hangingPunct="1">
+              <a:lnSpc>
+                <a:spcPct val="120000"/>
+              </a:lnSpc>
+              <a:spcBef>
+                <a:spcPts val="500"/>
+              </a:spcBef>
+              <a:buFont typeface="Arial" panose="020B0604020202020204" pitchFamily="34" charset="0"/>
+              <a:buNone/>
+              <a:defRPr sz="1600" kern="1200">
+                <a:solidFill>
+                  <a:schemeClr val="tx1"/>
+                </a:solidFill>
+                <a:effectLst>
+                  <a:outerShdw blurRad="50800" dist="38100" dir="2700000" algn="tl" rotWithShape="0">
+                    <a:srgbClr val="000000">
+                      <a:alpha val="48000"/>
+                    </a:srgbClr>
+                  </a:outerShdw>
+                </a:effectLst>
+                <a:latin typeface="+mn-lt"/>
+                <a:ea typeface="+mn-ea"/>
+                <a:cs typeface="+mn-cs"/>
+              </a:defRPr>
+            </a:lvl6pPr>
+            <a:lvl7pPr marL="2743200" indent="0" algn="ctr" defTabSz="914400" rtl="0" eaLnBrk="1" latinLnBrk="0" hangingPunct="1">
+              <a:lnSpc>
+                <a:spcPct val="120000"/>
+              </a:lnSpc>
+              <a:spcBef>
+                <a:spcPts val="500"/>
+              </a:spcBef>
+              <a:buFont typeface="Arial" panose="020B0604020202020204" pitchFamily="34" charset="0"/>
+              <a:buNone/>
+              <a:defRPr sz="1600" kern="1200">
+                <a:solidFill>
+                  <a:schemeClr val="tx1"/>
+                </a:solidFill>
+                <a:effectLst>
+                  <a:outerShdw blurRad="50800" dist="38100" dir="2700000" algn="tl" rotWithShape="0">
+                    <a:srgbClr val="000000">
+                      <a:alpha val="48000"/>
+                    </a:srgbClr>
+                  </a:outerShdw>
+                </a:effectLst>
+                <a:latin typeface="+mn-lt"/>
+                <a:ea typeface="+mn-ea"/>
+                <a:cs typeface="+mn-cs"/>
+              </a:defRPr>
+            </a:lvl7pPr>
+            <a:lvl8pPr marL="3200400" indent="0" algn="ctr" defTabSz="914400" rtl="0" eaLnBrk="1" latinLnBrk="0" hangingPunct="1">
+              <a:lnSpc>
+                <a:spcPct val="120000"/>
+              </a:lnSpc>
+              <a:spcBef>
+                <a:spcPts val="500"/>
+              </a:spcBef>
+              <a:buFont typeface="Arial" panose="020B0604020202020204" pitchFamily="34" charset="0"/>
+              <a:buNone/>
+              <a:defRPr sz="1600" kern="1200">
+                <a:solidFill>
+                  <a:schemeClr val="tx1"/>
+                </a:solidFill>
+                <a:effectLst>
+                  <a:outerShdw blurRad="50800" dist="38100" dir="2700000" algn="tl" rotWithShape="0">
+                    <a:srgbClr val="000000">
+                      <a:alpha val="48000"/>
+                    </a:srgbClr>
+                  </a:outerShdw>
+                </a:effectLst>
+                <a:latin typeface="+mn-lt"/>
+                <a:ea typeface="+mn-ea"/>
+                <a:cs typeface="+mn-cs"/>
+              </a:defRPr>
+            </a:lvl8pPr>
+            <a:lvl9pPr marL="3657600" indent="0" algn="ctr" defTabSz="914400" rtl="0" eaLnBrk="1" latinLnBrk="0" hangingPunct="1">
+              <a:lnSpc>
+                <a:spcPct val="120000"/>
+              </a:lnSpc>
+              <a:spcBef>
+                <a:spcPts val="500"/>
+              </a:spcBef>
+              <a:buFont typeface="Arial" panose="020B0604020202020204" pitchFamily="34" charset="0"/>
+              <a:buNone/>
+              <a:defRPr sz="1600" kern="1200">
+                <a:solidFill>
+                  <a:schemeClr val="tx1"/>
+                </a:solidFill>
+                <a:effectLst>
+                  <a:outerShdw blurRad="50800" dist="38100" dir="2700000" algn="tl" rotWithShape="0">
+                    <a:srgbClr val="000000">
+                      <a:alpha val="48000"/>
+                    </a:srgbClr>
+                  </a:outerShdw>
+                </a:effectLst>
+                <a:latin typeface="+mn-lt"/>
+                <a:ea typeface="+mn-ea"/>
+                <a:cs typeface="+mn-cs"/>
+              </a:defRPr>
+            </a:lvl9pPr>
+          </a:lstStyle>
+          <a:p>
+            <a:pPr>
+              <a:lnSpc>
+                <a:spcPct val="100000"/>
+              </a:lnSpc>
+            </a:pPr>
+            <a:endParaRPr lang="cs-CZ" sz="2000" dirty="0"/>
+          </a:p>
+        </p:txBody>
+      </p:sp>
+      <p:sp>
+        <p:nvSpPr>
+          <p:cNvPr id="3" name="Subtitle 2">
+            <a:extLst>
+              <a:ext uri="{FF2B5EF4-FFF2-40B4-BE49-F238E27FC236}">
+                <a16:creationId xmlns:a16="http://schemas.microsoft.com/office/drawing/2014/main" id="{23BC322F-6DE2-5049-239F-890D9C6CBD7B}"/>
+              </a:ext>
+            </a:extLst>
+          </p:cNvPr>
+          <p:cNvSpPr txBox="1">
+            <a:spLocks/>
+          </p:cNvSpPr>
+          <p:nvPr/>
+        </p:nvSpPr>
+        <p:spPr>
+          <a:xfrm>
+            <a:off x="1245958" y="1571534"/>
+            <a:ext cx="9700083" cy="4733347"/>
+          </a:xfrm>
+          <a:prstGeom prst="rect">
+            <a:avLst/>
+          </a:prstGeom>
+        </p:spPr>
+        <p:txBody>
+          <a:bodyPr vert="horz" lIns="91440" tIns="45720" rIns="91440" bIns="45720" rtlCol="0">
+            <a:noAutofit/>
+          </a:bodyPr>
+          <a:lstStyle>
+            <a:lvl1pPr marL="0" indent="0" algn="ctr" defTabSz="914400" rtl="0" eaLnBrk="1" latinLnBrk="0" hangingPunct="1">
+              <a:lnSpc>
+                <a:spcPct val="120000"/>
+              </a:lnSpc>
+              <a:spcBef>
+                <a:spcPts val="1000"/>
+              </a:spcBef>
+              <a:buFont typeface="Arial" panose="020B0604020202020204" pitchFamily="34" charset="0"/>
+              <a:buNone/>
+              <a:defRPr sz="2400" kern="1200">
+                <a:solidFill>
+                  <a:schemeClr val="tx1"/>
+                </a:solidFill>
+                <a:effectLst>
+                  <a:outerShdw blurRad="50800" dist="38100" dir="2700000" algn="tl" rotWithShape="0">
+                    <a:srgbClr val="000000">
+                      <a:alpha val="48000"/>
+                    </a:srgbClr>
+                  </a:outerShdw>
+                </a:effectLst>
+                <a:latin typeface="+mn-lt"/>
+                <a:ea typeface="+mn-ea"/>
+                <a:cs typeface="+mn-cs"/>
+              </a:defRPr>
+            </a:lvl1pPr>
+            <a:lvl2pPr marL="457200" indent="0" algn="ctr" defTabSz="914400" rtl="0" eaLnBrk="1" latinLnBrk="0" hangingPunct="1">
+              <a:lnSpc>
+                <a:spcPct val="120000"/>
+              </a:lnSpc>
+              <a:spcBef>
+                <a:spcPts val="500"/>
+              </a:spcBef>
+              <a:buFont typeface="Arial" panose="020B0604020202020204" pitchFamily="34" charset="0"/>
+              <a:buNone/>
+              <a:defRPr sz="2000" kern="1200">
+                <a:solidFill>
+                  <a:schemeClr val="tx1"/>
+                </a:solidFill>
+                <a:effectLst>
+                  <a:outerShdw blurRad="50800" dist="38100" dir="2700000" algn="tl" rotWithShape="0">
+                    <a:srgbClr val="000000">
+                      <a:alpha val="48000"/>
+                    </a:srgbClr>
+                  </a:outerShdw>
+                </a:effectLst>
+                <a:latin typeface="+mn-lt"/>
+                <a:ea typeface="+mn-ea"/>
+                <a:cs typeface="+mn-cs"/>
+              </a:defRPr>
+            </a:lvl2pPr>
+            <a:lvl3pPr marL="914400" indent="0" algn="ctr" defTabSz="914400" rtl="0" eaLnBrk="1" latinLnBrk="0" hangingPunct="1">
+              <a:lnSpc>
+                <a:spcPct val="120000"/>
+              </a:lnSpc>
+              <a:spcBef>
+                <a:spcPts val="500"/>
+              </a:spcBef>
+              <a:buFont typeface="Arial" panose="020B0604020202020204" pitchFamily="34" charset="0"/>
+              <a:buNone/>
+              <a:defRPr sz="1800" kern="1200">
+                <a:solidFill>
+                  <a:schemeClr val="tx1"/>
+                </a:solidFill>
+                <a:effectLst>
+                  <a:outerShdw blurRad="50800" dist="38100" dir="2700000" algn="tl" rotWithShape="0">
+                    <a:srgbClr val="000000">
+                      <a:alpha val="48000"/>
+                    </a:srgbClr>
+                  </a:outerShdw>
+                </a:effectLst>
+                <a:latin typeface="+mn-lt"/>
+                <a:ea typeface="+mn-ea"/>
+                <a:cs typeface="+mn-cs"/>
+              </a:defRPr>
+            </a:lvl3pPr>
+            <a:lvl4pPr marL="1371600" indent="0" algn="ctr" defTabSz="914400" rtl="0" eaLnBrk="1" latinLnBrk="0" hangingPunct="1">
+              <a:lnSpc>
+                <a:spcPct val="120000"/>
+              </a:lnSpc>
+              <a:spcBef>
+                <a:spcPts val="500"/>
+              </a:spcBef>
+              <a:buFont typeface="Arial" panose="020B0604020202020204" pitchFamily="34" charset="0"/>
+              <a:buNone/>
+              <a:defRPr sz="1600" kern="1200">
+                <a:solidFill>
+                  <a:schemeClr val="tx1"/>
+                </a:solidFill>
+                <a:effectLst>
+                  <a:outerShdw blurRad="50800" dist="38100" dir="2700000" algn="tl" rotWithShape="0">
+                    <a:srgbClr val="000000">
+                      <a:alpha val="48000"/>
+                    </a:srgbClr>
+                  </a:outerShdw>
+                </a:effectLst>
+                <a:latin typeface="+mn-lt"/>
+                <a:ea typeface="+mn-ea"/>
+                <a:cs typeface="+mn-cs"/>
+              </a:defRPr>
+            </a:lvl4pPr>
+            <a:lvl5pPr marL="1828800" indent="0" algn="ctr" defTabSz="914400" rtl="0" eaLnBrk="1" latinLnBrk="0" hangingPunct="1">
+              <a:lnSpc>
+                <a:spcPct val="120000"/>
+              </a:lnSpc>
+              <a:spcBef>
+                <a:spcPts val="500"/>
+              </a:spcBef>
+              <a:buFont typeface="Arial" panose="020B0604020202020204" pitchFamily="34" charset="0"/>
+              <a:buNone/>
+              <a:defRPr sz="1600" kern="1200">
+                <a:solidFill>
+                  <a:schemeClr val="tx1"/>
+                </a:solidFill>
+                <a:effectLst>
+                  <a:outerShdw blurRad="50800" dist="38100" dir="2700000" algn="tl" rotWithShape="0">
+                    <a:srgbClr val="000000">
+                      <a:alpha val="48000"/>
+                    </a:srgbClr>
+                  </a:outerShdw>
+                </a:effectLst>
+                <a:latin typeface="+mn-lt"/>
+                <a:ea typeface="+mn-ea"/>
+                <a:cs typeface="+mn-cs"/>
+              </a:defRPr>
+            </a:lvl5pPr>
+            <a:lvl6pPr marL="2286000" indent="0" algn="ctr" defTabSz="914400" rtl="0" eaLnBrk="1" latinLnBrk="0" hangingPunct="1">
+              <a:lnSpc>
+                <a:spcPct val="120000"/>
+              </a:lnSpc>
+              <a:spcBef>
+                <a:spcPts val="500"/>
+              </a:spcBef>
+              <a:buFont typeface="Arial" panose="020B0604020202020204" pitchFamily="34" charset="0"/>
+              <a:buNone/>
+              <a:defRPr sz="1600" kern="1200">
+                <a:solidFill>
+                  <a:schemeClr val="tx1"/>
+                </a:solidFill>
+                <a:effectLst>
+                  <a:outerShdw blurRad="50800" dist="38100" dir="2700000" algn="tl" rotWithShape="0">
+                    <a:srgbClr val="000000">
+                      <a:alpha val="48000"/>
+                    </a:srgbClr>
+                  </a:outerShdw>
+                </a:effectLst>
+                <a:latin typeface="+mn-lt"/>
+                <a:ea typeface="+mn-ea"/>
+                <a:cs typeface="+mn-cs"/>
+              </a:defRPr>
+            </a:lvl6pPr>
+            <a:lvl7pPr marL="2743200" indent="0" algn="ctr" defTabSz="914400" rtl="0" eaLnBrk="1" latinLnBrk="0" hangingPunct="1">
+              <a:lnSpc>
+                <a:spcPct val="120000"/>
+              </a:lnSpc>
+              <a:spcBef>
+                <a:spcPts val="500"/>
+              </a:spcBef>
+              <a:buFont typeface="Arial" panose="020B0604020202020204" pitchFamily="34" charset="0"/>
+              <a:buNone/>
+              <a:defRPr sz="1600" kern="1200">
+                <a:solidFill>
+                  <a:schemeClr val="tx1"/>
+                </a:solidFill>
+                <a:effectLst>
+                  <a:outerShdw blurRad="50800" dist="38100" dir="2700000" algn="tl" rotWithShape="0">
+                    <a:srgbClr val="000000">
+                      <a:alpha val="48000"/>
+                    </a:srgbClr>
+                  </a:outerShdw>
+                </a:effectLst>
+                <a:latin typeface="+mn-lt"/>
+                <a:ea typeface="+mn-ea"/>
+                <a:cs typeface="+mn-cs"/>
+              </a:defRPr>
+            </a:lvl7pPr>
+            <a:lvl8pPr marL="3200400" indent="0" algn="ctr" defTabSz="914400" rtl="0" eaLnBrk="1" latinLnBrk="0" hangingPunct="1">
+              <a:lnSpc>
+                <a:spcPct val="120000"/>
+              </a:lnSpc>
+              <a:spcBef>
+                <a:spcPts val="500"/>
+              </a:spcBef>
+              <a:buFont typeface="Arial" panose="020B0604020202020204" pitchFamily="34" charset="0"/>
+              <a:buNone/>
+              <a:defRPr sz="1600" kern="1200">
+                <a:solidFill>
+                  <a:schemeClr val="tx1"/>
+                </a:solidFill>
+                <a:effectLst>
+                  <a:outerShdw blurRad="50800" dist="38100" dir="2700000" algn="tl" rotWithShape="0">
+                    <a:srgbClr val="000000">
+                      <a:alpha val="48000"/>
+                    </a:srgbClr>
+                  </a:outerShdw>
+                </a:effectLst>
+                <a:latin typeface="+mn-lt"/>
+                <a:ea typeface="+mn-ea"/>
+                <a:cs typeface="+mn-cs"/>
+              </a:defRPr>
+            </a:lvl8pPr>
+            <a:lvl9pPr marL="3657600" indent="0" algn="ctr" defTabSz="914400" rtl="0" eaLnBrk="1" latinLnBrk="0" hangingPunct="1">
+              <a:lnSpc>
+                <a:spcPct val="120000"/>
+              </a:lnSpc>
+              <a:spcBef>
+                <a:spcPts val="500"/>
+              </a:spcBef>
+              <a:buFont typeface="Arial" panose="020B0604020202020204" pitchFamily="34" charset="0"/>
+              <a:buNone/>
+              <a:defRPr sz="1600" kern="1200">
+                <a:solidFill>
+                  <a:schemeClr val="tx1"/>
+                </a:solidFill>
+                <a:effectLst>
+                  <a:outerShdw blurRad="50800" dist="38100" dir="2700000" algn="tl" rotWithShape="0">
+                    <a:srgbClr val="000000">
+                      <a:alpha val="48000"/>
+                    </a:srgbClr>
+                  </a:outerShdw>
+                </a:effectLst>
+                <a:latin typeface="+mn-lt"/>
+                <a:ea typeface="+mn-ea"/>
+                <a:cs typeface="+mn-cs"/>
+              </a:defRPr>
+            </a:lvl9pPr>
+          </a:lstStyle>
+          <a:p>
+            <a:pPr>
+              <a:lnSpc>
+                <a:spcPct val="100000"/>
+              </a:lnSpc>
+            </a:pPr>
+            <a:r>
+              <a:rPr lang="cs-CZ" sz="2000" dirty="0"/>
+              <a:t>Opakovač (repeater) – pošle data z jednoho portu do druhého (má 2)</a:t>
+            </a:r>
+            <a:endParaRPr lang="cs-CZ" sz="2000" dirty="0">
+              <a:effectLst/>
+            </a:endParaRPr>
+          </a:p>
+          <a:p>
+            <a:pPr>
+              <a:lnSpc>
+                <a:spcPct val="100000"/>
+              </a:lnSpc>
+            </a:pPr>
+            <a:r>
+              <a:rPr lang="cs-CZ" sz="2000" dirty="0">
+                <a:effectLst/>
+              </a:rPr>
+              <a:t>Pracuje na první vrstvě OSI</a:t>
+            </a:r>
+          </a:p>
+          <a:p>
+            <a:pPr>
+              <a:lnSpc>
+                <a:spcPct val="100000"/>
+              </a:lnSpc>
+            </a:pPr>
+            <a:r>
+              <a:rPr lang="cs-CZ" sz="2000" dirty="0">
+                <a:effectLst/>
+              </a:rPr>
+              <a:t>Rozbočovač (hub) – pošle data z jednoho portu do všech (má 3+)</a:t>
+            </a:r>
+          </a:p>
+          <a:p>
+            <a:pPr>
+              <a:lnSpc>
+                <a:spcPct val="100000"/>
+              </a:lnSpc>
+            </a:pPr>
+            <a:r>
+              <a:rPr lang="cs-CZ" sz="2000" dirty="0">
+                <a:effectLst/>
+              </a:rPr>
+              <a:t>Pracuje na první vrstvě OSI</a:t>
+            </a:r>
+          </a:p>
+          <a:p>
+            <a:pPr>
+              <a:lnSpc>
+                <a:spcPct val="100000"/>
+              </a:lnSpc>
+            </a:pPr>
+            <a:r>
+              <a:rPr lang="cs-CZ" sz="2000" dirty="0">
+                <a:effectLst/>
+              </a:rPr>
+              <a:t>Most (bridge) – rozhoduje se podle MAC adresy, má většinou 2 porty</a:t>
+            </a:r>
+          </a:p>
+          <a:p>
+            <a:pPr>
+              <a:lnSpc>
+                <a:spcPct val="100000"/>
+              </a:lnSpc>
+            </a:pPr>
+            <a:r>
+              <a:rPr lang="cs-CZ" sz="2000" dirty="0">
+                <a:effectLst/>
+              </a:rPr>
+              <a:t>Pracuje na druhé vrstvě OSI</a:t>
+            </a:r>
+          </a:p>
+          <a:p>
+            <a:pPr>
+              <a:lnSpc>
+                <a:spcPct val="100000"/>
+              </a:lnSpc>
+            </a:pPr>
+            <a:r>
+              <a:rPr lang="cs-CZ" sz="2000" dirty="0">
+                <a:effectLst/>
+              </a:rPr>
+              <a:t>Přepínač (switch) – rozhoduje se podle MAC adresy, má většinou více portů</a:t>
+            </a:r>
+          </a:p>
+          <a:p>
+            <a:pPr>
+              <a:lnSpc>
+                <a:spcPct val="100000"/>
+              </a:lnSpc>
+            </a:pPr>
+            <a:r>
+              <a:rPr lang="cs-CZ" sz="2000" dirty="0">
+                <a:effectLst/>
+              </a:rPr>
+              <a:t>Pracuje na druhé vrstvě OSI</a:t>
+            </a:r>
+          </a:p>
+          <a:p>
+            <a:pPr>
+              <a:lnSpc>
+                <a:spcPct val="100000"/>
+              </a:lnSpc>
+            </a:pPr>
+            <a:r>
+              <a:rPr lang="cs-CZ" sz="2000" dirty="0">
+                <a:effectLst/>
+              </a:rPr>
+              <a:t>Směrovač (router) – rozhoduje podle IP adresy</a:t>
+            </a:r>
+          </a:p>
+          <a:p>
+            <a:pPr>
+              <a:lnSpc>
+                <a:spcPct val="100000"/>
+              </a:lnSpc>
+            </a:pPr>
+            <a:r>
+              <a:rPr lang="cs-CZ" sz="2000" dirty="0">
+                <a:effectLst/>
+              </a:rPr>
+              <a:t>Pracuje na třetí vrstvě OSI</a:t>
+            </a:r>
+            <a:endParaRPr lang="cs-CZ" sz="2000" dirty="0"/>
+          </a:p>
+        </p:txBody>
+      </p:sp>
+    </p:spTree>
+    <p:extLst>
+      <p:ext uri="{BB962C8B-B14F-4D97-AF65-F5344CB8AC3E}">
+        <p14:creationId xmlns:p14="http://schemas.microsoft.com/office/powerpoint/2010/main" val="2955670292"/>
+      </p:ext>
+    </p:extLst>
+  </p:cSld>
+  <p:clrMapOvr>
+    <a:masterClrMapping/>
+  </p:clrMapOvr>
+  <p:timing>
+    <p:tnLst>
+      <p:par>
+        <p:cTn id="1" dur="indefinite" restart="never" nodeType="tmRoot">
+          <p:childTnLst>
+            <p:seq concurrent="1" nextAc="seek">
+              <p:cTn id="2" dur="indefinite" nodeType="mainSeq">
+                <p:childTnLst>
+                  <p:par>
+                    <p:cTn id="3" fill="hold">
+                      <p:stCondLst>
+                        <p:cond delay="indefinite"/>
+                        <p:cond evt="onBegin" delay="0">
+                          <p:tn val="2"/>
+                        </p:cond>
+                      </p:stCondLst>
+                      <p:childTnLst>
+                        <p:par>
+                          <p:cTn id="4" fill="hold">
+                            <p:stCondLst>
+                              <p:cond delay="0"/>
+                            </p:stCondLst>
+                            <p:childTnLst>
+                              <p:par>
+                                <p:cTn id="5" presetID="10" presetClass="entr" presetSubtype="0" fill="hold" grpId="0" nodeType="withEffect">
+                                  <p:stCondLst>
+                                    <p:cond delay="1000"/>
+                                  </p:stCondLst>
+                                  <p:iterate>
+                                    <p:tmPct val="10000"/>
+                                  </p:iterate>
+                                  <p:childTnLst>
+                                    <p:set>
+                                      <p:cBhvr>
+                                        <p:cTn id="6" dur="1" fill="hold">
+                                          <p:stCondLst>
+                                            <p:cond delay="0"/>
+                                          </p:stCondLst>
+                                        </p:cTn>
+                                        <p:tgtEl>
+                                          <p:spTgt spid="2"/>
+                                        </p:tgtEl>
+                                        <p:attrNameLst>
+                                          <p:attrName>style.visibility</p:attrName>
+                                        </p:attrNameLst>
+                                      </p:cBhvr>
+                                      <p:to>
+                                        <p:strVal val="visible"/>
+                                      </p:to>
+                                    </p:set>
+                                    <p:animEffect transition="in" filter="fade">
+                                      <p:cBhvr>
+                                        <p:cTn id="7" dur="700"/>
+                                        <p:tgtEl>
+                                          <p:spTgt spid="2"/>
+                                        </p:tgtEl>
+                                      </p:cBhvr>
+                                    </p:animEffect>
+                                  </p:childTnLst>
+                                </p:cTn>
+                              </p:par>
+                              <p:par>
+                                <p:cTn id="8" presetID="10" presetClass="entr" presetSubtype="0" fill="hold" grpId="0" nodeType="withEffect" nodePh="1">
+                                  <p:stCondLst>
+                                    <p:cond delay="1500"/>
+                                  </p:stCondLst>
+                                  <p:endCondLst>
+                                    <p:cond evt="begin" delay="0">
+                                      <p:tn val="8"/>
+                                    </p:cond>
+                                  </p:endCondLst>
+                                  <p:iterate>
+                                    <p:tmPct val="10000"/>
+                                  </p:iterate>
+                                  <p:childTnLst>
+                                    <p:set>
+                                      <p:cBhvr>
+                                        <p:cTn id="9" dur="1" fill="hold">
+                                          <p:stCondLst>
+                                            <p:cond delay="0"/>
+                                          </p:stCondLst>
+                                        </p:cTn>
+                                        <p:tgtEl>
+                                          <p:spTgt spid="5">
+                                            <p:txEl>
+                                              <p:pRg st="0" end="0"/>
+                                            </p:txEl>
+                                          </p:spTgt>
+                                        </p:tgtEl>
+                                        <p:attrNameLst>
+                                          <p:attrName>style.visibility</p:attrName>
+                                        </p:attrNameLst>
+                                      </p:cBhvr>
+                                      <p:to>
+                                        <p:strVal val="visible"/>
+                                      </p:to>
+                                    </p:set>
+                                    <p:animEffect transition="in" filter="fade">
+                                      <p:cBhvr>
+                                        <p:cTn id="10" dur="700"/>
+                                        <p:tgtEl>
+                                          <p:spTgt spid="5">
+                                            <p:txEl>
+                                              <p:pRg st="0" end="0"/>
+                                            </p:txEl>
+                                          </p:spTgt>
+                                        </p:tgtEl>
+                                      </p:cBhvr>
+                                    </p:animEffect>
+                                  </p:childTnLst>
+                                </p:cTn>
+                              </p:par>
+                              <p:par>
+                                <p:cTn id="11" presetID="10" presetClass="entr" presetSubtype="0" fill="hold" grpId="0" nodeType="withEffect">
+                                  <p:stCondLst>
+                                    <p:cond delay="1500"/>
+                                  </p:stCondLst>
+                                  <p:iterate>
+                                    <p:tmPct val="10000"/>
+                                  </p:iterate>
+                                  <p:childTnLst>
+                                    <p:set>
+                                      <p:cBhvr>
+                                        <p:cTn id="12" dur="1" fill="hold">
+                                          <p:stCondLst>
+                                            <p:cond delay="0"/>
+                                          </p:stCondLst>
+                                        </p:cTn>
+                                        <p:tgtEl>
+                                          <p:spTgt spid="3">
+                                            <p:txEl>
+                                              <p:pRg st="0" end="0"/>
+                                            </p:txEl>
+                                          </p:spTgt>
+                                        </p:tgtEl>
+                                        <p:attrNameLst>
+                                          <p:attrName>style.visibility</p:attrName>
+                                        </p:attrNameLst>
+                                      </p:cBhvr>
+                                      <p:to>
+                                        <p:strVal val="visible"/>
+                                      </p:to>
+                                    </p:set>
+                                    <p:animEffect transition="in" filter="fade">
+                                      <p:cBhvr>
+                                        <p:cTn id="13" dur="700"/>
+                                        <p:tgtEl>
+                                          <p:spTgt spid="3">
+                                            <p:txEl>
+                                              <p:pRg st="0" end="0"/>
+                                            </p:txEl>
+                                          </p:spTgt>
+                                        </p:tgtEl>
+                                      </p:cBhvr>
+                                    </p:animEffect>
+                                  </p:childTnLst>
+                                </p:cTn>
+                              </p:par>
+                            </p:childTnLst>
+                          </p:cTn>
+                        </p:par>
+                      </p:childTnLst>
+                    </p:cTn>
+                  </p:par>
+                  <p:par>
+                    <p:cTn id="14" fill="hold">
+                      <p:stCondLst>
+                        <p:cond delay="indefinite"/>
+                      </p:stCondLst>
+                      <p:childTnLst>
+                        <p:par>
+                          <p:cTn id="15" fill="hold">
+                            <p:stCondLst>
+                              <p:cond delay="0"/>
+                            </p:stCondLst>
+                            <p:childTnLst>
+                              <p:par>
+                                <p:cTn id="16" presetID="10" presetClass="entr" presetSubtype="0" fill="hold" grpId="0" nodeType="clickEffect">
+                                  <p:stCondLst>
+                                    <p:cond delay="1500"/>
+                                  </p:stCondLst>
+                                  <p:iterate>
+                                    <p:tmPct val="10000"/>
+                                  </p:iterate>
+                                  <p:childTnLst>
+                                    <p:set>
+                                      <p:cBhvr>
+                                        <p:cTn id="17" dur="1" fill="hold">
+                                          <p:stCondLst>
+                                            <p:cond delay="0"/>
+                                          </p:stCondLst>
+                                        </p:cTn>
+                                        <p:tgtEl>
+                                          <p:spTgt spid="3">
+                                            <p:txEl>
+                                              <p:pRg st="1" end="1"/>
+                                            </p:txEl>
+                                          </p:spTgt>
+                                        </p:tgtEl>
+                                        <p:attrNameLst>
+                                          <p:attrName>style.visibility</p:attrName>
+                                        </p:attrNameLst>
+                                      </p:cBhvr>
+                                      <p:to>
+                                        <p:strVal val="visible"/>
+                                      </p:to>
+                                    </p:set>
+                                    <p:animEffect transition="in" filter="fade">
+                                      <p:cBhvr>
+                                        <p:cTn id="18" dur="700"/>
+                                        <p:tgtEl>
+                                          <p:spTgt spid="3">
+                                            <p:txEl>
+                                              <p:pRg st="1" end="1"/>
+                                            </p:txEl>
+                                          </p:spTgt>
+                                        </p:tgtEl>
+                                      </p:cBhvr>
+                                    </p:animEffect>
+                                  </p:childTnLst>
+                                </p:cTn>
+                              </p:par>
+                            </p:childTnLst>
+                          </p:cTn>
+                        </p:par>
+                      </p:childTnLst>
+                    </p:cTn>
+                  </p:par>
+                  <p:par>
+                    <p:cTn id="19" fill="hold">
+                      <p:stCondLst>
+                        <p:cond delay="indefinite"/>
+                      </p:stCondLst>
+                      <p:childTnLst>
+                        <p:par>
+                          <p:cTn id="20" fill="hold">
+                            <p:stCondLst>
+                              <p:cond delay="0"/>
+                            </p:stCondLst>
+                            <p:childTnLst>
+                              <p:par>
+                                <p:cTn id="21" presetID="10" presetClass="entr" presetSubtype="0" fill="hold" grpId="0" nodeType="clickEffect">
+                                  <p:stCondLst>
+                                    <p:cond delay="1500"/>
+                                  </p:stCondLst>
+                                  <p:iterate>
+                                    <p:tmPct val="10000"/>
+                                  </p:iterate>
+                                  <p:childTnLst>
+                                    <p:set>
+                                      <p:cBhvr>
+                                        <p:cTn id="22" dur="1" fill="hold">
+                                          <p:stCondLst>
+                                            <p:cond delay="0"/>
+                                          </p:stCondLst>
+                                        </p:cTn>
+                                        <p:tgtEl>
+                                          <p:spTgt spid="3">
+                                            <p:txEl>
+                                              <p:pRg st="2" end="2"/>
+                                            </p:txEl>
+                                          </p:spTgt>
+                                        </p:tgtEl>
+                                        <p:attrNameLst>
+                                          <p:attrName>style.visibility</p:attrName>
+                                        </p:attrNameLst>
+                                      </p:cBhvr>
+                                      <p:to>
+                                        <p:strVal val="visible"/>
+                                      </p:to>
+                                    </p:set>
+                                    <p:animEffect transition="in" filter="fade">
+                                      <p:cBhvr>
+                                        <p:cTn id="23" dur="700"/>
+                                        <p:tgtEl>
+                                          <p:spTgt spid="3">
+                                            <p:txEl>
+                                              <p:pRg st="2" end="2"/>
+                                            </p:txEl>
+                                          </p:spTgt>
+                                        </p:tgtEl>
+                                      </p:cBhvr>
+                                    </p:animEffect>
+                                  </p:childTnLst>
+                                </p:cTn>
+                              </p:par>
+                            </p:childTnLst>
+                          </p:cTn>
+                        </p:par>
+                      </p:childTnLst>
+                    </p:cTn>
+                  </p:par>
+                  <p:par>
+                    <p:cTn id="24" fill="hold">
+                      <p:stCondLst>
+                        <p:cond delay="indefinite"/>
+                      </p:stCondLst>
+                      <p:childTnLst>
+                        <p:par>
+                          <p:cTn id="25" fill="hold">
+                            <p:stCondLst>
+                              <p:cond delay="0"/>
+                            </p:stCondLst>
+                            <p:childTnLst>
+                              <p:par>
+                                <p:cTn id="26" presetID="10" presetClass="entr" presetSubtype="0" fill="hold" grpId="0" nodeType="clickEffect">
+                                  <p:stCondLst>
+                                    <p:cond delay="1500"/>
+                                  </p:stCondLst>
+                                  <p:iterate>
+                                    <p:tmPct val="10000"/>
+                                  </p:iterate>
+                                  <p:childTnLst>
+                                    <p:set>
+                                      <p:cBhvr>
+                                        <p:cTn id="27" dur="1" fill="hold">
+                                          <p:stCondLst>
+                                            <p:cond delay="0"/>
+                                          </p:stCondLst>
+                                        </p:cTn>
+                                        <p:tgtEl>
+                                          <p:spTgt spid="3">
+                                            <p:txEl>
+                                              <p:pRg st="3" end="3"/>
+                                            </p:txEl>
+                                          </p:spTgt>
+                                        </p:tgtEl>
+                                        <p:attrNameLst>
+                                          <p:attrName>style.visibility</p:attrName>
+                                        </p:attrNameLst>
+                                      </p:cBhvr>
+                                      <p:to>
+                                        <p:strVal val="visible"/>
+                                      </p:to>
+                                    </p:set>
+                                    <p:animEffect transition="in" filter="fade">
+                                      <p:cBhvr>
+                                        <p:cTn id="28" dur="700"/>
+                                        <p:tgtEl>
+                                          <p:spTgt spid="3">
+                                            <p:txEl>
+                                              <p:pRg st="3" end="3"/>
+                                            </p:txEl>
+                                          </p:spTgt>
+                                        </p:tgtEl>
+                                      </p:cBhvr>
+                                    </p:animEffect>
+                                  </p:childTnLst>
+                                </p:cTn>
+                              </p:par>
+                            </p:childTnLst>
+                          </p:cTn>
+                        </p:par>
+                      </p:childTnLst>
+                    </p:cTn>
+                  </p:par>
+                  <p:par>
+                    <p:cTn id="29" fill="hold">
+                      <p:stCondLst>
+                        <p:cond delay="indefinite"/>
+                      </p:stCondLst>
+                      <p:childTnLst>
+                        <p:par>
+                          <p:cTn id="30" fill="hold">
+                            <p:stCondLst>
+                              <p:cond delay="0"/>
+                            </p:stCondLst>
+                            <p:childTnLst>
+                              <p:par>
+                                <p:cTn id="31" presetID="10" presetClass="entr" presetSubtype="0" fill="hold" grpId="0" nodeType="clickEffect">
+                                  <p:stCondLst>
+                                    <p:cond delay="1500"/>
+                                  </p:stCondLst>
+                                  <p:iterate>
+                                    <p:tmPct val="10000"/>
+                                  </p:iterate>
+                                  <p:childTnLst>
+                                    <p:set>
+                                      <p:cBhvr>
+                                        <p:cTn id="32" dur="1" fill="hold">
+                                          <p:stCondLst>
+                                            <p:cond delay="0"/>
+                                          </p:stCondLst>
+                                        </p:cTn>
+                                        <p:tgtEl>
+                                          <p:spTgt spid="3">
+                                            <p:txEl>
+                                              <p:pRg st="4" end="4"/>
+                                            </p:txEl>
+                                          </p:spTgt>
+                                        </p:tgtEl>
+                                        <p:attrNameLst>
+                                          <p:attrName>style.visibility</p:attrName>
+                                        </p:attrNameLst>
+                                      </p:cBhvr>
+                                      <p:to>
+                                        <p:strVal val="visible"/>
+                                      </p:to>
+                                    </p:set>
+                                    <p:animEffect transition="in" filter="fade">
+                                      <p:cBhvr>
+                                        <p:cTn id="33" dur="700"/>
+                                        <p:tgtEl>
+                                          <p:spTgt spid="3">
+                                            <p:txEl>
+                                              <p:pRg st="4" end="4"/>
+                                            </p:txEl>
+                                          </p:spTgt>
+                                        </p:tgtEl>
+                                      </p:cBhvr>
+                                    </p:animEffect>
+                                  </p:childTnLst>
+                                </p:cTn>
+                              </p:par>
+                            </p:childTnLst>
+                          </p:cTn>
+                        </p:par>
+                      </p:childTnLst>
+                    </p:cTn>
+                  </p:par>
+                  <p:par>
+                    <p:cTn id="34" fill="hold">
+                      <p:stCondLst>
+                        <p:cond delay="indefinite"/>
+                      </p:stCondLst>
+                      <p:childTnLst>
+                        <p:par>
+                          <p:cTn id="35" fill="hold">
+                            <p:stCondLst>
+                              <p:cond delay="0"/>
+                            </p:stCondLst>
+                            <p:childTnLst>
+                              <p:par>
+                                <p:cTn id="36" presetID="10" presetClass="entr" presetSubtype="0" fill="hold" grpId="0" nodeType="clickEffect">
+                                  <p:stCondLst>
+                                    <p:cond delay="1500"/>
+                                  </p:stCondLst>
+                                  <p:iterate>
+                                    <p:tmPct val="10000"/>
+                                  </p:iterate>
+                                  <p:childTnLst>
+                                    <p:set>
+                                      <p:cBhvr>
+                                        <p:cTn id="37" dur="1" fill="hold">
+                                          <p:stCondLst>
+                                            <p:cond delay="0"/>
+                                          </p:stCondLst>
+                                        </p:cTn>
+                                        <p:tgtEl>
+                                          <p:spTgt spid="3">
+                                            <p:txEl>
+                                              <p:pRg st="5" end="5"/>
+                                            </p:txEl>
+                                          </p:spTgt>
+                                        </p:tgtEl>
+                                        <p:attrNameLst>
+                                          <p:attrName>style.visibility</p:attrName>
+                                        </p:attrNameLst>
+                                      </p:cBhvr>
+                                      <p:to>
+                                        <p:strVal val="visible"/>
+                                      </p:to>
+                                    </p:set>
+                                    <p:animEffect transition="in" filter="fade">
+                                      <p:cBhvr>
+                                        <p:cTn id="38" dur="700"/>
+                                        <p:tgtEl>
+                                          <p:spTgt spid="3">
+                                            <p:txEl>
+                                              <p:pRg st="5" end="5"/>
+                                            </p:txEl>
+                                          </p:spTgt>
+                                        </p:tgtEl>
+                                      </p:cBhvr>
+                                    </p:animEffect>
+                                  </p:childTnLst>
+                                </p:cTn>
+                              </p:par>
+                            </p:childTnLst>
+                          </p:cTn>
+                        </p:par>
+                      </p:childTnLst>
+                    </p:cTn>
+                  </p:par>
+                  <p:par>
+                    <p:cTn id="39" fill="hold">
+                      <p:stCondLst>
+                        <p:cond delay="indefinite"/>
+                      </p:stCondLst>
+                      <p:childTnLst>
+                        <p:par>
+                          <p:cTn id="40" fill="hold">
+                            <p:stCondLst>
+                              <p:cond delay="0"/>
+                            </p:stCondLst>
+                            <p:childTnLst>
+                              <p:par>
+                                <p:cTn id="41" presetID="10" presetClass="entr" presetSubtype="0" fill="hold" grpId="0" nodeType="clickEffect">
+                                  <p:stCondLst>
+                                    <p:cond delay="1500"/>
+                                  </p:stCondLst>
+                                  <p:iterate>
+                                    <p:tmPct val="10000"/>
+                                  </p:iterate>
+                                  <p:childTnLst>
+                                    <p:set>
+                                      <p:cBhvr>
+                                        <p:cTn id="42" dur="1" fill="hold">
+                                          <p:stCondLst>
+                                            <p:cond delay="0"/>
+                                          </p:stCondLst>
+                                        </p:cTn>
+                                        <p:tgtEl>
+                                          <p:spTgt spid="3">
+                                            <p:txEl>
+                                              <p:pRg st="6" end="6"/>
+                                            </p:txEl>
+                                          </p:spTgt>
+                                        </p:tgtEl>
+                                        <p:attrNameLst>
+                                          <p:attrName>style.visibility</p:attrName>
+                                        </p:attrNameLst>
+                                      </p:cBhvr>
+                                      <p:to>
+                                        <p:strVal val="visible"/>
+                                      </p:to>
+                                    </p:set>
+                                    <p:animEffect transition="in" filter="fade">
+                                      <p:cBhvr>
+                                        <p:cTn id="43" dur="700"/>
+                                        <p:tgtEl>
+                                          <p:spTgt spid="3">
+                                            <p:txEl>
+                                              <p:pRg st="6" end="6"/>
+                                            </p:txEl>
+                                          </p:spTgt>
+                                        </p:tgtEl>
+                                      </p:cBhvr>
+                                    </p:animEffect>
+                                  </p:childTnLst>
+                                </p:cTn>
+                              </p:par>
+                            </p:childTnLst>
+                          </p:cTn>
+                        </p:par>
+                      </p:childTnLst>
+                    </p:cTn>
+                  </p:par>
+                  <p:par>
+                    <p:cTn id="44" fill="hold">
+                      <p:stCondLst>
+                        <p:cond delay="indefinite"/>
+                      </p:stCondLst>
+                      <p:childTnLst>
+                        <p:par>
+                          <p:cTn id="45" fill="hold">
+                            <p:stCondLst>
+                              <p:cond delay="0"/>
+                            </p:stCondLst>
+                            <p:childTnLst>
+                              <p:par>
+                                <p:cTn id="46" presetID="10" presetClass="entr" presetSubtype="0" fill="hold" grpId="0" nodeType="clickEffect">
+                                  <p:stCondLst>
+                                    <p:cond delay="1500"/>
+                                  </p:stCondLst>
+                                  <p:iterate>
+                                    <p:tmPct val="10000"/>
+                                  </p:iterate>
+                                  <p:childTnLst>
+                                    <p:set>
+                                      <p:cBhvr>
+                                        <p:cTn id="47" dur="1" fill="hold">
+                                          <p:stCondLst>
+                                            <p:cond delay="0"/>
+                                          </p:stCondLst>
+                                        </p:cTn>
+                                        <p:tgtEl>
+                                          <p:spTgt spid="3">
+                                            <p:txEl>
+                                              <p:pRg st="7" end="7"/>
+                                            </p:txEl>
+                                          </p:spTgt>
+                                        </p:tgtEl>
+                                        <p:attrNameLst>
+                                          <p:attrName>style.visibility</p:attrName>
+                                        </p:attrNameLst>
+                                      </p:cBhvr>
+                                      <p:to>
+                                        <p:strVal val="visible"/>
+                                      </p:to>
+                                    </p:set>
+                                    <p:animEffect transition="in" filter="fade">
+                                      <p:cBhvr>
+                                        <p:cTn id="48" dur="700"/>
+                                        <p:tgtEl>
+                                          <p:spTgt spid="3">
+                                            <p:txEl>
+                                              <p:pRg st="7" end="7"/>
+                                            </p:txEl>
+                                          </p:spTgt>
+                                        </p:tgtEl>
+                                      </p:cBhvr>
+                                    </p:animEffect>
+                                  </p:childTnLst>
+                                </p:cTn>
+                              </p:par>
+                            </p:childTnLst>
+                          </p:cTn>
+                        </p:par>
+                      </p:childTnLst>
+                    </p:cTn>
+                  </p:par>
+                  <p:par>
+                    <p:cTn id="49" fill="hold">
+                      <p:stCondLst>
+                        <p:cond delay="indefinite"/>
+                      </p:stCondLst>
+                      <p:childTnLst>
+                        <p:par>
+                          <p:cTn id="50" fill="hold">
+                            <p:stCondLst>
+                              <p:cond delay="0"/>
+                            </p:stCondLst>
+                            <p:childTnLst>
+                              <p:par>
+                                <p:cTn id="51" presetID="10" presetClass="entr" presetSubtype="0" fill="hold" grpId="0" nodeType="clickEffect">
+                                  <p:stCondLst>
+                                    <p:cond delay="1500"/>
+                                  </p:stCondLst>
+                                  <p:iterate>
+                                    <p:tmPct val="10000"/>
+                                  </p:iterate>
+                                  <p:childTnLst>
+                                    <p:set>
+                                      <p:cBhvr>
+                                        <p:cTn id="52" dur="1" fill="hold">
+                                          <p:stCondLst>
+                                            <p:cond delay="0"/>
+                                          </p:stCondLst>
+                                        </p:cTn>
+                                        <p:tgtEl>
+                                          <p:spTgt spid="3">
+                                            <p:txEl>
+                                              <p:pRg st="8" end="8"/>
+                                            </p:txEl>
+                                          </p:spTgt>
+                                        </p:tgtEl>
+                                        <p:attrNameLst>
+                                          <p:attrName>style.visibility</p:attrName>
+                                        </p:attrNameLst>
+                                      </p:cBhvr>
+                                      <p:to>
+                                        <p:strVal val="visible"/>
+                                      </p:to>
+                                    </p:set>
+                                    <p:animEffect transition="in" filter="fade">
+                                      <p:cBhvr>
+                                        <p:cTn id="53" dur="700"/>
+                                        <p:tgtEl>
+                                          <p:spTgt spid="3">
+                                            <p:txEl>
+                                              <p:pRg st="8" end="8"/>
+                                            </p:txEl>
+                                          </p:spTgt>
+                                        </p:tgtEl>
+                                      </p:cBhvr>
+                                    </p:animEffect>
+                                  </p:childTnLst>
+                                </p:cTn>
+                              </p:par>
+                            </p:childTnLst>
+                          </p:cTn>
+                        </p:par>
+                      </p:childTnLst>
+                    </p:cTn>
+                  </p:par>
+                  <p:par>
+                    <p:cTn id="54" fill="hold">
+                      <p:stCondLst>
+                        <p:cond delay="indefinite"/>
+                      </p:stCondLst>
+                      <p:childTnLst>
+                        <p:par>
+                          <p:cTn id="55" fill="hold">
+                            <p:stCondLst>
+                              <p:cond delay="0"/>
+                            </p:stCondLst>
+                            <p:childTnLst>
+                              <p:par>
+                                <p:cTn id="56" presetID="10" presetClass="entr" presetSubtype="0" fill="hold" grpId="0" nodeType="clickEffect">
+                                  <p:stCondLst>
+                                    <p:cond delay="1500"/>
+                                  </p:stCondLst>
+                                  <p:iterate>
+                                    <p:tmPct val="10000"/>
+                                  </p:iterate>
+                                  <p:childTnLst>
+                                    <p:set>
+                                      <p:cBhvr>
+                                        <p:cTn id="57" dur="1" fill="hold">
+                                          <p:stCondLst>
+                                            <p:cond delay="0"/>
+                                          </p:stCondLst>
+                                        </p:cTn>
+                                        <p:tgtEl>
+                                          <p:spTgt spid="3">
+                                            <p:txEl>
+                                              <p:pRg st="9" end="9"/>
+                                            </p:txEl>
+                                          </p:spTgt>
+                                        </p:tgtEl>
+                                        <p:attrNameLst>
+                                          <p:attrName>style.visibility</p:attrName>
+                                        </p:attrNameLst>
+                                      </p:cBhvr>
+                                      <p:to>
+                                        <p:strVal val="visible"/>
+                                      </p:to>
+                                    </p:set>
+                                    <p:animEffect transition="in" filter="fade">
+                                      <p:cBhvr>
+                                        <p:cTn id="58" dur="700"/>
+                                        <p:tgtEl>
+                                          <p:spTgt spid="3">
+                                            <p:txEl>
+                                              <p:pRg st="9" end="9"/>
+                                            </p:txEl>
+                                          </p:spTgt>
+                                        </p:tgtEl>
+                                      </p:cBhvr>
+                                    </p:animEffect>
+                                  </p:childTnLst>
+                                </p:cTn>
+                              </p:par>
+                            </p:childTnLst>
+                          </p:cTn>
+                        </p:par>
+                      </p:childTnLst>
+                    </p:cTn>
+                  </p:par>
+                </p:childTnLst>
+              </p:cTn>
+              <p:prevCondLst>
+                <p:cond evt="onPrev" delay="0">
+                  <p:tgtEl>
+                    <p:sldTgt/>
+                  </p:tgtEl>
+                </p:cond>
+              </p:prevCondLst>
+              <p:nextCondLst>
+                <p:cond evt="onNext" delay="0">
+                  <p:tgtEl>
+                    <p:sldTgt/>
+                  </p:tgtEl>
+                </p:cond>
+              </p:nextCondLst>
+            </p:seq>
+          </p:childTnLst>
+        </p:cTn>
+      </p:par>
+    </p:tnLst>
+    <p:bldLst>
+      <p:bldP spid="2" grpId="0"/>
+      <p:bldP spid="5" grpId="0" build="p"/>
+      <p:bldP spid="3" grpId="0" build="p"/>
+    </p:bldLst>
+  </p:timing>
+</p:sld>
+</file>
+
+<file path=ppt/slides/slide8.xml><?xml version="1.0" encoding="utf-8"?>
+<p:sld xmlns:a="http://schemas.openxmlformats.org/drawingml/2006/main" xmlns:r="http://schemas.openxmlformats.org/officeDocument/2006/relationships" xmlns:p="http://schemas.openxmlformats.org/presentationml/2006/main">
+  <p:cSld>
+    <p:bg>
+      <p:bgPr>
+        <a:solidFill>
+          <a:schemeClr val="bg1"/>
+        </a:solidFill>
+        <a:effectLst/>
+      </p:bgPr>
+    </p:bg>
+    <p:spTree>
+      <p:nvGrpSpPr>
+        <p:cNvPr id="1" name="">
+          <a:extLst>
+            <a:ext uri="{FF2B5EF4-FFF2-40B4-BE49-F238E27FC236}">
+              <a16:creationId xmlns:a16="http://schemas.microsoft.com/office/drawing/2014/main" id="{76049970-45B4-63DE-4B1B-787F9C06C788}"/>
+            </a:ext>
+          </a:extLst>
+        </p:cNvPr>
+        <p:cNvGrpSpPr/>
+        <p:nvPr/>
+      </p:nvGrpSpPr>
+      <p:grpSpPr>
+        <a:xfrm>
+          <a:off x="0" y="0"/>
+          <a:ext cx="0" cy="0"/>
+          <a:chOff x="0" y="0"/>
+          <a:chExt cx="0" cy="0"/>
+        </a:xfrm>
+      </p:grpSpPr>
+      <p:pic>
+        <p:nvPicPr>
+          <p:cNvPr id="4" name="Picture 3">
+            <a:extLst>
+              <a:ext uri="{FF2B5EF4-FFF2-40B4-BE49-F238E27FC236}">
+                <a16:creationId xmlns:a16="http://schemas.microsoft.com/office/drawing/2014/main" id="{CE60D75E-128F-0746-DB5B-54FDF5D1AE5A}"/>
+              </a:ext>
+            </a:extLst>
+          </p:cNvPr>
+          <p:cNvPicPr>
+            <a:picLocks noChangeAspect="1"/>
+          </p:cNvPicPr>
+          <p:nvPr/>
+        </p:nvPicPr>
+        <p:blipFill rotWithShape="1">
+          <a:blip r:embed="rId2"/>
+          <a:srcRect l="10572" r="-1" b="-1"/>
+          <a:stretch/>
+        </p:blipFill>
+        <p:spPr>
+          <a:xfrm>
+            <a:off x="3624745" y="0"/>
+            <a:ext cx="8668512" cy="6857990"/>
+          </a:xfrm>
+          <a:prstGeom prst="rect">
+            <a:avLst/>
+          </a:prstGeom>
+        </p:spPr>
+      </p:pic>
+      <p:sp>
+        <p:nvSpPr>
+          <p:cNvPr id="2" name="Title 1">
+            <a:extLst>
+              <a:ext uri="{FF2B5EF4-FFF2-40B4-BE49-F238E27FC236}">
+                <a16:creationId xmlns:a16="http://schemas.microsoft.com/office/drawing/2014/main" id="{A04B0A44-B2F6-D5AC-469A-F33AB40C1341}"/>
+              </a:ext>
+            </a:extLst>
+          </p:cNvPr>
+          <p:cNvSpPr>
+            <a:spLocks noGrp="1"/>
+          </p:cNvSpPr>
+          <p:nvPr>
+            <p:ph type="ctrTitle"/>
+          </p:nvPr>
+        </p:nvSpPr>
+        <p:spPr>
+          <a:xfrm>
+            <a:off x="-816865" y="553119"/>
+            <a:ext cx="13825728" cy="780671"/>
+          </a:xfrm>
+        </p:spPr>
+        <p:txBody>
+          <a:bodyPr anchor="b">
+            <a:noAutofit/>
+          </a:bodyPr>
+          <a:lstStyle/>
+          <a:p>
+            <a:r>
+              <a:rPr lang="cs-CZ" sz="3600" dirty="0">
+                <a:latin typeface="Aptos Black" panose="020B0004020202020204" pitchFamily="34" charset="0"/>
+              </a:rPr>
+              <a:t>FIREWALL</a:t>
+            </a:r>
+          </a:p>
+        </p:txBody>
+      </p:sp>
+      <p:sp>
+        <p:nvSpPr>
+          <p:cNvPr id="5" name="Subtitle 2">
+            <a:extLst>
+              <a:ext uri="{FF2B5EF4-FFF2-40B4-BE49-F238E27FC236}">
+                <a16:creationId xmlns:a16="http://schemas.microsoft.com/office/drawing/2014/main" id="{D9FDE3A3-3CBA-C13F-5860-797321AE9D43}"/>
+              </a:ext>
+            </a:extLst>
+          </p:cNvPr>
+          <p:cNvSpPr txBox="1">
+            <a:spLocks/>
+          </p:cNvSpPr>
+          <p:nvPr/>
+        </p:nvSpPr>
+        <p:spPr>
+          <a:xfrm>
+            <a:off x="1245958" y="1571534"/>
+            <a:ext cx="9700083" cy="1208141"/>
+          </a:xfrm>
+          <a:prstGeom prst="rect">
+            <a:avLst/>
+          </a:prstGeom>
+        </p:spPr>
+        <p:txBody>
+          <a:bodyPr vert="horz" lIns="91440" tIns="45720" rIns="91440" bIns="45720" rtlCol="0">
+            <a:noAutofit/>
+          </a:bodyPr>
+          <a:lstStyle>
+            <a:lvl1pPr marL="0" indent="0" algn="ctr" defTabSz="914400" rtl="0" eaLnBrk="1" latinLnBrk="0" hangingPunct="1">
+              <a:lnSpc>
+                <a:spcPct val="120000"/>
+              </a:lnSpc>
+              <a:spcBef>
+                <a:spcPts val="1000"/>
+              </a:spcBef>
+              <a:buFont typeface="Arial" panose="020B0604020202020204" pitchFamily="34" charset="0"/>
+              <a:buNone/>
+              <a:defRPr sz="2400" kern="1200">
+                <a:solidFill>
+                  <a:schemeClr val="tx1"/>
+                </a:solidFill>
+                <a:effectLst>
+                  <a:outerShdw blurRad="50800" dist="38100" dir="2700000" algn="tl" rotWithShape="0">
+                    <a:srgbClr val="000000">
+                      <a:alpha val="48000"/>
+                    </a:srgbClr>
+                  </a:outerShdw>
+                </a:effectLst>
+                <a:latin typeface="+mn-lt"/>
+                <a:ea typeface="+mn-ea"/>
+                <a:cs typeface="+mn-cs"/>
+              </a:defRPr>
+            </a:lvl1pPr>
+            <a:lvl2pPr marL="457200" indent="0" algn="ctr" defTabSz="914400" rtl="0" eaLnBrk="1" latinLnBrk="0" hangingPunct="1">
+              <a:lnSpc>
+                <a:spcPct val="120000"/>
+              </a:lnSpc>
+              <a:spcBef>
+                <a:spcPts val="500"/>
+              </a:spcBef>
+              <a:buFont typeface="Arial" panose="020B0604020202020204" pitchFamily="34" charset="0"/>
+              <a:buNone/>
+              <a:defRPr sz="2000" kern="1200">
+                <a:solidFill>
+                  <a:schemeClr val="tx1"/>
+                </a:solidFill>
+                <a:effectLst>
+                  <a:outerShdw blurRad="50800" dist="38100" dir="2700000" algn="tl" rotWithShape="0">
+                    <a:srgbClr val="000000">
+                      <a:alpha val="48000"/>
+                    </a:srgbClr>
+                  </a:outerShdw>
+                </a:effectLst>
+                <a:latin typeface="+mn-lt"/>
+                <a:ea typeface="+mn-ea"/>
+                <a:cs typeface="+mn-cs"/>
+              </a:defRPr>
+            </a:lvl2pPr>
+            <a:lvl3pPr marL="914400" indent="0" algn="ctr" defTabSz="914400" rtl="0" eaLnBrk="1" latinLnBrk="0" hangingPunct="1">
+              <a:lnSpc>
+                <a:spcPct val="120000"/>
+              </a:lnSpc>
+              <a:spcBef>
+                <a:spcPts val="500"/>
+              </a:spcBef>
+              <a:buFont typeface="Arial" panose="020B0604020202020204" pitchFamily="34" charset="0"/>
+              <a:buNone/>
+              <a:defRPr sz="1800" kern="1200">
+                <a:solidFill>
+                  <a:schemeClr val="tx1"/>
+                </a:solidFill>
+                <a:effectLst>
+                  <a:outerShdw blurRad="50800" dist="38100" dir="2700000" algn="tl" rotWithShape="0">
+                    <a:srgbClr val="000000">
+                      <a:alpha val="48000"/>
+                    </a:srgbClr>
+                  </a:outerShdw>
+                </a:effectLst>
+                <a:latin typeface="+mn-lt"/>
+                <a:ea typeface="+mn-ea"/>
+                <a:cs typeface="+mn-cs"/>
+              </a:defRPr>
+            </a:lvl3pPr>
+            <a:lvl4pPr marL="1371600" indent="0" algn="ctr" defTabSz="914400" rtl="0" eaLnBrk="1" latinLnBrk="0" hangingPunct="1">
+              <a:lnSpc>
+                <a:spcPct val="120000"/>
+              </a:lnSpc>
+              <a:spcBef>
+                <a:spcPts val="500"/>
+              </a:spcBef>
+              <a:buFont typeface="Arial" panose="020B0604020202020204" pitchFamily="34" charset="0"/>
+              <a:buNone/>
+              <a:defRPr sz="1600" kern="1200">
+                <a:solidFill>
+                  <a:schemeClr val="tx1"/>
+                </a:solidFill>
+                <a:effectLst>
+                  <a:outerShdw blurRad="50800" dist="38100" dir="2700000" algn="tl" rotWithShape="0">
+                    <a:srgbClr val="000000">
+                      <a:alpha val="48000"/>
+                    </a:srgbClr>
+                  </a:outerShdw>
+                </a:effectLst>
+                <a:latin typeface="+mn-lt"/>
+                <a:ea typeface="+mn-ea"/>
+                <a:cs typeface="+mn-cs"/>
+              </a:defRPr>
+            </a:lvl4pPr>
+            <a:lvl5pPr marL="1828800" indent="0" algn="ctr" defTabSz="914400" rtl="0" eaLnBrk="1" latinLnBrk="0" hangingPunct="1">
+              <a:lnSpc>
+                <a:spcPct val="120000"/>
+              </a:lnSpc>
+              <a:spcBef>
+                <a:spcPts val="500"/>
+              </a:spcBef>
+              <a:buFont typeface="Arial" panose="020B0604020202020204" pitchFamily="34" charset="0"/>
+              <a:buNone/>
+              <a:defRPr sz="1600" kern="1200">
+                <a:solidFill>
+                  <a:schemeClr val="tx1"/>
+                </a:solidFill>
+                <a:effectLst>
+                  <a:outerShdw blurRad="50800" dist="38100" dir="2700000" algn="tl" rotWithShape="0">
+                    <a:srgbClr val="000000">
+                      <a:alpha val="48000"/>
+                    </a:srgbClr>
+                  </a:outerShdw>
+                </a:effectLst>
+                <a:latin typeface="+mn-lt"/>
+                <a:ea typeface="+mn-ea"/>
+                <a:cs typeface="+mn-cs"/>
+              </a:defRPr>
+            </a:lvl5pPr>
+            <a:lvl6pPr marL="2286000" indent="0" algn="ctr" defTabSz="914400" rtl="0" eaLnBrk="1" latinLnBrk="0" hangingPunct="1">
+              <a:lnSpc>
+                <a:spcPct val="120000"/>
+              </a:lnSpc>
+              <a:spcBef>
+                <a:spcPts val="500"/>
+              </a:spcBef>
+              <a:buFont typeface="Arial" panose="020B0604020202020204" pitchFamily="34" charset="0"/>
+              <a:buNone/>
+              <a:defRPr sz="1600" kern="1200">
+                <a:solidFill>
+                  <a:schemeClr val="tx1"/>
+                </a:solidFill>
+                <a:effectLst>
+                  <a:outerShdw blurRad="50800" dist="38100" dir="2700000" algn="tl" rotWithShape="0">
+                    <a:srgbClr val="000000">
+                      <a:alpha val="48000"/>
+                    </a:srgbClr>
+                  </a:outerShdw>
+                </a:effectLst>
+                <a:latin typeface="+mn-lt"/>
+                <a:ea typeface="+mn-ea"/>
+                <a:cs typeface="+mn-cs"/>
+              </a:defRPr>
+            </a:lvl6pPr>
+            <a:lvl7pPr marL="2743200" indent="0" algn="ctr" defTabSz="914400" rtl="0" eaLnBrk="1" latinLnBrk="0" hangingPunct="1">
+              <a:lnSpc>
+                <a:spcPct val="120000"/>
+              </a:lnSpc>
+              <a:spcBef>
+                <a:spcPts val="500"/>
+              </a:spcBef>
+              <a:buFont typeface="Arial" panose="020B0604020202020204" pitchFamily="34" charset="0"/>
+              <a:buNone/>
+              <a:defRPr sz="1600" kern="1200">
+                <a:solidFill>
+                  <a:schemeClr val="tx1"/>
+                </a:solidFill>
+                <a:effectLst>
+                  <a:outerShdw blurRad="50800" dist="38100" dir="2700000" algn="tl" rotWithShape="0">
+                    <a:srgbClr val="000000">
+                      <a:alpha val="48000"/>
+                    </a:srgbClr>
+                  </a:outerShdw>
+                </a:effectLst>
+                <a:latin typeface="+mn-lt"/>
+                <a:ea typeface="+mn-ea"/>
+                <a:cs typeface="+mn-cs"/>
+              </a:defRPr>
+            </a:lvl7pPr>
+            <a:lvl8pPr marL="3200400" indent="0" algn="ctr" defTabSz="914400" rtl="0" eaLnBrk="1" latinLnBrk="0" hangingPunct="1">
+              <a:lnSpc>
+                <a:spcPct val="120000"/>
+              </a:lnSpc>
+              <a:spcBef>
+                <a:spcPts val="500"/>
+              </a:spcBef>
+              <a:buFont typeface="Arial" panose="020B0604020202020204" pitchFamily="34" charset="0"/>
+              <a:buNone/>
+              <a:defRPr sz="1600" kern="1200">
+                <a:solidFill>
+                  <a:schemeClr val="tx1"/>
+                </a:solidFill>
+                <a:effectLst>
+                  <a:outerShdw blurRad="50800" dist="38100" dir="2700000" algn="tl" rotWithShape="0">
+                    <a:srgbClr val="000000">
+                      <a:alpha val="48000"/>
+                    </a:srgbClr>
+                  </a:outerShdw>
+                </a:effectLst>
+                <a:latin typeface="+mn-lt"/>
+                <a:ea typeface="+mn-ea"/>
+                <a:cs typeface="+mn-cs"/>
+              </a:defRPr>
+            </a:lvl8pPr>
+            <a:lvl9pPr marL="3657600" indent="0" algn="ctr" defTabSz="914400" rtl="0" eaLnBrk="1" latinLnBrk="0" hangingPunct="1">
+              <a:lnSpc>
+                <a:spcPct val="120000"/>
+              </a:lnSpc>
+              <a:spcBef>
+                <a:spcPts val="500"/>
+              </a:spcBef>
+              <a:buFont typeface="Arial" panose="020B0604020202020204" pitchFamily="34" charset="0"/>
+              <a:buNone/>
+              <a:defRPr sz="1600" kern="1200">
+                <a:solidFill>
+                  <a:schemeClr val="tx1"/>
+                </a:solidFill>
+                <a:effectLst>
+                  <a:outerShdw blurRad="50800" dist="38100" dir="2700000" algn="tl" rotWithShape="0">
+                    <a:srgbClr val="000000">
+                      <a:alpha val="48000"/>
+                    </a:srgbClr>
+                  </a:outerShdw>
+                </a:effectLst>
+                <a:latin typeface="+mn-lt"/>
+                <a:ea typeface="+mn-ea"/>
+                <a:cs typeface="+mn-cs"/>
+              </a:defRPr>
+            </a:lvl9pPr>
+          </a:lstStyle>
+          <a:p>
+            <a:pPr>
+              <a:lnSpc>
+                <a:spcPct val="100000"/>
+              </a:lnSpc>
+            </a:pPr>
+            <a:endParaRPr lang="cs-CZ" sz="2000" dirty="0"/>
+          </a:p>
+        </p:txBody>
+      </p:sp>
+      <p:sp>
+        <p:nvSpPr>
+          <p:cNvPr id="3" name="Subtitle 2">
+            <a:extLst>
+              <a:ext uri="{FF2B5EF4-FFF2-40B4-BE49-F238E27FC236}">
+                <a16:creationId xmlns:a16="http://schemas.microsoft.com/office/drawing/2014/main" id="{23BC322F-6DE2-5049-239F-890D9C6CBD7B}"/>
+              </a:ext>
+            </a:extLst>
+          </p:cNvPr>
+          <p:cNvSpPr txBox="1">
+            <a:spLocks/>
+          </p:cNvSpPr>
+          <p:nvPr/>
+        </p:nvSpPr>
+        <p:spPr>
+          <a:xfrm>
+            <a:off x="1245958" y="1571534"/>
+            <a:ext cx="9700083" cy="4733347"/>
+          </a:xfrm>
+          <a:prstGeom prst="rect">
+            <a:avLst/>
+          </a:prstGeom>
+        </p:spPr>
+        <p:txBody>
+          <a:bodyPr vert="horz" lIns="91440" tIns="45720" rIns="91440" bIns="45720" rtlCol="0">
+            <a:noAutofit/>
+          </a:bodyPr>
+          <a:lstStyle>
+            <a:lvl1pPr marL="0" indent="0" algn="ctr" defTabSz="914400" rtl="0" eaLnBrk="1" latinLnBrk="0" hangingPunct="1">
+              <a:lnSpc>
+                <a:spcPct val="120000"/>
+              </a:lnSpc>
+              <a:spcBef>
+                <a:spcPts val="1000"/>
+              </a:spcBef>
+              <a:buFont typeface="Arial" panose="020B0604020202020204" pitchFamily="34" charset="0"/>
+              <a:buNone/>
+              <a:defRPr sz="2400" kern="1200">
+                <a:solidFill>
+                  <a:schemeClr val="tx1"/>
+                </a:solidFill>
+                <a:effectLst>
+                  <a:outerShdw blurRad="50800" dist="38100" dir="2700000" algn="tl" rotWithShape="0">
+                    <a:srgbClr val="000000">
+                      <a:alpha val="48000"/>
+                    </a:srgbClr>
+                  </a:outerShdw>
+                </a:effectLst>
+                <a:latin typeface="+mn-lt"/>
+                <a:ea typeface="+mn-ea"/>
+                <a:cs typeface="+mn-cs"/>
+              </a:defRPr>
+            </a:lvl1pPr>
+            <a:lvl2pPr marL="457200" indent="0" algn="ctr" defTabSz="914400" rtl="0" eaLnBrk="1" latinLnBrk="0" hangingPunct="1">
+              <a:lnSpc>
+                <a:spcPct val="120000"/>
+              </a:lnSpc>
+              <a:spcBef>
+                <a:spcPts val="500"/>
+              </a:spcBef>
+              <a:buFont typeface="Arial" panose="020B0604020202020204" pitchFamily="34" charset="0"/>
+              <a:buNone/>
+              <a:defRPr sz="2000" kern="1200">
+                <a:solidFill>
+                  <a:schemeClr val="tx1"/>
+                </a:solidFill>
+                <a:effectLst>
+                  <a:outerShdw blurRad="50800" dist="38100" dir="2700000" algn="tl" rotWithShape="0">
+                    <a:srgbClr val="000000">
+                      <a:alpha val="48000"/>
+                    </a:srgbClr>
+                  </a:outerShdw>
+                </a:effectLst>
+                <a:latin typeface="+mn-lt"/>
+                <a:ea typeface="+mn-ea"/>
+                <a:cs typeface="+mn-cs"/>
+              </a:defRPr>
+            </a:lvl2pPr>
+            <a:lvl3pPr marL="914400" indent="0" algn="ctr" defTabSz="914400" rtl="0" eaLnBrk="1" latinLnBrk="0" hangingPunct="1">
+              <a:lnSpc>
+                <a:spcPct val="120000"/>
+              </a:lnSpc>
+              <a:spcBef>
+                <a:spcPts val="500"/>
+              </a:spcBef>
+              <a:buFont typeface="Arial" panose="020B0604020202020204" pitchFamily="34" charset="0"/>
+              <a:buNone/>
+              <a:defRPr sz="1800" kern="1200">
+                <a:solidFill>
+                  <a:schemeClr val="tx1"/>
+                </a:solidFill>
+                <a:effectLst>
+                  <a:outerShdw blurRad="50800" dist="38100" dir="2700000" algn="tl" rotWithShape="0">
+                    <a:srgbClr val="000000">
+                      <a:alpha val="48000"/>
+                    </a:srgbClr>
+                  </a:outerShdw>
+                </a:effectLst>
+                <a:latin typeface="+mn-lt"/>
+                <a:ea typeface="+mn-ea"/>
+                <a:cs typeface="+mn-cs"/>
+              </a:defRPr>
+            </a:lvl3pPr>
+            <a:lvl4pPr marL="1371600" indent="0" algn="ctr" defTabSz="914400" rtl="0" eaLnBrk="1" latinLnBrk="0" hangingPunct="1">
+              <a:lnSpc>
+                <a:spcPct val="120000"/>
+              </a:lnSpc>
+              <a:spcBef>
+                <a:spcPts val="500"/>
+              </a:spcBef>
+              <a:buFont typeface="Arial" panose="020B0604020202020204" pitchFamily="34" charset="0"/>
+              <a:buNone/>
+              <a:defRPr sz="1600" kern="1200">
+                <a:solidFill>
+                  <a:schemeClr val="tx1"/>
+                </a:solidFill>
+                <a:effectLst>
+                  <a:outerShdw blurRad="50800" dist="38100" dir="2700000" algn="tl" rotWithShape="0">
+                    <a:srgbClr val="000000">
+                      <a:alpha val="48000"/>
+                    </a:srgbClr>
+                  </a:outerShdw>
+                </a:effectLst>
+                <a:latin typeface="+mn-lt"/>
+                <a:ea typeface="+mn-ea"/>
+                <a:cs typeface="+mn-cs"/>
+              </a:defRPr>
+            </a:lvl4pPr>
+            <a:lvl5pPr marL="1828800" indent="0" algn="ctr" defTabSz="914400" rtl="0" eaLnBrk="1" latinLnBrk="0" hangingPunct="1">
+              <a:lnSpc>
+                <a:spcPct val="120000"/>
+              </a:lnSpc>
+              <a:spcBef>
+                <a:spcPts val="500"/>
+              </a:spcBef>
+              <a:buFont typeface="Arial" panose="020B0604020202020204" pitchFamily="34" charset="0"/>
+              <a:buNone/>
+              <a:defRPr sz="1600" kern="1200">
+                <a:solidFill>
+                  <a:schemeClr val="tx1"/>
+                </a:solidFill>
+                <a:effectLst>
+                  <a:outerShdw blurRad="50800" dist="38100" dir="2700000" algn="tl" rotWithShape="0">
+                    <a:srgbClr val="000000">
+                      <a:alpha val="48000"/>
+                    </a:srgbClr>
+                  </a:outerShdw>
+                </a:effectLst>
+                <a:latin typeface="+mn-lt"/>
+                <a:ea typeface="+mn-ea"/>
+                <a:cs typeface="+mn-cs"/>
+              </a:defRPr>
+            </a:lvl5pPr>
+            <a:lvl6pPr marL="2286000" indent="0" algn="ctr" defTabSz="914400" rtl="0" eaLnBrk="1" latinLnBrk="0" hangingPunct="1">
+              <a:lnSpc>
+                <a:spcPct val="120000"/>
+              </a:lnSpc>
+              <a:spcBef>
+                <a:spcPts val="500"/>
+              </a:spcBef>
+              <a:buFont typeface="Arial" panose="020B0604020202020204" pitchFamily="34" charset="0"/>
+              <a:buNone/>
+              <a:defRPr sz="1600" kern="1200">
+                <a:solidFill>
+                  <a:schemeClr val="tx1"/>
+                </a:solidFill>
+                <a:effectLst>
+                  <a:outerShdw blurRad="50800" dist="38100" dir="2700000" algn="tl" rotWithShape="0">
+                    <a:srgbClr val="000000">
+                      <a:alpha val="48000"/>
+                    </a:srgbClr>
+                  </a:outerShdw>
+                </a:effectLst>
+                <a:latin typeface="+mn-lt"/>
+                <a:ea typeface="+mn-ea"/>
+                <a:cs typeface="+mn-cs"/>
+              </a:defRPr>
+            </a:lvl6pPr>
+            <a:lvl7pPr marL="2743200" indent="0" algn="ctr" defTabSz="914400" rtl="0" eaLnBrk="1" latinLnBrk="0" hangingPunct="1">
+              <a:lnSpc>
+                <a:spcPct val="120000"/>
+              </a:lnSpc>
+              <a:spcBef>
+                <a:spcPts val="500"/>
+              </a:spcBef>
+              <a:buFont typeface="Arial" panose="020B0604020202020204" pitchFamily="34" charset="0"/>
+              <a:buNone/>
+              <a:defRPr sz="1600" kern="1200">
+                <a:solidFill>
+                  <a:schemeClr val="tx1"/>
+                </a:solidFill>
+                <a:effectLst>
+                  <a:outerShdw blurRad="50800" dist="38100" dir="2700000" algn="tl" rotWithShape="0">
+                    <a:srgbClr val="000000">
+                      <a:alpha val="48000"/>
+                    </a:srgbClr>
+                  </a:outerShdw>
+                </a:effectLst>
+                <a:latin typeface="+mn-lt"/>
+                <a:ea typeface="+mn-ea"/>
+                <a:cs typeface="+mn-cs"/>
+              </a:defRPr>
+            </a:lvl7pPr>
+            <a:lvl8pPr marL="3200400" indent="0" algn="ctr" defTabSz="914400" rtl="0" eaLnBrk="1" latinLnBrk="0" hangingPunct="1">
+              <a:lnSpc>
+                <a:spcPct val="120000"/>
+              </a:lnSpc>
+              <a:spcBef>
+                <a:spcPts val="500"/>
+              </a:spcBef>
+              <a:buFont typeface="Arial" panose="020B0604020202020204" pitchFamily="34" charset="0"/>
+              <a:buNone/>
+              <a:defRPr sz="1600" kern="1200">
+                <a:solidFill>
+                  <a:schemeClr val="tx1"/>
+                </a:solidFill>
+                <a:effectLst>
+                  <a:outerShdw blurRad="50800" dist="38100" dir="2700000" algn="tl" rotWithShape="0">
+                    <a:srgbClr val="000000">
+                      <a:alpha val="48000"/>
+                    </a:srgbClr>
+                  </a:outerShdw>
+                </a:effectLst>
+                <a:latin typeface="+mn-lt"/>
+                <a:ea typeface="+mn-ea"/>
+                <a:cs typeface="+mn-cs"/>
+              </a:defRPr>
+            </a:lvl8pPr>
+            <a:lvl9pPr marL="3657600" indent="0" algn="ctr" defTabSz="914400" rtl="0" eaLnBrk="1" latinLnBrk="0" hangingPunct="1">
+              <a:lnSpc>
+                <a:spcPct val="120000"/>
+              </a:lnSpc>
+              <a:spcBef>
+                <a:spcPts val="500"/>
+              </a:spcBef>
+              <a:buFont typeface="Arial" panose="020B0604020202020204" pitchFamily="34" charset="0"/>
+              <a:buNone/>
+              <a:defRPr sz="1600" kern="1200">
+                <a:solidFill>
+                  <a:schemeClr val="tx1"/>
+                </a:solidFill>
+                <a:effectLst>
+                  <a:outerShdw blurRad="50800" dist="38100" dir="2700000" algn="tl" rotWithShape="0">
+                    <a:srgbClr val="000000">
+                      <a:alpha val="48000"/>
+                    </a:srgbClr>
+                  </a:outerShdw>
+                </a:effectLst>
+                <a:latin typeface="+mn-lt"/>
+                <a:ea typeface="+mn-ea"/>
+                <a:cs typeface="+mn-cs"/>
+              </a:defRPr>
+            </a:lvl9pPr>
+          </a:lstStyle>
+          <a:p>
+            <a:pPr>
+              <a:lnSpc>
+                <a:spcPct val="100000"/>
+              </a:lnSpc>
+            </a:pPr>
+            <a:r>
+              <a:rPr lang="cs-CZ" sz="2000" dirty="0"/>
+              <a:t>Bezpečnostní zařízení monitorující příchozí a odchozí komunikaci a rozhoduje se jestli komunikace propustit na základě souboru pravidel</a:t>
+            </a:r>
+          </a:p>
+          <a:p>
+            <a:pPr>
+              <a:lnSpc>
+                <a:spcPct val="100000"/>
+              </a:lnSpc>
+            </a:pPr>
+            <a:r>
+              <a:rPr lang="cs-CZ" sz="2000" dirty="0"/>
+              <a:t>Dělí se na mnoho typů:</a:t>
+            </a:r>
+          </a:p>
+          <a:p>
+            <a:pPr>
+              <a:lnSpc>
+                <a:spcPct val="100000"/>
+              </a:lnSpc>
+            </a:pPr>
+            <a:r>
+              <a:rPr lang="cs-CZ" sz="2000" dirty="0"/>
+              <a:t>Proxy FW – starší typ FW, poskytuje propojení mezi síťěmi pro specifickou aplikaci</a:t>
+            </a:r>
+          </a:p>
+          <a:p>
+            <a:pPr>
+              <a:lnSpc>
+                <a:spcPct val="100000"/>
+              </a:lnSpc>
+            </a:pPr>
+            <a:r>
+              <a:rPr lang="cs-CZ" sz="2000" dirty="0"/>
+              <a:t>Stateful inspection FW – nejrozšířenější FW, povoluje nebo blokuje komunikaci na základě portu, protokolu a stavu</a:t>
+            </a:r>
+          </a:p>
+          <a:p>
+            <a:pPr marL="342900" indent="-342900">
+              <a:lnSpc>
+                <a:spcPct val="100000"/>
+              </a:lnSpc>
+              <a:buFontTx/>
+              <a:buChar char="-"/>
+            </a:pPr>
+            <a:r>
+              <a:rPr lang="cs-CZ" sz="2000" dirty="0"/>
+              <a:t>Rozhodnutí prováděna na základě definovaných pravidel a kontextu získaného z minulé komunikace</a:t>
+            </a:r>
+          </a:p>
+          <a:p>
+            <a:pPr>
+              <a:lnSpc>
+                <a:spcPct val="100000"/>
+              </a:lnSpc>
+            </a:pPr>
+            <a:r>
+              <a:rPr lang="cs-CZ" sz="2000" dirty="0"/>
+              <a:t>Next-generation FW – poskytuje rozšířené možnosti ochrany</a:t>
+            </a:r>
+          </a:p>
+          <a:p>
+            <a:pPr marL="342900" indent="-342900">
+              <a:lnSpc>
+                <a:spcPct val="100000"/>
+              </a:lnSpc>
+              <a:buFontTx/>
+              <a:buChar char="-"/>
+            </a:pPr>
+            <a:r>
+              <a:rPr lang="cs-CZ" sz="2000" dirty="0"/>
+              <a:t>Umožňuje aktualizovat definice hrozeb pro zvýšení bezpečnosti</a:t>
+            </a:r>
+          </a:p>
+          <a:p>
+            <a:pPr marL="342900" indent="-342900">
+              <a:lnSpc>
+                <a:spcPct val="100000"/>
+              </a:lnSpc>
+              <a:buFontTx/>
+              <a:buChar char="-"/>
+            </a:pPr>
+            <a:r>
+              <a:rPr lang="cs-CZ" sz="2000" dirty="0"/>
+              <a:t>Další systémy prevence průniku do sítě (IPS atd.)</a:t>
+            </a:r>
+          </a:p>
+          <a:p>
+            <a:pPr marL="342900" indent="-342900">
+              <a:lnSpc>
+                <a:spcPct val="100000"/>
+              </a:lnSpc>
+              <a:buFontTx/>
+              <a:buChar char="-"/>
+            </a:pPr>
+            <a:r>
+              <a:rPr lang="cs-CZ" sz="2000" dirty="0"/>
+              <a:t> </a:t>
+            </a:r>
+          </a:p>
+        </p:txBody>
+      </p:sp>
+    </p:spTree>
+    <p:extLst>
+      <p:ext uri="{BB962C8B-B14F-4D97-AF65-F5344CB8AC3E}">
+        <p14:creationId xmlns:p14="http://schemas.microsoft.com/office/powerpoint/2010/main" val="1631236598"/>
+      </p:ext>
+    </p:extLst>
+  </p:cSld>
+  <p:clrMapOvr>
+    <a:masterClrMapping/>
+  </p:clrMapOvr>
+  <p:timing>
+    <p:tnLst>
+      <p:par>
+        <p:cTn id="1" dur="indefinite" restart="never" nodeType="tmRoot">
+          <p:childTnLst>
+            <p:seq concurrent="1" nextAc="seek">
+              <p:cTn id="2" dur="indefinite" nodeType="mainSeq">
+                <p:childTnLst>
+                  <p:par>
+                    <p:cTn id="3" fill="hold">
+                      <p:stCondLst>
+                        <p:cond delay="indefinite"/>
+                        <p:cond evt="onBegin" delay="0">
+                          <p:tn val="2"/>
+                        </p:cond>
+                      </p:stCondLst>
+                      <p:childTnLst>
+                        <p:par>
+                          <p:cTn id="4" fill="hold">
+                            <p:stCondLst>
+                              <p:cond delay="0"/>
+                            </p:stCondLst>
+                            <p:childTnLst>
+                              <p:par>
+                                <p:cTn id="5" presetID="10" presetClass="entr" presetSubtype="0" fill="hold" grpId="0" nodeType="withEffect">
+                                  <p:stCondLst>
+                                    <p:cond delay="1000"/>
+                                  </p:stCondLst>
+                                  <p:iterate>
+                                    <p:tmPct val="10000"/>
+                                  </p:iterate>
+                                  <p:childTnLst>
+                                    <p:set>
+                                      <p:cBhvr>
+                                        <p:cTn id="6" dur="1" fill="hold">
+                                          <p:stCondLst>
+                                            <p:cond delay="0"/>
+                                          </p:stCondLst>
+                                        </p:cTn>
+                                        <p:tgtEl>
+                                          <p:spTgt spid="2"/>
+                                        </p:tgtEl>
+                                        <p:attrNameLst>
+                                          <p:attrName>style.visibility</p:attrName>
+                                        </p:attrNameLst>
+                                      </p:cBhvr>
+                                      <p:to>
+                                        <p:strVal val="visible"/>
+                                      </p:to>
+                                    </p:set>
+                                    <p:animEffect transition="in" filter="fade">
+                                      <p:cBhvr>
+                                        <p:cTn id="7" dur="700"/>
+                                        <p:tgtEl>
+                                          <p:spTgt spid="2"/>
+                                        </p:tgtEl>
+                                      </p:cBhvr>
+                                    </p:animEffect>
+                                  </p:childTnLst>
+                                </p:cTn>
+                              </p:par>
+                              <p:par>
+                                <p:cTn id="8" presetID="10" presetClass="entr" presetSubtype="0" fill="hold" grpId="0" nodeType="withEffect" nodePh="1">
+                                  <p:stCondLst>
+                                    <p:cond delay="1500"/>
+                                  </p:stCondLst>
+                                  <p:endCondLst>
+                                    <p:cond evt="begin" delay="0">
+                                      <p:tn val="8"/>
+                                    </p:cond>
+                                  </p:endCondLst>
+                                  <p:iterate>
+                                    <p:tmPct val="10000"/>
+                                  </p:iterate>
+                                  <p:childTnLst>
+                                    <p:set>
+                                      <p:cBhvr>
+                                        <p:cTn id="9" dur="1" fill="hold">
+                                          <p:stCondLst>
+                                            <p:cond delay="0"/>
+                                          </p:stCondLst>
+                                        </p:cTn>
+                                        <p:tgtEl>
+                                          <p:spTgt spid="5">
+                                            <p:txEl>
+                                              <p:pRg st="0" end="0"/>
+                                            </p:txEl>
+                                          </p:spTgt>
+                                        </p:tgtEl>
+                                        <p:attrNameLst>
+                                          <p:attrName>style.visibility</p:attrName>
+                                        </p:attrNameLst>
+                                      </p:cBhvr>
+                                      <p:to>
+                                        <p:strVal val="visible"/>
+                                      </p:to>
+                                    </p:set>
+                                    <p:animEffect transition="in" filter="fade">
+                                      <p:cBhvr>
+                                        <p:cTn id="10" dur="700"/>
+                                        <p:tgtEl>
+                                          <p:spTgt spid="5">
+                                            <p:txEl>
+                                              <p:pRg st="0" end="0"/>
+                                            </p:txEl>
+                                          </p:spTgt>
+                                        </p:tgtEl>
+                                      </p:cBhvr>
+                                    </p:animEffect>
+                                  </p:childTnLst>
+                                </p:cTn>
+                              </p:par>
+                              <p:par>
+                                <p:cTn id="11" presetID="10" presetClass="entr" presetSubtype="0" fill="hold" grpId="0" nodeType="withEffect">
+                                  <p:stCondLst>
+                                    <p:cond delay="1500"/>
+                                  </p:stCondLst>
+                                  <p:iterate>
+                                    <p:tmPct val="10000"/>
+                                  </p:iterate>
+                                  <p:childTnLst>
+                                    <p:set>
+                                      <p:cBhvr>
+                                        <p:cTn id="12" dur="1" fill="hold">
+                                          <p:stCondLst>
+                                            <p:cond delay="0"/>
+                                          </p:stCondLst>
+                                        </p:cTn>
+                                        <p:tgtEl>
+                                          <p:spTgt spid="3">
+                                            <p:txEl>
+                                              <p:pRg st="0" end="0"/>
+                                            </p:txEl>
+                                          </p:spTgt>
+                                        </p:tgtEl>
+                                        <p:attrNameLst>
+                                          <p:attrName>style.visibility</p:attrName>
+                                        </p:attrNameLst>
+                                      </p:cBhvr>
+                                      <p:to>
+                                        <p:strVal val="visible"/>
+                                      </p:to>
+                                    </p:set>
+                                    <p:animEffect transition="in" filter="fade">
+                                      <p:cBhvr>
+                                        <p:cTn id="13" dur="700"/>
+                                        <p:tgtEl>
+                                          <p:spTgt spid="3">
+                                            <p:txEl>
+                                              <p:pRg st="0" end="0"/>
+                                            </p:txEl>
+                                          </p:spTgt>
+                                        </p:tgtEl>
+                                      </p:cBhvr>
+                                    </p:animEffect>
+                                  </p:childTnLst>
+                                </p:cTn>
+                              </p:par>
+                            </p:childTnLst>
+                          </p:cTn>
+                        </p:par>
+                      </p:childTnLst>
+                    </p:cTn>
+                  </p:par>
+                  <p:par>
+                    <p:cTn id="14" fill="hold">
+                      <p:stCondLst>
+                        <p:cond delay="indefinite"/>
+                      </p:stCondLst>
+                      <p:childTnLst>
+                        <p:par>
+                          <p:cTn id="15" fill="hold">
+                            <p:stCondLst>
+                              <p:cond delay="0"/>
+                            </p:stCondLst>
+                            <p:childTnLst>
+                              <p:par>
+                                <p:cTn id="16" presetID="10" presetClass="entr" presetSubtype="0" fill="hold" grpId="0" nodeType="clickEffect">
+                                  <p:stCondLst>
+                                    <p:cond delay="1500"/>
+                                  </p:stCondLst>
+                                  <p:iterate>
+                                    <p:tmPct val="10000"/>
+                                  </p:iterate>
+                                  <p:childTnLst>
+                                    <p:set>
+                                      <p:cBhvr>
+                                        <p:cTn id="17" dur="1" fill="hold">
+                                          <p:stCondLst>
+                                            <p:cond delay="0"/>
+                                          </p:stCondLst>
+                                        </p:cTn>
+                                        <p:tgtEl>
+                                          <p:spTgt spid="3">
+                                            <p:txEl>
+                                              <p:pRg st="1" end="1"/>
+                                            </p:txEl>
+                                          </p:spTgt>
+                                        </p:tgtEl>
+                                        <p:attrNameLst>
+                                          <p:attrName>style.visibility</p:attrName>
+                                        </p:attrNameLst>
+                                      </p:cBhvr>
+                                      <p:to>
+                                        <p:strVal val="visible"/>
+                                      </p:to>
+                                    </p:set>
+                                    <p:animEffect transition="in" filter="fade">
+                                      <p:cBhvr>
+                                        <p:cTn id="18" dur="700"/>
+                                        <p:tgtEl>
+                                          <p:spTgt spid="3">
+                                            <p:txEl>
+                                              <p:pRg st="1" end="1"/>
+                                            </p:txEl>
+                                          </p:spTgt>
+                                        </p:tgtEl>
+                                      </p:cBhvr>
+                                    </p:animEffect>
+                                  </p:childTnLst>
+                                </p:cTn>
+                              </p:par>
+                            </p:childTnLst>
+                          </p:cTn>
+                        </p:par>
+                      </p:childTnLst>
+                    </p:cTn>
+                  </p:par>
+                  <p:par>
+                    <p:cTn id="19" fill="hold">
+                      <p:stCondLst>
+                        <p:cond delay="indefinite"/>
+                      </p:stCondLst>
+                      <p:childTnLst>
+                        <p:par>
+                          <p:cTn id="20" fill="hold">
+                            <p:stCondLst>
+                              <p:cond delay="0"/>
+                            </p:stCondLst>
+                            <p:childTnLst>
+                              <p:par>
+                                <p:cTn id="21" presetID="10" presetClass="entr" presetSubtype="0" fill="hold" grpId="0" nodeType="clickEffect">
+                                  <p:stCondLst>
+                                    <p:cond delay="1500"/>
+                                  </p:stCondLst>
+                                  <p:iterate>
+                                    <p:tmPct val="10000"/>
+                                  </p:iterate>
+                                  <p:childTnLst>
+                                    <p:set>
+                                      <p:cBhvr>
+                                        <p:cTn id="22" dur="1" fill="hold">
+                                          <p:stCondLst>
+                                            <p:cond delay="0"/>
+                                          </p:stCondLst>
+                                        </p:cTn>
+                                        <p:tgtEl>
+                                          <p:spTgt spid="3">
+                                            <p:txEl>
+                                              <p:pRg st="2" end="2"/>
+                                            </p:txEl>
+                                          </p:spTgt>
+                                        </p:tgtEl>
+                                        <p:attrNameLst>
+                                          <p:attrName>style.visibility</p:attrName>
+                                        </p:attrNameLst>
+                                      </p:cBhvr>
+                                      <p:to>
+                                        <p:strVal val="visible"/>
+                                      </p:to>
+                                    </p:set>
+                                    <p:animEffect transition="in" filter="fade">
+                                      <p:cBhvr>
+                                        <p:cTn id="23" dur="700"/>
+                                        <p:tgtEl>
+                                          <p:spTgt spid="3">
+                                            <p:txEl>
+                                              <p:pRg st="2" end="2"/>
+                                            </p:txEl>
+                                          </p:spTgt>
+                                        </p:tgtEl>
+                                      </p:cBhvr>
+                                    </p:animEffect>
+                                  </p:childTnLst>
+                                </p:cTn>
+                              </p:par>
+                            </p:childTnLst>
+                          </p:cTn>
+                        </p:par>
+                      </p:childTnLst>
+                    </p:cTn>
+                  </p:par>
+                  <p:par>
+                    <p:cTn id="24" fill="hold">
+                      <p:stCondLst>
+                        <p:cond delay="indefinite"/>
+                      </p:stCondLst>
+                      <p:childTnLst>
+                        <p:par>
+                          <p:cTn id="25" fill="hold">
+                            <p:stCondLst>
+                              <p:cond delay="0"/>
+                            </p:stCondLst>
+                            <p:childTnLst>
+                              <p:par>
+                                <p:cTn id="26" presetID="10" presetClass="entr" presetSubtype="0" fill="hold" grpId="0" nodeType="clickEffect">
+                                  <p:stCondLst>
+                                    <p:cond delay="1500"/>
+                                  </p:stCondLst>
+                                  <p:iterate>
+                                    <p:tmPct val="10000"/>
+                                  </p:iterate>
+                                  <p:childTnLst>
+                                    <p:set>
+                                      <p:cBhvr>
+                                        <p:cTn id="27" dur="1" fill="hold">
+                                          <p:stCondLst>
+                                            <p:cond delay="0"/>
+                                          </p:stCondLst>
+                                        </p:cTn>
+                                        <p:tgtEl>
+                                          <p:spTgt spid="3">
+                                            <p:txEl>
+                                              <p:pRg st="3" end="3"/>
+                                            </p:txEl>
+                                          </p:spTgt>
+                                        </p:tgtEl>
+                                        <p:attrNameLst>
+                                          <p:attrName>style.visibility</p:attrName>
+                                        </p:attrNameLst>
+                                      </p:cBhvr>
+                                      <p:to>
+                                        <p:strVal val="visible"/>
+                                      </p:to>
+                                    </p:set>
+                                    <p:animEffect transition="in" filter="fade">
+                                      <p:cBhvr>
+                                        <p:cTn id="28" dur="700"/>
+                                        <p:tgtEl>
+                                          <p:spTgt spid="3">
+                                            <p:txEl>
+                                              <p:pRg st="3" end="3"/>
+                                            </p:txEl>
+                                          </p:spTgt>
+                                        </p:tgtEl>
+                                      </p:cBhvr>
+                                    </p:animEffect>
+                                  </p:childTnLst>
+                                </p:cTn>
+                              </p:par>
+                            </p:childTnLst>
+                          </p:cTn>
+                        </p:par>
+                      </p:childTnLst>
+                    </p:cTn>
+                  </p:par>
+                  <p:par>
+                    <p:cTn id="29" fill="hold">
+                      <p:stCondLst>
+                        <p:cond delay="indefinite"/>
+                      </p:stCondLst>
+                      <p:childTnLst>
+                        <p:par>
+                          <p:cTn id="30" fill="hold">
+                            <p:stCondLst>
+                              <p:cond delay="0"/>
+                            </p:stCondLst>
+                            <p:childTnLst>
+                              <p:par>
+                                <p:cTn id="31" presetID="10" presetClass="entr" presetSubtype="0" fill="hold" grpId="0" nodeType="clickEffect">
+                                  <p:stCondLst>
+                                    <p:cond delay="1500"/>
+                                  </p:stCondLst>
+                                  <p:iterate>
+                                    <p:tmPct val="10000"/>
+                                  </p:iterate>
+                                  <p:childTnLst>
+                                    <p:set>
+                                      <p:cBhvr>
+                                        <p:cTn id="32" dur="1" fill="hold">
+                                          <p:stCondLst>
+                                            <p:cond delay="0"/>
+                                          </p:stCondLst>
+                                        </p:cTn>
+                                        <p:tgtEl>
+                                          <p:spTgt spid="3">
+                                            <p:txEl>
+                                              <p:pRg st="4" end="4"/>
+                                            </p:txEl>
+                                          </p:spTgt>
+                                        </p:tgtEl>
+                                        <p:attrNameLst>
+                                          <p:attrName>style.visibility</p:attrName>
+                                        </p:attrNameLst>
+                                      </p:cBhvr>
+                                      <p:to>
+                                        <p:strVal val="visible"/>
+                                      </p:to>
+                                    </p:set>
+                                    <p:animEffect transition="in" filter="fade">
+                                      <p:cBhvr>
+                                        <p:cTn id="33" dur="700"/>
+                                        <p:tgtEl>
+                                          <p:spTgt spid="3">
+                                            <p:txEl>
+                                              <p:pRg st="4" end="4"/>
+                                            </p:txEl>
+                                          </p:spTgt>
+                                        </p:tgtEl>
+                                      </p:cBhvr>
+                                    </p:animEffect>
+                                  </p:childTnLst>
+                                </p:cTn>
+                              </p:par>
+                            </p:childTnLst>
+                          </p:cTn>
+                        </p:par>
+                      </p:childTnLst>
+                    </p:cTn>
+                  </p:par>
+                  <p:par>
+                    <p:cTn id="34" fill="hold">
+                      <p:stCondLst>
+                        <p:cond delay="indefinite"/>
+                      </p:stCondLst>
+                      <p:childTnLst>
+                        <p:par>
+                          <p:cTn id="35" fill="hold">
+                            <p:stCondLst>
+                              <p:cond delay="0"/>
+                            </p:stCondLst>
+                            <p:childTnLst>
+                              <p:par>
+                                <p:cTn id="36" presetID="10" presetClass="entr" presetSubtype="0" fill="hold" grpId="0" nodeType="clickEffect">
+                                  <p:stCondLst>
+                                    <p:cond delay="1500"/>
+                                  </p:stCondLst>
+                                  <p:iterate>
+                                    <p:tmPct val="10000"/>
+                                  </p:iterate>
+                                  <p:childTnLst>
+                                    <p:set>
+                                      <p:cBhvr>
+                                        <p:cTn id="37" dur="1" fill="hold">
+                                          <p:stCondLst>
+                                            <p:cond delay="0"/>
+                                          </p:stCondLst>
+                                        </p:cTn>
+                                        <p:tgtEl>
+                                          <p:spTgt spid="3">
+                                            <p:txEl>
+                                              <p:pRg st="5" end="5"/>
+                                            </p:txEl>
+                                          </p:spTgt>
+                                        </p:tgtEl>
+                                        <p:attrNameLst>
+                                          <p:attrName>style.visibility</p:attrName>
+                                        </p:attrNameLst>
+                                      </p:cBhvr>
+                                      <p:to>
+                                        <p:strVal val="visible"/>
+                                      </p:to>
+                                    </p:set>
+                                    <p:animEffect transition="in" filter="fade">
+                                      <p:cBhvr>
+                                        <p:cTn id="38" dur="700"/>
+                                        <p:tgtEl>
+                                          <p:spTgt spid="3">
+                                            <p:txEl>
+                                              <p:pRg st="5" end="5"/>
+                                            </p:txEl>
+                                          </p:spTgt>
+                                        </p:tgtEl>
+                                      </p:cBhvr>
+                                    </p:animEffect>
+                                  </p:childTnLst>
+                                </p:cTn>
+                              </p:par>
+                            </p:childTnLst>
+                          </p:cTn>
+                        </p:par>
+                      </p:childTnLst>
+                    </p:cTn>
+                  </p:par>
+                  <p:par>
+                    <p:cTn id="39" fill="hold">
+                      <p:stCondLst>
+                        <p:cond delay="indefinite"/>
+                      </p:stCondLst>
+                      <p:childTnLst>
+                        <p:par>
+                          <p:cTn id="40" fill="hold">
+                            <p:stCondLst>
+                              <p:cond delay="0"/>
+                            </p:stCondLst>
+                            <p:childTnLst>
+                              <p:par>
+                                <p:cTn id="41" presetID="10" presetClass="entr" presetSubtype="0" fill="hold" grpId="0" nodeType="clickEffect">
+                                  <p:stCondLst>
+                                    <p:cond delay="1500"/>
+                                  </p:stCondLst>
+                                  <p:iterate>
+                                    <p:tmPct val="10000"/>
+                                  </p:iterate>
+                                  <p:childTnLst>
+                                    <p:set>
+                                      <p:cBhvr>
+                                        <p:cTn id="42" dur="1" fill="hold">
+                                          <p:stCondLst>
+                                            <p:cond delay="0"/>
+                                          </p:stCondLst>
+                                        </p:cTn>
+                                        <p:tgtEl>
+                                          <p:spTgt spid="3">
+                                            <p:txEl>
+                                              <p:pRg st="6" end="6"/>
+                                            </p:txEl>
+                                          </p:spTgt>
+                                        </p:tgtEl>
+                                        <p:attrNameLst>
+                                          <p:attrName>style.visibility</p:attrName>
+                                        </p:attrNameLst>
+                                      </p:cBhvr>
+                                      <p:to>
+                                        <p:strVal val="visible"/>
+                                      </p:to>
+                                    </p:set>
+                                    <p:animEffect transition="in" filter="fade">
+                                      <p:cBhvr>
+                                        <p:cTn id="43" dur="700"/>
+                                        <p:tgtEl>
+                                          <p:spTgt spid="3">
+                                            <p:txEl>
+                                              <p:pRg st="6" end="6"/>
+                                            </p:txEl>
+                                          </p:spTgt>
+                                        </p:tgtEl>
+                                      </p:cBhvr>
+                                    </p:animEffect>
+                                  </p:childTnLst>
+                                </p:cTn>
+                              </p:par>
+                            </p:childTnLst>
+                          </p:cTn>
+                        </p:par>
+                      </p:childTnLst>
+                    </p:cTn>
+                  </p:par>
+                  <p:par>
+                    <p:cTn id="44" fill="hold">
+                      <p:stCondLst>
+                        <p:cond delay="indefinite"/>
+                      </p:stCondLst>
+                      <p:childTnLst>
+                        <p:par>
+                          <p:cTn id="45" fill="hold">
+                            <p:stCondLst>
+                              <p:cond delay="0"/>
+                            </p:stCondLst>
+                            <p:childTnLst>
+                              <p:par>
+                                <p:cTn id="46" presetID="10" presetClass="entr" presetSubtype="0" fill="hold" grpId="0" nodeType="clickEffect">
+                                  <p:stCondLst>
+                                    <p:cond delay="1500"/>
+                                  </p:stCondLst>
+                                  <p:iterate>
+                                    <p:tmPct val="10000"/>
+                                  </p:iterate>
+                                  <p:childTnLst>
+                                    <p:set>
+                                      <p:cBhvr>
+                                        <p:cTn id="47" dur="1" fill="hold">
+                                          <p:stCondLst>
+                                            <p:cond delay="0"/>
+                                          </p:stCondLst>
+                                        </p:cTn>
+                                        <p:tgtEl>
+                                          <p:spTgt spid="3">
+                                            <p:txEl>
+                                              <p:pRg st="7" end="7"/>
+                                            </p:txEl>
+                                          </p:spTgt>
+                                        </p:tgtEl>
+                                        <p:attrNameLst>
+                                          <p:attrName>style.visibility</p:attrName>
+                                        </p:attrNameLst>
+                                      </p:cBhvr>
+                                      <p:to>
+                                        <p:strVal val="visible"/>
+                                      </p:to>
+                                    </p:set>
+                                    <p:animEffect transition="in" filter="fade">
+                                      <p:cBhvr>
+                                        <p:cTn id="48" dur="700"/>
+                                        <p:tgtEl>
+                                          <p:spTgt spid="3">
+                                            <p:txEl>
+                                              <p:pRg st="7" end="7"/>
+                                            </p:txEl>
+                                          </p:spTgt>
+                                        </p:tgtEl>
+                                      </p:cBhvr>
+                                    </p:animEffect>
+                                  </p:childTnLst>
+                                </p:cTn>
+                              </p:par>
+                            </p:childTnLst>
+                          </p:cTn>
+                        </p:par>
+                      </p:childTnLst>
+                    </p:cTn>
+                  </p:par>
+                  <p:par>
+                    <p:cTn id="49" fill="hold">
+                      <p:stCondLst>
+                        <p:cond delay="indefinite"/>
+                      </p:stCondLst>
+                      <p:childTnLst>
+                        <p:par>
+                          <p:cTn id="50" fill="hold">
+                            <p:stCondLst>
+                              <p:cond delay="0"/>
+                            </p:stCondLst>
+                            <p:childTnLst>
+                              <p:par>
+                                <p:cTn id="51" presetID="10" presetClass="entr" presetSubtype="0" fill="hold" grpId="0" nodeType="clickEffect">
+                                  <p:stCondLst>
+                                    <p:cond delay="1500"/>
+                                  </p:stCondLst>
+                                  <p:iterate>
+                                    <p:tmPct val="10000"/>
+                                  </p:iterate>
+                                  <p:childTnLst>
+                                    <p:set>
+                                      <p:cBhvr>
+                                        <p:cTn id="52" dur="1" fill="hold">
+                                          <p:stCondLst>
+                                            <p:cond delay="0"/>
+                                          </p:stCondLst>
+                                        </p:cTn>
+                                        <p:tgtEl>
+                                          <p:spTgt spid="3">
+                                            <p:txEl>
+                                              <p:pRg st="8" end="8"/>
+                                            </p:txEl>
+                                          </p:spTgt>
+                                        </p:tgtEl>
+                                        <p:attrNameLst>
+                                          <p:attrName>style.visibility</p:attrName>
+                                        </p:attrNameLst>
+                                      </p:cBhvr>
+                                      <p:to>
+                                        <p:strVal val="visible"/>
+                                      </p:to>
+                                    </p:set>
+                                    <p:animEffect transition="in" filter="fade">
+                                      <p:cBhvr>
+                                        <p:cTn id="53" dur="700"/>
+                                        <p:tgtEl>
+                                          <p:spTgt spid="3">
+                                            <p:txEl>
+                                              <p:pRg st="8" end="8"/>
+                                            </p:txEl>
+                                          </p:spTgt>
+                                        </p:tgtEl>
+                                      </p:cBhvr>
+                                    </p:animEffect>
+                                  </p:childTnLst>
+                                </p:cTn>
+                              </p:par>
+                            </p:childTnLst>
+                          </p:cTn>
+                        </p:par>
+                      </p:childTnLst>
+                    </p:cTn>
+                  </p:par>
+                </p:childTnLst>
+              </p:cTn>
+              <p:prevCondLst>
+                <p:cond evt="onPrev" delay="0">
+                  <p:tgtEl>
+                    <p:sldTgt/>
+                  </p:tgtEl>
+                </p:cond>
+              </p:prevCondLst>
+              <p:nextCondLst>
+                <p:cond evt="onNext" delay="0">
+                  <p:tgtEl>
+                    <p:sldTgt/>
+                  </p:tgtEl>
+                </p:cond>
+              </p:nextCondLst>
+            </p:seq>
+          </p:childTnLst>
+        </p:cTn>
+      </p:par>
+    </p:tnLst>
+    <p:bldLst>
+      <p:bldP spid="2" grpId="0"/>
+      <p:bldP spid="5" grpId="0" build="p"/>
+      <p:bldP spid="3" grpId="0" build="p"/>
+    </p:bldLst>
+  </p:timing>
+</p:sld>
+</file>
+
+<file path=ppt/slides/slide9.xml><?xml version="1.0" encoding="utf-8"?>
+<p:sld xmlns:a="http://schemas.openxmlformats.org/drawingml/2006/main" xmlns:r="http://schemas.openxmlformats.org/officeDocument/2006/relationships" xmlns:p="http://schemas.openxmlformats.org/presentationml/2006/main">
+  <p:cSld>
+    <p:bg>
+      <p:bgPr>
+        <a:solidFill>
+          <a:schemeClr val="bg1"/>
+        </a:solidFill>
+        <a:effectLst/>
+      </p:bgPr>
+    </p:bg>
+    <p:spTree>
+      <p:nvGrpSpPr>
+        <p:cNvPr id="1" name="">
+          <a:extLst>
+            <a:ext uri="{FF2B5EF4-FFF2-40B4-BE49-F238E27FC236}">
+              <a16:creationId xmlns:a16="http://schemas.microsoft.com/office/drawing/2014/main" id="{76049970-45B4-63DE-4B1B-787F9C06C788}"/>
+            </a:ext>
+          </a:extLst>
+        </p:cNvPr>
+        <p:cNvGrpSpPr/>
+        <p:nvPr/>
+      </p:nvGrpSpPr>
+      <p:grpSpPr>
+        <a:xfrm>
+          <a:off x="0" y="0"/>
+          <a:ext cx="0" cy="0"/>
+          <a:chOff x="0" y="0"/>
+          <a:chExt cx="0" cy="0"/>
+        </a:xfrm>
+      </p:grpSpPr>
+      <p:pic>
+        <p:nvPicPr>
+          <p:cNvPr id="4" name="Picture 3">
+            <a:extLst>
+              <a:ext uri="{FF2B5EF4-FFF2-40B4-BE49-F238E27FC236}">
+                <a16:creationId xmlns:a16="http://schemas.microsoft.com/office/drawing/2014/main" id="{CE60D75E-128F-0746-DB5B-54FDF5D1AE5A}"/>
+              </a:ext>
+            </a:extLst>
+          </p:cNvPr>
+          <p:cNvPicPr>
+            <a:picLocks noChangeAspect="1"/>
+          </p:cNvPicPr>
+          <p:nvPr/>
+        </p:nvPicPr>
+        <p:blipFill rotWithShape="1">
+          <a:blip r:embed="rId2"/>
+          <a:srcRect l="10572" r="-1" b="-1"/>
+          <a:stretch/>
+        </p:blipFill>
+        <p:spPr>
+          <a:xfrm>
+            <a:off x="3624745" y="0"/>
+            <a:ext cx="8668512" cy="6857990"/>
+          </a:xfrm>
+          <a:prstGeom prst="rect">
+            <a:avLst/>
+          </a:prstGeom>
+        </p:spPr>
+      </p:pic>
+      <p:sp>
+        <p:nvSpPr>
+          <p:cNvPr id="2" name="Title 1">
+            <a:extLst>
+              <a:ext uri="{FF2B5EF4-FFF2-40B4-BE49-F238E27FC236}">
+                <a16:creationId xmlns:a16="http://schemas.microsoft.com/office/drawing/2014/main" id="{A04B0A44-B2F6-D5AC-469A-F33AB40C1341}"/>
+              </a:ext>
+            </a:extLst>
+          </p:cNvPr>
+          <p:cNvSpPr>
+            <a:spLocks noGrp="1"/>
+          </p:cNvSpPr>
+          <p:nvPr>
+            <p:ph type="ctrTitle"/>
+          </p:nvPr>
+        </p:nvSpPr>
+        <p:spPr>
+          <a:xfrm>
+            <a:off x="1350697" y="434247"/>
+            <a:ext cx="9490602" cy="780671"/>
+          </a:xfrm>
+        </p:spPr>
+        <p:txBody>
+          <a:bodyPr anchor="b">
+            <a:noAutofit/>
+          </a:bodyPr>
+          <a:lstStyle/>
+          <a:p>
+            <a:r>
+              <a:rPr lang="cs-CZ" sz="3600" dirty="0">
+                <a:latin typeface="Aptos Black" panose="020B0004020202020204" pitchFamily="34" charset="0"/>
+              </a:rPr>
+              <a:t>Nástroje pro zachycování dat v síti, testování a opravy problémů</a:t>
+            </a:r>
+          </a:p>
+        </p:txBody>
+      </p:sp>
+      <p:sp>
+        <p:nvSpPr>
+          <p:cNvPr id="5" name="Subtitle 2">
+            <a:extLst>
+              <a:ext uri="{FF2B5EF4-FFF2-40B4-BE49-F238E27FC236}">
+                <a16:creationId xmlns:a16="http://schemas.microsoft.com/office/drawing/2014/main" id="{D9FDE3A3-3CBA-C13F-5860-797321AE9D43}"/>
+              </a:ext>
+            </a:extLst>
+          </p:cNvPr>
+          <p:cNvSpPr txBox="1">
+            <a:spLocks/>
+          </p:cNvSpPr>
+          <p:nvPr/>
+        </p:nvSpPr>
+        <p:spPr>
+          <a:xfrm>
+            <a:off x="1245958" y="1571534"/>
+            <a:ext cx="9700083" cy="1208141"/>
+          </a:xfrm>
+          <a:prstGeom prst="rect">
+            <a:avLst/>
+          </a:prstGeom>
+        </p:spPr>
+        <p:txBody>
+          <a:bodyPr vert="horz" lIns="91440" tIns="45720" rIns="91440" bIns="45720" rtlCol="0">
+            <a:noAutofit/>
+          </a:bodyPr>
+          <a:lstStyle>
+            <a:lvl1pPr marL="0" indent="0" algn="ctr" defTabSz="914400" rtl="0" eaLnBrk="1" latinLnBrk="0" hangingPunct="1">
+              <a:lnSpc>
+                <a:spcPct val="120000"/>
+              </a:lnSpc>
+              <a:spcBef>
+                <a:spcPts val="1000"/>
+              </a:spcBef>
+              <a:buFont typeface="Arial" panose="020B0604020202020204" pitchFamily="34" charset="0"/>
+              <a:buNone/>
+              <a:defRPr sz="2400" kern="1200">
+                <a:solidFill>
+                  <a:schemeClr val="tx1"/>
+                </a:solidFill>
+                <a:effectLst>
+                  <a:outerShdw blurRad="50800" dist="38100" dir="2700000" algn="tl" rotWithShape="0">
+                    <a:srgbClr val="000000">
+                      <a:alpha val="48000"/>
+                    </a:srgbClr>
+                  </a:outerShdw>
+                </a:effectLst>
+                <a:latin typeface="+mn-lt"/>
+                <a:ea typeface="+mn-ea"/>
+                <a:cs typeface="+mn-cs"/>
+              </a:defRPr>
+            </a:lvl1pPr>
+            <a:lvl2pPr marL="457200" indent="0" algn="ctr" defTabSz="914400" rtl="0" eaLnBrk="1" latinLnBrk="0" hangingPunct="1">
+              <a:lnSpc>
+                <a:spcPct val="120000"/>
+              </a:lnSpc>
+              <a:spcBef>
+                <a:spcPts val="500"/>
+              </a:spcBef>
+              <a:buFont typeface="Arial" panose="020B0604020202020204" pitchFamily="34" charset="0"/>
+              <a:buNone/>
+              <a:defRPr sz="2000" kern="1200">
+                <a:solidFill>
+                  <a:schemeClr val="tx1"/>
+                </a:solidFill>
+                <a:effectLst>
+                  <a:outerShdw blurRad="50800" dist="38100" dir="2700000" algn="tl" rotWithShape="0">
+                    <a:srgbClr val="000000">
+                      <a:alpha val="48000"/>
+                    </a:srgbClr>
+                  </a:outerShdw>
+                </a:effectLst>
+                <a:latin typeface="+mn-lt"/>
+                <a:ea typeface="+mn-ea"/>
+                <a:cs typeface="+mn-cs"/>
+              </a:defRPr>
+            </a:lvl2pPr>
+            <a:lvl3pPr marL="914400" indent="0" algn="ctr" defTabSz="914400" rtl="0" eaLnBrk="1" latinLnBrk="0" hangingPunct="1">
+              <a:lnSpc>
+                <a:spcPct val="120000"/>
+              </a:lnSpc>
+              <a:spcBef>
+                <a:spcPts val="500"/>
+              </a:spcBef>
+              <a:buFont typeface="Arial" panose="020B0604020202020204" pitchFamily="34" charset="0"/>
+              <a:buNone/>
+              <a:defRPr sz="1800" kern="1200">
+                <a:solidFill>
+                  <a:schemeClr val="tx1"/>
+                </a:solidFill>
+                <a:effectLst>
+                  <a:outerShdw blurRad="50800" dist="38100" dir="2700000" algn="tl" rotWithShape="0">
+                    <a:srgbClr val="000000">
+                      <a:alpha val="48000"/>
+                    </a:srgbClr>
+                  </a:outerShdw>
+                </a:effectLst>
+                <a:latin typeface="+mn-lt"/>
+                <a:ea typeface="+mn-ea"/>
+                <a:cs typeface="+mn-cs"/>
+              </a:defRPr>
+            </a:lvl3pPr>
+            <a:lvl4pPr marL="1371600" indent="0" algn="ctr" defTabSz="914400" rtl="0" eaLnBrk="1" latinLnBrk="0" hangingPunct="1">
+              <a:lnSpc>
+                <a:spcPct val="120000"/>
+              </a:lnSpc>
+              <a:spcBef>
+                <a:spcPts val="500"/>
+              </a:spcBef>
+              <a:buFont typeface="Arial" panose="020B0604020202020204" pitchFamily="34" charset="0"/>
+              <a:buNone/>
+              <a:defRPr sz="1600" kern="1200">
+                <a:solidFill>
+                  <a:schemeClr val="tx1"/>
+                </a:solidFill>
+                <a:effectLst>
+                  <a:outerShdw blurRad="50800" dist="38100" dir="2700000" algn="tl" rotWithShape="0">
+                    <a:srgbClr val="000000">
+                      <a:alpha val="48000"/>
+                    </a:srgbClr>
+                  </a:outerShdw>
+                </a:effectLst>
+                <a:latin typeface="+mn-lt"/>
+                <a:ea typeface="+mn-ea"/>
+                <a:cs typeface="+mn-cs"/>
+              </a:defRPr>
+            </a:lvl4pPr>
+            <a:lvl5pPr marL="1828800" indent="0" algn="ctr" defTabSz="914400" rtl="0" eaLnBrk="1" latinLnBrk="0" hangingPunct="1">
+              <a:lnSpc>
+                <a:spcPct val="120000"/>
+              </a:lnSpc>
+              <a:spcBef>
+                <a:spcPts val="500"/>
+              </a:spcBef>
+              <a:buFont typeface="Arial" panose="020B0604020202020204" pitchFamily="34" charset="0"/>
+              <a:buNone/>
+              <a:defRPr sz="1600" kern="1200">
+                <a:solidFill>
+                  <a:schemeClr val="tx1"/>
+                </a:solidFill>
+                <a:effectLst>
+                  <a:outerShdw blurRad="50800" dist="38100" dir="2700000" algn="tl" rotWithShape="0">
+                    <a:srgbClr val="000000">
+                      <a:alpha val="48000"/>
+                    </a:srgbClr>
+                  </a:outerShdw>
+                </a:effectLst>
+                <a:latin typeface="+mn-lt"/>
+                <a:ea typeface="+mn-ea"/>
+                <a:cs typeface="+mn-cs"/>
+              </a:defRPr>
+            </a:lvl5pPr>
+            <a:lvl6pPr marL="2286000" indent="0" algn="ctr" defTabSz="914400" rtl="0" eaLnBrk="1" latinLnBrk="0" hangingPunct="1">
+              <a:lnSpc>
+                <a:spcPct val="120000"/>
+              </a:lnSpc>
+              <a:spcBef>
+                <a:spcPts val="500"/>
+              </a:spcBef>
+              <a:buFont typeface="Arial" panose="020B0604020202020204" pitchFamily="34" charset="0"/>
+              <a:buNone/>
+              <a:defRPr sz="1600" kern="1200">
+                <a:solidFill>
+                  <a:schemeClr val="tx1"/>
+                </a:solidFill>
+                <a:effectLst>
+                  <a:outerShdw blurRad="50800" dist="38100" dir="2700000" algn="tl" rotWithShape="0">
+                    <a:srgbClr val="000000">
+                      <a:alpha val="48000"/>
+                    </a:srgbClr>
+                  </a:outerShdw>
+                </a:effectLst>
+                <a:latin typeface="+mn-lt"/>
+                <a:ea typeface="+mn-ea"/>
+                <a:cs typeface="+mn-cs"/>
+              </a:defRPr>
+            </a:lvl6pPr>
+            <a:lvl7pPr marL="2743200" indent="0" algn="ctr" defTabSz="914400" rtl="0" eaLnBrk="1" latinLnBrk="0" hangingPunct="1">
+              <a:lnSpc>
+                <a:spcPct val="120000"/>
+              </a:lnSpc>
+              <a:spcBef>
+                <a:spcPts val="500"/>
+              </a:spcBef>
+              <a:buFont typeface="Arial" panose="020B0604020202020204" pitchFamily="34" charset="0"/>
+              <a:buNone/>
+              <a:defRPr sz="1600" kern="1200">
+                <a:solidFill>
+                  <a:schemeClr val="tx1"/>
+                </a:solidFill>
+                <a:effectLst>
+                  <a:outerShdw blurRad="50800" dist="38100" dir="2700000" algn="tl" rotWithShape="0">
+                    <a:srgbClr val="000000">
+                      <a:alpha val="48000"/>
+                    </a:srgbClr>
+                  </a:outerShdw>
+                </a:effectLst>
+                <a:latin typeface="+mn-lt"/>
+                <a:ea typeface="+mn-ea"/>
+                <a:cs typeface="+mn-cs"/>
+              </a:defRPr>
+            </a:lvl7pPr>
+            <a:lvl8pPr marL="3200400" indent="0" algn="ctr" defTabSz="914400" rtl="0" eaLnBrk="1" latinLnBrk="0" hangingPunct="1">
+              <a:lnSpc>
+                <a:spcPct val="120000"/>
+              </a:lnSpc>
+              <a:spcBef>
+                <a:spcPts val="500"/>
+              </a:spcBef>
+              <a:buFont typeface="Arial" panose="020B0604020202020204" pitchFamily="34" charset="0"/>
+              <a:buNone/>
+              <a:defRPr sz="1600" kern="1200">
+                <a:solidFill>
+                  <a:schemeClr val="tx1"/>
+                </a:solidFill>
+                <a:effectLst>
+                  <a:outerShdw blurRad="50800" dist="38100" dir="2700000" algn="tl" rotWithShape="0">
+                    <a:srgbClr val="000000">
+                      <a:alpha val="48000"/>
+                    </a:srgbClr>
+                  </a:outerShdw>
+                </a:effectLst>
+                <a:latin typeface="+mn-lt"/>
+                <a:ea typeface="+mn-ea"/>
+                <a:cs typeface="+mn-cs"/>
+              </a:defRPr>
+            </a:lvl8pPr>
+            <a:lvl9pPr marL="3657600" indent="0" algn="ctr" defTabSz="914400" rtl="0" eaLnBrk="1" latinLnBrk="0" hangingPunct="1">
+              <a:lnSpc>
+                <a:spcPct val="120000"/>
+              </a:lnSpc>
+              <a:spcBef>
+                <a:spcPts val="500"/>
+              </a:spcBef>
+              <a:buFont typeface="Arial" panose="020B0604020202020204" pitchFamily="34" charset="0"/>
+              <a:buNone/>
+              <a:defRPr sz="1600" kern="1200">
+                <a:solidFill>
+                  <a:schemeClr val="tx1"/>
+                </a:solidFill>
+                <a:effectLst>
+                  <a:outerShdw blurRad="50800" dist="38100" dir="2700000" algn="tl" rotWithShape="0">
+                    <a:srgbClr val="000000">
+                      <a:alpha val="48000"/>
+                    </a:srgbClr>
+                  </a:outerShdw>
+                </a:effectLst>
+                <a:latin typeface="+mn-lt"/>
+                <a:ea typeface="+mn-ea"/>
+                <a:cs typeface="+mn-cs"/>
+              </a:defRPr>
+            </a:lvl9pPr>
+          </a:lstStyle>
+          <a:p>
+            <a:pPr>
+              <a:lnSpc>
+                <a:spcPct val="100000"/>
+              </a:lnSpc>
+            </a:pPr>
+            <a:endParaRPr lang="cs-CZ" sz="2000" dirty="0"/>
+          </a:p>
+        </p:txBody>
+      </p:sp>
+      <p:sp>
+        <p:nvSpPr>
+          <p:cNvPr id="3" name="Subtitle 2">
+            <a:extLst>
+              <a:ext uri="{FF2B5EF4-FFF2-40B4-BE49-F238E27FC236}">
+                <a16:creationId xmlns:a16="http://schemas.microsoft.com/office/drawing/2014/main" id="{23BC322F-6DE2-5049-239F-890D9C6CBD7B}"/>
+              </a:ext>
+            </a:extLst>
+          </p:cNvPr>
+          <p:cNvSpPr txBox="1">
+            <a:spLocks/>
+          </p:cNvSpPr>
+          <p:nvPr/>
+        </p:nvSpPr>
+        <p:spPr>
+          <a:xfrm>
+            <a:off x="1245957" y="1333790"/>
+            <a:ext cx="9700083" cy="4733347"/>
+          </a:xfrm>
+          <a:prstGeom prst="rect">
+            <a:avLst/>
+          </a:prstGeom>
+        </p:spPr>
+        <p:txBody>
+          <a:bodyPr vert="horz" lIns="91440" tIns="45720" rIns="91440" bIns="45720" rtlCol="0">
+            <a:noAutofit/>
+          </a:bodyPr>
+          <a:lstStyle>
+            <a:lvl1pPr marL="0" indent="0" algn="ctr" defTabSz="914400" rtl="0" eaLnBrk="1" latinLnBrk="0" hangingPunct="1">
+              <a:lnSpc>
+                <a:spcPct val="120000"/>
+              </a:lnSpc>
+              <a:spcBef>
+                <a:spcPts val="1000"/>
+              </a:spcBef>
+              <a:buFont typeface="Arial" panose="020B0604020202020204" pitchFamily="34" charset="0"/>
+              <a:buNone/>
+              <a:defRPr sz="2400" kern="1200">
+                <a:solidFill>
+                  <a:schemeClr val="tx1"/>
+                </a:solidFill>
+                <a:effectLst>
+                  <a:outerShdw blurRad="50800" dist="38100" dir="2700000" algn="tl" rotWithShape="0">
+                    <a:srgbClr val="000000">
+                      <a:alpha val="48000"/>
+                    </a:srgbClr>
+                  </a:outerShdw>
+                </a:effectLst>
+                <a:latin typeface="+mn-lt"/>
+                <a:ea typeface="+mn-ea"/>
+                <a:cs typeface="+mn-cs"/>
+              </a:defRPr>
+            </a:lvl1pPr>
+            <a:lvl2pPr marL="457200" indent="0" algn="ctr" defTabSz="914400" rtl="0" eaLnBrk="1" latinLnBrk="0" hangingPunct="1">
+              <a:lnSpc>
+                <a:spcPct val="120000"/>
+              </a:lnSpc>
+              <a:spcBef>
+                <a:spcPts val="500"/>
+              </a:spcBef>
+              <a:buFont typeface="Arial" panose="020B0604020202020204" pitchFamily="34" charset="0"/>
+              <a:buNone/>
+              <a:defRPr sz="2000" kern="1200">
+                <a:solidFill>
+                  <a:schemeClr val="tx1"/>
+                </a:solidFill>
+                <a:effectLst>
+                  <a:outerShdw blurRad="50800" dist="38100" dir="2700000" algn="tl" rotWithShape="0">
+                    <a:srgbClr val="000000">
+                      <a:alpha val="48000"/>
+                    </a:srgbClr>
+                  </a:outerShdw>
+                </a:effectLst>
+                <a:latin typeface="+mn-lt"/>
+                <a:ea typeface="+mn-ea"/>
+                <a:cs typeface="+mn-cs"/>
+              </a:defRPr>
+            </a:lvl2pPr>
+            <a:lvl3pPr marL="914400" indent="0" algn="ctr" defTabSz="914400" rtl="0" eaLnBrk="1" latinLnBrk="0" hangingPunct="1">
+              <a:lnSpc>
+                <a:spcPct val="120000"/>
+              </a:lnSpc>
+              <a:spcBef>
+                <a:spcPts val="500"/>
+              </a:spcBef>
+              <a:buFont typeface="Arial" panose="020B0604020202020204" pitchFamily="34" charset="0"/>
+              <a:buNone/>
+              <a:defRPr sz="1800" kern="1200">
+                <a:solidFill>
+                  <a:schemeClr val="tx1"/>
+                </a:solidFill>
+                <a:effectLst>
+                  <a:outerShdw blurRad="50800" dist="38100" dir="2700000" algn="tl" rotWithShape="0">
+                    <a:srgbClr val="000000">
+                      <a:alpha val="48000"/>
+                    </a:srgbClr>
+                  </a:outerShdw>
+                </a:effectLst>
+                <a:latin typeface="+mn-lt"/>
+                <a:ea typeface="+mn-ea"/>
+                <a:cs typeface="+mn-cs"/>
+              </a:defRPr>
+            </a:lvl3pPr>
+            <a:lvl4pPr marL="1371600" indent="0" algn="ctr" defTabSz="914400" rtl="0" eaLnBrk="1" latinLnBrk="0" hangingPunct="1">
+              <a:lnSpc>
+                <a:spcPct val="120000"/>
+              </a:lnSpc>
+              <a:spcBef>
+                <a:spcPts val="500"/>
+              </a:spcBef>
+              <a:buFont typeface="Arial" panose="020B0604020202020204" pitchFamily="34" charset="0"/>
+              <a:buNone/>
+              <a:defRPr sz="1600" kern="1200">
+                <a:solidFill>
+                  <a:schemeClr val="tx1"/>
+                </a:solidFill>
+                <a:effectLst>
+                  <a:outerShdw blurRad="50800" dist="38100" dir="2700000" algn="tl" rotWithShape="0">
+                    <a:srgbClr val="000000">
+                      <a:alpha val="48000"/>
+                    </a:srgbClr>
+                  </a:outerShdw>
+                </a:effectLst>
+                <a:latin typeface="+mn-lt"/>
+                <a:ea typeface="+mn-ea"/>
+                <a:cs typeface="+mn-cs"/>
+              </a:defRPr>
+            </a:lvl4pPr>
+            <a:lvl5pPr marL="1828800" indent="0" algn="ctr" defTabSz="914400" rtl="0" eaLnBrk="1" latinLnBrk="0" hangingPunct="1">
+              <a:lnSpc>
+                <a:spcPct val="120000"/>
+              </a:lnSpc>
+              <a:spcBef>
+                <a:spcPts val="500"/>
+              </a:spcBef>
+              <a:buFont typeface="Arial" panose="020B0604020202020204" pitchFamily="34" charset="0"/>
+              <a:buNone/>
+              <a:defRPr sz="1600" kern="1200">
+                <a:solidFill>
+                  <a:schemeClr val="tx1"/>
+                </a:solidFill>
+                <a:effectLst>
+                  <a:outerShdw blurRad="50800" dist="38100" dir="2700000" algn="tl" rotWithShape="0">
+                    <a:srgbClr val="000000">
+                      <a:alpha val="48000"/>
+                    </a:srgbClr>
+                  </a:outerShdw>
+                </a:effectLst>
+                <a:latin typeface="+mn-lt"/>
+                <a:ea typeface="+mn-ea"/>
+                <a:cs typeface="+mn-cs"/>
+              </a:defRPr>
+            </a:lvl5pPr>
+            <a:lvl6pPr marL="2286000" indent="0" algn="ctr" defTabSz="914400" rtl="0" eaLnBrk="1" latinLnBrk="0" hangingPunct="1">
+              <a:lnSpc>
+                <a:spcPct val="120000"/>
+              </a:lnSpc>
+              <a:spcBef>
+                <a:spcPts val="500"/>
+              </a:spcBef>
+              <a:buFont typeface="Arial" panose="020B0604020202020204" pitchFamily="34" charset="0"/>
+              <a:buNone/>
+              <a:defRPr sz="1600" kern="1200">
+                <a:solidFill>
+                  <a:schemeClr val="tx1"/>
+                </a:solidFill>
+                <a:effectLst>
+                  <a:outerShdw blurRad="50800" dist="38100" dir="2700000" algn="tl" rotWithShape="0">
+                    <a:srgbClr val="000000">
+                      <a:alpha val="48000"/>
+                    </a:srgbClr>
+                  </a:outerShdw>
+                </a:effectLst>
+                <a:latin typeface="+mn-lt"/>
+                <a:ea typeface="+mn-ea"/>
+                <a:cs typeface="+mn-cs"/>
+              </a:defRPr>
+            </a:lvl6pPr>
+            <a:lvl7pPr marL="2743200" indent="0" algn="ctr" defTabSz="914400" rtl="0" eaLnBrk="1" latinLnBrk="0" hangingPunct="1">
+              <a:lnSpc>
+                <a:spcPct val="120000"/>
+              </a:lnSpc>
+              <a:spcBef>
+                <a:spcPts val="500"/>
+              </a:spcBef>
+              <a:buFont typeface="Arial" panose="020B0604020202020204" pitchFamily="34" charset="0"/>
+              <a:buNone/>
+              <a:defRPr sz="1600" kern="1200">
+                <a:solidFill>
+                  <a:schemeClr val="tx1"/>
+                </a:solidFill>
+                <a:effectLst>
+                  <a:outerShdw blurRad="50800" dist="38100" dir="2700000" algn="tl" rotWithShape="0">
+                    <a:srgbClr val="000000">
+                      <a:alpha val="48000"/>
+                    </a:srgbClr>
+                  </a:outerShdw>
+                </a:effectLst>
+                <a:latin typeface="+mn-lt"/>
+                <a:ea typeface="+mn-ea"/>
+                <a:cs typeface="+mn-cs"/>
+              </a:defRPr>
+            </a:lvl7pPr>
+            <a:lvl8pPr marL="3200400" indent="0" algn="ctr" defTabSz="914400" rtl="0" eaLnBrk="1" latinLnBrk="0" hangingPunct="1">
+              <a:lnSpc>
+                <a:spcPct val="120000"/>
+              </a:lnSpc>
+              <a:spcBef>
+                <a:spcPts val="500"/>
+              </a:spcBef>
+              <a:buFont typeface="Arial" panose="020B0604020202020204" pitchFamily="34" charset="0"/>
+              <a:buNone/>
+              <a:defRPr sz="1600" kern="1200">
+                <a:solidFill>
+                  <a:schemeClr val="tx1"/>
+                </a:solidFill>
+                <a:effectLst>
+                  <a:outerShdw blurRad="50800" dist="38100" dir="2700000" algn="tl" rotWithShape="0">
+                    <a:srgbClr val="000000">
+                      <a:alpha val="48000"/>
+                    </a:srgbClr>
+                  </a:outerShdw>
+                </a:effectLst>
+                <a:latin typeface="+mn-lt"/>
+                <a:ea typeface="+mn-ea"/>
+                <a:cs typeface="+mn-cs"/>
+              </a:defRPr>
+            </a:lvl8pPr>
+            <a:lvl9pPr marL="3657600" indent="0" algn="ctr" defTabSz="914400" rtl="0" eaLnBrk="1" latinLnBrk="0" hangingPunct="1">
+              <a:lnSpc>
+                <a:spcPct val="120000"/>
+              </a:lnSpc>
+              <a:spcBef>
+                <a:spcPts val="500"/>
+              </a:spcBef>
+              <a:buFont typeface="Arial" panose="020B0604020202020204" pitchFamily="34" charset="0"/>
+              <a:buNone/>
+              <a:defRPr sz="1600" kern="1200">
+                <a:solidFill>
+                  <a:schemeClr val="tx1"/>
+                </a:solidFill>
+                <a:effectLst>
+                  <a:outerShdw blurRad="50800" dist="38100" dir="2700000" algn="tl" rotWithShape="0">
+                    <a:srgbClr val="000000">
+                      <a:alpha val="48000"/>
+                    </a:srgbClr>
+                  </a:outerShdw>
+                </a:effectLst>
+                <a:latin typeface="+mn-lt"/>
+                <a:ea typeface="+mn-ea"/>
+                <a:cs typeface="+mn-cs"/>
+              </a:defRPr>
+            </a:lvl9pPr>
+          </a:lstStyle>
+          <a:p>
+            <a:pPr>
+              <a:lnSpc>
+                <a:spcPct val="100000"/>
+              </a:lnSpc>
+            </a:pPr>
+            <a:r>
+              <a:rPr lang="cs-CZ" sz="2000" dirty="0"/>
+              <a:t>Čmuchal (sniffer) –zařízení má dva porty a zaznamenává data která projdou skrz podle filtru a směru</a:t>
+            </a:r>
+          </a:p>
+          <a:p>
+            <a:pPr>
+              <a:lnSpc>
+                <a:spcPct val="100000"/>
+              </a:lnSpc>
+            </a:pPr>
+            <a:r>
+              <a:rPr lang="cs-CZ" sz="2000" dirty="0"/>
+              <a:t>Ping – příkaz užíván k otestování konektivity mezi dvěma zařízeními</a:t>
+            </a:r>
+          </a:p>
+          <a:p>
+            <a:pPr>
+              <a:lnSpc>
+                <a:spcPct val="100000"/>
+              </a:lnSpc>
+            </a:pPr>
+            <a:r>
+              <a:rPr lang="cs-CZ" sz="2000" dirty="0"/>
+              <a:t>Traceroute – příkaz užíván k zjištění cesty mezi dvěma koncovými zařízeními a potenciálně problémovém místě</a:t>
+            </a:r>
+          </a:p>
+          <a:p>
+            <a:pPr>
+              <a:lnSpc>
+                <a:spcPct val="100000"/>
+              </a:lnSpc>
+            </a:pPr>
+            <a:r>
+              <a:rPr lang="cs-CZ" sz="2000" dirty="0"/>
+              <a:t>SNMP (Simple Network Management Protocol) – umožňuje vzdáleně monitorovat a spravovat síťová zařízení pomocí centrálního management systému</a:t>
+            </a:r>
+          </a:p>
+          <a:p>
+            <a:pPr marL="342900" indent="-342900">
+              <a:lnSpc>
+                <a:spcPct val="100000"/>
+              </a:lnSpc>
+              <a:buFontTx/>
+              <a:buChar char="-"/>
+            </a:pPr>
+            <a:r>
+              <a:rPr lang="cs-CZ" sz="2000" dirty="0"/>
+              <a:t>Poskytuje informace o využití sítě, konfiguraci, stavu zařízení a upozorňuje na chyby</a:t>
+            </a:r>
+          </a:p>
+          <a:p>
+            <a:pPr>
+              <a:lnSpc>
+                <a:spcPct val="100000"/>
+              </a:lnSpc>
+            </a:pPr>
+            <a:r>
+              <a:rPr lang="cs-CZ" sz="2000" dirty="0"/>
+              <a:t>NetFlow – protokol zaznamenávající tok dat mezi zařízeními, pomáha sledovat využití sítě, způsob komunikace a upozorňuje na potenciální útoky</a:t>
+            </a:r>
+          </a:p>
+          <a:p>
+            <a:pPr>
+              <a:lnSpc>
+                <a:spcPct val="100000"/>
+              </a:lnSpc>
+            </a:pPr>
+            <a:r>
+              <a:rPr lang="cs-CZ" sz="2000" dirty="0"/>
+              <a:t>Nmap, Wireshark – nástroje použitelné pro zachycení a analýzu sítě</a:t>
+            </a:r>
+          </a:p>
+          <a:p>
+            <a:pPr>
+              <a:lnSpc>
+                <a:spcPct val="100000"/>
+              </a:lnSpc>
+            </a:pPr>
+            <a:r>
+              <a:rPr lang="cs-CZ" sz="2000" dirty="0"/>
+              <a:t> </a:t>
+            </a:r>
+          </a:p>
+        </p:txBody>
+      </p:sp>
+    </p:spTree>
+    <p:extLst>
+      <p:ext uri="{BB962C8B-B14F-4D97-AF65-F5344CB8AC3E}">
+        <p14:creationId xmlns:p14="http://schemas.microsoft.com/office/powerpoint/2010/main" val="385875270"/>
+      </p:ext>
+    </p:extLst>
+  </p:cSld>
+  <p:clrMapOvr>
+    <a:masterClrMapping/>
+  </p:clrMapOvr>
+  <p:timing>
+    <p:tnLst>
+      <p:par>
+        <p:cTn id="1" dur="indefinite" restart="never" nodeType="tmRoot">
+          <p:childTnLst>
+            <p:seq concurrent="1" nextAc="seek">
+              <p:cTn id="2" dur="indefinite" nodeType="mainSeq">
+                <p:childTnLst>
+                  <p:par>
+                    <p:cTn id="3" fill="hold">
+                      <p:stCondLst>
+                        <p:cond delay="indefinite"/>
+                        <p:cond evt="onBegin" delay="0">
+                          <p:tn val="2"/>
+                        </p:cond>
+                      </p:stCondLst>
+                      <p:childTnLst>
+                        <p:par>
+                          <p:cTn id="4" fill="hold">
+                            <p:stCondLst>
+                              <p:cond delay="0"/>
+                            </p:stCondLst>
+                            <p:childTnLst>
+                              <p:par>
+                                <p:cTn id="5" presetID="10" presetClass="entr" presetSubtype="0" fill="hold" grpId="0" nodeType="withEffect">
+                                  <p:stCondLst>
+                                    <p:cond delay="1000"/>
+                                  </p:stCondLst>
+                                  <p:iterate>
+                                    <p:tmPct val="10000"/>
+                                  </p:iterate>
+                                  <p:childTnLst>
+                                    <p:set>
+                                      <p:cBhvr>
+                                        <p:cTn id="6" dur="1" fill="hold">
+                                          <p:stCondLst>
+                                            <p:cond delay="0"/>
+                                          </p:stCondLst>
+                                        </p:cTn>
+                                        <p:tgtEl>
+                                          <p:spTgt spid="2"/>
+                                        </p:tgtEl>
+                                        <p:attrNameLst>
+                                          <p:attrName>style.visibility</p:attrName>
+                                        </p:attrNameLst>
+                                      </p:cBhvr>
+                                      <p:to>
+                                        <p:strVal val="visible"/>
+                                      </p:to>
+                                    </p:set>
+                                    <p:animEffect transition="in" filter="fade">
+                                      <p:cBhvr>
+                                        <p:cTn id="7" dur="700"/>
+                                        <p:tgtEl>
+                                          <p:spTgt spid="2"/>
+                                        </p:tgtEl>
+                                      </p:cBhvr>
+                                    </p:animEffect>
+                                  </p:childTnLst>
+                                </p:cTn>
+                              </p:par>
+                              <p:par>
+                                <p:cTn id="8" presetID="10" presetClass="entr" presetSubtype="0" fill="hold" grpId="0" nodeType="withEffect" nodePh="1">
+                                  <p:stCondLst>
+                                    <p:cond delay="1500"/>
+                                  </p:stCondLst>
+                                  <p:endCondLst>
+                                    <p:cond evt="begin" delay="0">
+                                      <p:tn val="8"/>
+                                    </p:cond>
+                                  </p:endCondLst>
+                                  <p:iterate>
+                                    <p:tmPct val="10000"/>
+                                  </p:iterate>
+                                  <p:childTnLst>
+                                    <p:set>
+                                      <p:cBhvr>
+                                        <p:cTn id="9" dur="1" fill="hold">
+                                          <p:stCondLst>
+                                            <p:cond delay="0"/>
+                                          </p:stCondLst>
+                                        </p:cTn>
+                                        <p:tgtEl>
+                                          <p:spTgt spid="5">
+                                            <p:txEl>
+                                              <p:pRg st="0" end="0"/>
+                                            </p:txEl>
+                                          </p:spTgt>
+                                        </p:tgtEl>
+                                        <p:attrNameLst>
+                                          <p:attrName>style.visibility</p:attrName>
+                                        </p:attrNameLst>
+                                      </p:cBhvr>
+                                      <p:to>
+                                        <p:strVal val="visible"/>
+                                      </p:to>
+                                    </p:set>
+                                    <p:animEffect transition="in" filter="fade">
+                                      <p:cBhvr>
+                                        <p:cTn id="10" dur="700"/>
+                                        <p:tgtEl>
+                                          <p:spTgt spid="5">
+                                            <p:txEl>
+                                              <p:pRg st="0" end="0"/>
+                                            </p:txEl>
+                                          </p:spTgt>
+                                        </p:tgtEl>
+                                      </p:cBhvr>
+                                    </p:animEffect>
+                                  </p:childTnLst>
+                                </p:cTn>
+                              </p:par>
+                              <p:par>
+                                <p:cTn id="11" presetID="10" presetClass="entr" presetSubtype="0" fill="hold" grpId="0" nodeType="withEffect">
+                                  <p:stCondLst>
+                                    <p:cond delay="1500"/>
+                                  </p:stCondLst>
+                                  <p:iterate>
+                                    <p:tmPct val="10000"/>
+                                  </p:iterate>
+                                  <p:childTnLst>
+                                    <p:set>
+                                      <p:cBhvr>
+                                        <p:cTn id="12" dur="1" fill="hold">
+                                          <p:stCondLst>
+                                            <p:cond delay="0"/>
+                                          </p:stCondLst>
+                                        </p:cTn>
+                                        <p:tgtEl>
+                                          <p:spTgt spid="3">
+                                            <p:txEl>
+                                              <p:pRg st="0" end="0"/>
+                                            </p:txEl>
+                                          </p:spTgt>
+                                        </p:tgtEl>
+                                        <p:attrNameLst>
+                                          <p:attrName>style.visibility</p:attrName>
+                                        </p:attrNameLst>
+                                      </p:cBhvr>
+                                      <p:to>
+                                        <p:strVal val="visible"/>
+                                      </p:to>
+                                    </p:set>
+                                    <p:animEffect transition="in" filter="fade">
+                                      <p:cBhvr>
+                                        <p:cTn id="13" dur="700"/>
+                                        <p:tgtEl>
+                                          <p:spTgt spid="3">
+                                            <p:txEl>
+                                              <p:pRg st="0" end="0"/>
+                                            </p:txEl>
+                                          </p:spTgt>
+                                        </p:tgtEl>
+                                      </p:cBhvr>
+                                    </p:animEffect>
+                                  </p:childTnLst>
+                                </p:cTn>
+                              </p:par>
+                            </p:childTnLst>
+                          </p:cTn>
+                        </p:par>
+                      </p:childTnLst>
+                    </p:cTn>
+                  </p:par>
+                  <p:par>
+                    <p:cTn id="14" fill="hold">
+                      <p:stCondLst>
+                        <p:cond delay="indefinite"/>
+                      </p:stCondLst>
+                      <p:childTnLst>
+                        <p:par>
+                          <p:cTn id="15" fill="hold">
+                            <p:stCondLst>
+                              <p:cond delay="0"/>
+                            </p:stCondLst>
+                            <p:childTnLst>
+                              <p:par>
+                                <p:cTn id="16" presetID="10" presetClass="entr" presetSubtype="0" fill="hold" grpId="0" nodeType="clickEffect">
+                                  <p:stCondLst>
+                                    <p:cond delay="1500"/>
+                                  </p:stCondLst>
+                                  <p:iterate>
+                                    <p:tmPct val="10000"/>
+                                  </p:iterate>
+                                  <p:childTnLst>
+                                    <p:set>
+                                      <p:cBhvr>
+                                        <p:cTn id="17" dur="1" fill="hold">
+                                          <p:stCondLst>
+                                            <p:cond delay="0"/>
+                                          </p:stCondLst>
+                                        </p:cTn>
+                                        <p:tgtEl>
+                                          <p:spTgt spid="3">
+                                            <p:txEl>
+                                              <p:pRg st="1" end="1"/>
+                                            </p:txEl>
+                                          </p:spTgt>
+                                        </p:tgtEl>
+                                        <p:attrNameLst>
+                                          <p:attrName>style.visibility</p:attrName>
+                                        </p:attrNameLst>
+                                      </p:cBhvr>
+                                      <p:to>
+                                        <p:strVal val="visible"/>
+                                      </p:to>
+                                    </p:set>
+                                    <p:animEffect transition="in" filter="fade">
+                                      <p:cBhvr>
+                                        <p:cTn id="18" dur="700"/>
+                                        <p:tgtEl>
+                                          <p:spTgt spid="3">
+                                            <p:txEl>
+                                              <p:pRg st="1" end="1"/>
+                                            </p:txEl>
+                                          </p:spTgt>
+                                        </p:tgtEl>
+                                      </p:cBhvr>
+                                    </p:animEffect>
+                                  </p:childTnLst>
+                                </p:cTn>
+                              </p:par>
+                            </p:childTnLst>
+                          </p:cTn>
+                        </p:par>
+                      </p:childTnLst>
+                    </p:cTn>
+                  </p:par>
+                  <p:par>
+                    <p:cTn id="19" fill="hold">
+                      <p:stCondLst>
+                        <p:cond delay="indefinite"/>
+                      </p:stCondLst>
+                      <p:childTnLst>
+                        <p:par>
+                          <p:cTn id="20" fill="hold">
+                            <p:stCondLst>
+                              <p:cond delay="0"/>
+                            </p:stCondLst>
+                            <p:childTnLst>
+                              <p:par>
+                                <p:cTn id="21" presetID="10" presetClass="entr" presetSubtype="0" fill="hold" grpId="0" nodeType="clickEffect">
+                                  <p:stCondLst>
+                                    <p:cond delay="1500"/>
+                                  </p:stCondLst>
+                                  <p:iterate>
+                                    <p:tmPct val="10000"/>
+                                  </p:iterate>
+                                  <p:childTnLst>
+                                    <p:set>
+                                      <p:cBhvr>
+                                        <p:cTn id="22" dur="1" fill="hold">
+                                          <p:stCondLst>
+                                            <p:cond delay="0"/>
+                                          </p:stCondLst>
+                                        </p:cTn>
+                                        <p:tgtEl>
+                                          <p:spTgt spid="3">
+                                            <p:txEl>
+                                              <p:pRg st="2" end="2"/>
+                                            </p:txEl>
+                                          </p:spTgt>
+                                        </p:tgtEl>
+                                        <p:attrNameLst>
+                                          <p:attrName>style.visibility</p:attrName>
+                                        </p:attrNameLst>
+                                      </p:cBhvr>
+                                      <p:to>
+                                        <p:strVal val="visible"/>
+                                      </p:to>
+                                    </p:set>
+                                    <p:animEffect transition="in" filter="fade">
+                                      <p:cBhvr>
+                                        <p:cTn id="23" dur="700"/>
+                                        <p:tgtEl>
+                                          <p:spTgt spid="3">
+                                            <p:txEl>
+                                              <p:pRg st="2" end="2"/>
+                                            </p:txEl>
+                                          </p:spTgt>
+                                        </p:tgtEl>
+                                      </p:cBhvr>
+                                    </p:animEffect>
+                                  </p:childTnLst>
+                                </p:cTn>
+                              </p:par>
+                            </p:childTnLst>
+                          </p:cTn>
+                        </p:par>
+                      </p:childTnLst>
+                    </p:cTn>
+                  </p:par>
+                  <p:par>
+                    <p:cTn id="24" fill="hold">
+                      <p:stCondLst>
+                        <p:cond delay="indefinite"/>
+                      </p:stCondLst>
+                      <p:childTnLst>
+                        <p:par>
+                          <p:cTn id="25" fill="hold">
+                            <p:stCondLst>
+                              <p:cond delay="0"/>
+                            </p:stCondLst>
+                            <p:childTnLst>
+                              <p:par>
+                                <p:cTn id="26" presetID="10" presetClass="entr" presetSubtype="0" fill="hold" grpId="0" nodeType="clickEffect">
+                                  <p:stCondLst>
+                                    <p:cond delay="1500"/>
+                                  </p:stCondLst>
+                                  <p:iterate>
+                                    <p:tmPct val="10000"/>
+                                  </p:iterate>
+                                  <p:childTnLst>
+                                    <p:set>
+                                      <p:cBhvr>
+                                        <p:cTn id="27" dur="1" fill="hold">
+                                          <p:stCondLst>
+                                            <p:cond delay="0"/>
+                                          </p:stCondLst>
+                                        </p:cTn>
+                                        <p:tgtEl>
+                                          <p:spTgt spid="3">
+                                            <p:txEl>
+                                              <p:pRg st="3" end="3"/>
+                                            </p:txEl>
+                                          </p:spTgt>
+                                        </p:tgtEl>
+                                        <p:attrNameLst>
+                                          <p:attrName>style.visibility</p:attrName>
+                                        </p:attrNameLst>
+                                      </p:cBhvr>
+                                      <p:to>
+                                        <p:strVal val="visible"/>
+                                      </p:to>
+                                    </p:set>
+                                    <p:animEffect transition="in" filter="fade">
+                                      <p:cBhvr>
+                                        <p:cTn id="28" dur="700"/>
+                                        <p:tgtEl>
+                                          <p:spTgt spid="3">
+                                            <p:txEl>
+                                              <p:pRg st="3" end="3"/>
+                                            </p:txEl>
+                                          </p:spTgt>
+                                        </p:tgtEl>
+                                      </p:cBhvr>
+                                    </p:animEffect>
+                                  </p:childTnLst>
+                                </p:cTn>
+                              </p:par>
+                            </p:childTnLst>
+                          </p:cTn>
+                        </p:par>
+                      </p:childTnLst>
+                    </p:cTn>
+                  </p:par>
+                  <p:par>
+                    <p:cTn id="29" fill="hold">
+                      <p:stCondLst>
+                        <p:cond delay="indefinite"/>
+                      </p:stCondLst>
+                      <p:childTnLst>
+                        <p:par>
+                          <p:cTn id="30" fill="hold">
+                            <p:stCondLst>
+                              <p:cond delay="0"/>
+                            </p:stCondLst>
+                            <p:childTnLst>
+                              <p:par>
+                                <p:cTn id="31" presetID="10" presetClass="entr" presetSubtype="0" fill="hold" grpId="0" nodeType="clickEffect">
+                                  <p:stCondLst>
+                                    <p:cond delay="1500"/>
+                                  </p:stCondLst>
+                                  <p:iterate>
+                                    <p:tmPct val="10000"/>
+                                  </p:iterate>
+                                  <p:childTnLst>
+                                    <p:set>
+                                      <p:cBhvr>
+                                        <p:cTn id="32" dur="1" fill="hold">
+                                          <p:stCondLst>
+                                            <p:cond delay="0"/>
+                                          </p:stCondLst>
+                                        </p:cTn>
+                                        <p:tgtEl>
+                                          <p:spTgt spid="3">
+                                            <p:txEl>
+                                              <p:pRg st="4" end="4"/>
+                                            </p:txEl>
+                                          </p:spTgt>
+                                        </p:tgtEl>
+                                        <p:attrNameLst>
+                                          <p:attrName>style.visibility</p:attrName>
+                                        </p:attrNameLst>
+                                      </p:cBhvr>
+                                      <p:to>
+                                        <p:strVal val="visible"/>
+                                      </p:to>
+                                    </p:set>
+                                    <p:animEffect transition="in" filter="fade">
+                                      <p:cBhvr>
+                                        <p:cTn id="33" dur="700"/>
+                                        <p:tgtEl>
+                                          <p:spTgt spid="3">
+                                            <p:txEl>
+                                              <p:pRg st="4" end="4"/>
+                                            </p:txEl>
+                                          </p:spTgt>
+                                        </p:tgtEl>
+                                      </p:cBhvr>
+                                    </p:animEffect>
+                                  </p:childTnLst>
+                                </p:cTn>
+                              </p:par>
+                            </p:childTnLst>
+                          </p:cTn>
+                        </p:par>
+                      </p:childTnLst>
+                    </p:cTn>
+                  </p:par>
+                  <p:par>
+                    <p:cTn id="34" fill="hold">
+                      <p:stCondLst>
+                        <p:cond delay="indefinite"/>
+                      </p:stCondLst>
+                      <p:childTnLst>
+                        <p:par>
+                          <p:cTn id="35" fill="hold">
+                            <p:stCondLst>
+                              <p:cond delay="0"/>
+                            </p:stCondLst>
+                            <p:childTnLst>
+                              <p:par>
+                                <p:cTn id="36" presetID="10" presetClass="entr" presetSubtype="0" fill="hold" grpId="0" nodeType="clickEffect">
+                                  <p:stCondLst>
+                                    <p:cond delay="1500"/>
+                                  </p:stCondLst>
+                                  <p:iterate>
+                                    <p:tmPct val="10000"/>
+                                  </p:iterate>
+                                  <p:childTnLst>
+                                    <p:set>
+                                      <p:cBhvr>
+                                        <p:cTn id="37" dur="1" fill="hold">
+                                          <p:stCondLst>
+                                            <p:cond delay="0"/>
+                                          </p:stCondLst>
+                                        </p:cTn>
+                                        <p:tgtEl>
+                                          <p:spTgt spid="3">
+                                            <p:txEl>
+                                              <p:pRg st="5" end="5"/>
+                                            </p:txEl>
+                                          </p:spTgt>
+                                        </p:tgtEl>
+                                        <p:attrNameLst>
+                                          <p:attrName>style.visibility</p:attrName>
+                                        </p:attrNameLst>
+                                      </p:cBhvr>
+                                      <p:to>
+                                        <p:strVal val="visible"/>
+                                      </p:to>
+                                    </p:set>
+                                    <p:animEffect transition="in" filter="fade">
+                                      <p:cBhvr>
+                                        <p:cTn id="38" dur="700"/>
+                                        <p:tgtEl>
+                                          <p:spTgt spid="3">
+                                            <p:txEl>
+                                              <p:pRg st="5" end="5"/>
+                                            </p:txEl>
+                                          </p:spTgt>
+                                        </p:tgtEl>
+                                      </p:cBhvr>
+                                    </p:animEffect>
+                                  </p:childTnLst>
+                                </p:cTn>
+                              </p:par>
+                            </p:childTnLst>
+                          </p:cTn>
+                        </p:par>
+                      </p:childTnLst>
+                    </p:cTn>
+                  </p:par>
+                  <p:par>
+                    <p:cTn id="39" fill="hold">
+                      <p:stCondLst>
+                        <p:cond delay="indefinite"/>
+                      </p:stCondLst>
+                      <p:childTnLst>
+                        <p:par>
+                          <p:cTn id="40" fill="hold">
+                            <p:stCondLst>
+                              <p:cond delay="0"/>
+                            </p:stCondLst>
+                            <p:childTnLst>
+                              <p:par>
+                                <p:cTn id="41" presetID="10" presetClass="entr" presetSubtype="0" fill="hold" grpId="0" nodeType="clickEffect">
+                                  <p:stCondLst>
+                                    <p:cond delay="1500"/>
+                                  </p:stCondLst>
+                                  <p:iterate>
+                                    <p:tmPct val="10000"/>
+                                  </p:iterate>
+                                  <p:childTnLst>
+                                    <p:set>
+                                      <p:cBhvr>
+                                        <p:cTn id="42" dur="1" fill="hold">
+                                          <p:stCondLst>
+                                            <p:cond delay="0"/>
+                                          </p:stCondLst>
+                                        </p:cTn>
+                                        <p:tgtEl>
+                                          <p:spTgt spid="3">
+                                            <p:txEl>
+                                              <p:pRg st="6" end="6"/>
+                                            </p:txEl>
+                                          </p:spTgt>
+                                        </p:tgtEl>
+                                        <p:attrNameLst>
+                                          <p:attrName>style.visibility</p:attrName>
+                                        </p:attrNameLst>
+                                      </p:cBhvr>
+                                      <p:to>
+                                        <p:strVal val="visible"/>
+                                      </p:to>
+                                    </p:set>
+                                    <p:animEffect transition="in" filter="fade">
+                                      <p:cBhvr>
+                                        <p:cTn id="43" dur="700"/>
+                                        <p:tgtEl>
+                                          <p:spTgt spid="3">
+                                            <p:txEl>
+                                              <p:pRg st="6" end="6"/>
+                                            </p:txEl>
+                                          </p:spTgt>
+                                        </p:tgtEl>
+                                      </p:cBhvr>
+                                    </p:animEffect>
+                                  </p:childTnLst>
+                                </p:cTn>
+                              </p:par>
+                              <p:par>
+                                <p:cTn id="44" presetID="10" presetClass="entr" presetSubtype="0" fill="hold" grpId="0" nodeType="withEffect">
+                                  <p:stCondLst>
+                                    <p:cond delay="1500"/>
+                                  </p:stCondLst>
+                                  <p:iterate>
+                                    <p:tmPct val="10000"/>
+                                  </p:iterate>
+                                  <p:childTnLst>
+                                    <p:set>
+                                      <p:cBhvr>
+                                        <p:cTn id="45" dur="1" fill="hold">
+                                          <p:stCondLst>
+                                            <p:cond delay="0"/>
+                                          </p:stCondLst>
+                                        </p:cTn>
+                                        <p:tgtEl>
+                                          <p:spTgt spid="3">
+                                            <p:txEl>
+                                              <p:pRg st="7" end="7"/>
+                                            </p:txEl>
+                                          </p:spTgt>
+                                        </p:tgtEl>
+                                        <p:attrNameLst>
+                                          <p:attrName>style.visibility</p:attrName>
+                                        </p:attrNameLst>
+                                      </p:cBhvr>
+                                      <p:to>
+                                        <p:strVal val="visible"/>
+                                      </p:to>
+                                    </p:set>
+                                    <p:animEffect transition="in" filter="fade">
+                                      <p:cBhvr>
+                                        <p:cTn id="46" dur="700"/>
+                                        <p:tgtEl>
+                                          <p:spTgt spid="3">
+                                            <p:txEl>
+                                              <p:pRg st="7" end="7"/>
+                                            </p:txEl>
+                                          </p:spTgt>
+                                        </p:tgtEl>
+                                      </p:cBhvr>
+                                    </p:animEffect>
+                                  </p:childTnLst>
+                                </p:cTn>
+                              </p:par>
+                            </p:childTnLst>
+                          </p:cTn>
+                        </p:par>
+                      </p:childTnLst>
+                    </p:cTn>
+                  </p:par>
+                </p:childTnLst>
+              </p:cTn>
+              <p:prevCondLst>
+                <p:cond evt="onPrev" delay="0">
+                  <p:tgtEl>
+                    <p:sldTgt/>
+                  </p:tgtEl>
+                </p:cond>
+              </p:prevCondLst>
+              <p:nextCondLst>
+                <p:cond evt="onNext" delay="0">
+                  <p:tgtEl>
+                    <p:sldTgt/>
+                  </p:tgtEl>
+                </p:cond>
+              </p:nextCondLst>
+            </p:seq>
+          </p:childTnLst>
+        </p:cTn>
+      </p:par>
+    </p:tnLst>
+    <p:bldLst>
+      <p:bldP spid="2" grpId="0"/>
+      <p:bldP spid="5" grpId="0" build="p"/>
+      <p:bldP spid="3" grpId="0" build="p"/>
     </p:bldLst>
   </p:timing>
 </p:sld>

--- a/prezentaceops.pptx
+++ b/prezentaceops.pptx
@@ -255,7 +255,7 @@
           <a:p>
             <a:fld id="{02AC24A9-CCB6-4F8D-B8DB-C2F3692CFA5A}" type="datetimeFigureOut">
               <a:rPr lang="en-US" smtClean="0"/>
-              <a:t>3/11/2024</a:t>
+              <a:t>4/18/2024</a:t>
             </a:fld>
             <a:endParaRPr lang="en-US" dirty="0"/>
           </a:p>
@@ -542,7 +542,7 @@
           <a:p>
             <a:fld id="{02AC24A9-CCB6-4F8D-B8DB-C2F3692CFA5A}" type="datetimeFigureOut">
               <a:rPr lang="en-US" smtClean="0"/>
-              <a:t>3/11/2024</a:t>
+              <a:t>4/18/2024</a:t>
             </a:fld>
             <a:endParaRPr lang="en-US"/>
           </a:p>
@@ -734,7 +734,7 @@
           <a:p>
             <a:fld id="{02AC24A9-CCB6-4F8D-B8DB-C2F3692CFA5A}" type="datetimeFigureOut">
               <a:rPr lang="en-US" smtClean="0"/>
-              <a:t>3/11/2024</a:t>
+              <a:t>4/18/2024</a:t>
             </a:fld>
             <a:endParaRPr lang="en-US"/>
           </a:p>
@@ -995,7 +995,7 @@
           <a:p>
             <a:fld id="{02AC24A9-CCB6-4F8D-B8DB-C2F3692CFA5A}" type="datetimeFigureOut">
               <a:rPr lang="en-US" smtClean="0"/>
-              <a:t>3/11/2024</a:t>
+              <a:t>4/18/2024</a:t>
             </a:fld>
             <a:endParaRPr lang="en-US"/>
           </a:p>
@@ -1419,7 +1419,7 @@
           <a:p>
             <a:fld id="{02AC24A9-CCB6-4F8D-B8DB-C2F3692CFA5A}" type="datetimeFigureOut">
               <a:rPr lang="en-US" smtClean="0"/>
-              <a:t>3/11/2024</a:t>
+              <a:t>4/18/2024</a:t>
             </a:fld>
             <a:endParaRPr lang="en-US"/>
           </a:p>
@@ -1965,7 +1965,7 @@
           <a:p>
             <a:fld id="{02AC24A9-CCB6-4F8D-B8DB-C2F3692CFA5A}" type="datetimeFigureOut">
               <a:rPr lang="en-US" smtClean="0"/>
-              <a:t>3/11/2024</a:t>
+              <a:t>4/18/2024</a:t>
             </a:fld>
             <a:endParaRPr lang="en-US"/>
           </a:p>
@@ -2805,7 +2805,7 @@
           <a:p>
             <a:fld id="{02AC24A9-CCB6-4F8D-B8DB-C2F3692CFA5A}" type="datetimeFigureOut">
               <a:rPr lang="en-US" smtClean="0"/>
-              <a:t>3/11/2024</a:t>
+              <a:t>4/18/2024</a:t>
             </a:fld>
             <a:endParaRPr lang="en-US"/>
           </a:p>
@@ -2975,7 +2975,7 @@
           <a:p>
             <a:fld id="{02AC24A9-CCB6-4F8D-B8DB-C2F3692CFA5A}" type="datetimeFigureOut">
               <a:rPr lang="en-US" smtClean="0"/>
-              <a:t>3/11/2024</a:t>
+              <a:t>4/18/2024</a:t>
             </a:fld>
             <a:endParaRPr lang="en-US"/>
           </a:p>
@@ -3159,7 +3159,7 @@
           <a:p>
             <a:fld id="{02AC24A9-CCB6-4F8D-B8DB-C2F3692CFA5A}" type="datetimeFigureOut">
               <a:rPr lang="en-US" smtClean="0"/>
-              <a:t>3/11/2024</a:t>
+              <a:t>4/18/2024</a:t>
             </a:fld>
             <a:endParaRPr lang="en-US"/>
           </a:p>
@@ -3329,7 +3329,7 @@
           <a:p>
             <a:fld id="{02AC24A9-CCB6-4F8D-B8DB-C2F3692CFA5A}" type="datetimeFigureOut">
               <a:rPr lang="en-US" smtClean="0"/>
-              <a:t>3/11/2024</a:t>
+              <a:t>4/18/2024</a:t>
             </a:fld>
             <a:endParaRPr lang="en-US"/>
           </a:p>
@@ -3577,7 +3577,7 @@
           <a:p>
             <a:fld id="{02AC24A9-CCB6-4F8D-B8DB-C2F3692CFA5A}" type="datetimeFigureOut">
               <a:rPr lang="en-US" smtClean="0"/>
-              <a:t>3/11/2024</a:t>
+              <a:t>4/18/2024</a:t>
             </a:fld>
             <a:endParaRPr lang="en-US"/>
           </a:p>
@@ -3814,7 +3814,7 @@
           <a:p>
             <a:fld id="{02AC24A9-CCB6-4F8D-B8DB-C2F3692CFA5A}" type="datetimeFigureOut">
               <a:rPr lang="en-US" smtClean="0"/>
-              <a:t>3/11/2024</a:t>
+              <a:t>4/18/2024</a:t>
             </a:fld>
             <a:endParaRPr lang="en-US"/>
           </a:p>
@@ -4187,7 +4187,7 @@
           <a:p>
             <a:fld id="{02AC24A9-CCB6-4F8D-B8DB-C2F3692CFA5A}" type="datetimeFigureOut">
               <a:rPr lang="en-US" smtClean="0"/>
-              <a:t>3/11/2024</a:t>
+              <a:t>4/18/2024</a:t>
             </a:fld>
             <a:endParaRPr lang="en-US"/>
           </a:p>
@@ -4305,7 +4305,7 @@
           <a:p>
             <a:fld id="{02AC24A9-CCB6-4F8D-B8DB-C2F3692CFA5A}" type="datetimeFigureOut">
               <a:rPr lang="en-US" smtClean="0"/>
-              <a:t>3/11/2024</a:t>
+              <a:t>4/18/2024</a:t>
             </a:fld>
             <a:endParaRPr lang="en-US"/>
           </a:p>
@@ -4400,7 +4400,7 @@
           <a:p>
             <a:fld id="{02AC24A9-CCB6-4F8D-B8DB-C2F3692CFA5A}" type="datetimeFigureOut">
               <a:rPr lang="en-US" smtClean="0"/>
-              <a:t>3/11/2024</a:t>
+              <a:t>4/18/2024</a:t>
             </a:fld>
             <a:endParaRPr lang="en-US"/>
           </a:p>
@@ -4651,7 +4651,7 @@
           <a:p>
             <a:fld id="{02AC24A9-CCB6-4F8D-B8DB-C2F3692CFA5A}" type="datetimeFigureOut">
               <a:rPr lang="en-US" smtClean="0"/>
-              <a:t>3/11/2024</a:t>
+              <a:t>4/18/2024</a:t>
             </a:fld>
             <a:endParaRPr lang="en-US" dirty="0"/>
           </a:p>
@@ -4938,7 +4938,7 @@
           <a:p>
             <a:fld id="{02AC24A9-CCB6-4F8D-B8DB-C2F3692CFA5A}" type="datetimeFigureOut">
               <a:rPr lang="en-US" smtClean="0"/>
-              <a:t>3/11/2024</a:t>
+              <a:t>4/18/2024</a:t>
             </a:fld>
             <a:endParaRPr lang="en-US"/>
           </a:p>
@@ -5151,7 +5151,7 @@
           <a:p>
             <a:fld id="{02AC24A9-CCB6-4F8D-B8DB-C2F3692CFA5A}" type="datetimeFigureOut">
               <a:rPr lang="en-US" smtClean="0"/>
-              <a:t>3/11/2024</a:t>
+              <a:t>4/18/2024</a:t>
             </a:fld>
             <a:endParaRPr lang="en-US"/>
           </a:p>
@@ -5764,7 +5764,7 @@
             </a:pPr>
             <a:r>
               <a:rPr lang="cs-CZ" sz="2800" dirty="0"/>
-              <a:t>Gráf Holasová Jirkal</a:t>
+              <a:t>Gráf Holasová</a:t>
             </a:r>
           </a:p>
         </p:txBody>
@@ -6787,7 +6787,7 @@
             </a:pPr>
             <a:r>
               <a:rPr lang="cs-CZ" sz="2000" dirty="0"/>
-              <a:t>Dražší a díky detailnější inspekci pomalejší než přepínač vrstvy 2</a:t>
+              <a:t>Dražší a díky detailnější inspekci potenciálně pomalejší než přepínač vrstvy 2</a:t>
             </a:r>
           </a:p>
           <a:p>
@@ -6813,837 +6813,18 @@
   <p:clrMapOvr>
     <a:masterClrMapping/>
   </p:clrMapOvr>
-  <p:timing>
-    <p:tnLst>
-      <p:par>
-        <p:cTn id="1" dur="indefinite" restart="never" nodeType="tmRoot">
-          <p:childTnLst>
-            <p:seq concurrent="1" nextAc="seek">
-              <p:cTn id="2" dur="indefinite" nodeType="mainSeq">
-                <p:childTnLst>
-                  <p:par>
-                    <p:cTn id="3" fill="hold">
-                      <p:stCondLst>
-                        <p:cond delay="indefinite"/>
-                        <p:cond evt="onBegin" delay="0">
-                          <p:tn val="2"/>
-                        </p:cond>
-                      </p:stCondLst>
-                      <p:childTnLst>
-                        <p:par>
-                          <p:cTn id="4" fill="hold">
-                            <p:stCondLst>
-                              <p:cond delay="0"/>
-                            </p:stCondLst>
-                            <p:childTnLst>
-                              <p:par>
-                                <p:cTn id="5" presetID="10" presetClass="entr" presetSubtype="0" fill="hold" grpId="0" nodeType="withEffect">
-                                  <p:stCondLst>
-                                    <p:cond delay="1000"/>
-                                  </p:stCondLst>
-                                  <p:iterate>
-                                    <p:tmPct val="10000"/>
-                                  </p:iterate>
-                                  <p:childTnLst>
-                                    <p:set>
-                                      <p:cBhvr>
-                                        <p:cTn id="6" dur="1" fill="hold">
-                                          <p:stCondLst>
-                                            <p:cond delay="0"/>
-                                          </p:stCondLst>
-                                        </p:cTn>
-                                        <p:tgtEl>
-                                          <p:spTgt spid="2"/>
-                                        </p:tgtEl>
-                                        <p:attrNameLst>
-                                          <p:attrName>style.visibility</p:attrName>
-                                        </p:attrNameLst>
-                                      </p:cBhvr>
-                                      <p:to>
-                                        <p:strVal val="visible"/>
-                                      </p:to>
-                                    </p:set>
-                                    <p:animEffect transition="in" filter="fade">
-                                      <p:cBhvr>
-                                        <p:cTn id="7" dur="700"/>
-                                        <p:tgtEl>
-                                          <p:spTgt spid="2"/>
-                                        </p:tgtEl>
-                                      </p:cBhvr>
-                                    </p:animEffect>
-                                  </p:childTnLst>
-                                </p:cTn>
-                              </p:par>
-                              <p:par>
-                                <p:cTn id="8" presetID="10" presetClass="entr" presetSubtype="0" fill="hold" grpId="0" nodeType="withEffect" nodePh="1">
-                                  <p:stCondLst>
-                                    <p:cond delay="1500"/>
-                                  </p:stCondLst>
-                                  <p:endCondLst>
-                                    <p:cond evt="begin" delay="0">
-                                      <p:tn val="8"/>
-                                    </p:cond>
-                                  </p:endCondLst>
-                                  <p:iterate>
-                                    <p:tmPct val="10000"/>
-                                  </p:iterate>
-                                  <p:childTnLst>
-                                    <p:set>
-                                      <p:cBhvr>
-                                        <p:cTn id="9" dur="1" fill="hold">
-                                          <p:stCondLst>
-                                            <p:cond delay="0"/>
-                                          </p:stCondLst>
-                                        </p:cTn>
-                                        <p:tgtEl>
-                                          <p:spTgt spid="5">
-                                            <p:txEl>
-                                              <p:pRg st="0" end="0"/>
-                                            </p:txEl>
-                                          </p:spTgt>
-                                        </p:tgtEl>
-                                        <p:attrNameLst>
-                                          <p:attrName>style.visibility</p:attrName>
-                                        </p:attrNameLst>
-                                      </p:cBhvr>
-                                      <p:to>
-                                        <p:strVal val="visible"/>
-                                      </p:to>
-                                    </p:set>
-                                    <p:animEffect transition="in" filter="fade">
-                                      <p:cBhvr>
-                                        <p:cTn id="10" dur="700"/>
-                                        <p:tgtEl>
-                                          <p:spTgt spid="5">
-                                            <p:txEl>
-                                              <p:pRg st="0" end="0"/>
-                                            </p:txEl>
-                                          </p:spTgt>
-                                        </p:tgtEl>
-                                      </p:cBhvr>
-                                    </p:animEffect>
-                                  </p:childTnLst>
-                                </p:cTn>
-                              </p:par>
-                              <p:par>
-                                <p:cTn id="11" presetID="10" presetClass="entr" presetSubtype="0" fill="hold" grpId="0" nodeType="withEffect">
-                                  <p:stCondLst>
-                                    <p:cond delay="1500"/>
-                                  </p:stCondLst>
-                                  <p:iterate>
-                                    <p:tmPct val="10000"/>
-                                  </p:iterate>
-                                  <p:childTnLst>
-                                    <p:set>
-                                      <p:cBhvr>
-                                        <p:cTn id="12" dur="1" fill="hold">
-                                          <p:stCondLst>
-                                            <p:cond delay="0"/>
-                                          </p:stCondLst>
-                                        </p:cTn>
-                                        <p:tgtEl>
-                                          <p:spTgt spid="3">
-                                            <p:txEl>
-                                              <p:pRg st="0" end="0"/>
-                                            </p:txEl>
-                                          </p:spTgt>
-                                        </p:tgtEl>
-                                        <p:attrNameLst>
-                                          <p:attrName>style.visibility</p:attrName>
-                                        </p:attrNameLst>
-                                      </p:cBhvr>
-                                      <p:to>
-                                        <p:strVal val="visible"/>
-                                      </p:to>
-                                    </p:set>
-                                    <p:animEffect transition="in" filter="fade">
-                                      <p:cBhvr>
-                                        <p:cTn id="13" dur="700"/>
-                                        <p:tgtEl>
-                                          <p:spTgt spid="3">
-                                            <p:txEl>
-                                              <p:pRg st="0" end="0"/>
-                                            </p:txEl>
-                                          </p:spTgt>
-                                        </p:tgtEl>
-                                      </p:cBhvr>
-                                    </p:animEffect>
-                                  </p:childTnLst>
-                                </p:cTn>
-                              </p:par>
-                            </p:childTnLst>
-                          </p:cTn>
-                        </p:par>
-                      </p:childTnLst>
-                    </p:cTn>
-                  </p:par>
-                  <p:par>
-                    <p:cTn id="14" fill="hold">
-                      <p:stCondLst>
-                        <p:cond delay="indefinite"/>
-                      </p:stCondLst>
-                      <p:childTnLst>
-                        <p:par>
-                          <p:cTn id="15" fill="hold">
-                            <p:stCondLst>
-                              <p:cond delay="0"/>
-                            </p:stCondLst>
-                            <p:childTnLst>
-                              <p:par>
-                                <p:cTn id="16" presetID="10" presetClass="entr" presetSubtype="0" fill="hold" grpId="0" nodeType="clickEffect">
-                                  <p:stCondLst>
-                                    <p:cond delay="1500"/>
-                                  </p:stCondLst>
-                                  <p:iterate>
-                                    <p:tmPct val="10000"/>
-                                  </p:iterate>
-                                  <p:childTnLst>
-                                    <p:set>
-                                      <p:cBhvr>
-                                        <p:cTn id="17" dur="1" fill="hold">
-                                          <p:stCondLst>
-                                            <p:cond delay="0"/>
-                                          </p:stCondLst>
-                                        </p:cTn>
-                                        <p:tgtEl>
-                                          <p:spTgt spid="3">
-                                            <p:txEl>
-                                              <p:pRg st="1" end="1"/>
-                                            </p:txEl>
-                                          </p:spTgt>
-                                        </p:tgtEl>
-                                        <p:attrNameLst>
-                                          <p:attrName>style.visibility</p:attrName>
-                                        </p:attrNameLst>
-                                      </p:cBhvr>
-                                      <p:to>
-                                        <p:strVal val="visible"/>
-                                      </p:to>
-                                    </p:set>
-                                    <p:animEffect transition="in" filter="fade">
-                                      <p:cBhvr>
-                                        <p:cTn id="18" dur="700"/>
-                                        <p:tgtEl>
-                                          <p:spTgt spid="3">
-                                            <p:txEl>
-                                              <p:pRg st="1" end="1"/>
-                                            </p:txEl>
-                                          </p:spTgt>
-                                        </p:tgtEl>
-                                      </p:cBhvr>
-                                    </p:animEffect>
-                                  </p:childTnLst>
-                                </p:cTn>
-                              </p:par>
-                            </p:childTnLst>
-                          </p:cTn>
-                        </p:par>
-                      </p:childTnLst>
-                    </p:cTn>
-                  </p:par>
-                  <p:par>
-                    <p:cTn id="19" fill="hold">
-                      <p:stCondLst>
-                        <p:cond delay="indefinite"/>
-                      </p:stCondLst>
-                      <p:childTnLst>
-                        <p:par>
-                          <p:cTn id="20" fill="hold">
-                            <p:stCondLst>
-                              <p:cond delay="0"/>
-                            </p:stCondLst>
-                            <p:childTnLst>
-                              <p:par>
-                                <p:cTn id="21" presetID="10" presetClass="entr" presetSubtype="0" fill="hold" grpId="0" nodeType="clickEffect">
-                                  <p:stCondLst>
-                                    <p:cond delay="1500"/>
-                                  </p:stCondLst>
-                                  <p:iterate>
-                                    <p:tmPct val="10000"/>
-                                  </p:iterate>
-                                  <p:childTnLst>
-                                    <p:set>
-                                      <p:cBhvr>
-                                        <p:cTn id="22" dur="1" fill="hold">
-                                          <p:stCondLst>
-                                            <p:cond delay="0"/>
-                                          </p:stCondLst>
-                                        </p:cTn>
-                                        <p:tgtEl>
-                                          <p:spTgt spid="3">
-                                            <p:txEl>
-                                              <p:pRg st="2" end="2"/>
-                                            </p:txEl>
-                                          </p:spTgt>
-                                        </p:tgtEl>
-                                        <p:attrNameLst>
-                                          <p:attrName>style.visibility</p:attrName>
-                                        </p:attrNameLst>
-                                      </p:cBhvr>
-                                      <p:to>
-                                        <p:strVal val="visible"/>
-                                      </p:to>
-                                    </p:set>
-                                    <p:animEffect transition="in" filter="fade">
-                                      <p:cBhvr>
-                                        <p:cTn id="23" dur="700"/>
-                                        <p:tgtEl>
-                                          <p:spTgt spid="3">
-                                            <p:txEl>
-                                              <p:pRg st="2" end="2"/>
-                                            </p:txEl>
-                                          </p:spTgt>
-                                        </p:tgtEl>
-                                      </p:cBhvr>
-                                    </p:animEffect>
-                                  </p:childTnLst>
-                                </p:cTn>
-                              </p:par>
-                            </p:childTnLst>
-                          </p:cTn>
-                        </p:par>
-                      </p:childTnLst>
-                    </p:cTn>
-                  </p:par>
-                  <p:par>
-                    <p:cTn id="24" fill="hold">
-                      <p:stCondLst>
-                        <p:cond delay="indefinite"/>
-                      </p:stCondLst>
-                      <p:childTnLst>
-                        <p:par>
-                          <p:cTn id="25" fill="hold">
-                            <p:stCondLst>
-                              <p:cond delay="0"/>
-                            </p:stCondLst>
-                            <p:childTnLst>
-                              <p:par>
-                                <p:cTn id="26" presetID="10" presetClass="entr" presetSubtype="0" fill="hold" grpId="0" nodeType="clickEffect">
-                                  <p:stCondLst>
-                                    <p:cond delay="1500"/>
-                                  </p:stCondLst>
-                                  <p:iterate>
-                                    <p:tmPct val="10000"/>
-                                  </p:iterate>
-                                  <p:childTnLst>
-                                    <p:set>
-                                      <p:cBhvr>
-                                        <p:cTn id="27" dur="1" fill="hold">
-                                          <p:stCondLst>
-                                            <p:cond delay="0"/>
-                                          </p:stCondLst>
-                                        </p:cTn>
-                                        <p:tgtEl>
-                                          <p:spTgt spid="3">
-                                            <p:txEl>
-                                              <p:pRg st="3" end="3"/>
-                                            </p:txEl>
-                                          </p:spTgt>
-                                        </p:tgtEl>
-                                        <p:attrNameLst>
-                                          <p:attrName>style.visibility</p:attrName>
-                                        </p:attrNameLst>
-                                      </p:cBhvr>
-                                      <p:to>
-                                        <p:strVal val="visible"/>
-                                      </p:to>
-                                    </p:set>
-                                    <p:animEffect transition="in" filter="fade">
-                                      <p:cBhvr>
-                                        <p:cTn id="28" dur="700"/>
-                                        <p:tgtEl>
-                                          <p:spTgt spid="3">
-                                            <p:txEl>
-                                              <p:pRg st="3" end="3"/>
-                                            </p:txEl>
-                                          </p:spTgt>
-                                        </p:tgtEl>
-                                      </p:cBhvr>
-                                    </p:animEffect>
-                                  </p:childTnLst>
-                                </p:cTn>
-                              </p:par>
-                            </p:childTnLst>
-                          </p:cTn>
-                        </p:par>
-                      </p:childTnLst>
-                    </p:cTn>
-                  </p:par>
-                  <p:par>
-                    <p:cTn id="29" fill="hold">
-                      <p:stCondLst>
-                        <p:cond delay="indefinite"/>
-                      </p:stCondLst>
-                      <p:childTnLst>
-                        <p:par>
-                          <p:cTn id="30" fill="hold">
-                            <p:stCondLst>
-                              <p:cond delay="0"/>
-                            </p:stCondLst>
-                            <p:childTnLst>
-                              <p:par>
-                                <p:cTn id="31" presetID="10" presetClass="entr" presetSubtype="0" fill="hold" grpId="0" nodeType="clickEffect">
-                                  <p:stCondLst>
-                                    <p:cond delay="1500"/>
-                                  </p:stCondLst>
-                                  <p:iterate>
-                                    <p:tmPct val="10000"/>
-                                  </p:iterate>
-                                  <p:childTnLst>
-                                    <p:set>
-                                      <p:cBhvr>
-                                        <p:cTn id="32" dur="1" fill="hold">
-                                          <p:stCondLst>
-                                            <p:cond delay="0"/>
-                                          </p:stCondLst>
-                                        </p:cTn>
-                                        <p:tgtEl>
-                                          <p:spTgt spid="3">
-                                            <p:txEl>
-                                              <p:pRg st="4" end="4"/>
-                                            </p:txEl>
-                                          </p:spTgt>
-                                        </p:tgtEl>
-                                        <p:attrNameLst>
-                                          <p:attrName>style.visibility</p:attrName>
-                                        </p:attrNameLst>
-                                      </p:cBhvr>
-                                      <p:to>
-                                        <p:strVal val="visible"/>
-                                      </p:to>
-                                    </p:set>
-                                    <p:animEffect transition="in" filter="fade">
-                                      <p:cBhvr>
-                                        <p:cTn id="33" dur="700"/>
-                                        <p:tgtEl>
-                                          <p:spTgt spid="3">
-                                            <p:txEl>
-                                              <p:pRg st="4" end="4"/>
-                                            </p:txEl>
-                                          </p:spTgt>
-                                        </p:tgtEl>
-                                      </p:cBhvr>
-                                    </p:animEffect>
-                                  </p:childTnLst>
-                                </p:cTn>
-                              </p:par>
-                            </p:childTnLst>
-                          </p:cTn>
-                        </p:par>
-                      </p:childTnLst>
-                    </p:cTn>
-                  </p:par>
-                  <p:par>
-                    <p:cTn id="34" fill="hold">
-                      <p:stCondLst>
-                        <p:cond delay="indefinite"/>
-                      </p:stCondLst>
-                      <p:childTnLst>
-                        <p:par>
-                          <p:cTn id="35" fill="hold">
-                            <p:stCondLst>
-                              <p:cond delay="0"/>
-                            </p:stCondLst>
-                            <p:childTnLst>
-                              <p:par>
-                                <p:cTn id="36" presetID="10" presetClass="entr" presetSubtype="0" fill="hold" grpId="0" nodeType="clickEffect">
-                                  <p:stCondLst>
-                                    <p:cond delay="1500"/>
-                                  </p:stCondLst>
-                                  <p:iterate>
-                                    <p:tmPct val="10000"/>
-                                  </p:iterate>
-                                  <p:childTnLst>
-                                    <p:set>
-                                      <p:cBhvr>
-                                        <p:cTn id="37" dur="1" fill="hold">
-                                          <p:stCondLst>
-                                            <p:cond delay="0"/>
-                                          </p:stCondLst>
-                                        </p:cTn>
-                                        <p:tgtEl>
-                                          <p:spTgt spid="3">
-                                            <p:txEl>
-                                              <p:pRg st="6" end="6"/>
-                                            </p:txEl>
-                                          </p:spTgt>
-                                        </p:tgtEl>
-                                        <p:attrNameLst>
-                                          <p:attrName>style.visibility</p:attrName>
-                                        </p:attrNameLst>
-                                      </p:cBhvr>
-                                      <p:to>
-                                        <p:strVal val="visible"/>
-                                      </p:to>
-                                    </p:set>
-                                    <p:animEffect transition="in" filter="fade">
-                                      <p:cBhvr>
-                                        <p:cTn id="38" dur="700"/>
-                                        <p:tgtEl>
-                                          <p:spTgt spid="3">
-                                            <p:txEl>
-                                              <p:pRg st="6" end="6"/>
-                                            </p:txEl>
-                                          </p:spTgt>
-                                        </p:tgtEl>
-                                      </p:cBhvr>
-                                    </p:animEffect>
-                                  </p:childTnLst>
-                                </p:cTn>
-                              </p:par>
-                            </p:childTnLst>
-                          </p:cTn>
-                        </p:par>
-                      </p:childTnLst>
-                    </p:cTn>
-                  </p:par>
-                  <p:par>
-                    <p:cTn id="39" fill="hold">
-                      <p:stCondLst>
-                        <p:cond delay="indefinite"/>
-                      </p:stCondLst>
-                      <p:childTnLst>
-                        <p:par>
-                          <p:cTn id="40" fill="hold">
-                            <p:stCondLst>
-                              <p:cond delay="0"/>
-                            </p:stCondLst>
-                            <p:childTnLst>
-                              <p:par>
-                                <p:cTn id="41" presetID="10" presetClass="entr" presetSubtype="0" fill="hold" grpId="0" nodeType="clickEffect">
-                                  <p:stCondLst>
-                                    <p:cond delay="1500"/>
-                                  </p:stCondLst>
-                                  <p:iterate>
-                                    <p:tmPct val="10000"/>
-                                  </p:iterate>
-                                  <p:childTnLst>
-                                    <p:set>
-                                      <p:cBhvr>
-                                        <p:cTn id="42" dur="1" fill="hold">
-                                          <p:stCondLst>
-                                            <p:cond delay="0"/>
-                                          </p:stCondLst>
-                                        </p:cTn>
-                                        <p:tgtEl>
-                                          <p:spTgt spid="3">
-                                            <p:txEl>
-                                              <p:pRg st="7" end="7"/>
-                                            </p:txEl>
-                                          </p:spTgt>
-                                        </p:tgtEl>
-                                        <p:attrNameLst>
-                                          <p:attrName>style.visibility</p:attrName>
-                                        </p:attrNameLst>
-                                      </p:cBhvr>
-                                      <p:to>
-                                        <p:strVal val="visible"/>
-                                      </p:to>
-                                    </p:set>
-                                    <p:animEffect transition="in" filter="fade">
-                                      <p:cBhvr>
-                                        <p:cTn id="43" dur="700"/>
-                                        <p:tgtEl>
-                                          <p:spTgt spid="3">
-                                            <p:txEl>
-                                              <p:pRg st="7" end="7"/>
-                                            </p:txEl>
-                                          </p:spTgt>
-                                        </p:tgtEl>
-                                      </p:cBhvr>
-                                    </p:animEffect>
-                                  </p:childTnLst>
-                                </p:cTn>
-                              </p:par>
-                            </p:childTnLst>
-                          </p:cTn>
-                        </p:par>
-                      </p:childTnLst>
-                    </p:cTn>
-                  </p:par>
-                  <p:par>
-                    <p:cTn id="44" fill="hold">
-                      <p:stCondLst>
-                        <p:cond delay="indefinite"/>
-                      </p:stCondLst>
-                      <p:childTnLst>
-                        <p:par>
-                          <p:cTn id="45" fill="hold">
-                            <p:stCondLst>
-                              <p:cond delay="0"/>
-                            </p:stCondLst>
-                            <p:childTnLst>
-                              <p:par>
-                                <p:cTn id="46" presetID="10" presetClass="entr" presetSubtype="0" fill="hold" grpId="0" nodeType="clickEffect">
-                                  <p:stCondLst>
-                                    <p:cond delay="1500"/>
-                                  </p:stCondLst>
-                                  <p:iterate>
-                                    <p:tmPct val="10000"/>
-                                  </p:iterate>
-                                  <p:childTnLst>
-                                    <p:set>
-                                      <p:cBhvr>
-                                        <p:cTn id="47" dur="1" fill="hold">
-                                          <p:stCondLst>
-                                            <p:cond delay="0"/>
-                                          </p:stCondLst>
-                                        </p:cTn>
-                                        <p:tgtEl>
-                                          <p:spTgt spid="3">
-                                            <p:txEl>
-                                              <p:pRg st="8" end="8"/>
-                                            </p:txEl>
-                                          </p:spTgt>
-                                        </p:tgtEl>
-                                        <p:attrNameLst>
-                                          <p:attrName>style.visibility</p:attrName>
-                                        </p:attrNameLst>
-                                      </p:cBhvr>
-                                      <p:to>
-                                        <p:strVal val="visible"/>
-                                      </p:to>
-                                    </p:set>
-                                    <p:animEffect transition="in" filter="fade">
-                                      <p:cBhvr>
-                                        <p:cTn id="48" dur="700"/>
-                                        <p:tgtEl>
-                                          <p:spTgt spid="3">
-                                            <p:txEl>
-                                              <p:pRg st="8" end="8"/>
-                                            </p:txEl>
-                                          </p:spTgt>
-                                        </p:tgtEl>
-                                      </p:cBhvr>
-                                    </p:animEffect>
-                                  </p:childTnLst>
-                                </p:cTn>
-                              </p:par>
-                            </p:childTnLst>
-                          </p:cTn>
-                        </p:par>
-                      </p:childTnLst>
-                    </p:cTn>
-                  </p:par>
-                  <p:par>
-                    <p:cTn id="49" fill="hold">
-                      <p:stCondLst>
-                        <p:cond delay="indefinite"/>
-                      </p:stCondLst>
-                      <p:childTnLst>
-                        <p:par>
-                          <p:cTn id="50" fill="hold">
-                            <p:stCondLst>
-                              <p:cond delay="0"/>
-                            </p:stCondLst>
-                            <p:childTnLst>
-                              <p:par>
-                                <p:cTn id="51" presetID="10" presetClass="entr" presetSubtype="0" fill="hold" grpId="0" nodeType="clickEffect">
-                                  <p:stCondLst>
-                                    <p:cond delay="1500"/>
-                                  </p:stCondLst>
-                                  <p:iterate>
-                                    <p:tmPct val="10000"/>
-                                  </p:iterate>
-                                  <p:childTnLst>
-                                    <p:set>
-                                      <p:cBhvr>
-                                        <p:cTn id="52" dur="1" fill="hold">
-                                          <p:stCondLst>
-                                            <p:cond delay="0"/>
-                                          </p:stCondLst>
-                                        </p:cTn>
-                                        <p:tgtEl>
-                                          <p:spTgt spid="3">
-                                            <p:txEl>
-                                              <p:pRg st="9" end="9"/>
-                                            </p:txEl>
-                                          </p:spTgt>
-                                        </p:tgtEl>
-                                        <p:attrNameLst>
-                                          <p:attrName>style.visibility</p:attrName>
-                                        </p:attrNameLst>
-                                      </p:cBhvr>
-                                      <p:to>
-                                        <p:strVal val="visible"/>
-                                      </p:to>
-                                    </p:set>
-                                    <p:animEffect transition="in" filter="fade">
-                                      <p:cBhvr>
-                                        <p:cTn id="53" dur="700"/>
-                                        <p:tgtEl>
-                                          <p:spTgt spid="3">
-                                            <p:txEl>
-                                              <p:pRg st="9" end="9"/>
-                                            </p:txEl>
-                                          </p:spTgt>
-                                        </p:tgtEl>
-                                      </p:cBhvr>
-                                    </p:animEffect>
-                                  </p:childTnLst>
-                                </p:cTn>
-                              </p:par>
-                            </p:childTnLst>
-                          </p:cTn>
-                        </p:par>
-                      </p:childTnLst>
-                    </p:cTn>
-                  </p:par>
-                  <p:par>
-                    <p:cTn id="54" fill="hold">
-                      <p:stCondLst>
-                        <p:cond delay="indefinite"/>
-                      </p:stCondLst>
-                      <p:childTnLst>
-                        <p:par>
-                          <p:cTn id="55" fill="hold">
-                            <p:stCondLst>
-                              <p:cond delay="0"/>
-                            </p:stCondLst>
-                            <p:childTnLst>
-                              <p:par>
-                                <p:cTn id="56" presetID="10" presetClass="entr" presetSubtype="0" fill="hold" grpId="0" nodeType="clickEffect">
-                                  <p:stCondLst>
-                                    <p:cond delay="1500"/>
-                                  </p:stCondLst>
-                                  <p:iterate>
-                                    <p:tmPct val="10000"/>
-                                  </p:iterate>
-                                  <p:childTnLst>
-                                    <p:set>
-                                      <p:cBhvr>
-                                        <p:cTn id="57" dur="1" fill="hold">
-                                          <p:stCondLst>
-                                            <p:cond delay="0"/>
-                                          </p:stCondLst>
-                                        </p:cTn>
-                                        <p:tgtEl>
-                                          <p:spTgt spid="3">
-                                            <p:txEl>
-                                              <p:pRg st="11" end="11"/>
-                                            </p:txEl>
-                                          </p:spTgt>
-                                        </p:tgtEl>
-                                        <p:attrNameLst>
-                                          <p:attrName>style.visibility</p:attrName>
-                                        </p:attrNameLst>
-                                      </p:cBhvr>
-                                      <p:to>
-                                        <p:strVal val="visible"/>
-                                      </p:to>
-                                    </p:set>
-                                    <p:animEffect transition="in" filter="fade">
-                                      <p:cBhvr>
-                                        <p:cTn id="58" dur="700"/>
-                                        <p:tgtEl>
-                                          <p:spTgt spid="3">
-                                            <p:txEl>
-                                              <p:pRg st="11" end="11"/>
-                                            </p:txEl>
-                                          </p:spTgt>
-                                        </p:tgtEl>
-                                      </p:cBhvr>
-                                    </p:animEffect>
-                                  </p:childTnLst>
-                                </p:cTn>
-                              </p:par>
-                            </p:childTnLst>
-                          </p:cTn>
-                        </p:par>
-                      </p:childTnLst>
-                    </p:cTn>
-                  </p:par>
-                  <p:par>
-                    <p:cTn id="59" fill="hold">
-                      <p:stCondLst>
-                        <p:cond delay="indefinite"/>
-                      </p:stCondLst>
-                      <p:childTnLst>
-                        <p:par>
-                          <p:cTn id="60" fill="hold">
-                            <p:stCondLst>
-                              <p:cond delay="0"/>
-                            </p:stCondLst>
-                            <p:childTnLst>
-                              <p:par>
-                                <p:cTn id="61" presetID="10" presetClass="entr" presetSubtype="0" fill="hold" grpId="0" nodeType="clickEffect">
-                                  <p:stCondLst>
-                                    <p:cond delay="1500"/>
-                                  </p:stCondLst>
-                                  <p:iterate>
-                                    <p:tmPct val="10000"/>
-                                  </p:iterate>
-                                  <p:childTnLst>
-                                    <p:set>
-                                      <p:cBhvr>
-                                        <p:cTn id="62" dur="1" fill="hold">
-                                          <p:stCondLst>
-                                            <p:cond delay="0"/>
-                                          </p:stCondLst>
-                                        </p:cTn>
-                                        <p:tgtEl>
-                                          <p:spTgt spid="3">
-                                            <p:txEl>
-                                              <p:pRg st="12" end="12"/>
-                                            </p:txEl>
-                                          </p:spTgt>
-                                        </p:tgtEl>
-                                        <p:attrNameLst>
-                                          <p:attrName>style.visibility</p:attrName>
-                                        </p:attrNameLst>
-                                      </p:cBhvr>
-                                      <p:to>
-                                        <p:strVal val="visible"/>
-                                      </p:to>
-                                    </p:set>
-                                    <p:animEffect transition="in" filter="fade">
-                                      <p:cBhvr>
-                                        <p:cTn id="63" dur="700"/>
-                                        <p:tgtEl>
-                                          <p:spTgt spid="3">
-                                            <p:txEl>
-                                              <p:pRg st="12" end="12"/>
-                                            </p:txEl>
-                                          </p:spTgt>
-                                        </p:tgtEl>
-                                      </p:cBhvr>
-                                    </p:animEffect>
-                                  </p:childTnLst>
-                                </p:cTn>
-                              </p:par>
-                            </p:childTnLst>
-                          </p:cTn>
-                        </p:par>
-                      </p:childTnLst>
-                    </p:cTn>
-                  </p:par>
-                </p:childTnLst>
-              </p:cTn>
-              <p:prevCondLst>
-                <p:cond evt="onPrev" delay="0">
-                  <p:tgtEl>
-                    <p:sldTgt/>
-                  </p:tgtEl>
-                </p:cond>
-              </p:prevCondLst>
-              <p:nextCondLst>
-                <p:cond evt="onNext" delay="0">
-                  <p:tgtEl>
-                    <p:sldTgt/>
-                  </p:tgtEl>
-                </p:cond>
-              </p:nextCondLst>
-            </p:seq>
-          </p:childTnLst>
-        </p:cTn>
-      </p:par>
-    </p:tnLst>
-    <p:bldLst>
-      <p:bldP spid="2" grpId="0"/>
-      <p:bldP spid="5" grpId="0" build="p"/>
-      <p:bldP spid="3" grpId="0" build="p"/>
-    </p:bldLst>
-  </p:timing>
+  <mc:AlternateContent xmlns:mc="http://schemas.openxmlformats.org/markup-compatibility/2006">
+    <mc:Choice xmlns:p14="http://schemas.microsoft.com/office/powerpoint/2010/main" Requires="p14">
+      <p:transition spd="slow" p14:dur="900">
+        <p14:warp dir="in"/>
+      </p:transition>
+    </mc:Choice>
+    <mc:Fallback>
+      <p:transition spd="slow">
+        <p:fade/>
+      </p:transition>
+    </mc:Fallback>
+  </mc:AlternateContent>
 </p:sld>
 </file>
 
@@ -8241,7 +7422,7 @@
             </a:pPr>
             <a:r>
               <a:rPr lang="cs-CZ" sz="2000" dirty="0"/>
-              <a:t>Děkujeme za pozornost</a:t>
+              <a:t>Díky za pozornost</a:t>
             </a:r>
           </a:p>
           <a:p>
@@ -8319,6 +7500,42 @@
           </a:p>
         </p:txBody>
       </p:sp>
+      <p:pic>
+        <p:nvPicPr>
+          <p:cNvPr id="8" name="Picture 7">
+            <a:extLst>
+              <a:ext uri="{FF2B5EF4-FFF2-40B4-BE49-F238E27FC236}">
+                <a16:creationId xmlns:a16="http://schemas.microsoft.com/office/drawing/2014/main" id="{CDEC9434-FDD7-46FF-949B-A920A8159378}"/>
+              </a:ext>
+            </a:extLst>
+          </p:cNvPr>
+          <p:cNvPicPr>
+            <a:picLocks noChangeAspect="1"/>
+          </p:cNvPicPr>
+          <p:nvPr/>
+        </p:nvPicPr>
+        <p:blipFill>
+          <a:blip r:embed="rId2">
+            <a:extLst>
+              <a:ext uri="{28A0092B-C50C-407E-A947-70E740481C1C}">
+                <a14:useLocalDpi xmlns:a14="http://schemas.microsoft.com/office/drawing/2010/main" val="0"/>
+              </a:ext>
+            </a:extLst>
+          </a:blip>
+          <a:stretch>
+            <a:fillRect/>
+          </a:stretch>
+        </p:blipFill>
+        <p:spPr>
+          <a:xfrm>
+            <a:off x="2341584" y="2043605"/>
+            <a:ext cx="7508827" cy="4452603"/>
+          </a:xfrm>
+          <a:prstGeom prst="rect">
+            <a:avLst/>
+          </a:prstGeom>
+        </p:spPr>
+      </p:pic>
     </p:spTree>
     <p:extLst>
       <p:ext uri="{BB962C8B-B14F-4D97-AF65-F5344CB8AC3E}">
@@ -8329,389 +7546,18 @@
   <p:clrMapOvr>
     <a:masterClrMapping/>
   </p:clrMapOvr>
-  <p:timing>
-    <p:tnLst>
-      <p:par>
-        <p:cTn id="1" dur="indefinite" restart="never" nodeType="tmRoot">
-          <p:childTnLst>
-            <p:seq concurrent="1" nextAc="seek">
-              <p:cTn id="2" dur="indefinite" nodeType="mainSeq">
-                <p:childTnLst>
-                  <p:par>
-                    <p:cTn id="3" fill="hold">
-                      <p:stCondLst>
-                        <p:cond delay="indefinite"/>
-                        <p:cond evt="onBegin" delay="0">
-                          <p:tn val="2"/>
-                        </p:cond>
-                      </p:stCondLst>
-                      <p:childTnLst>
-                        <p:par>
-                          <p:cTn id="4" fill="hold">
-                            <p:stCondLst>
-                              <p:cond delay="0"/>
-                            </p:stCondLst>
-                            <p:childTnLst>
-                              <p:par>
-                                <p:cTn id="5" presetID="10" presetClass="entr" presetSubtype="0" fill="hold" grpId="0" nodeType="withEffect">
-                                  <p:stCondLst>
-                                    <p:cond delay="1000"/>
-                                  </p:stCondLst>
-                                  <p:iterate>
-                                    <p:tmPct val="10000"/>
-                                  </p:iterate>
-                                  <p:childTnLst>
-                                    <p:set>
-                                      <p:cBhvr>
-                                        <p:cTn id="6" dur="1" fill="hold">
-                                          <p:stCondLst>
-                                            <p:cond delay="0"/>
-                                          </p:stCondLst>
-                                        </p:cTn>
-                                        <p:tgtEl>
-                                          <p:spTgt spid="2"/>
-                                        </p:tgtEl>
-                                        <p:attrNameLst>
-                                          <p:attrName>style.visibility</p:attrName>
-                                        </p:attrNameLst>
-                                      </p:cBhvr>
-                                      <p:to>
-                                        <p:strVal val="visible"/>
-                                      </p:to>
-                                    </p:set>
-                                    <p:animEffect transition="in" filter="fade">
-                                      <p:cBhvr>
-                                        <p:cTn id="7" dur="700"/>
-                                        <p:tgtEl>
-                                          <p:spTgt spid="2"/>
-                                        </p:tgtEl>
-                                      </p:cBhvr>
-                                    </p:animEffect>
-                                  </p:childTnLst>
-                                </p:cTn>
-                              </p:par>
-                              <p:par>
-                                <p:cTn id="8" presetID="10" presetClass="entr" presetSubtype="0" fill="hold" grpId="0" nodeType="withEffect" nodePh="1">
-                                  <p:stCondLst>
-                                    <p:cond delay="1500"/>
-                                  </p:stCondLst>
-                                  <p:endCondLst>
-                                    <p:cond evt="begin" delay="0">
-                                      <p:tn val="8"/>
-                                    </p:cond>
-                                  </p:endCondLst>
-                                  <p:iterate>
-                                    <p:tmPct val="10000"/>
-                                  </p:iterate>
-                                  <p:childTnLst>
-                                    <p:set>
-                                      <p:cBhvr>
-                                        <p:cTn id="9" dur="1" fill="hold">
-                                          <p:stCondLst>
-                                            <p:cond delay="0"/>
-                                          </p:stCondLst>
-                                        </p:cTn>
-                                        <p:tgtEl>
-                                          <p:spTgt spid="5">
-                                            <p:txEl>
-                                              <p:pRg st="0" end="0"/>
-                                            </p:txEl>
-                                          </p:spTgt>
-                                        </p:tgtEl>
-                                        <p:attrNameLst>
-                                          <p:attrName>style.visibility</p:attrName>
-                                        </p:attrNameLst>
-                                      </p:cBhvr>
-                                      <p:to>
-                                        <p:strVal val="visible"/>
-                                      </p:to>
-                                    </p:set>
-                                    <p:animEffect transition="in" filter="fade">
-                                      <p:cBhvr>
-                                        <p:cTn id="10" dur="700"/>
-                                        <p:tgtEl>
-                                          <p:spTgt spid="5">
-                                            <p:txEl>
-                                              <p:pRg st="0" end="0"/>
-                                            </p:txEl>
-                                          </p:spTgt>
-                                        </p:tgtEl>
-                                      </p:cBhvr>
-                                    </p:animEffect>
-                                  </p:childTnLst>
-                                </p:cTn>
-                              </p:par>
-                              <p:par>
-                                <p:cTn id="11" presetID="10" presetClass="entr" presetSubtype="0" fill="hold" grpId="0" nodeType="withEffect">
-                                  <p:stCondLst>
-                                    <p:cond delay="1500"/>
-                                  </p:stCondLst>
-                                  <p:iterate>
-                                    <p:tmPct val="10000"/>
-                                  </p:iterate>
-                                  <p:childTnLst>
-                                    <p:set>
-                                      <p:cBhvr>
-                                        <p:cTn id="12" dur="1" fill="hold">
-                                          <p:stCondLst>
-                                            <p:cond delay="0"/>
-                                          </p:stCondLst>
-                                        </p:cTn>
-                                        <p:tgtEl>
-                                          <p:spTgt spid="3">
-                                            <p:txEl>
-                                              <p:pRg st="0" end="0"/>
-                                            </p:txEl>
-                                          </p:spTgt>
-                                        </p:tgtEl>
-                                        <p:attrNameLst>
-                                          <p:attrName>style.visibility</p:attrName>
-                                        </p:attrNameLst>
-                                      </p:cBhvr>
-                                      <p:to>
-                                        <p:strVal val="visible"/>
-                                      </p:to>
-                                    </p:set>
-                                    <p:animEffect transition="in" filter="fade">
-                                      <p:cBhvr>
-                                        <p:cTn id="13" dur="700"/>
-                                        <p:tgtEl>
-                                          <p:spTgt spid="3">
-                                            <p:txEl>
-                                              <p:pRg st="0" end="0"/>
-                                            </p:txEl>
-                                          </p:spTgt>
-                                        </p:tgtEl>
-                                      </p:cBhvr>
-                                    </p:animEffect>
-                                  </p:childTnLst>
-                                </p:cTn>
-                              </p:par>
-                            </p:childTnLst>
-                          </p:cTn>
-                        </p:par>
-                      </p:childTnLst>
-                    </p:cTn>
-                  </p:par>
-                  <p:par>
-                    <p:cTn id="14" fill="hold">
-                      <p:stCondLst>
-                        <p:cond delay="indefinite"/>
-                      </p:stCondLst>
-                      <p:childTnLst>
-                        <p:par>
-                          <p:cTn id="15" fill="hold">
-                            <p:stCondLst>
-                              <p:cond delay="0"/>
-                            </p:stCondLst>
-                            <p:childTnLst>
-                              <p:par>
-                                <p:cTn id="16" presetID="10" presetClass="entr" presetSubtype="0" fill="hold" grpId="0" nodeType="clickEffect">
-                                  <p:stCondLst>
-                                    <p:cond delay="1500"/>
-                                  </p:stCondLst>
-                                  <p:iterate>
-                                    <p:tmPct val="10000"/>
-                                  </p:iterate>
-                                  <p:childTnLst>
-                                    <p:set>
-                                      <p:cBhvr>
-                                        <p:cTn id="17" dur="1" fill="hold">
-                                          <p:stCondLst>
-                                            <p:cond delay="0"/>
-                                          </p:stCondLst>
-                                        </p:cTn>
-                                        <p:tgtEl>
-                                          <p:spTgt spid="3">
-                                            <p:txEl>
-                                              <p:pRg st="6" end="6"/>
-                                            </p:txEl>
-                                          </p:spTgt>
-                                        </p:tgtEl>
-                                        <p:attrNameLst>
-                                          <p:attrName>style.visibility</p:attrName>
-                                        </p:attrNameLst>
-                                      </p:cBhvr>
-                                      <p:to>
-                                        <p:strVal val="visible"/>
-                                      </p:to>
-                                    </p:set>
-                                    <p:animEffect transition="in" filter="fade">
-                                      <p:cBhvr>
-                                        <p:cTn id="18" dur="700"/>
-                                        <p:tgtEl>
-                                          <p:spTgt spid="3">
-                                            <p:txEl>
-                                              <p:pRg st="6" end="6"/>
-                                            </p:txEl>
-                                          </p:spTgt>
-                                        </p:tgtEl>
-                                      </p:cBhvr>
-                                    </p:animEffect>
-                                  </p:childTnLst>
-                                </p:cTn>
-                              </p:par>
-                            </p:childTnLst>
-                          </p:cTn>
-                        </p:par>
-                      </p:childTnLst>
-                    </p:cTn>
-                  </p:par>
-                  <p:par>
-                    <p:cTn id="19" fill="hold">
-                      <p:stCondLst>
-                        <p:cond delay="indefinite"/>
-                      </p:stCondLst>
-                      <p:childTnLst>
-                        <p:par>
-                          <p:cTn id="20" fill="hold">
-                            <p:stCondLst>
-                              <p:cond delay="0"/>
-                            </p:stCondLst>
-                            <p:childTnLst>
-                              <p:par>
-                                <p:cTn id="21" presetID="10" presetClass="entr" presetSubtype="0" fill="hold" grpId="0" nodeType="clickEffect">
-                                  <p:stCondLst>
-                                    <p:cond delay="1500"/>
-                                  </p:stCondLst>
-                                  <p:iterate>
-                                    <p:tmPct val="10000"/>
-                                  </p:iterate>
-                                  <p:childTnLst>
-                                    <p:set>
-                                      <p:cBhvr>
-                                        <p:cTn id="22" dur="1" fill="hold">
-                                          <p:stCondLst>
-                                            <p:cond delay="0"/>
-                                          </p:stCondLst>
-                                        </p:cTn>
-                                        <p:tgtEl>
-                                          <p:spTgt spid="3">
-                                            <p:txEl>
-                                              <p:pRg st="7" end="7"/>
-                                            </p:txEl>
-                                          </p:spTgt>
-                                        </p:tgtEl>
-                                        <p:attrNameLst>
-                                          <p:attrName>style.visibility</p:attrName>
-                                        </p:attrNameLst>
-                                      </p:cBhvr>
-                                      <p:to>
-                                        <p:strVal val="visible"/>
-                                      </p:to>
-                                    </p:set>
-                                    <p:animEffect transition="in" filter="fade">
-                                      <p:cBhvr>
-                                        <p:cTn id="23" dur="700"/>
-                                        <p:tgtEl>
-                                          <p:spTgt spid="3">
-                                            <p:txEl>
-                                              <p:pRg st="7" end="7"/>
-                                            </p:txEl>
-                                          </p:spTgt>
-                                        </p:tgtEl>
-                                      </p:cBhvr>
-                                    </p:animEffect>
-                                  </p:childTnLst>
-                                </p:cTn>
-                              </p:par>
-                            </p:childTnLst>
-                          </p:cTn>
-                        </p:par>
-                      </p:childTnLst>
-                    </p:cTn>
-                  </p:par>
-                  <p:par>
-                    <p:cTn id="24" fill="hold">
-                      <p:stCondLst>
-                        <p:cond delay="indefinite"/>
-                      </p:stCondLst>
-                      <p:childTnLst>
-                        <p:par>
-                          <p:cTn id="25" fill="hold">
-                            <p:stCondLst>
-                              <p:cond delay="0"/>
-                            </p:stCondLst>
-                            <p:childTnLst>
-                              <p:par>
-                                <p:cTn id="26" presetID="10" presetClass="entr" presetSubtype="0" fill="hold" grpId="0" nodeType="clickEffect">
-                                  <p:stCondLst>
-                                    <p:cond delay="1500"/>
-                                  </p:stCondLst>
-                                  <p:iterate>
-                                    <p:tmPct val="10000"/>
-                                  </p:iterate>
-                                  <p:childTnLst>
-                                    <p:set>
-                                      <p:cBhvr>
-                                        <p:cTn id="27" dur="1" fill="hold">
-                                          <p:stCondLst>
-                                            <p:cond delay="0"/>
-                                          </p:stCondLst>
-                                        </p:cTn>
-                                        <p:tgtEl>
-                                          <p:spTgt spid="3">
-                                            <p:txEl>
-                                              <p:pRg st="8" end="8"/>
-                                            </p:txEl>
-                                          </p:spTgt>
-                                        </p:tgtEl>
-                                        <p:attrNameLst>
-                                          <p:attrName>style.visibility</p:attrName>
-                                        </p:attrNameLst>
-                                      </p:cBhvr>
-                                      <p:to>
-                                        <p:strVal val="visible"/>
-                                      </p:to>
-                                    </p:set>
-                                    <p:animEffect transition="in" filter="fade">
-                                      <p:cBhvr>
-                                        <p:cTn id="28" dur="700"/>
-                                        <p:tgtEl>
-                                          <p:spTgt spid="3">
-                                            <p:txEl>
-                                              <p:pRg st="8" end="8"/>
-                                            </p:txEl>
-                                          </p:spTgt>
-                                        </p:tgtEl>
-                                      </p:cBhvr>
-                                    </p:animEffect>
-                                  </p:childTnLst>
-                                </p:cTn>
-                              </p:par>
-                            </p:childTnLst>
-                          </p:cTn>
-                        </p:par>
-                      </p:childTnLst>
-                    </p:cTn>
-                  </p:par>
-                </p:childTnLst>
-              </p:cTn>
-              <p:prevCondLst>
-                <p:cond evt="onPrev" delay="0">
-                  <p:tgtEl>
-                    <p:sldTgt/>
-                  </p:tgtEl>
-                </p:cond>
-              </p:prevCondLst>
-              <p:nextCondLst>
-                <p:cond evt="onNext" delay="0">
-                  <p:tgtEl>
-                    <p:sldTgt/>
-                  </p:tgtEl>
-                </p:cond>
-              </p:nextCondLst>
-            </p:seq>
-          </p:childTnLst>
-        </p:cTn>
-      </p:par>
-    </p:tnLst>
-    <p:bldLst>
-      <p:bldP spid="2" grpId="0"/>
-      <p:bldP spid="5" grpId="0" build="p"/>
-      <p:bldP spid="3" grpId="0" build="p"/>
-    </p:bldLst>
-  </p:timing>
+  <mc:AlternateContent xmlns:mc="http://schemas.openxmlformats.org/markup-compatibility/2006">
+    <mc:Choice xmlns:p14="http://schemas.microsoft.com/office/powerpoint/2010/main" Requires="p14">
+      <p:transition spd="slow" p14:dur="10000">
+        <p14:vortex dir="r"/>
+      </p:transition>
+    </mc:Choice>
+    <mc:Fallback>
+      <p:transition spd="slow">
+        <p:fade/>
+      </p:transition>
+    </mc:Fallback>
+  </mc:AlternateContent>
 </p:sld>
 </file>
 
@@ -10285,273 +9131,18 @@
   <p:clrMapOvr>
     <a:masterClrMapping/>
   </p:clrMapOvr>
-  <p:timing>
-    <p:tnLst>
-      <p:par>
-        <p:cTn id="1" dur="indefinite" restart="never" nodeType="tmRoot">
-          <p:childTnLst>
-            <p:seq concurrent="1" nextAc="seek">
-              <p:cTn id="2" dur="indefinite" nodeType="mainSeq">
-                <p:childTnLst>
-                  <p:par>
-                    <p:cTn id="3" fill="hold">
-                      <p:stCondLst>
-                        <p:cond delay="indefinite"/>
-                        <p:cond evt="onBegin" delay="0">
-                          <p:tn val="2"/>
-                        </p:cond>
-                      </p:stCondLst>
-                      <p:childTnLst>
-                        <p:par>
-                          <p:cTn id="4" fill="hold">
-                            <p:stCondLst>
-                              <p:cond delay="0"/>
-                            </p:stCondLst>
-                            <p:childTnLst>
-                              <p:par>
-                                <p:cTn id="5" presetID="10" presetClass="entr" presetSubtype="0" fill="hold" grpId="0" nodeType="withEffect">
-                                  <p:stCondLst>
-                                    <p:cond delay="1000"/>
-                                  </p:stCondLst>
-                                  <p:iterate>
-                                    <p:tmPct val="10000"/>
-                                  </p:iterate>
-                                  <p:childTnLst>
-                                    <p:set>
-                                      <p:cBhvr>
-                                        <p:cTn id="6" dur="1" fill="hold">
-                                          <p:stCondLst>
-                                            <p:cond delay="0"/>
-                                          </p:stCondLst>
-                                        </p:cTn>
-                                        <p:tgtEl>
-                                          <p:spTgt spid="2"/>
-                                        </p:tgtEl>
-                                        <p:attrNameLst>
-                                          <p:attrName>style.visibility</p:attrName>
-                                        </p:attrNameLst>
-                                      </p:cBhvr>
-                                      <p:to>
-                                        <p:strVal val="visible"/>
-                                      </p:to>
-                                    </p:set>
-                                    <p:animEffect transition="in" filter="fade">
-                                      <p:cBhvr>
-                                        <p:cTn id="7" dur="700"/>
-                                        <p:tgtEl>
-                                          <p:spTgt spid="2"/>
-                                        </p:tgtEl>
-                                      </p:cBhvr>
-                                    </p:animEffect>
-                                  </p:childTnLst>
-                                </p:cTn>
-                              </p:par>
-                              <p:par>
-                                <p:cTn id="8" presetID="10" presetClass="entr" presetSubtype="0" fill="hold" grpId="0" nodeType="withEffect">
-                                  <p:stCondLst>
-                                    <p:cond delay="1500"/>
-                                  </p:stCondLst>
-                                  <p:iterate>
-                                    <p:tmPct val="10000"/>
-                                  </p:iterate>
-                                  <p:childTnLst>
-                                    <p:set>
-                                      <p:cBhvr>
-                                        <p:cTn id="9" dur="1" fill="hold">
-                                          <p:stCondLst>
-                                            <p:cond delay="0"/>
-                                          </p:stCondLst>
-                                        </p:cTn>
-                                        <p:tgtEl>
-                                          <p:spTgt spid="3">
-                                            <p:txEl>
-                                              <p:pRg st="0" end="0"/>
-                                            </p:txEl>
-                                          </p:spTgt>
-                                        </p:tgtEl>
-                                        <p:attrNameLst>
-                                          <p:attrName>style.visibility</p:attrName>
-                                        </p:attrNameLst>
-                                      </p:cBhvr>
-                                      <p:to>
-                                        <p:strVal val="visible"/>
-                                      </p:to>
-                                    </p:set>
-                                    <p:animEffect transition="in" filter="fade">
-                                      <p:cBhvr>
-                                        <p:cTn id="10" dur="700"/>
-                                        <p:tgtEl>
-                                          <p:spTgt spid="3">
-                                            <p:txEl>
-                                              <p:pRg st="0" end="0"/>
-                                            </p:txEl>
-                                          </p:spTgt>
-                                        </p:tgtEl>
-                                      </p:cBhvr>
-                                    </p:animEffect>
-                                  </p:childTnLst>
-                                </p:cTn>
-                              </p:par>
-                            </p:childTnLst>
-                          </p:cTn>
-                        </p:par>
-                      </p:childTnLst>
-                    </p:cTn>
-                  </p:par>
-                  <p:par>
-                    <p:cTn id="11" fill="hold">
-                      <p:stCondLst>
-                        <p:cond delay="indefinite"/>
-                      </p:stCondLst>
-                      <p:childTnLst>
-                        <p:par>
-                          <p:cTn id="12" fill="hold">
-                            <p:stCondLst>
-                              <p:cond delay="0"/>
-                            </p:stCondLst>
-                            <p:childTnLst>
-                              <p:par>
-                                <p:cTn id="13" presetID="10" presetClass="entr" presetSubtype="0" fill="hold" grpId="0" nodeType="clickEffect">
-                                  <p:stCondLst>
-                                    <p:cond delay="1500"/>
-                                  </p:stCondLst>
-                                  <p:iterate>
-                                    <p:tmPct val="10000"/>
-                                  </p:iterate>
-                                  <p:childTnLst>
-                                    <p:set>
-                                      <p:cBhvr>
-                                        <p:cTn id="14" dur="1" fill="hold">
-                                          <p:stCondLst>
-                                            <p:cond delay="0"/>
-                                          </p:stCondLst>
-                                        </p:cTn>
-                                        <p:tgtEl>
-                                          <p:spTgt spid="3">
-                                            <p:txEl>
-                                              <p:pRg st="1" end="1"/>
-                                            </p:txEl>
-                                          </p:spTgt>
-                                        </p:tgtEl>
-                                        <p:attrNameLst>
-                                          <p:attrName>style.visibility</p:attrName>
-                                        </p:attrNameLst>
-                                      </p:cBhvr>
-                                      <p:to>
-                                        <p:strVal val="visible"/>
-                                      </p:to>
-                                    </p:set>
-                                    <p:animEffect transition="in" filter="fade">
-                                      <p:cBhvr>
-                                        <p:cTn id="15" dur="700"/>
-                                        <p:tgtEl>
-                                          <p:spTgt spid="3">
-                                            <p:txEl>
-                                              <p:pRg st="1" end="1"/>
-                                            </p:txEl>
-                                          </p:spTgt>
-                                        </p:tgtEl>
-                                      </p:cBhvr>
-                                    </p:animEffect>
-                                  </p:childTnLst>
-                                </p:cTn>
-                              </p:par>
-                            </p:childTnLst>
-                          </p:cTn>
-                        </p:par>
-                      </p:childTnLst>
-                    </p:cTn>
-                  </p:par>
-                  <p:par>
-                    <p:cTn id="16" fill="hold">
-                      <p:stCondLst>
-                        <p:cond delay="indefinite"/>
-                      </p:stCondLst>
-                      <p:childTnLst>
-                        <p:par>
-                          <p:cTn id="17" fill="hold">
-                            <p:stCondLst>
-                              <p:cond delay="0"/>
-                            </p:stCondLst>
-                            <p:childTnLst>
-                              <p:par>
-                                <p:cTn id="18" presetID="10" presetClass="entr" presetSubtype="0" fill="hold" grpId="0" nodeType="clickEffect">
-                                  <p:stCondLst>
-                                    <p:cond delay="1500"/>
-                                  </p:stCondLst>
-                                  <p:iterate>
-                                    <p:tmPct val="10000"/>
-                                  </p:iterate>
-                                  <p:childTnLst>
-                                    <p:set>
-                                      <p:cBhvr>
-                                        <p:cTn id="19" dur="1" fill="hold">
-                                          <p:stCondLst>
-                                            <p:cond delay="0"/>
-                                          </p:stCondLst>
-                                        </p:cTn>
-                                        <p:tgtEl>
-                                          <p:spTgt spid="3">
-                                            <p:txEl>
-                                              <p:pRg st="2" end="2"/>
-                                            </p:txEl>
-                                          </p:spTgt>
-                                        </p:tgtEl>
-                                        <p:attrNameLst>
-                                          <p:attrName>style.visibility</p:attrName>
-                                        </p:attrNameLst>
-                                      </p:cBhvr>
-                                      <p:to>
-                                        <p:strVal val="visible"/>
-                                      </p:to>
-                                    </p:set>
-                                    <p:animEffect transition="in" filter="fade">
-                                      <p:cBhvr>
-                                        <p:cTn id="20" dur="700"/>
-                                        <p:tgtEl>
-                                          <p:spTgt spid="3">
-                                            <p:txEl>
-                                              <p:pRg st="2" end="2"/>
-                                            </p:txEl>
-                                          </p:spTgt>
-                                        </p:tgtEl>
-                                      </p:cBhvr>
-                                    </p:animEffect>
-                                  </p:childTnLst>
-                                </p:cTn>
-                              </p:par>
-                            </p:childTnLst>
-                          </p:cTn>
-                        </p:par>
-                      </p:childTnLst>
-                    </p:cTn>
-                  </p:par>
-                </p:childTnLst>
-              </p:cTn>
-              <p:prevCondLst>
-                <p:cond evt="onPrev" delay="0">
-                  <p:tgtEl>
-                    <p:sldTgt/>
-                  </p:tgtEl>
-                </p:cond>
-              </p:prevCondLst>
-              <p:nextCondLst>
-                <p:cond evt="onNext" delay="0">
-                  <p:tgtEl>
-                    <p:sldTgt/>
-                  </p:tgtEl>
-                </p:cond>
-              </p:nextCondLst>
-            </p:seq>
-          </p:childTnLst>
-        </p:cTn>
-      </p:par>
-    </p:tnLst>
-    <p:bldLst>
-      <p:bldP spid="2" grpId="0"/>
-      <p:bldP spid="3" grpId="0" build="p"/>
-    </p:bldLst>
-  </p:timing>
+  <mc:AlternateContent xmlns:mc="http://schemas.openxmlformats.org/markup-compatibility/2006">
+    <mc:Choice xmlns:p15="http://schemas.microsoft.com/office/powerpoint/2012/main" Requires="p15">
+      <p:transition xmlns:p14="http://schemas.microsoft.com/office/powerpoint/2010/main" spd="slow" p14:dur="2000">
+        <p15:prstTrans prst="fallOver"/>
+      </p:transition>
+    </mc:Choice>
+    <mc:Fallback>
+      <p:transition spd="slow">
+        <p:fade/>
+      </p:transition>
+    </mc:Fallback>
+  </mc:AlternateContent>
 </p:sld>
 </file>
 
@@ -11088,384 +9679,18 @@
   <p:clrMapOvr>
     <a:masterClrMapping/>
   </p:clrMapOvr>
-  <p:timing>
-    <p:tnLst>
-      <p:par>
-        <p:cTn id="1" dur="indefinite" restart="never" nodeType="tmRoot">
-          <p:childTnLst>
-            <p:seq concurrent="1" nextAc="seek">
-              <p:cTn id="2" dur="indefinite" nodeType="mainSeq">
-                <p:childTnLst>
-                  <p:par>
-                    <p:cTn id="3" fill="hold">
-                      <p:stCondLst>
-                        <p:cond delay="indefinite"/>
-                        <p:cond evt="onBegin" delay="0">
-                          <p:tn val="2"/>
-                        </p:cond>
-                      </p:stCondLst>
-                      <p:childTnLst>
-                        <p:par>
-                          <p:cTn id="4" fill="hold">
-                            <p:stCondLst>
-                              <p:cond delay="0"/>
-                            </p:stCondLst>
-                            <p:childTnLst>
-                              <p:par>
-                                <p:cTn id="5" presetID="10" presetClass="entr" presetSubtype="0" fill="hold" grpId="0" nodeType="withEffect">
-                                  <p:stCondLst>
-                                    <p:cond delay="1000"/>
-                                  </p:stCondLst>
-                                  <p:iterate>
-                                    <p:tmPct val="10000"/>
-                                  </p:iterate>
-                                  <p:childTnLst>
-                                    <p:set>
-                                      <p:cBhvr>
-                                        <p:cTn id="6" dur="1" fill="hold">
-                                          <p:stCondLst>
-                                            <p:cond delay="0"/>
-                                          </p:stCondLst>
-                                        </p:cTn>
-                                        <p:tgtEl>
-                                          <p:spTgt spid="2"/>
-                                        </p:tgtEl>
-                                        <p:attrNameLst>
-                                          <p:attrName>style.visibility</p:attrName>
-                                        </p:attrNameLst>
-                                      </p:cBhvr>
-                                      <p:to>
-                                        <p:strVal val="visible"/>
-                                      </p:to>
-                                    </p:set>
-                                    <p:animEffect transition="in" filter="fade">
-                                      <p:cBhvr>
-                                        <p:cTn id="7" dur="700"/>
-                                        <p:tgtEl>
-                                          <p:spTgt spid="2"/>
-                                        </p:tgtEl>
-                                      </p:cBhvr>
-                                    </p:animEffect>
-                                  </p:childTnLst>
-                                </p:cTn>
-                              </p:par>
-                              <p:par>
-                                <p:cTn id="8" presetID="10" presetClass="entr" presetSubtype="0" fill="hold" grpId="0" nodeType="withEffect">
-                                  <p:stCondLst>
-                                    <p:cond delay="1500"/>
-                                  </p:stCondLst>
-                                  <p:iterate>
-                                    <p:tmPct val="10000"/>
-                                  </p:iterate>
-                                  <p:childTnLst>
-                                    <p:set>
-                                      <p:cBhvr>
-                                        <p:cTn id="9" dur="1" fill="hold">
-                                          <p:stCondLst>
-                                            <p:cond delay="0"/>
-                                          </p:stCondLst>
-                                        </p:cTn>
-                                        <p:tgtEl>
-                                          <p:spTgt spid="3">
-                                            <p:txEl>
-                                              <p:pRg st="0" end="0"/>
-                                            </p:txEl>
-                                          </p:spTgt>
-                                        </p:tgtEl>
-                                        <p:attrNameLst>
-                                          <p:attrName>style.visibility</p:attrName>
-                                        </p:attrNameLst>
-                                      </p:cBhvr>
-                                      <p:to>
-                                        <p:strVal val="visible"/>
-                                      </p:to>
-                                    </p:set>
-                                    <p:animEffect transition="in" filter="fade">
-                                      <p:cBhvr>
-                                        <p:cTn id="10" dur="700"/>
-                                        <p:tgtEl>
-                                          <p:spTgt spid="3">
-                                            <p:txEl>
-                                              <p:pRg st="0" end="0"/>
-                                            </p:txEl>
-                                          </p:spTgt>
-                                        </p:tgtEl>
-                                      </p:cBhvr>
-                                    </p:animEffect>
-                                  </p:childTnLst>
-                                </p:cTn>
-                              </p:par>
-                            </p:childTnLst>
-                          </p:cTn>
-                        </p:par>
-                      </p:childTnLst>
-                    </p:cTn>
-                  </p:par>
-                  <p:par>
-                    <p:cTn id="11" fill="hold">
-                      <p:stCondLst>
-                        <p:cond delay="indefinite"/>
-                      </p:stCondLst>
-                      <p:childTnLst>
-                        <p:par>
-                          <p:cTn id="12" fill="hold">
-                            <p:stCondLst>
-                              <p:cond delay="0"/>
-                            </p:stCondLst>
-                            <p:childTnLst>
-                              <p:par>
-                                <p:cTn id="13" presetID="10" presetClass="entr" presetSubtype="0" fill="hold" grpId="0" nodeType="clickEffect">
-                                  <p:stCondLst>
-                                    <p:cond delay="1500"/>
-                                  </p:stCondLst>
-                                  <p:iterate>
-                                    <p:tmPct val="10000"/>
-                                  </p:iterate>
-                                  <p:childTnLst>
-                                    <p:set>
-                                      <p:cBhvr>
-                                        <p:cTn id="14" dur="1" fill="hold">
-                                          <p:stCondLst>
-                                            <p:cond delay="0"/>
-                                          </p:stCondLst>
-                                        </p:cTn>
-                                        <p:tgtEl>
-                                          <p:spTgt spid="3">
-                                            <p:txEl>
-                                              <p:pRg st="1" end="1"/>
-                                            </p:txEl>
-                                          </p:spTgt>
-                                        </p:tgtEl>
-                                        <p:attrNameLst>
-                                          <p:attrName>style.visibility</p:attrName>
-                                        </p:attrNameLst>
-                                      </p:cBhvr>
-                                      <p:to>
-                                        <p:strVal val="visible"/>
-                                      </p:to>
-                                    </p:set>
-                                    <p:animEffect transition="in" filter="fade">
-                                      <p:cBhvr>
-                                        <p:cTn id="15" dur="700"/>
-                                        <p:tgtEl>
-                                          <p:spTgt spid="3">
-                                            <p:txEl>
-                                              <p:pRg st="1" end="1"/>
-                                            </p:txEl>
-                                          </p:spTgt>
-                                        </p:tgtEl>
-                                      </p:cBhvr>
-                                    </p:animEffect>
-                                  </p:childTnLst>
-                                </p:cTn>
-                              </p:par>
-                            </p:childTnLst>
-                          </p:cTn>
-                        </p:par>
-                      </p:childTnLst>
-                    </p:cTn>
-                  </p:par>
-                  <p:par>
-                    <p:cTn id="16" fill="hold">
-                      <p:stCondLst>
-                        <p:cond delay="indefinite"/>
-                      </p:stCondLst>
-                      <p:childTnLst>
-                        <p:par>
-                          <p:cTn id="17" fill="hold">
-                            <p:stCondLst>
-                              <p:cond delay="0"/>
-                            </p:stCondLst>
-                            <p:childTnLst>
-                              <p:par>
-                                <p:cTn id="18" presetID="10" presetClass="entr" presetSubtype="0" fill="hold" grpId="0" nodeType="clickEffect">
-                                  <p:stCondLst>
-                                    <p:cond delay="1500"/>
-                                  </p:stCondLst>
-                                  <p:iterate>
-                                    <p:tmPct val="10000"/>
-                                  </p:iterate>
-                                  <p:childTnLst>
-                                    <p:set>
-                                      <p:cBhvr>
-                                        <p:cTn id="19" dur="1" fill="hold">
-                                          <p:stCondLst>
-                                            <p:cond delay="0"/>
-                                          </p:stCondLst>
-                                        </p:cTn>
-                                        <p:tgtEl>
-                                          <p:spTgt spid="3">
-                                            <p:txEl>
-                                              <p:pRg st="2" end="2"/>
-                                            </p:txEl>
-                                          </p:spTgt>
-                                        </p:tgtEl>
-                                        <p:attrNameLst>
-                                          <p:attrName>style.visibility</p:attrName>
-                                        </p:attrNameLst>
-                                      </p:cBhvr>
-                                      <p:to>
-                                        <p:strVal val="visible"/>
-                                      </p:to>
-                                    </p:set>
-                                    <p:animEffect transition="in" filter="fade">
-                                      <p:cBhvr>
-                                        <p:cTn id="20" dur="700"/>
-                                        <p:tgtEl>
-                                          <p:spTgt spid="3">
-                                            <p:txEl>
-                                              <p:pRg st="2" end="2"/>
-                                            </p:txEl>
-                                          </p:spTgt>
-                                        </p:tgtEl>
-                                      </p:cBhvr>
-                                    </p:animEffect>
-                                  </p:childTnLst>
-                                </p:cTn>
-                              </p:par>
-                              <p:par>
-                                <p:cTn id="21" presetID="10" presetClass="entr" presetSubtype="0" fill="hold" grpId="0" nodeType="withEffect">
-                                  <p:stCondLst>
-                                    <p:cond delay="1500"/>
-                                  </p:stCondLst>
-                                  <p:iterate>
-                                    <p:tmPct val="10000"/>
-                                  </p:iterate>
-                                  <p:childTnLst>
-                                    <p:set>
-                                      <p:cBhvr>
-                                        <p:cTn id="22" dur="1" fill="hold">
-                                          <p:stCondLst>
-                                            <p:cond delay="0"/>
-                                          </p:stCondLst>
-                                        </p:cTn>
-                                        <p:tgtEl>
-                                          <p:spTgt spid="5">
-                                            <p:txEl>
-                                              <p:pRg st="0" end="0"/>
-                                            </p:txEl>
-                                          </p:spTgt>
-                                        </p:tgtEl>
-                                        <p:attrNameLst>
-                                          <p:attrName>style.visibility</p:attrName>
-                                        </p:attrNameLst>
-                                      </p:cBhvr>
-                                      <p:to>
-                                        <p:strVal val="visible"/>
-                                      </p:to>
-                                    </p:set>
-                                    <p:animEffect transition="in" filter="fade">
-                                      <p:cBhvr>
-                                        <p:cTn id="23" dur="700"/>
-                                        <p:tgtEl>
-                                          <p:spTgt spid="5">
-                                            <p:txEl>
-                                              <p:pRg st="0" end="0"/>
-                                            </p:txEl>
-                                          </p:spTgt>
-                                        </p:tgtEl>
-                                      </p:cBhvr>
-                                    </p:animEffect>
-                                  </p:childTnLst>
-                                </p:cTn>
-                              </p:par>
-                            </p:childTnLst>
-                          </p:cTn>
-                        </p:par>
-                      </p:childTnLst>
-                    </p:cTn>
-                  </p:par>
-                  <p:par>
-                    <p:cTn id="24" fill="hold">
-                      <p:stCondLst>
-                        <p:cond delay="indefinite"/>
-                      </p:stCondLst>
-                      <p:childTnLst>
-                        <p:par>
-                          <p:cTn id="25" fill="hold">
-                            <p:stCondLst>
-                              <p:cond delay="0"/>
-                            </p:stCondLst>
-                            <p:childTnLst>
-                              <p:par>
-                                <p:cTn id="26" presetID="10" presetClass="entr" presetSubtype="0" fill="hold" grpId="0" nodeType="clickEffect">
-                                  <p:stCondLst>
-                                    <p:cond delay="1500"/>
-                                  </p:stCondLst>
-                                  <p:iterate>
-                                    <p:tmPct val="10000"/>
-                                  </p:iterate>
-                                  <p:childTnLst>
-                                    <p:set>
-                                      <p:cBhvr>
-                                        <p:cTn id="27" dur="1" fill="hold">
-                                          <p:stCondLst>
-                                            <p:cond delay="0"/>
-                                          </p:stCondLst>
-                                        </p:cTn>
-                                        <p:tgtEl>
-                                          <p:spTgt spid="5">
-                                            <p:txEl>
-                                              <p:pRg st="1" end="1"/>
-                                            </p:txEl>
-                                          </p:spTgt>
-                                        </p:tgtEl>
-                                        <p:attrNameLst>
-                                          <p:attrName>style.visibility</p:attrName>
-                                        </p:attrNameLst>
-                                      </p:cBhvr>
-                                      <p:to>
-                                        <p:strVal val="visible"/>
-                                      </p:to>
-                                    </p:set>
-                                    <p:animEffect transition="in" filter="fade">
-                                      <p:cBhvr>
-                                        <p:cTn id="28" dur="700"/>
-                                        <p:tgtEl>
-                                          <p:spTgt spid="5">
-                                            <p:txEl>
-                                              <p:pRg st="1" end="1"/>
-                                            </p:txEl>
-                                          </p:spTgt>
-                                        </p:tgtEl>
-                                      </p:cBhvr>
-                                    </p:animEffect>
-                                  </p:childTnLst>
-                                </p:cTn>
-                              </p:par>
-                            </p:childTnLst>
-                          </p:cTn>
-                        </p:par>
-                      </p:childTnLst>
-                    </p:cTn>
-                  </p:par>
-                </p:childTnLst>
-              </p:cTn>
-              <p:prevCondLst>
-                <p:cond evt="onPrev" delay="0">
-                  <p:tgtEl>
-                    <p:sldTgt/>
-                  </p:tgtEl>
-                </p:cond>
-              </p:prevCondLst>
-              <p:nextCondLst>
-                <p:cond evt="onNext" delay="0">
-                  <p:tgtEl>
-                    <p:sldTgt/>
-                  </p:tgtEl>
-                </p:cond>
-              </p:nextCondLst>
-            </p:seq>
-          </p:childTnLst>
-        </p:cTn>
-      </p:par>
-    </p:tnLst>
-    <p:bldLst>
-      <p:bldP spid="2" grpId="0"/>
-      <p:bldP spid="3" grpId="0" build="p"/>
-      <p:bldP spid="5" grpId="0" build="p"/>
-    </p:bldLst>
-  </p:timing>
+  <mc:AlternateContent xmlns:mc="http://schemas.openxmlformats.org/markup-compatibility/2006">
+    <mc:Choice xmlns:p15="http://schemas.microsoft.com/office/powerpoint/2012/main" Requires="p15">
+      <p:transition xmlns:p14="http://schemas.microsoft.com/office/powerpoint/2010/main" spd="slow" p14:dur="2000">
+        <p15:prstTrans prst="drape"/>
+      </p:transition>
+    </mc:Choice>
+    <mc:Fallback>
+      <p:transition spd="slow">
+        <p:fade/>
+      </p:transition>
+    </mc:Fallback>
+  </mc:AlternateContent>
 </p:sld>
 </file>
 
@@ -11850,7 +10075,7 @@
             </a:pPr>
             <a:r>
               <a:rPr lang="cs-CZ" sz="2000" dirty="0"/>
-              <a:t>Na vrstvě 1. PDU tvoří data</a:t>
+              <a:t>Na vrstvě 7. PDU tvoří data</a:t>
             </a:r>
           </a:p>
           <a:p>
@@ -11861,7 +10086,7 @@
             </a:pPr>
             <a:r>
               <a:rPr lang="cs-CZ" sz="2000" dirty="0"/>
-              <a:t>Na 2. vrstvě se data formátují, kompresují a šifrují</a:t>
+              <a:t>Na 6. vrstvě se data formátují, kompresují a šifrují</a:t>
             </a:r>
           </a:p>
           <a:p>
@@ -11872,7 +10097,7 @@
             </a:pPr>
             <a:r>
               <a:rPr lang="cs-CZ" sz="2000" dirty="0"/>
-              <a:t>Na 3. vrstvě se mohou přidat informace o sezení</a:t>
+              <a:t>Na 5. vrstvě se mohou přidat informace o sezení</a:t>
             </a:r>
           </a:p>
           <a:p>
@@ -11894,7 +10119,7 @@
             </a:pPr>
             <a:r>
               <a:rPr lang="cs-CZ" sz="2000" dirty="0"/>
-              <a:t>Na 5. vrstvě se PDU stává packetem, jsou přidány IP adresy a další směrovací informace</a:t>
+              <a:t>Na 3. vrstvě se PDU stává packetem, jsou přidány IP adresy a další směrovací informace</a:t>
             </a:r>
           </a:p>
           <a:p>
@@ -11905,7 +10130,7 @@
             </a:pPr>
             <a:r>
               <a:rPr lang="cs-CZ" sz="2000" dirty="0"/>
-              <a:t>Na 6. vrstvě se PDU stává rámcem,přidává se hlavička, MAC adresy, typ rámce, kontrolní součet atd.</a:t>
+              <a:t>Na 2. vrstvě se PDU stává rámcem,přidává se hlavička, MAC adresy, typ rámce, kontrolní součet atd.</a:t>
             </a:r>
           </a:p>
           <a:p>
@@ -11916,7 +10141,7 @@
             </a:pPr>
             <a:r>
               <a:rPr lang="cs-CZ" sz="2000" dirty="0"/>
-              <a:t>Na 7. vrstvě se PDU stává fyzickým signálem.</a:t>
+              <a:t>Na 1. vrstvě se PDU stává fyzickým signálem.</a:t>
             </a:r>
           </a:p>
           <a:p>
@@ -11947,6 +10172,18 @@
   <p:clrMapOvr>
     <a:masterClrMapping/>
   </p:clrMapOvr>
+  <mc:AlternateContent xmlns:mc="http://schemas.openxmlformats.org/markup-compatibility/2006">
+    <mc:Choice xmlns:p15="http://schemas.microsoft.com/office/powerpoint/2012/main" Requires="p15">
+      <p:transition xmlns:p14="http://schemas.microsoft.com/office/powerpoint/2010/main" spd="slow" p14:dur="1250">
+        <p15:prstTrans prst="pageCurlDouble"/>
+      </p:transition>
+    </mc:Choice>
+    <mc:Fallback>
+      <p:transition spd="slow">
+        <p:fade/>
+      </p:transition>
+    </mc:Fallback>
+  </mc:AlternateContent>
   <p:timing>
     <p:tnLst>
       <p:par>
@@ -12008,500 +10245,6 @@
                                   </p:childTnLst>
                                 </p:cTn>
                               </p:par>
-                              <p:par>
-                                <p:cTn id="8" presetID="10" presetClass="entr" presetSubtype="0" fill="hold" grpId="0" nodeType="withEffect">
-                                  <p:stCondLst>
-                                    <p:cond delay="1500"/>
-                                  </p:stCondLst>
-                                  <p:iterate>
-                                    <p:tmPct val="10000"/>
-                                  </p:iterate>
-                                  <p:childTnLst>
-                                    <p:set>
-                                      <p:cBhvr>
-                                        <p:cTn id="9" dur="1" fill="hold">
-                                          <p:stCondLst>
-                                            <p:cond delay="0"/>
-                                          </p:stCondLst>
-                                        </p:cTn>
-                                        <p:tgtEl>
-                                          <p:spTgt spid="5">
-                                            <p:txEl>
-                                              <p:pRg st="0" end="0"/>
-                                            </p:txEl>
-                                          </p:spTgt>
-                                        </p:tgtEl>
-                                        <p:attrNameLst>
-                                          <p:attrName>style.visibility</p:attrName>
-                                        </p:attrNameLst>
-                                      </p:cBhvr>
-                                      <p:to>
-                                        <p:strVal val="visible"/>
-                                      </p:to>
-                                    </p:set>
-                                    <p:animEffect transition="in" filter="fade">
-                                      <p:cBhvr>
-                                        <p:cTn id="10" dur="700"/>
-                                        <p:tgtEl>
-                                          <p:spTgt spid="5">
-                                            <p:txEl>
-                                              <p:pRg st="0" end="0"/>
-                                            </p:txEl>
-                                          </p:spTgt>
-                                        </p:tgtEl>
-                                      </p:cBhvr>
-                                    </p:animEffect>
-                                  </p:childTnLst>
-                                </p:cTn>
-                              </p:par>
-                            </p:childTnLst>
-                          </p:cTn>
-                        </p:par>
-                      </p:childTnLst>
-                    </p:cTn>
-                  </p:par>
-                  <p:par>
-                    <p:cTn id="11" fill="hold">
-                      <p:stCondLst>
-                        <p:cond delay="indefinite"/>
-                      </p:stCondLst>
-                      <p:childTnLst>
-                        <p:par>
-                          <p:cTn id="12" fill="hold">
-                            <p:stCondLst>
-                              <p:cond delay="0"/>
-                            </p:stCondLst>
-                            <p:childTnLst>
-                              <p:par>
-                                <p:cTn id="13" presetID="10" presetClass="entr" presetSubtype="0" fill="hold" grpId="0" nodeType="clickEffect">
-                                  <p:stCondLst>
-                                    <p:cond delay="1500"/>
-                                  </p:stCondLst>
-                                  <p:iterate>
-                                    <p:tmPct val="10000"/>
-                                  </p:iterate>
-                                  <p:childTnLst>
-                                    <p:set>
-                                      <p:cBhvr>
-                                        <p:cTn id="14" dur="1" fill="hold">
-                                          <p:stCondLst>
-                                            <p:cond delay="0"/>
-                                          </p:stCondLst>
-                                        </p:cTn>
-                                        <p:tgtEl>
-                                          <p:spTgt spid="5">
-                                            <p:txEl>
-                                              <p:pRg st="1" end="1"/>
-                                            </p:txEl>
-                                          </p:spTgt>
-                                        </p:tgtEl>
-                                        <p:attrNameLst>
-                                          <p:attrName>style.visibility</p:attrName>
-                                        </p:attrNameLst>
-                                      </p:cBhvr>
-                                      <p:to>
-                                        <p:strVal val="visible"/>
-                                      </p:to>
-                                    </p:set>
-                                    <p:animEffect transition="in" filter="fade">
-                                      <p:cBhvr>
-                                        <p:cTn id="15" dur="700"/>
-                                        <p:tgtEl>
-                                          <p:spTgt spid="5">
-                                            <p:txEl>
-                                              <p:pRg st="1" end="1"/>
-                                            </p:txEl>
-                                          </p:spTgt>
-                                        </p:tgtEl>
-                                      </p:cBhvr>
-                                    </p:animEffect>
-                                  </p:childTnLst>
-                                </p:cTn>
-                              </p:par>
-                            </p:childTnLst>
-                          </p:cTn>
-                        </p:par>
-                      </p:childTnLst>
-                    </p:cTn>
-                  </p:par>
-                  <p:par>
-                    <p:cTn id="16" fill="hold">
-                      <p:stCondLst>
-                        <p:cond delay="indefinite"/>
-                      </p:stCondLst>
-                      <p:childTnLst>
-                        <p:par>
-                          <p:cTn id="17" fill="hold">
-                            <p:stCondLst>
-                              <p:cond delay="0"/>
-                            </p:stCondLst>
-                            <p:childTnLst>
-                              <p:par>
-                                <p:cTn id="18" presetID="10" presetClass="entr" presetSubtype="0" fill="hold" grpId="0" nodeType="clickEffect">
-                                  <p:stCondLst>
-                                    <p:cond delay="1500"/>
-                                  </p:stCondLst>
-                                  <p:iterate>
-                                    <p:tmPct val="10000"/>
-                                  </p:iterate>
-                                  <p:childTnLst>
-                                    <p:set>
-                                      <p:cBhvr>
-                                        <p:cTn id="19" dur="1" fill="hold">
-                                          <p:stCondLst>
-                                            <p:cond delay="0"/>
-                                          </p:stCondLst>
-                                        </p:cTn>
-                                        <p:tgtEl>
-                                          <p:spTgt spid="5">
-                                            <p:txEl>
-                                              <p:pRg st="2" end="2"/>
-                                            </p:txEl>
-                                          </p:spTgt>
-                                        </p:tgtEl>
-                                        <p:attrNameLst>
-                                          <p:attrName>style.visibility</p:attrName>
-                                        </p:attrNameLst>
-                                      </p:cBhvr>
-                                      <p:to>
-                                        <p:strVal val="visible"/>
-                                      </p:to>
-                                    </p:set>
-                                    <p:animEffect transition="in" filter="fade">
-                                      <p:cBhvr>
-                                        <p:cTn id="20" dur="700"/>
-                                        <p:tgtEl>
-                                          <p:spTgt spid="5">
-                                            <p:txEl>
-                                              <p:pRg st="2" end="2"/>
-                                            </p:txEl>
-                                          </p:spTgt>
-                                        </p:tgtEl>
-                                      </p:cBhvr>
-                                    </p:animEffect>
-                                  </p:childTnLst>
-                                </p:cTn>
-                              </p:par>
-                            </p:childTnLst>
-                          </p:cTn>
-                        </p:par>
-                      </p:childTnLst>
-                    </p:cTn>
-                  </p:par>
-                  <p:par>
-                    <p:cTn id="21" fill="hold">
-                      <p:stCondLst>
-                        <p:cond delay="indefinite"/>
-                      </p:stCondLst>
-                      <p:childTnLst>
-                        <p:par>
-                          <p:cTn id="22" fill="hold">
-                            <p:stCondLst>
-                              <p:cond delay="0"/>
-                            </p:stCondLst>
-                            <p:childTnLst>
-                              <p:par>
-                                <p:cTn id="23" presetID="10" presetClass="entr" presetSubtype="0" fill="hold" grpId="0" nodeType="clickEffect">
-                                  <p:stCondLst>
-                                    <p:cond delay="1500"/>
-                                  </p:stCondLst>
-                                  <p:iterate>
-                                    <p:tmPct val="10000"/>
-                                  </p:iterate>
-                                  <p:childTnLst>
-                                    <p:set>
-                                      <p:cBhvr>
-                                        <p:cTn id="24" dur="1" fill="hold">
-                                          <p:stCondLst>
-                                            <p:cond delay="0"/>
-                                          </p:stCondLst>
-                                        </p:cTn>
-                                        <p:tgtEl>
-                                          <p:spTgt spid="5">
-                                            <p:txEl>
-                                              <p:pRg st="3" end="3"/>
-                                            </p:txEl>
-                                          </p:spTgt>
-                                        </p:tgtEl>
-                                        <p:attrNameLst>
-                                          <p:attrName>style.visibility</p:attrName>
-                                        </p:attrNameLst>
-                                      </p:cBhvr>
-                                      <p:to>
-                                        <p:strVal val="visible"/>
-                                      </p:to>
-                                    </p:set>
-                                    <p:animEffect transition="in" filter="fade">
-                                      <p:cBhvr>
-                                        <p:cTn id="25" dur="700"/>
-                                        <p:tgtEl>
-                                          <p:spTgt spid="5">
-                                            <p:txEl>
-                                              <p:pRg st="3" end="3"/>
-                                            </p:txEl>
-                                          </p:spTgt>
-                                        </p:tgtEl>
-                                      </p:cBhvr>
-                                    </p:animEffect>
-                                  </p:childTnLst>
-                                </p:cTn>
-                              </p:par>
-                            </p:childTnLst>
-                          </p:cTn>
-                        </p:par>
-                      </p:childTnLst>
-                    </p:cTn>
-                  </p:par>
-                  <p:par>
-                    <p:cTn id="26" fill="hold">
-                      <p:stCondLst>
-                        <p:cond delay="indefinite"/>
-                      </p:stCondLst>
-                      <p:childTnLst>
-                        <p:par>
-                          <p:cTn id="27" fill="hold">
-                            <p:stCondLst>
-                              <p:cond delay="0"/>
-                            </p:stCondLst>
-                            <p:childTnLst>
-                              <p:par>
-                                <p:cTn id="28" presetID="10" presetClass="entr" presetSubtype="0" fill="hold" grpId="0" nodeType="clickEffect">
-                                  <p:stCondLst>
-                                    <p:cond delay="1500"/>
-                                  </p:stCondLst>
-                                  <p:iterate>
-                                    <p:tmPct val="10000"/>
-                                  </p:iterate>
-                                  <p:childTnLst>
-                                    <p:set>
-                                      <p:cBhvr>
-                                        <p:cTn id="29" dur="1" fill="hold">
-                                          <p:stCondLst>
-                                            <p:cond delay="0"/>
-                                          </p:stCondLst>
-                                        </p:cTn>
-                                        <p:tgtEl>
-                                          <p:spTgt spid="5">
-                                            <p:txEl>
-                                              <p:pRg st="4" end="4"/>
-                                            </p:txEl>
-                                          </p:spTgt>
-                                        </p:tgtEl>
-                                        <p:attrNameLst>
-                                          <p:attrName>style.visibility</p:attrName>
-                                        </p:attrNameLst>
-                                      </p:cBhvr>
-                                      <p:to>
-                                        <p:strVal val="visible"/>
-                                      </p:to>
-                                    </p:set>
-                                    <p:animEffect transition="in" filter="fade">
-                                      <p:cBhvr>
-                                        <p:cTn id="30" dur="700"/>
-                                        <p:tgtEl>
-                                          <p:spTgt spid="5">
-                                            <p:txEl>
-                                              <p:pRg st="4" end="4"/>
-                                            </p:txEl>
-                                          </p:spTgt>
-                                        </p:tgtEl>
-                                      </p:cBhvr>
-                                    </p:animEffect>
-                                  </p:childTnLst>
-                                </p:cTn>
-                              </p:par>
-                            </p:childTnLst>
-                          </p:cTn>
-                        </p:par>
-                      </p:childTnLst>
-                    </p:cTn>
-                  </p:par>
-                  <p:par>
-                    <p:cTn id="31" fill="hold">
-                      <p:stCondLst>
-                        <p:cond delay="indefinite"/>
-                      </p:stCondLst>
-                      <p:childTnLst>
-                        <p:par>
-                          <p:cTn id="32" fill="hold">
-                            <p:stCondLst>
-                              <p:cond delay="0"/>
-                            </p:stCondLst>
-                            <p:childTnLst>
-                              <p:par>
-                                <p:cTn id="33" presetID="10" presetClass="entr" presetSubtype="0" fill="hold" grpId="0" nodeType="clickEffect">
-                                  <p:stCondLst>
-                                    <p:cond delay="1500"/>
-                                  </p:stCondLst>
-                                  <p:iterate>
-                                    <p:tmPct val="10000"/>
-                                  </p:iterate>
-                                  <p:childTnLst>
-                                    <p:set>
-                                      <p:cBhvr>
-                                        <p:cTn id="34" dur="1" fill="hold">
-                                          <p:stCondLst>
-                                            <p:cond delay="0"/>
-                                          </p:stCondLst>
-                                        </p:cTn>
-                                        <p:tgtEl>
-                                          <p:spTgt spid="5">
-                                            <p:txEl>
-                                              <p:pRg st="5" end="5"/>
-                                            </p:txEl>
-                                          </p:spTgt>
-                                        </p:tgtEl>
-                                        <p:attrNameLst>
-                                          <p:attrName>style.visibility</p:attrName>
-                                        </p:attrNameLst>
-                                      </p:cBhvr>
-                                      <p:to>
-                                        <p:strVal val="visible"/>
-                                      </p:to>
-                                    </p:set>
-                                    <p:animEffect transition="in" filter="fade">
-                                      <p:cBhvr>
-                                        <p:cTn id="35" dur="700"/>
-                                        <p:tgtEl>
-                                          <p:spTgt spid="5">
-                                            <p:txEl>
-                                              <p:pRg st="5" end="5"/>
-                                            </p:txEl>
-                                          </p:spTgt>
-                                        </p:tgtEl>
-                                      </p:cBhvr>
-                                    </p:animEffect>
-                                  </p:childTnLst>
-                                </p:cTn>
-                              </p:par>
-                            </p:childTnLst>
-                          </p:cTn>
-                        </p:par>
-                      </p:childTnLst>
-                    </p:cTn>
-                  </p:par>
-                  <p:par>
-                    <p:cTn id="36" fill="hold">
-                      <p:stCondLst>
-                        <p:cond delay="indefinite"/>
-                      </p:stCondLst>
-                      <p:childTnLst>
-                        <p:par>
-                          <p:cTn id="37" fill="hold">
-                            <p:stCondLst>
-                              <p:cond delay="0"/>
-                            </p:stCondLst>
-                            <p:childTnLst>
-                              <p:par>
-                                <p:cTn id="38" presetID="10" presetClass="entr" presetSubtype="0" fill="hold" grpId="0" nodeType="clickEffect">
-                                  <p:stCondLst>
-                                    <p:cond delay="1500"/>
-                                  </p:stCondLst>
-                                  <p:iterate>
-                                    <p:tmPct val="10000"/>
-                                  </p:iterate>
-                                  <p:childTnLst>
-                                    <p:set>
-                                      <p:cBhvr>
-                                        <p:cTn id="39" dur="1" fill="hold">
-                                          <p:stCondLst>
-                                            <p:cond delay="0"/>
-                                          </p:stCondLst>
-                                        </p:cTn>
-                                        <p:tgtEl>
-                                          <p:spTgt spid="5">
-                                            <p:txEl>
-                                              <p:pRg st="6" end="6"/>
-                                            </p:txEl>
-                                          </p:spTgt>
-                                        </p:tgtEl>
-                                        <p:attrNameLst>
-                                          <p:attrName>style.visibility</p:attrName>
-                                        </p:attrNameLst>
-                                      </p:cBhvr>
-                                      <p:to>
-                                        <p:strVal val="visible"/>
-                                      </p:to>
-                                    </p:set>
-                                    <p:animEffect transition="in" filter="fade">
-                                      <p:cBhvr>
-                                        <p:cTn id="40" dur="700"/>
-                                        <p:tgtEl>
-                                          <p:spTgt spid="5">
-                                            <p:txEl>
-                                              <p:pRg st="6" end="6"/>
-                                            </p:txEl>
-                                          </p:spTgt>
-                                        </p:tgtEl>
-                                      </p:cBhvr>
-                                    </p:animEffect>
-                                  </p:childTnLst>
-                                </p:cTn>
-                              </p:par>
-                            </p:childTnLst>
-                          </p:cTn>
-                        </p:par>
-                      </p:childTnLst>
-                    </p:cTn>
-                  </p:par>
-                  <p:par>
-                    <p:cTn id="41" fill="hold">
-                      <p:stCondLst>
-                        <p:cond delay="indefinite"/>
-                      </p:stCondLst>
-                      <p:childTnLst>
-                        <p:par>
-                          <p:cTn id="42" fill="hold">
-                            <p:stCondLst>
-                              <p:cond delay="0"/>
-                            </p:stCondLst>
-                            <p:childTnLst>
-                              <p:par>
-                                <p:cTn id="43" presetID="10" presetClass="entr" presetSubtype="0" fill="hold" grpId="0" nodeType="clickEffect">
-                                  <p:stCondLst>
-                                    <p:cond delay="1500"/>
-                                  </p:stCondLst>
-                                  <p:iterate>
-                                    <p:tmPct val="10000"/>
-                                  </p:iterate>
-                                  <p:childTnLst>
-                                    <p:set>
-                                      <p:cBhvr>
-                                        <p:cTn id="44" dur="1" fill="hold">
-                                          <p:stCondLst>
-                                            <p:cond delay="0"/>
-                                          </p:stCondLst>
-                                        </p:cTn>
-                                        <p:tgtEl>
-                                          <p:spTgt spid="5">
-                                            <p:txEl>
-                                              <p:pRg st="7" end="7"/>
-                                            </p:txEl>
-                                          </p:spTgt>
-                                        </p:tgtEl>
-                                        <p:attrNameLst>
-                                          <p:attrName>style.visibility</p:attrName>
-                                        </p:attrNameLst>
-                                      </p:cBhvr>
-                                      <p:to>
-                                        <p:strVal val="visible"/>
-                                      </p:to>
-                                    </p:set>
-                                    <p:animEffect transition="in" filter="fade">
-                                      <p:cBhvr>
-                                        <p:cTn id="45" dur="700"/>
-                                        <p:tgtEl>
-                                          <p:spTgt spid="5">
-                                            <p:txEl>
-                                              <p:pRg st="7" end="7"/>
-                                            </p:txEl>
-                                          </p:spTgt>
-                                        </p:tgtEl>
-                                      </p:cBhvr>
-                                    </p:animEffect>
-                                  </p:childTnLst>
-                                </p:cTn>
-                              </p:par>
                             </p:childTnLst>
                           </p:cTn>
                         </p:par>
@@ -12531,7 +10274,6 @@
     </p:tnLst>
     <p:bldLst>
       <p:bldP spid="2" grpId="0"/>
-      <p:bldP spid="5" grpId="0" build="p"/>
     </p:bldLst>
   </p:timing>
 </p:sld>
@@ -12905,6 +10647,14 @@
                 <a:spcPct val="100000"/>
               </a:lnSpc>
             </a:pPr>
+            <a:endParaRPr lang="cs-CZ" sz="2000" dirty="0"/>
+          </a:p>
+          <a:p>
+            <a:pPr>
+              <a:lnSpc>
+                <a:spcPct val="100000"/>
+              </a:lnSpc>
+            </a:pPr>
             <a:r>
               <a:rPr lang="cs-CZ" sz="2000" dirty="0">
                 <a:effectLst/>
@@ -13056,6 +10806,18 @@
   <p:clrMapOvr>
     <a:masterClrMapping/>
   </p:clrMapOvr>
+  <mc:AlternateContent xmlns:mc="http://schemas.openxmlformats.org/markup-compatibility/2006">
+    <mc:Choice xmlns:p159="http://schemas.microsoft.com/office/powerpoint/2015/09/main" Requires="p159">
+      <p:transition xmlns:p14="http://schemas.microsoft.com/office/powerpoint/2010/main" spd="slow" p14:dur="2000">
+        <p159:morph option="byObject"/>
+      </p:transition>
+    </mc:Choice>
+    <mc:Fallback>
+      <p:transition spd="slow">
+        <p:fade/>
+      </p:transition>
+    </mc:Fallback>
+  </mc:AlternateContent>
   <p:timing>
     <p:tnLst>
       <p:par>
@@ -13117,500 +10879,6 @@
                                   </p:childTnLst>
                                 </p:cTn>
                               </p:par>
-                              <p:par>
-                                <p:cTn id="8" presetID="10" presetClass="entr" presetSubtype="0" fill="hold" grpId="0" nodeType="withEffect">
-                                  <p:stCondLst>
-                                    <p:cond delay="1500"/>
-                                  </p:stCondLst>
-                                  <p:iterate>
-                                    <p:tmPct val="10000"/>
-                                  </p:iterate>
-                                  <p:childTnLst>
-                                    <p:set>
-                                      <p:cBhvr>
-                                        <p:cTn id="9" dur="1" fill="hold">
-                                          <p:stCondLst>
-                                            <p:cond delay="0"/>
-                                          </p:stCondLst>
-                                        </p:cTn>
-                                        <p:tgtEl>
-                                          <p:spTgt spid="5">
-                                            <p:txEl>
-                                              <p:pRg st="0" end="0"/>
-                                            </p:txEl>
-                                          </p:spTgt>
-                                        </p:tgtEl>
-                                        <p:attrNameLst>
-                                          <p:attrName>style.visibility</p:attrName>
-                                        </p:attrNameLst>
-                                      </p:cBhvr>
-                                      <p:to>
-                                        <p:strVal val="visible"/>
-                                      </p:to>
-                                    </p:set>
-                                    <p:animEffect transition="in" filter="fade">
-                                      <p:cBhvr>
-                                        <p:cTn id="10" dur="700"/>
-                                        <p:tgtEl>
-                                          <p:spTgt spid="5">
-                                            <p:txEl>
-                                              <p:pRg st="0" end="0"/>
-                                            </p:txEl>
-                                          </p:spTgt>
-                                        </p:tgtEl>
-                                      </p:cBhvr>
-                                    </p:animEffect>
-                                  </p:childTnLst>
-                                </p:cTn>
-                              </p:par>
-                            </p:childTnLst>
-                          </p:cTn>
-                        </p:par>
-                      </p:childTnLst>
-                    </p:cTn>
-                  </p:par>
-                  <p:par>
-                    <p:cTn id="11" fill="hold">
-                      <p:stCondLst>
-                        <p:cond delay="indefinite"/>
-                      </p:stCondLst>
-                      <p:childTnLst>
-                        <p:par>
-                          <p:cTn id="12" fill="hold">
-                            <p:stCondLst>
-                              <p:cond delay="0"/>
-                            </p:stCondLst>
-                            <p:childTnLst>
-                              <p:par>
-                                <p:cTn id="13" presetID="10" presetClass="entr" presetSubtype="0" fill="hold" grpId="0" nodeType="clickEffect">
-                                  <p:stCondLst>
-                                    <p:cond delay="1500"/>
-                                  </p:stCondLst>
-                                  <p:iterate>
-                                    <p:tmPct val="10000"/>
-                                  </p:iterate>
-                                  <p:childTnLst>
-                                    <p:set>
-                                      <p:cBhvr>
-                                        <p:cTn id="14" dur="1" fill="hold">
-                                          <p:stCondLst>
-                                            <p:cond delay="0"/>
-                                          </p:stCondLst>
-                                        </p:cTn>
-                                        <p:tgtEl>
-                                          <p:spTgt spid="5">
-                                            <p:txEl>
-                                              <p:pRg st="1" end="1"/>
-                                            </p:txEl>
-                                          </p:spTgt>
-                                        </p:tgtEl>
-                                        <p:attrNameLst>
-                                          <p:attrName>style.visibility</p:attrName>
-                                        </p:attrNameLst>
-                                      </p:cBhvr>
-                                      <p:to>
-                                        <p:strVal val="visible"/>
-                                      </p:to>
-                                    </p:set>
-                                    <p:animEffect transition="in" filter="fade">
-                                      <p:cBhvr>
-                                        <p:cTn id="15" dur="700"/>
-                                        <p:tgtEl>
-                                          <p:spTgt spid="5">
-                                            <p:txEl>
-                                              <p:pRg st="1" end="1"/>
-                                            </p:txEl>
-                                          </p:spTgt>
-                                        </p:tgtEl>
-                                      </p:cBhvr>
-                                    </p:animEffect>
-                                  </p:childTnLst>
-                                </p:cTn>
-                              </p:par>
-                            </p:childTnLst>
-                          </p:cTn>
-                        </p:par>
-                      </p:childTnLst>
-                    </p:cTn>
-                  </p:par>
-                  <p:par>
-                    <p:cTn id="16" fill="hold">
-                      <p:stCondLst>
-                        <p:cond delay="indefinite"/>
-                      </p:stCondLst>
-                      <p:childTnLst>
-                        <p:par>
-                          <p:cTn id="17" fill="hold">
-                            <p:stCondLst>
-                              <p:cond delay="0"/>
-                            </p:stCondLst>
-                            <p:childTnLst>
-                              <p:par>
-                                <p:cTn id="18" presetID="10" presetClass="entr" presetSubtype="0" fill="hold" grpId="0" nodeType="clickEffect">
-                                  <p:stCondLst>
-                                    <p:cond delay="1500"/>
-                                  </p:stCondLst>
-                                  <p:iterate>
-                                    <p:tmPct val="10000"/>
-                                  </p:iterate>
-                                  <p:childTnLst>
-                                    <p:set>
-                                      <p:cBhvr>
-                                        <p:cTn id="19" dur="1" fill="hold">
-                                          <p:stCondLst>
-                                            <p:cond delay="0"/>
-                                          </p:stCondLst>
-                                        </p:cTn>
-                                        <p:tgtEl>
-                                          <p:spTgt spid="5">
-                                            <p:txEl>
-                                              <p:pRg st="2" end="2"/>
-                                            </p:txEl>
-                                          </p:spTgt>
-                                        </p:tgtEl>
-                                        <p:attrNameLst>
-                                          <p:attrName>style.visibility</p:attrName>
-                                        </p:attrNameLst>
-                                      </p:cBhvr>
-                                      <p:to>
-                                        <p:strVal val="visible"/>
-                                      </p:to>
-                                    </p:set>
-                                    <p:animEffect transition="in" filter="fade">
-                                      <p:cBhvr>
-                                        <p:cTn id="20" dur="700"/>
-                                        <p:tgtEl>
-                                          <p:spTgt spid="5">
-                                            <p:txEl>
-                                              <p:pRg st="2" end="2"/>
-                                            </p:txEl>
-                                          </p:spTgt>
-                                        </p:tgtEl>
-                                      </p:cBhvr>
-                                    </p:animEffect>
-                                  </p:childTnLst>
-                                </p:cTn>
-                              </p:par>
-                            </p:childTnLst>
-                          </p:cTn>
-                        </p:par>
-                      </p:childTnLst>
-                    </p:cTn>
-                  </p:par>
-                  <p:par>
-                    <p:cTn id="21" fill="hold">
-                      <p:stCondLst>
-                        <p:cond delay="indefinite"/>
-                      </p:stCondLst>
-                      <p:childTnLst>
-                        <p:par>
-                          <p:cTn id="22" fill="hold">
-                            <p:stCondLst>
-                              <p:cond delay="0"/>
-                            </p:stCondLst>
-                            <p:childTnLst>
-                              <p:par>
-                                <p:cTn id="23" presetID="10" presetClass="entr" presetSubtype="0" fill="hold" grpId="0" nodeType="clickEffect">
-                                  <p:stCondLst>
-                                    <p:cond delay="1500"/>
-                                  </p:stCondLst>
-                                  <p:iterate>
-                                    <p:tmPct val="10000"/>
-                                  </p:iterate>
-                                  <p:childTnLst>
-                                    <p:set>
-                                      <p:cBhvr>
-                                        <p:cTn id="24" dur="1" fill="hold">
-                                          <p:stCondLst>
-                                            <p:cond delay="0"/>
-                                          </p:stCondLst>
-                                        </p:cTn>
-                                        <p:tgtEl>
-                                          <p:spTgt spid="5">
-                                            <p:txEl>
-                                              <p:pRg st="3" end="3"/>
-                                            </p:txEl>
-                                          </p:spTgt>
-                                        </p:tgtEl>
-                                        <p:attrNameLst>
-                                          <p:attrName>style.visibility</p:attrName>
-                                        </p:attrNameLst>
-                                      </p:cBhvr>
-                                      <p:to>
-                                        <p:strVal val="visible"/>
-                                      </p:to>
-                                    </p:set>
-                                    <p:animEffect transition="in" filter="fade">
-                                      <p:cBhvr>
-                                        <p:cTn id="25" dur="700"/>
-                                        <p:tgtEl>
-                                          <p:spTgt spid="5">
-                                            <p:txEl>
-                                              <p:pRg st="3" end="3"/>
-                                            </p:txEl>
-                                          </p:spTgt>
-                                        </p:tgtEl>
-                                      </p:cBhvr>
-                                    </p:animEffect>
-                                  </p:childTnLst>
-                                </p:cTn>
-                              </p:par>
-                            </p:childTnLst>
-                          </p:cTn>
-                        </p:par>
-                      </p:childTnLst>
-                    </p:cTn>
-                  </p:par>
-                  <p:par>
-                    <p:cTn id="26" fill="hold">
-                      <p:stCondLst>
-                        <p:cond delay="indefinite"/>
-                      </p:stCondLst>
-                      <p:childTnLst>
-                        <p:par>
-                          <p:cTn id="27" fill="hold">
-                            <p:stCondLst>
-                              <p:cond delay="0"/>
-                            </p:stCondLst>
-                            <p:childTnLst>
-                              <p:par>
-                                <p:cTn id="28" presetID="10" presetClass="entr" presetSubtype="0" fill="hold" grpId="0" nodeType="clickEffect">
-                                  <p:stCondLst>
-                                    <p:cond delay="1500"/>
-                                  </p:stCondLst>
-                                  <p:iterate>
-                                    <p:tmPct val="10000"/>
-                                  </p:iterate>
-                                  <p:childTnLst>
-                                    <p:set>
-                                      <p:cBhvr>
-                                        <p:cTn id="29" dur="1" fill="hold">
-                                          <p:stCondLst>
-                                            <p:cond delay="0"/>
-                                          </p:stCondLst>
-                                        </p:cTn>
-                                        <p:tgtEl>
-                                          <p:spTgt spid="5">
-                                            <p:txEl>
-                                              <p:pRg st="4" end="4"/>
-                                            </p:txEl>
-                                          </p:spTgt>
-                                        </p:tgtEl>
-                                        <p:attrNameLst>
-                                          <p:attrName>style.visibility</p:attrName>
-                                        </p:attrNameLst>
-                                      </p:cBhvr>
-                                      <p:to>
-                                        <p:strVal val="visible"/>
-                                      </p:to>
-                                    </p:set>
-                                    <p:animEffect transition="in" filter="fade">
-                                      <p:cBhvr>
-                                        <p:cTn id="30" dur="700"/>
-                                        <p:tgtEl>
-                                          <p:spTgt spid="5">
-                                            <p:txEl>
-                                              <p:pRg st="4" end="4"/>
-                                            </p:txEl>
-                                          </p:spTgt>
-                                        </p:tgtEl>
-                                      </p:cBhvr>
-                                    </p:animEffect>
-                                  </p:childTnLst>
-                                </p:cTn>
-                              </p:par>
-                            </p:childTnLst>
-                          </p:cTn>
-                        </p:par>
-                      </p:childTnLst>
-                    </p:cTn>
-                  </p:par>
-                  <p:par>
-                    <p:cTn id="31" fill="hold">
-                      <p:stCondLst>
-                        <p:cond delay="indefinite"/>
-                      </p:stCondLst>
-                      <p:childTnLst>
-                        <p:par>
-                          <p:cTn id="32" fill="hold">
-                            <p:stCondLst>
-                              <p:cond delay="0"/>
-                            </p:stCondLst>
-                            <p:childTnLst>
-                              <p:par>
-                                <p:cTn id="33" presetID="10" presetClass="entr" presetSubtype="0" fill="hold" grpId="0" nodeType="clickEffect">
-                                  <p:stCondLst>
-                                    <p:cond delay="1500"/>
-                                  </p:stCondLst>
-                                  <p:iterate>
-                                    <p:tmPct val="10000"/>
-                                  </p:iterate>
-                                  <p:childTnLst>
-                                    <p:set>
-                                      <p:cBhvr>
-                                        <p:cTn id="34" dur="1" fill="hold">
-                                          <p:stCondLst>
-                                            <p:cond delay="0"/>
-                                          </p:stCondLst>
-                                        </p:cTn>
-                                        <p:tgtEl>
-                                          <p:spTgt spid="5">
-                                            <p:txEl>
-                                              <p:pRg st="5" end="5"/>
-                                            </p:txEl>
-                                          </p:spTgt>
-                                        </p:tgtEl>
-                                        <p:attrNameLst>
-                                          <p:attrName>style.visibility</p:attrName>
-                                        </p:attrNameLst>
-                                      </p:cBhvr>
-                                      <p:to>
-                                        <p:strVal val="visible"/>
-                                      </p:to>
-                                    </p:set>
-                                    <p:animEffect transition="in" filter="fade">
-                                      <p:cBhvr>
-                                        <p:cTn id="35" dur="700"/>
-                                        <p:tgtEl>
-                                          <p:spTgt spid="5">
-                                            <p:txEl>
-                                              <p:pRg st="5" end="5"/>
-                                            </p:txEl>
-                                          </p:spTgt>
-                                        </p:tgtEl>
-                                      </p:cBhvr>
-                                    </p:animEffect>
-                                  </p:childTnLst>
-                                </p:cTn>
-                              </p:par>
-                            </p:childTnLst>
-                          </p:cTn>
-                        </p:par>
-                      </p:childTnLst>
-                    </p:cTn>
-                  </p:par>
-                  <p:par>
-                    <p:cTn id="36" fill="hold">
-                      <p:stCondLst>
-                        <p:cond delay="indefinite"/>
-                      </p:stCondLst>
-                      <p:childTnLst>
-                        <p:par>
-                          <p:cTn id="37" fill="hold">
-                            <p:stCondLst>
-                              <p:cond delay="0"/>
-                            </p:stCondLst>
-                            <p:childTnLst>
-                              <p:par>
-                                <p:cTn id="38" presetID="10" presetClass="entr" presetSubtype="0" fill="hold" grpId="0" nodeType="clickEffect">
-                                  <p:stCondLst>
-                                    <p:cond delay="1500"/>
-                                  </p:stCondLst>
-                                  <p:iterate>
-                                    <p:tmPct val="10000"/>
-                                  </p:iterate>
-                                  <p:childTnLst>
-                                    <p:set>
-                                      <p:cBhvr>
-                                        <p:cTn id="39" dur="1" fill="hold">
-                                          <p:stCondLst>
-                                            <p:cond delay="0"/>
-                                          </p:stCondLst>
-                                        </p:cTn>
-                                        <p:tgtEl>
-                                          <p:spTgt spid="5">
-                                            <p:txEl>
-                                              <p:pRg st="7" end="7"/>
-                                            </p:txEl>
-                                          </p:spTgt>
-                                        </p:tgtEl>
-                                        <p:attrNameLst>
-                                          <p:attrName>style.visibility</p:attrName>
-                                        </p:attrNameLst>
-                                      </p:cBhvr>
-                                      <p:to>
-                                        <p:strVal val="visible"/>
-                                      </p:to>
-                                    </p:set>
-                                    <p:animEffect transition="in" filter="fade">
-                                      <p:cBhvr>
-                                        <p:cTn id="40" dur="700"/>
-                                        <p:tgtEl>
-                                          <p:spTgt spid="5">
-                                            <p:txEl>
-                                              <p:pRg st="7" end="7"/>
-                                            </p:txEl>
-                                          </p:spTgt>
-                                        </p:tgtEl>
-                                      </p:cBhvr>
-                                    </p:animEffect>
-                                  </p:childTnLst>
-                                </p:cTn>
-                              </p:par>
-                            </p:childTnLst>
-                          </p:cTn>
-                        </p:par>
-                      </p:childTnLst>
-                    </p:cTn>
-                  </p:par>
-                  <p:par>
-                    <p:cTn id="41" fill="hold">
-                      <p:stCondLst>
-                        <p:cond delay="indefinite"/>
-                      </p:stCondLst>
-                      <p:childTnLst>
-                        <p:par>
-                          <p:cTn id="42" fill="hold">
-                            <p:stCondLst>
-                              <p:cond delay="0"/>
-                            </p:stCondLst>
-                            <p:childTnLst>
-                              <p:par>
-                                <p:cTn id="43" presetID="10" presetClass="entr" presetSubtype="0" fill="hold" grpId="0" nodeType="clickEffect">
-                                  <p:stCondLst>
-                                    <p:cond delay="1500"/>
-                                  </p:stCondLst>
-                                  <p:iterate>
-                                    <p:tmPct val="10000"/>
-                                  </p:iterate>
-                                  <p:childTnLst>
-                                    <p:set>
-                                      <p:cBhvr>
-                                        <p:cTn id="44" dur="1" fill="hold">
-                                          <p:stCondLst>
-                                            <p:cond delay="0"/>
-                                          </p:stCondLst>
-                                        </p:cTn>
-                                        <p:tgtEl>
-                                          <p:spTgt spid="5">
-                                            <p:txEl>
-                                              <p:pRg st="8" end="8"/>
-                                            </p:txEl>
-                                          </p:spTgt>
-                                        </p:tgtEl>
-                                        <p:attrNameLst>
-                                          <p:attrName>style.visibility</p:attrName>
-                                        </p:attrNameLst>
-                                      </p:cBhvr>
-                                      <p:to>
-                                        <p:strVal val="visible"/>
-                                      </p:to>
-                                    </p:set>
-                                    <p:animEffect transition="in" filter="fade">
-                                      <p:cBhvr>
-                                        <p:cTn id="45" dur="700"/>
-                                        <p:tgtEl>
-                                          <p:spTgt spid="5">
-                                            <p:txEl>
-                                              <p:pRg st="8" end="8"/>
-                                            </p:txEl>
-                                          </p:spTgt>
-                                        </p:tgtEl>
-                                      </p:cBhvr>
-                                    </p:animEffect>
-                                  </p:childTnLst>
-                                </p:cTn>
-                              </p:par>
                             </p:childTnLst>
                           </p:cTn>
                         </p:par>
@@ -13640,7 +10908,6 @@
     </p:tnLst>
     <p:bldLst>
       <p:bldP spid="2" grpId="0"/>
-      <p:bldP spid="5" grpId="0" build="p"/>
     </p:bldLst>
   </p:timing>
 </p:sld>
@@ -14405,773 +11672,9 @@
   <p:clrMapOvr>
     <a:masterClrMapping/>
   </p:clrMapOvr>
-  <p:timing>
-    <p:tnLst>
-      <p:par>
-        <p:cTn id="1" dur="indefinite" restart="never" nodeType="tmRoot">
-          <p:childTnLst>
-            <p:seq concurrent="1" nextAc="seek">
-              <p:cTn id="2" dur="indefinite" nodeType="mainSeq">
-                <p:childTnLst>
-                  <p:par>
-                    <p:cTn id="3" fill="hold">
-                      <p:stCondLst>
-                        <p:cond delay="indefinite"/>
-                        <p:cond evt="onBegin" delay="0">
-                          <p:tn val="2"/>
-                        </p:cond>
-                      </p:stCondLst>
-                      <p:childTnLst>
-                        <p:par>
-                          <p:cTn id="4" fill="hold">
-                            <p:stCondLst>
-                              <p:cond delay="0"/>
-                            </p:stCondLst>
-                            <p:childTnLst>
-                              <p:par>
-                                <p:cTn id="5" presetID="10" presetClass="entr" presetSubtype="0" fill="hold" grpId="0" nodeType="withEffect">
-                                  <p:stCondLst>
-                                    <p:cond delay="1000"/>
-                                  </p:stCondLst>
-                                  <p:iterate>
-                                    <p:tmPct val="10000"/>
-                                  </p:iterate>
-                                  <p:childTnLst>
-                                    <p:set>
-                                      <p:cBhvr>
-                                        <p:cTn id="6" dur="1" fill="hold">
-                                          <p:stCondLst>
-                                            <p:cond delay="0"/>
-                                          </p:stCondLst>
-                                        </p:cTn>
-                                        <p:tgtEl>
-                                          <p:spTgt spid="2"/>
-                                        </p:tgtEl>
-                                        <p:attrNameLst>
-                                          <p:attrName>style.visibility</p:attrName>
-                                        </p:attrNameLst>
-                                      </p:cBhvr>
-                                      <p:to>
-                                        <p:strVal val="visible"/>
-                                      </p:to>
-                                    </p:set>
-                                    <p:animEffect transition="in" filter="fade">
-                                      <p:cBhvr>
-                                        <p:cTn id="7" dur="700"/>
-                                        <p:tgtEl>
-                                          <p:spTgt spid="2"/>
-                                        </p:tgtEl>
-                                      </p:cBhvr>
-                                    </p:animEffect>
-                                  </p:childTnLst>
-                                </p:cTn>
-                              </p:par>
-                              <p:par>
-                                <p:cTn id="8" presetID="10" presetClass="entr" presetSubtype="0" fill="hold" grpId="0" nodeType="withEffect" nodePh="1">
-                                  <p:stCondLst>
-                                    <p:cond delay="1500"/>
-                                  </p:stCondLst>
-                                  <p:endCondLst>
-                                    <p:cond evt="begin" delay="0">
-                                      <p:tn val="8"/>
-                                    </p:cond>
-                                  </p:endCondLst>
-                                  <p:iterate>
-                                    <p:tmPct val="10000"/>
-                                  </p:iterate>
-                                  <p:childTnLst>
-                                    <p:set>
-                                      <p:cBhvr>
-                                        <p:cTn id="9" dur="1" fill="hold">
-                                          <p:stCondLst>
-                                            <p:cond delay="0"/>
-                                          </p:stCondLst>
-                                        </p:cTn>
-                                        <p:tgtEl>
-                                          <p:spTgt spid="5">
-                                            <p:txEl>
-                                              <p:pRg st="0" end="0"/>
-                                            </p:txEl>
-                                          </p:spTgt>
-                                        </p:tgtEl>
-                                        <p:attrNameLst>
-                                          <p:attrName>style.visibility</p:attrName>
-                                        </p:attrNameLst>
-                                      </p:cBhvr>
-                                      <p:to>
-                                        <p:strVal val="visible"/>
-                                      </p:to>
-                                    </p:set>
-                                    <p:animEffect transition="in" filter="fade">
-                                      <p:cBhvr>
-                                        <p:cTn id="10" dur="700"/>
-                                        <p:tgtEl>
-                                          <p:spTgt spid="5">
-                                            <p:txEl>
-                                              <p:pRg st="0" end="0"/>
-                                            </p:txEl>
-                                          </p:spTgt>
-                                        </p:tgtEl>
-                                      </p:cBhvr>
-                                    </p:animEffect>
-                                  </p:childTnLst>
-                                </p:cTn>
-                              </p:par>
-                              <p:par>
-                                <p:cTn id="11" presetID="10" presetClass="entr" presetSubtype="0" fill="hold" grpId="0" nodeType="withEffect">
-                                  <p:stCondLst>
-                                    <p:cond delay="1500"/>
-                                  </p:stCondLst>
-                                  <p:iterate>
-                                    <p:tmPct val="10000"/>
-                                  </p:iterate>
-                                  <p:childTnLst>
-                                    <p:set>
-                                      <p:cBhvr>
-                                        <p:cTn id="12" dur="1" fill="hold">
-                                          <p:stCondLst>
-                                            <p:cond delay="0"/>
-                                          </p:stCondLst>
-                                        </p:cTn>
-                                        <p:tgtEl>
-                                          <p:spTgt spid="3">
-                                            <p:txEl>
-                                              <p:pRg st="0" end="0"/>
-                                            </p:txEl>
-                                          </p:spTgt>
-                                        </p:tgtEl>
-                                        <p:attrNameLst>
-                                          <p:attrName>style.visibility</p:attrName>
-                                        </p:attrNameLst>
-                                      </p:cBhvr>
-                                      <p:to>
-                                        <p:strVal val="visible"/>
-                                      </p:to>
-                                    </p:set>
-                                    <p:animEffect transition="in" filter="fade">
-                                      <p:cBhvr>
-                                        <p:cTn id="13" dur="700"/>
-                                        <p:tgtEl>
-                                          <p:spTgt spid="3">
-                                            <p:txEl>
-                                              <p:pRg st="0" end="0"/>
-                                            </p:txEl>
-                                          </p:spTgt>
-                                        </p:tgtEl>
-                                      </p:cBhvr>
-                                    </p:animEffect>
-                                  </p:childTnLst>
-                                </p:cTn>
-                              </p:par>
-                            </p:childTnLst>
-                          </p:cTn>
-                        </p:par>
-                      </p:childTnLst>
-                    </p:cTn>
-                  </p:par>
-                  <p:par>
-                    <p:cTn id="14" fill="hold">
-                      <p:stCondLst>
-                        <p:cond delay="indefinite"/>
-                      </p:stCondLst>
-                      <p:childTnLst>
-                        <p:par>
-                          <p:cTn id="15" fill="hold">
-                            <p:stCondLst>
-                              <p:cond delay="0"/>
-                            </p:stCondLst>
-                            <p:childTnLst>
-                              <p:par>
-                                <p:cTn id="16" presetID="10" presetClass="entr" presetSubtype="0" fill="hold" grpId="0" nodeType="clickEffect">
-                                  <p:stCondLst>
-                                    <p:cond delay="1500"/>
-                                  </p:stCondLst>
-                                  <p:iterate>
-                                    <p:tmPct val="10000"/>
-                                  </p:iterate>
-                                  <p:childTnLst>
-                                    <p:set>
-                                      <p:cBhvr>
-                                        <p:cTn id="17" dur="1" fill="hold">
-                                          <p:stCondLst>
-                                            <p:cond delay="0"/>
-                                          </p:stCondLst>
-                                        </p:cTn>
-                                        <p:tgtEl>
-                                          <p:spTgt spid="3">
-                                            <p:txEl>
-                                              <p:pRg st="1" end="1"/>
-                                            </p:txEl>
-                                          </p:spTgt>
-                                        </p:tgtEl>
-                                        <p:attrNameLst>
-                                          <p:attrName>style.visibility</p:attrName>
-                                        </p:attrNameLst>
-                                      </p:cBhvr>
-                                      <p:to>
-                                        <p:strVal val="visible"/>
-                                      </p:to>
-                                    </p:set>
-                                    <p:animEffect transition="in" filter="fade">
-                                      <p:cBhvr>
-                                        <p:cTn id="18" dur="700"/>
-                                        <p:tgtEl>
-                                          <p:spTgt spid="3">
-                                            <p:txEl>
-                                              <p:pRg st="1" end="1"/>
-                                            </p:txEl>
-                                          </p:spTgt>
-                                        </p:tgtEl>
-                                      </p:cBhvr>
-                                    </p:animEffect>
-                                  </p:childTnLst>
-                                </p:cTn>
-                              </p:par>
-                            </p:childTnLst>
-                          </p:cTn>
-                        </p:par>
-                      </p:childTnLst>
-                    </p:cTn>
-                  </p:par>
-                  <p:par>
-                    <p:cTn id="19" fill="hold">
-                      <p:stCondLst>
-                        <p:cond delay="indefinite"/>
-                      </p:stCondLst>
-                      <p:childTnLst>
-                        <p:par>
-                          <p:cTn id="20" fill="hold">
-                            <p:stCondLst>
-                              <p:cond delay="0"/>
-                            </p:stCondLst>
-                            <p:childTnLst>
-                              <p:par>
-                                <p:cTn id="21" presetID="10" presetClass="entr" presetSubtype="0" fill="hold" grpId="0" nodeType="clickEffect">
-                                  <p:stCondLst>
-                                    <p:cond delay="1500"/>
-                                  </p:stCondLst>
-                                  <p:iterate>
-                                    <p:tmPct val="10000"/>
-                                  </p:iterate>
-                                  <p:childTnLst>
-                                    <p:set>
-                                      <p:cBhvr>
-                                        <p:cTn id="22" dur="1" fill="hold">
-                                          <p:stCondLst>
-                                            <p:cond delay="0"/>
-                                          </p:stCondLst>
-                                        </p:cTn>
-                                        <p:tgtEl>
-                                          <p:spTgt spid="3">
-                                            <p:txEl>
-                                              <p:pRg st="2" end="2"/>
-                                            </p:txEl>
-                                          </p:spTgt>
-                                        </p:tgtEl>
-                                        <p:attrNameLst>
-                                          <p:attrName>style.visibility</p:attrName>
-                                        </p:attrNameLst>
-                                      </p:cBhvr>
-                                      <p:to>
-                                        <p:strVal val="visible"/>
-                                      </p:to>
-                                    </p:set>
-                                    <p:animEffect transition="in" filter="fade">
-                                      <p:cBhvr>
-                                        <p:cTn id="23" dur="700"/>
-                                        <p:tgtEl>
-                                          <p:spTgt spid="3">
-                                            <p:txEl>
-                                              <p:pRg st="2" end="2"/>
-                                            </p:txEl>
-                                          </p:spTgt>
-                                        </p:tgtEl>
-                                      </p:cBhvr>
-                                    </p:animEffect>
-                                  </p:childTnLst>
-                                </p:cTn>
-                              </p:par>
-                            </p:childTnLst>
-                          </p:cTn>
-                        </p:par>
-                      </p:childTnLst>
-                    </p:cTn>
-                  </p:par>
-                  <p:par>
-                    <p:cTn id="24" fill="hold">
-                      <p:stCondLst>
-                        <p:cond delay="indefinite"/>
-                      </p:stCondLst>
-                      <p:childTnLst>
-                        <p:par>
-                          <p:cTn id="25" fill="hold">
-                            <p:stCondLst>
-                              <p:cond delay="0"/>
-                            </p:stCondLst>
-                            <p:childTnLst>
-                              <p:par>
-                                <p:cTn id="26" presetID="10" presetClass="entr" presetSubtype="0" fill="hold" grpId="0" nodeType="clickEffect">
-                                  <p:stCondLst>
-                                    <p:cond delay="1500"/>
-                                  </p:stCondLst>
-                                  <p:iterate>
-                                    <p:tmPct val="10000"/>
-                                  </p:iterate>
-                                  <p:childTnLst>
-                                    <p:set>
-                                      <p:cBhvr>
-                                        <p:cTn id="27" dur="1" fill="hold">
-                                          <p:stCondLst>
-                                            <p:cond delay="0"/>
-                                          </p:stCondLst>
-                                        </p:cTn>
-                                        <p:tgtEl>
-                                          <p:spTgt spid="3">
-                                            <p:txEl>
-                                              <p:pRg st="3" end="3"/>
-                                            </p:txEl>
-                                          </p:spTgt>
-                                        </p:tgtEl>
-                                        <p:attrNameLst>
-                                          <p:attrName>style.visibility</p:attrName>
-                                        </p:attrNameLst>
-                                      </p:cBhvr>
-                                      <p:to>
-                                        <p:strVal val="visible"/>
-                                      </p:to>
-                                    </p:set>
-                                    <p:animEffect transition="in" filter="fade">
-                                      <p:cBhvr>
-                                        <p:cTn id="28" dur="700"/>
-                                        <p:tgtEl>
-                                          <p:spTgt spid="3">
-                                            <p:txEl>
-                                              <p:pRg st="3" end="3"/>
-                                            </p:txEl>
-                                          </p:spTgt>
-                                        </p:tgtEl>
-                                      </p:cBhvr>
-                                    </p:animEffect>
-                                  </p:childTnLst>
-                                </p:cTn>
-                              </p:par>
-                            </p:childTnLst>
-                          </p:cTn>
-                        </p:par>
-                      </p:childTnLst>
-                    </p:cTn>
-                  </p:par>
-                  <p:par>
-                    <p:cTn id="29" fill="hold">
-                      <p:stCondLst>
-                        <p:cond delay="indefinite"/>
-                      </p:stCondLst>
-                      <p:childTnLst>
-                        <p:par>
-                          <p:cTn id="30" fill="hold">
-                            <p:stCondLst>
-                              <p:cond delay="0"/>
-                            </p:stCondLst>
-                            <p:childTnLst>
-                              <p:par>
-                                <p:cTn id="31" presetID="10" presetClass="entr" presetSubtype="0" fill="hold" grpId="0" nodeType="clickEffect">
-                                  <p:stCondLst>
-                                    <p:cond delay="1500"/>
-                                  </p:stCondLst>
-                                  <p:iterate>
-                                    <p:tmPct val="10000"/>
-                                  </p:iterate>
-                                  <p:childTnLst>
-                                    <p:set>
-                                      <p:cBhvr>
-                                        <p:cTn id="32" dur="1" fill="hold">
-                                          <p:stCondLst>
-                                            <p:cond delay="0"/>
-                                          </p:stCondLst>
-                                        </p:cTn>
-                                        <p:tgtEl>
-                                          <p:spTgt spid="3">
-                                            <p:txEl>
-                                              <p:pRg st="4" end="4"/>
-                                            </p:txEl>
-                                          </p:spTgt>
-                                        </p:tgtEl>
-                                        <p:attrNameLst>
-                                          <p:attrName>style.visibility</p:attrName>
-                                        </p:attrNameLst>
-                                      </p:cBhvr>
-                                      <p:to>
-                                        <p:strVal val="visible"/>
-                                      </p:to>
-                                    </p:set>
-                                    <p:animEffect transition="in" filter="fade">
-                                      <p:cBhvr>
-                                        <p:cTn id="33" dur="700"/>
-                                        <p:tgtEl>
-                                          <p:spTgt spid="3">
-                                            <p:txEl>
-                                              <p:pRg st="4" end="4"/>
-                                            </p:txEl>
-                                          </p:spTgt>
-                                        </p:tgtEl>
-                                      </p:cBhvr>
-                                    </p:animEffect>
-                                  </p:childTnLst>
-                                </p:cTn>
-                              </p:par>
-                            </p:childTnLst>
-                          </p:cTn>
-                        </p:par>
-                      </p:childTnLst>
-                    </p:cTn>
-                  </p:par>
-                  <p:par>
-                    <p:cTn id="34" fill="hold">
-                      <p:stCondLst>
-                        <p:cond delay="indefinite"/>
-                      </p:stCondLst>
-                      <p:childTnLst>
-                        <p:par>
-                          <p:cTn id="35" fill="hold">
-                            <p:stCondLst>
-                              <p:cond delay="0"/>
-                            </p:stCondLst>
-                            <p:childTnLst>
-                              <p:par>
-                                <p:cTn id="36" presetID="10" presetClass="entr" presetSubtype="0" fill="hold" grpId="0" nodeType="clickEffect">
-                                  <p:stCondLst>
-                                    <p:cond delay="1500"/>
-                                  </p:stCondLst>
-                                  <p:iterate>
-                                    <p:tmPct val="10000"/>
-                                  </p:iterate>
-                                  <p:childTnLst>
-                                    <p:set>
-                                      <p:cBhvr>
-                                        <p:cTn id="37" dur="1" fill="hold">
-                                          <p:stCondLst>
-                                            <p:cond delay="0"/>
-                                          </p:stCondLst>
-                                        </p:cTn>
-                                        <p:tgtEl>
-                                          <p:spTgt spid="3">
-                                            <p:txEl>
-                                              <p:pRg st="5" end="5"/>
-                                            </p:txEl>
-                                          </p:spTgt>
-                                        </p:tgtEl>
-                                        <p:attrNameLst>
-                                          <p:attrName>style.visibility</p:attrName>
-                                        </p:attrNameLst>
-                                      </p:cBhvr>
-                                      <p:to>
-                                        <p:strVal val="visible"/>
-                                      </p:to>
-                                    </p:set>
-                                    <p:animEffect transition="in" filter="fade">
-                                      <p:cBhvr>
-                                        <p:cTn id="38" dur="700"/>
-                                        <p:tgtEl>
-                                          <p:spTgt spid="3">
-                                            <p:txEl>
-                                              <p:pRg st="5" end="5"/>
-                                            </p:txEl>
-                                          </p:spTgt>
-                                        </p:tgtEl>
-                                      </p:cBhvr>
-                                    </p:animEffect>
-                                  </p:childTnLst>
-                                </p:cTn>
-                              </p:par>
-                            </p:childTnLst>
-                          </p:cTn>
-                        </p:par>
-                      </p:childTnLst>
-                    </p:cTn>
-                  </p:par>
-                  <p:par>
-                    <p:cTn id="39" fill="hold">
-                      <p:stCondLst>
-                        <p:cond delay="indefinite"/>
-                      </p:stCondLst>
-                      <p:childTnLst>
-                        <p:par>
-                          <p:cTn id="40" fill="hold">
-                            <p:stCondLst>
-                              <p:cond delay="0"/>
-                            </p:stCondLst>
-                            <p:childTnLst>
-                              <p:par>
-                                <p:cTn id="41" presetID="10" presetClass="entr" presetSubtype="0" fill="hold" grpId="0" nodeType="clickEffect">
-                                  <p:stCondLst>
-                                    <p:cond delay="1500"/>
-                                  </p:stCondLst>
-                                  <p:iterate>
-                                    <p:tmPct val="10000"/>
-                                  </p:iterate>
-                                  <p:childTnLst>
-                                    <p:set>
-                                      <p:cBhvr>
-                                        <p:cTn id="42" dur="1" fill="hold">
-                                          <p:stCondLst>
-                                            <p:cond delay="0"/>
-                                          </p:stCondLst>
-                                        </p:cTn>
-                                        <p:tgtEl>
-                                          <p:spTgt spid="3">
-                                            <p:txEl>
-                                              <p:pRg st="6" end="6"/>
-                                            </p:txEl>
-                                          </p:spTgt>
-                                        </p:tgtEl>
-                                        <p:attrNameLst>
-                                          <p:attrName>style.visibility</p:attrName>
-                                        </p:attrNameLst>
-                                      </p:cBhvr>
-                                      <p:to>
-                                        <p:strVal val="visible"/>
-                                      </p:to>
-                                    </p:set>
-                                    <p:animEffect transition="in" filter="fade">
-                                      <p:cBhvr>
-                                        <p:cTn id="43" dur="700"/>
-                                        <p:tgtEl>
-                                          <p:spTgt spid="3">
-                                            <p:txEl>
-                                              <p:pRg st="6" end="6"/>
-                                            </p:txEl>
-                                          </p:spTgt>
-                                        </p:tgtEl>
-                                      </p:cBhvr>
-                                    </p:animEffect>
-                                  </p:childTnLst>
-                                </p:cTn>
-                              </p:par>
-                            </p:childTnLst>
-                          </p:cTn>
-                        </p:par>
-                      </p:childTnLst>
-                    </p:cTn>
-                  </p:par>
-                  <p:par>
-                    <p:cTn id="44" fill="hold">
-                      <p:stCondLst>
-                        <p:cond delay="indefinite"/>
-                      </p:stCondLst>
-                      <p:childTnLst>
-                        <p:par>
-                          <p:cTn id="45" fill="hold">
-                            <p:stCondLst>
-                              <p:cond delay="0"/>
-                            </p:stCondLst>
-                            <p:childTnLst>
-                              <p:par>
-                                <p:cTn id="46" presetID="10" presetClass="entr" presetSubtype="0" fill="hold" grpId="0" nodeType="clickEffect">
-                                  <p:stCondLst>
-                                    <p:cond delay="1500"/>
-                                  </p:stCondLst>
-                                  <p:iterate>
-                                    <p:tmPct val="10000"/>
-                                  </p:iterate>
-                                  <p:childTnLst>
-                                    <p:set>
-                                      <p:cBhvr>
-                                        <p:cTn id="47" dur="1" fill="hold">
-                                          <p:stCondLst>
-                                            <p:cond delay="0"/>
-                                          </p:stCondLst>
-                                        </p:cTn>
-                                        <p:tgtEl>
-                                          <p:spTgt spid="3">
-                                            <p:txEl>
-                                              <p:pRg st="7" end="7"/>
-                                            </p:txEl>
-                                          </p:spTgt>
-                                        </p:tgtEl>
-                                        <p:attrNameLst>
-                                          <p:attrName>style.visibility</p:attrName>
-                                        </p:attrNameLst>
-                                      </p:cBhvr>
-                                      <p:to>
-                                        <p:strVal val="visible"/>
-                                      </p:to>
-                                    </p:set>
-                                    <p:animEffect transition="in" filter="fade">
-                                      <p:cBhvr>
-                                        <p:cTn id="48" dur="700"/>
-                                        <p:tgtEl>
-                                          <p:spTgt spid="3">
-                                            <p:txEl>
-                                              <p:pRg st="7" end="7"/>
-                                            </p:txEl>
-                                          </p:spTgt>
-                                        </p:tgtEl>
-                                      </p:cBhvr>
-                                    </p:animEffect>
-                                  </p:childTnLst>
-                                </p:cTn>
-                              </p:par>
-                            </p:childTnLst>
-                          </p:cTn>
-                        </p:par>
-                      </p:childTnLst>
-                    </p:cTn>
-                  </p:par>
-                  <p:par>
-                    <p:cTn id="49" fill="hold">
-                      <p:stCondLst>
-                        <p:cond delay="indefinite"/>
-                      </p:stCondLst>
-                      <p:childTnLst>
-                        <p:par>
-                          <p:cTn id="50" fill="hold">
-                            <p:stCondLst>
-                              <p:cond delay="0"/>
-                            </p:stCondLst>
-                            <p:childTnLst>
-                              <p:par>
-                                <p:cTn id="51" presetID="10" presetClass="entr" presetSubtype="0" fill="hold" grpId="0" nodeType="clickEffect">
-                                  <p:stCondLst>
-                                    <p:cond delay="1500"/>
-                                  </p:stCondLst>
-                                  <p:iterate>
-                                    <p:tmPct val="10000"/>
-                                  </p:iterate>
-                                  <p:childTnLst>
-                                    <p:set>
-                                      <p:cBhvr>
-                                        <p:cTn id="52" dur="1" fill="hold">
-                                          <p:stCondLst>
-                                            <p:cond delay="0"/>
-                                          </p:stCondLst>
-                                        </p:cTn>
-                                        <p:tgtEl>
-                                          <p:spTgt spid="3">
-                                            <p:txEl>
-                                              <p:pRg st="8" end="8"/>
-                                            </p:txEl>
-                                          </p:spTgt>
-                                        </p:tgtEl>
-                                        <p:attrNameLst>
-                                          <p:attrName>style.visibility</p:attrName>
-                                        </p:attrNameLst>
-                                      </p:cBhvr>
-                                      <p:to>
-                                        <p:strVal val="visible"/>
-                                      </p:to>
-                                    </p:set>
-                                    <p:animEffect transition="in" filter="fade">
-                                      <p:cBhvr>
-                                        <p:cTn id="53" dur="700"/>
-                                        <p:tgtEl>
-                                          <p:spTgt spid="3">
-                                            <p:txEl>
-                                              <p:pRg st="8" end="8"/>
-                                            </p:txEl>
-                                          </p:spTgt>
-                                        </p:tgtEl>
-                                      </p:cBhvr>
-                                    </p:animEffect>
-                                  </p:childTnLst>
-                                </p:cTn>
-                              </p:par>
-                            </p:childTnLst>
-                          </p:cTn>
-                        </p:par>
-                      </p:childTnLst>
-                    </p:cTn>
-                  </p:par>
-                  <p:par>
-                    <p:cTn id="54" fill="hold">
-                      <p:stCondLst>
-                        <p:cond delay="indefinite"/>
-                      </p:stCondLst>
-                      <p:childTnLst>
-                        <p:par>
-                          <p:cTn id="55" fill="hold">
-                            <p:stCondLst>
-                              <p:cond delay="0"/>
-                            </p:stCondLst>
-                            <p:childTnLst>
-                              <p:par>
-                                <p:cTn id="56" presetID="10" presetClass="entr" presetSubtype="0" fill="hold" grpId="0" nodeType="clickEffect">
-                                  <p:stCondLst>
-                                    <p:cond delay="1500"/>
-                                  </p:stCondLst>
-                                  <p:iterate>
-                                    <p:tmPct val="10000"/>
-                                  </p:iterate>
-                                  <p:childTnLst>
-                                    <p:set>
-                                      <p:cBhvr>
-                                        <p:cTn id="57" dur="1" fill="hold">
-                                          <p:stCondLst>
-                                            <p:cond delay="0"/>
-                                          </p:stCondLst>
-                                        </p:cTn>
-                                        <p:tgtEl>
-                                          <p:spTgt spid="3">
-                                            <p:txEl>
-                                              <p:pRg st="9" end="9"/>
-                                            </p:txEl>
-                                          </p:spTgt>
-                                        </p:tgtEl>
-                                        <p:attrNameLst>
-                                          <p:attrName>style.visibility</p:attrName>
-                                        </p:attrNameLst>
-                                      </p:cBhvr>
-                                      <p:to>
-                                        <p:strVal val="visible"/>
-                                      </p:to>
-                                    </p:set>
-                                    <p:animEffect transition="in" filter="fade">
-                                      <p:cBhvr>
-                                        <p:cTn id="58" dur="700"/>
-                                        <p:tgtEl>
-                                          <p:spTgt spid="3">
-                                            <p:txEl>
-                                              <p:pRg st="9" end="9"/>
-                                            </p:txEl>
-                                          </p:spTgt>
-                                        </p:tgtEl>
-                                      </p:cBhvr>
-                                    </p:animEffect>
-                                  </p:childTnLst>
-                                </p:cTn>
-                              </p:par>
-                            </p:childTnLst>
-                          </p:cTn>
-                        </p:par>
-                      </p:childTnLst>
-                    </p:cTn>
-                  </p:par>
-                </p:childTnLst>
-              </p:cTn>
-              <p:prevCondLst>
-                <p:cond evt="onPrev" delay="0">
-                  <p:tgtEl>
-                    <p:sldTgt/>
-                  </p:tgtEl>
-                </p:cond>
-              </p:prevCondLst>
-              <p:nextCondLst>
-                <p:cond evt="onNext" delay="0">
-                  <p:tgtEl>
-                    <p:sldTgt/>
-                  </p:tgtEl>
-                </p:cond>
-              </p:nextCondLst>
-            </p:seq>
-          </p:childTnLst>
-        </p:cTn>
-      </p:par>
-    </p:tnLst>
-    <p:bldLst>
-      <p:bldP spid="2" grpId="0"/>
-      <p:bldP spid="5" grpId="0" build="p"/>
-      <p:bldP spid="3" grpId="0" build="p"/>
-    </p:bldLst>
-  </p:timing>
+  <p:transition spd="slow">
+    <p:randomBar dir="vert"/>
+  </p:transition>
 </p:sld>
 </file>
 
@@ -15267,7 +11770,7 @@
               <a:rPr lang="cs-CZ" sz="3600" dirty="0">
                 <a:latin typeface="Aptos Black" panose="020B0004020202020204" pitchFamily="34" charset="0"/>
               </a:rPr>
-              <a:t>FIREWALL</a:t>
+              <a:t>(ohnivá zeď) FIREWALL</a:t>
             </a:r>
           </a:p>
         </p:txBody>
@@ -15909,6 +12412,18 @@
   <p:clrMapOvr>
     <a:masterClrMapping/>
   </p:clrMapOvr>
+  <mc:AlternateContent xmlns:mc="http://schemas.openxmlformats.org/markup-compatibility/2006">
+    <mc:Choice xmlns:p14="http://schemas.microsoft.com/office/powerpoint/2010/main" Requires="p14">
+      <p:transition spd="med" p14:dur="700">
+        <p:fade/>
+      </p:transition>
+    </mc:Choice>
+    <mc:Fallback>
+      <p:transition spd="med">
+        <p:fade/>
+      </p:transition>
+    </mc:Fallback>
+  </mc:AlternateContent>
   <p:timing>
     <p:tnLst>
       <p:par>
@@ -15970,615 +12485,6 @@
                                   </p:childTnLst>
                                 </p:cTn>
                               </p:par>
-                              <p:par>
-                                <p:cTn id="8" presetID="10" presetClass="entr" presetSubtype="0" fill="hold" grpId="0" nodeType="withEffect" nodePh="1">
-                                  <p:stCondLst>
-                                    <p:cond delay="1500"/>
-                                  </p:stCondLst>
-                                  <p:endCondLst>
-                                    <p:cond evt="begin" delay="0">
-                                      <p:tn val="8"/>
-                                    </p:cond>
-                                  </p:endCondLst>
-                                  <p:iterate>
-                                    <p:tmPct val="10000"/>
-                                  </p:iterate>
-                                  <p:childTnLst>
-                                    <p:set>
-                                      <p:cBhvr>
-                                        <p:cTn id="9" dur="1" fill="hold">
-                                          <p:stCondLst>
-                                            <p:cond delay="0"/>
-                                          </p:stCondLst>
-                                        </p:cTn>
-                                        <p:tgtEl>
-                                          <p:spTgt spid="5">
-                                            <p:txEl>
-                                              <p:pRg st="0" end="0"/>
-                                            </p:txEl>
-                                          </p:spTgt>
-                                        </p:tgtEl>
-                                        <p:attrNameLst>
-                                          <p:attrName>style.visibility</p:attrName>
-                                        </p:attrNameLst>
-                                      </p:cBhvr>
-                                      <p:to>
-                                        <p:strVal val="visible"/>
-                                      </p:to>
-                                    </p:set>
-                                    <p:animEffect transition="in" filter="fade">
-                                      <p:cBhvr>
-                                        <p:cTn id="10" dur="700"/>
-                                        <p:tgtEl>
-                                          <p:spTgt spid="5">
-                                            <p:txEl>
-                                              <p:pRg st="0" end="0"/>
-                                            </p:txEl>
-                                          </p:spTgt>
-                                        </p:tgtEl>
-                                      </p:cBhvr>
-                                    </p:animEffect>
-                                  </p:childTnLst>
-                                </p:cTn>
-                              </p:par>
-                              <p:par>
-                                <p:cTn id="11" presetID="10" presetClass="entr" presetSubtype="0" fill="hold" grpId="0" nodeType="withEffect">
-                                  <p:stCondLst>
-                                    <p:cond delay="1500"/>
-                                  </p:stCondLst>
-                                  <p:iterate>
-                                    <p:tmPct val="10000"/>
-                                  </p:iterate>
-                                  <p:childTnLst>
-                                    <p:set>
-                                      <p:cBhvr>
-                                        <p:cTn id="12" dur="1" fill="hold">
-                                          <p:stCondLst>
-                                            <p:cond delay="0"/>
-                                          </p:stCondLst>
-                                        </p:cTn>
-                                        <p:tgtEl>
-                                          <p:spTgt spid="3">
-                                            <p:txEl>
-                                              <p:pRg st="0" end="0"/>
-                                            </p:txEl>
-                                          </p:spTgt>
-                                        </p:tgtEl>
-                                        <p:attrNameLst>
-                                          <p:attrName>style.visibility</p:attrName>
-                                        </p:attrNameLst>
-                                      </p:cBhvr>
-                                      <p:to>
-                                        <p:strVal val="visible"/>
-                                      </p:to>
-                                    </p:set>
-                                    <p:animEffect transition="in" filter="fade">
-                                      <p:cBhvr>
-                                        <p:cTn id="13" dur="700"/>
-                                        <p:tgtEl>
-                                          <p:spTgt spid="3">
-                                            <p:txEl>
-                                              <p:pRg st="0" end="0"/>
-                                            </p:txEl>
-                                          </p:spTgt>
-                                        </p:tgtEl>
-                                      </p:cBhvr>
-                                    </p:animEffect>
-                                  </p:childTnLst>
-                                </p:cTn>
-                              </p:par>
-                            </p:childTnLst>
-                          </p:cTn>
-                        </p:par>
-                      </p:childTnLst>
-                    </p:cTn>
-                  </p:par>
-                  <p:par>
-                    <p:cTn id="14" fill="hold">
-                      <p:stCondLst>
-                        <p:cond delay="indefinite"/>
-                      </p:stCondLst>
-                      <p:childTnLst>
-                        <p:par>
-                          <p:cTn id="15" fill="hold">
-                            <p:stCondLst>
-                              <p:cond delay="0"/>
-                            </p:stCondLst>
-                            <p:childTnLst>
-                              <p:par>
-                                <p:cTn id="16" presetID="10" presetClass="entr" presetSubtype="0" fill="hold" grpId="0" nodeType="clickEffect">
-                                  <p:stCondLst>
-                                    <p:cond delay="1500"/>
-                                  </p:stCondLst>
-                                  <p:iterate>
-                                    <p:tmPct val="10000"/>
-                                  </p:iterate>
-                                  <p:childTnLst>
-                                    <p:set>
-                                      <p:cBhvr>
-                                        <p:cTn id="17" dur="1" fill="hold">
-                                          <p:stCondLst>
-                                            <p:cond delay="0"/>
-                                          </p:stCondLst>
-                                        </p:cTn>
-                                        <p:tgtEl>
-                                          <p:spTgt spid="3">
-                                            <p:txEl>
-                                              <p:pRg st="1" end="1"/>
-                                            </p:txEl>
-                                          </p:spTgt>
-                                        </p:tgtEl>
-                                        <p:attrNameLst>
-                                          <p:attrName>style.visibility</p:attrName>
-                                        </p:attrNameLst>
-                                      </p:cBhvr>
-                                      <p:to>
-                                        <p:strVal val="visible"/>
-                                      </p:to>
-                                    </p:set>
-                                    <p:animEffect transition="in" filter="fade">
-                                      <p:cBhvr>
-                                        <p:cTn id="18" dur="700"/>
-                                        <p:tgtEl>
-                                          <p:spTgt spid="3">
-                                            <p:txEl>
-                                              <p:pRg st="1" end="1"/>
-                                            </p:txEl>
-                                          </p:spTgt>
-                                        </p:tgtEl>
-                                      </p:cBhvr>
-                                    </p:animEffect>
-                                  </p:childTnLst>
-                                </p:cTn>
-                              </p:par>
-                            </p:childTnLst>
-                          </p:cTn>
-                        </p:par>
-                      </p:childTnLst>
-                    </p:cTn>
-                  </p:par>
-                  <p:par>
-                    <p:cTn id="19" fill="hold">
-                      <p:stCondLst>
-                        <p:cond delay="indefinite"/>
-                      </p:stCondLst>
-                      <p:childTnLst>
-                        <p:par>
-                          <p:cTn id="20" fill="hold">
-                            <p:stCondLst>
-                              <p:cond delay="0"/>
-                            </p:stCondLst>
-                            <p:childTnLst>
-                              <p:par>
-                                <p:cTn id="21" presetID="10" presetClass="entr" presetSubtype="0" fill="hold" grpId="0" nodeType="clickEffect">
-                                  <p:stCondLst>
-                                    <p:cond delay="1500"/>
-                                  </p:stCondLst>
-                                  <p:iterate>
-                                    <p:tmPct val="10000"/>
-                                  </p:iterate>
-                                  <p:childTnLst>
-                                    <p:set>
-                                      <p:cBhvr>
-                                        <p:cTn id="22" dur="1" fill="hold">
-                                          <p:stCondLst>
-                                            <p:cond delay="0"/>
-                                          </p:stCondLst>
-                                        </p:cTn>
-                                        <p:tgtEl>
-                                          <p:spTgt spid="3">
-                                            <p:txEl>
-                                              <p:pRg st="2" end="2"/>
-                                            </p:txEl>
-                                          </p:spTgt>
-                                        </p:tgtEl>
-                                        <p:attrNameLst>
-                                          <p:attrName>style.visibility</p:attrName>
-                                        </p:attrNameLst>
-                                      </p:cBhvr>
-                                      <p:to>
-                                        <p:strVal val="visible"/>
-                                      </p:to>
-                                    </p:set>
-                                    <p:animEffect transition="in" filter="fade">
-                                      <p:cBhvr>
-                                        <p:cTn id="23" dur="700"/>
-                                        <p:tgtEl>
-                                          <p:spTgt spid="3">
-                                            <p:txEl>
-                                              <p:pRg st="2" end="2"/>
-                                            </p:txEl>
-                                          </p:spTgt>
-                                        </p:tgtEl>
-                                      </p:cBhvr>
-                                    </p:animEffect>
-                                  </p:childTnLst>
-                                </p:cTn>
-                              </p:par>
-                            </p:childTnLst>
-                          </p:cTn>
-                        </p:par>
-                      </p:childTnLst>
-                    </p:cTn>
-                  </p:par>
-                  <p:par>
-                    <p:cTn id="24" fill="hold">
-                      <p:stCondLst>
-                        <p:cond delay="indefinite"/>
-                      </p:stCondLst>
-                      <p:childTnLst>
-                        <p:par>
-                          <p:cTn id="25" fill="hold">
-                            <p:stCondLst>
-                              <p:cond delay="0"/>
-                            </p:stCondLst>
-                            <p:childTnLst>
-                              <p:par>
-                                <p:cTn id="26" presetID="10" presetClass="entr" presetSubtype="0" fill="hold" grpId="0" nodeType="clickEffect">
-                                  <p:stCondLst>
-                                    <p:cond delay="1500"/>
-                                  </p:stCondLst>
-                                  <p:iterate>
-                                    <p:tmPct val="10000"/>
-                                  </p:iterate>
-                                  <p:childTnLst>
-                                    <p:set>
-                                      <p:cBhvr>
-                                        <p:cTn id="27" dur="1" fill="hold">
-                                          <p:stCondLst>
-                                            <p:cond delay="0"/>
-                                          </p:stCondLst>
-                                        </p:cTn>
-                                        <p:tgtEl>
-                                          <p:spTgt spid="3">
-                                            <p:txEl>
-                                              <p:pRg st="3" end="3"/>
-                                            </p:txEl>
-                                          </p:spTgt>
-                                        </p:tgtEl>
-                                        <p:attrNameLst>
-                                          <p:attrName>style.visibility</p:attrName>
-                                        </p:attrNameLst>
-                                      </p:cBhvr>
-                                      <p:to>
-                                        <p:strVal val="visible"/>
-                                      </p:to>
-                                    </p:set>
-                                    <p:animEffect transition="in" filter="fade">
-                                      <p:cBhvr>
-                                        <p:cTn id="28" dur="700"/>
-                                        <p:tgtEl>
-                                          <p:spTgt spid="3">
-                                            <p:txEl>
-                                              <p:pRg st="3" end="3"/>
-                                            </p:txEl>
-                                          </p:spTgt>
-                                        </p:tgtEl>
-                                      </p:cBhvr>
-                                    </p:animEffect>
-                                  </p:childTnLst>
-                                </p:cTn>
-                              </p:par>
-                            </p:childTnLst>
-                          </p:cTn>
-                        </p:par>
-                      </p:childTnLst>
-                    </p:cTn>
-                  </p:par>
-                  <p:par>
-                    <p:cTn id="29" fill="hold">
-                      <p:stCondLst>
-                        <p:cond delay="indefinite"/>
-                      </p:stCondLst>
-                      <p:childTnLst>
-                        <p:par>
-                          <p:cTn id="30" fill="hold">
-                            <p:stCondLst>
-                              <p:cond delay="0"/>
-                            </p:stCondLst>
-                            <p:childTnLst>
-                              <p:par>
-                                <p:cTn id="31" presetID="10" presetClass="entr" presetSubtype="0" fill="hold" grpId="0" nodeType="clickEffect">
-                                  <p:stCondLst>
-                                    <p:cond delay="1500"/>
-                                  </p:stCondLst>
-                                  <p:iterate>
-                                    <p:tmPct val="10000"/>
-                                  </p:iterate>
-                                  <p:childTnLst>
-                                    <p:set>
-                                      <p:cBhvr>
-                                        <p:cTn id="32" dur="1" fill="hold">
-                                          <p:stCondLst>
-                                            <p:cond delay="0"/>
-                                          </p:stCondLst>
-                                        </p:cTn>
-                                        <p:tgtEl>
-                                          <p:spTgt spid="3">
-                                            <p:txEl>
-                                              <p:pRg st="4" end="4"/>
-                                            </p:txEl>
-                                          </p:spTgt>
-                                        </p:tgtEl>
-                                        <p:attrNameLst>
-                                          <p:attrName>style.visibility</p:attrName>
-                                        </p:attrNameLst>
-                                      </p:cBhvr>
-                                      <p:to>
-                                        <p:strVal val="visible"/>
-                                      </p:to>
-                                    </p:set>
-                                    <p:animEffect transition="in" filter="fade">
-                                      <p:cBhvr>
-                                        <p:cTn id="33" dur="700"/>
-                                        <p:tgtEl>
-                                          <p:spTgt spid="3">
-                                            <p:txEl>
-                                              <p:pRg st="4" end="4"/>
-                                            </p:txEl>
-                                          </p:spTgt>
-                                        </p:tgtEl>
-                                      </p:cBhvr>
-                                    </p:animEffect>
-                                  </p:childTnLst>
-                                </p:cTn>
-                              </p:par>
-                            </p:childTnLst>
-                          </p:cTn>
-                        </p:par>
-                      </p:childTnLst>
-                    </p:cTn>
-                  </p:par>
-                  <p:par>
-                    <p:cTn id="34" fill="hold">
-                      <p:stCondLst>
-                        <p:cond delay="indefinite"/>
-                      </p:stCondLst>
-                      <p:childTnLst>
-                        <p:par>
-                          <p:cTn id="35" fill="hold">
-                            <p:stCondLst>
-                              <p:cond delay="0"/>
-                            </p:stCondLst>
-                            <p:childTnLst>
-                              <p:par>
-                                <p:cTn id="36" presetID="10" presetClass="entr" presetSubtype="0" fill="hold" grpId="0" nodeType="clickEffect">
-                                  <p:stCondLst>
-                                    <p:cond delay="1500"/>
-                                  </p:stCondLst>
-                                  <p:iterate>
-                                    <p:tmPct val="10000"/>
-                                  </p:iterate>
-                                  <p:childTnLst>
-                                    <p:set>
-                                      <p:cBhvr>
-                                        <p:cTn id="37" dur="1" fill="hold">
-                                          <p:stCondLst>
-                                            <p:cond delay="0"/>
-                                          </p:stCondLst>
-                                        </p:cTn>
-                                        <p:tgtEl>
-                                          <p:spTgt spid="3">
-                                            <p:txEl>
-                                              <p:pRg st="5" end="5"/>
-                                            </p:txEl>
-                                          </p:spTgt>
-                                        </p:tgtEl>
-                                        <p:attrNameLst>
-                                          <p:attrName>style.visibility</p:attrName>
-                                        </p:attrNameLst>
-                                      </p:cBhvr>
-                                      <p:to>
-                                        <p:strVal val="visible"/>
-                                      </p:to>
-                                    </p:set>
-                                    <p:animEffect transition="in" filter="fade">
-                                      <p:cBhvr>
-                                        <p:cTn id="38" dur="700"/>
-                                        <p:tgtEl>
-                                          <p:spTgt spid="3">
-                                            <p:txEl>
-                                              <p:pRg st="5" end="5"/>
-                                            </p:txEl>
-                                          </p:spTgt>
-                                        </p:tgtEl>
-                                      </p:cBhvr>
-                                    </p:animEffect>
-                                  </p:childTnLst>
-                                </p:cTn>
-                              </p:par>
-                            </p:childTnLst>
-                          </p:cTn>
-                        </p:par>
-                      </p:childTnLst>
-                    </p:cTn>
-                  </p:par>
-                  <p:par>
-                    <p:cTn id="39" fill="hold">
-                      <p:stCondLst>
-                        <p:cond delay="indefinite"/>
-                      </p:stCondLst>
-                      <p:childTnLst>
-                        <p:par>
-                          <p:cTn id="40" fill="hold">
-                            <p:stCondLst>
-                              <p:cond delay="0"/>
-                            </p:stCondLst>
-                            <p:childTnLst>
-                              <p:par>
-                                <p:cTn id="41" presetID="10" presetClass="entr" presetSubtype="0" fill="hold" grpId="0" nodeType="clickEffect">
-                                  <p:stCondLst>
-                                    <p:cond delay="1500"/>
-                                  </p:stCondLst>
-                                  <p:iterate>
-                                    <p:tmPct val="10000"/>
-                                  </p:iterate>
-                                  <p:childTnLst>
-                                    <p:set>
-                                      <p:cBhvr>
-                                        <p:cTn id="42" dur="1" fill="hold">
-                                          <p:stCondLst>
-                                            <p:cond delay="0"/>
-                                          </p:stCondLst>
-                                        </p:cTn>
-                                        <p:tgtEl>
-                                          <p:spTgt spid="3">
-                                            <p:txEl>
-                                              <p:pRg st="6" end="6"/>
-                                            </p:txEl>
-                                          </p:spTgt>
-                                        </p:tgtEl>
-                                        <p:attrNameLst>
-                                          <p:attrName>style.visibility</p:attrName>
-                                        </p:attrNameLst>
-                                      </p:cBhvr>
-                                      <p:to>
-                                        <p:strVal val="visible"/>
-                                      </p:to>
-                                    </p:set>
-                                    <p:animEffect transition="in" filter="fade">
-                                      <p:cBhvr>
-                                        <p:cTn id="43" dur="700"/>
-                                        <p:tgtEl>
-                                          <p:spTgt spid="3">
-                                            <p:txEl>
-                                              <p:pRg st="6" end="6"/>
-                                            </p:txEl>
-                                          </p:spTgt>
-                                        </p:tgtEl>
-                                      </p:cBhvr>
-                                    </p:animEffect>
-                                  </p:childTnLst>
-                                </p:cTn>
-                              </p:par>
-                            </p:childTnLst>
-                          </p:cTn>
-                        </p:par>
-                      </p:childTnLst>
-                    </p:cTn>
-                  </p:par>
-                  <p:par>
-                    <p:cTn id="44" fill="hold">
-                      <p:stCondLst>
-                        <p:cond delay="indefinite"/>
-                      </p:stCondLst>
-                      <p:childTnLst>
-                        <p:par>
-                          <p:cTn id="45" fill="hold">
-                            <p:stCondLst>
-                              <p:cond delay="0"/>
-                            </p:stCondLst>
-                            <p:childTnLst>
-                              <p:par>
-                                <p:cTn id="46" presetID="10" presetClass="entr" presetSubtype="0" fill="hold" grpId="0" nodeType="clickEffect">
-                                  <p:stCondLst>
-                                    <p:cond delay="1500"/>
-                                  </p:stCondLst>
-                                  <p:iterate>
-                                    <p:tmPct val="10000"/>
-                                  </p:iterate>
-                                  <p:childTnLst>
-                                    <p:set>
-                                      <p:cBhvr>
-                                        <p:cTn id="47" dur="1" fill="hold">
-                                          <p:stCondLst>
-                                            <p:cond delay="0"/>
-                                          </p:stCondLst>
-                                        </p:cTn>
-                                        <p:tgtEl>
-                                          <p:spTgt spid="3">
-                                            <p:txEl>
-                                              <p:pRg st="7" end="7"/>
-                                            </p:txEl>
-                                          </p:spTgt>
-                                        </p:tgtEl>
-                                        <p:attrNameLst>
-                                          <p:attrName>style.visibility</p:attrName>
-                                        </p:attrNameLst>
-                                      </p:cBhvr>
-                                      <p:to>
-                                        <p:strVal val="visible"/>
-                                      </p:to>
-                                    </p:set>
-                                    <p:animEffect transition="in" filter="fade">
-                                      <p:cBhvr>
-                                        <p:cTn id="48" dur="700"/>
-                                        <p:tgtEl>
-                                          <p:spTgt spid="3">
-                                            <p:txEl>
-                                              <p:pRg st="7" end="7"/>
-                                            </p:txEl>
-                                          </p:spTgt>
-                                        </p:tgtEl>
-                                      </p:cBhvr>
-                                    </p:animEffect>
-                                  </p:childTnLst>
-                                </p:cTn>
-                              </p:par>
-                            </p:childTnLst>
-                          </p:cTn>
-                        </p:par>
-                      </p:childTnLst>
-                    </p:cTn>
-                  </p:par>
-                  <p:par>
-                    <p:cTn id="49" fill="hold">
-                      <p:stCondLst>
-                        <p:cond delay="indefinite"/>
-                      </p:stCondLst>
-                      <p:childTnLst>
-                        <p:par>
-                          <p:cTn id="50" fill="hold">
-                            <p:stCondLst>
-                              <p:cond delay="0"/>
-                            </p:stCondLst>
-                            <p:childTnLst>
-                              <p:par>
-                                <p:cTn id="51" presetID="10" presetClass="entr" presetSubtype="0" fill="hold" grpId="0" nodeType="clickEffect">
-                                  <p:stCondLst>
-                                    <p:cond delay="1500"/>
-                                  </p:stCondLst>
-                                  <p:iterate>
-                                    <p:tmPct val="10000"/>
-                                  </p:iterate>
-                                  <p:childTnLst>
-                                    <p:set>
-                                      <p:cBhvr>
-                                        <p:cTn id="52" dur="1" fill="hold">
-                                          <p:stCondLst>
-                                            <p:cond delay="0"/>
-                                          </p:stCondLst>
-                                        </p:cTn>
-                                        <p:tgtEl>
-                                          <p:spTgt spid="3">
-                                            <p:txEl>
-                                              <p:pRg st="8" end="8"/>
-                                            </p:txEl>
-                                          </p:spTgt>
-                                        </p:tgtEl>
-                                        <p:attrNameLst>
-                                          <p:attrName>style.visibility</p:attrName>
-                                        </p:attrNameLst>
-                                      </p:cBhvr>
-                                      <p:to>
-                                        <p:strVal val="visible"/>
-                                      </p:to>
-                                    </p:set>
-                                    <p:animEffect transition="in" filter="fade">
-                                      <p:cBhvr>
-                                        <p:cTn id="53" dur="700"/>
-                                        <p:tgtEl>
-                                          <p:spTgt spid="3">
-                                            <p:txEl>
-                                              <p:pRg st="8" end="8"/>
-                                            </p:txEl>
-                                          </p:spTgt>
-                                        </p:tgtEl>
-                                      </p:cBhvr>
-                                    </p:animEffect>
-                                  </p:childTnLst>
-                                </p:cTn>
-                              </p:par>
                             </p:childTnLst>
                           </p:cTn>
                         </p:par>
@@ -16608,8 +12514,6 @@
     </p:tnLst>
     <p:bldLst>
       <p:bldP spid="2" grpId="0"/>
-      <p:bldP spid="5" grpId="0" build="p"/>
-      <p:bldP spid="3" grpId="0" build="p"/>
     </p:bldLst>
   </p:timing>
 </p:sld>
@@ -17332,627 +13236,18 @@
   <p:clrMapOvr>
     <a:masterClrMapping/>
   </p:clrMapOvr>
-  <p:timing>
-    <p:tnLst>
-      <p:par>
-        <p:cTn id="1" dur="indefinite" restart="never" nodeType="tmRoot">
-          <p:childTnLst>
-            <p:seq concurrent="1" nextAc="seek">
-              <p:cTn id="2" dur="indefinite" nodeType="mainSeq">
-                <p:childTnLst>
-                  <p:par>
-                    <p:cTn id="3" fill="hold">
-                      <p:stCondLst>
-                        <p:cond delay="indefinite"/>
-                        <p:cond evt="onBegin" delay="0">
-                          <p:tn val="2"/>
-                        </p:cond>
-                      </p:stCondLst>
-                      <p:childTnLst>
-                        <p:par>
-                          <p:cTn id="4" fill="hold">
-                            <p:stCondLst>
-                              <p:cond delay="0"/>
-                            </p:stCondLst>
-                            <p:childTnLst>
-                              <p:par>
-                                <p:cTn id="5" presetID="10" presetClass="entr" presetSubtype="0" fill="hold" grpId="0" nodeType="withEffect">
-                                  <p:stCondLst>
-                                    <p:cond delay="1000"/>
-                                  </p:stCondLst>
-                                  <p:iterate>
-                                    <p:tmPct val="10000"/>
-                                  </p:iterate>
-                                  <p:childTnLst>
-                                    <p:set>
-                                      <p:cBhvr>
-                                        <p:cTn id="6" dur="1" fill="hold">
-                                          <p:stCondLst>
-                                            <p:cond delay="0"/>
-                                          </p:stCondLst>
-                                        </p:cTn>
-                                        <p:tgtEl>
-                                          <p:spTgt spid="2"/>
-                                        </p:tgtEl>
-                                        <p:attrNameLst>
-                                          <p:attrName>style.visibility</p:attrName>
-                                        </p:attrNameLst>
-                                      </p:cBhvr>
-                                      <p:to>
-                                        <p:strVal val="visible"/>
-                                      </p:to>
-                                    </p:set>
-                                    <p:animEffect transition="in" filter="fade">
-                                      <p:cBhvr>
-                                        <p:cTn id="7" dur="700"/>
-                                        <p:tgtEl>
-                                          <p:spTgt spid="2"/>
-                                        </p:tgtEl>
-                                      </p:cBhvr>
-                                    </p:animEffect>
-                                  </p:childTnLst>
-                                </p:cTn>
-                              </p:par>
-                              <p:par>
-                                <p:cTn id="8" presetID="10" presetClass="entr" presetSubtype="0" fill="hold" grpId="0" nodeType="withEffect" nodePh="1">
-                                  <p:stCondLst>
-                                    <p:cond delay="1500"/>
-                                  </p:stCondLst>
-                                  <p:endCondLst>
-                                    <p:cond evt="begin" delay="0">
-                                      <p:tn val="8"/>
-                                    </p:cond>
-                                  </p:endCondLst>
-                                  <p:iterate>
-                                    <p:tmPct val="10000"/>
-                                  </p:iterate>
-                                  <p:childTnLst>
-                                    <p:set>
-                                      <p:cBhvr>
-                                        <p:cTn id="9" dur="1" fill="hold">
-                                          <p:stCondLst>
-                                            <p:cond delay="0"/>
-                                          </p:stCondLst>
-                                        </p:cTn>
-                                        <p:tgtEl>
-                                          <p:spTgt spid="5">
-                                            <p:txEl>
-                                              <p:pRg st="0" end="0"/>
-                                            </p:txEl>
-                                          </p:spTgt>
-                                        </p:tgtEl>
-                                        <p:attrNameLst>
-                                          <p:attrName>style.visibility</p:attrName>
-                                        </p:attrNameLst>
-                                      </p:cBhvr>
-                                      <p:to>
-                                        <p:strVal val="visible"/>
-                                      </p:to>
-                                    </p:set>
-                                    <p:animEffect transition="in" filter="fade">
-                                      <p:cBhvr>
-                                        <p:cTn id="10" dur="700"/>
-                                        <p:tgtEl>
-                                          <p:spTgt spid="5">
-                                            <p:txEl>
-                                              <p:pRg st="0" end="0"/>
-                                            </p:txEl>
-                                          </p:spTgt>
-                                        </p:tgtEl>
-                                      </p:cBhvr>
-                                    </p:animEffect>
-                                  </p:childTnLst>
-                                </p:cTn>
-                              </p:par>
-                              <p:par>
-                                <p:cTn id="11" presetID="10" presetClass="entr" presetSubtype="0" fill="hold" grpId="0" nodeType="withEffect">
-                                  <p:stCondLst>
-                                    <p:cond delay="1500"/>
-                                  </p:stCondLst>
-                                  <p:iterate>
-                                    <p:tmPct val="10000"/>
-                                  </p:iterate>
-                                  <p:childTnLst>
-                                    <p:set>
-                                      <p:cBhvr>
-                                        <p:cTn id="12" dur="1" fill="hold">
-                                          <p:stCondLst>
-                                            <p:cond delay="0"/>
-                                          </p:stCondLst>
-                                        </p:cTn>
-                                        <p:tgtEl>
-                                          <p:spTgt spid="3">
-                                            <p:txEl>
-                                              <p:pRg st="0" end="0"/>
-                                            </p:txEl>
-                                          </p:spTgt>
-                                        </p:tgtEl>
-                                        <p:attrNameLst>
-                                          <p:attrName>style.visibility</p:attrName>
-                                        </p:attrNameLst>
-                                      </p:cBhvr>
-                                      <p:to>
-                                        <p:strVal val="visible"/>
-                                      </p:to>
-                                    </p:set>
-                                    <p:animEffect transition="in" filter="fade">
-                                      <p:cBhvr>
-                                        <p:cTn id="13" dur="700"/>
-                                        <p:tgtEl>
-                                          <p:spTgt spid="3">
-                                            <p:txEl>
-                                              <p:pRg st="0" end="0"/>
-                                            </p:txEl>
-                                          </p:spTgt>
-                                        </p:tgtEl>
-                                      </p:cBhvr>
-                                    </p:animEffect>
-                                  </p:childTnLst>
-                                </p:cTn>
-                              </p:par>
-                            </p:childTnLst>
-                          </p:cTn>
-                        </p:par>
-                      </p:childTnLst>
-                    </p:cTn>
-                  </p:par>
-                  <p:par>
-                    <p:cTn id="14" fill="hold">
-                      <p:stCondLst>
-                        <p:cond delay="indefinite"/>
-                      </p:stCondLst>
-                      <p:childTnLst>
-                        <p:par>
-                          <p:cTn id="15" fill="hold">
-                            <p:stCondLst>
-                              <p:cond delay="0"/>
-                            </p:stCondLst>
-                            <p:childTnLst>
-                              <p:par>
-                                <p:cTn id="16" presetID="10" presetClass="entr" presetSubtype="0" fill="hold" grpId="0" nodeType="clickEffect">
-                                  <p:stCondLst>
-                                    <p:cond delay="1500"/>
-                                  </p:stCondLst>
-                                  <p:iterate>
-                                    <p:tmPct val="10000"/>
-                                  </p:iterate>
-                                  <p:childTnLst>
-                                    <p:set>
-                                      <p:cBhvr>
-                                        <p:cTn id="17" dur="1" fill="hold">
-                                          <p:stCondLst>
-                                            <p:cond delay="0"/>
-                                          </p:stCondLst>
-                                        </p:cTn>
-                                        <p:tgtEl>
-                                          <p:spTgt spid="3">
-                                            <p:txEl>
-                                              <p:pRg st="1" end="1"/>
-                                            </p:txEl>
-                                          </p:spTgt>
-                                        </p:tgtEl>
-                                        <p:attrNameLst>
-                                          <p:attrName>style.visibility</p:attrName>
-                                        </p:attrNameLst>
-                                      </p:cBhvr>
-                                      <p:to>
-                                        <p:strVal val="visible"/>
-                                      </p:to>
-                                    </p:set>
-                                    <p:animEffect transition="in" filter="fade">
-                                      <p:cBhvr>
-                                        <p:cTn id="18" dur="700"/>
-                                        <p:tgtEl>
-                                          <p:spTgt spid="3">
-                                            <p:txEl>
-                                              <p:pRg st="1" end="1"/>
-                                            </p:txEl>
-                                          </p:spTgt>
-                                        </p:tgtEl>
-                                      </p:cBhvr>
-                                    </p:animEffect>
-                                  </p:childTnLst>
-                                </p:cTn>
-                              </p:par>
-                            </p:childTnLst>
-                          </p:cTn>
-                        </p:par>
-                      </p:childTnLst>
-                    </p:cTn>
-                  </p:par>
-                  <p:par>
-                    <p:cTn id="19" fill="hold">
-                      <p:stCondLst>
-                        <p:cond delay="indefinite"/>
-                      </p:stCondLst>
-                      <p:childTnLst>
-                        <p:par>
-                          <p:cTn id="20" fill="hold">
-                            <p:stCondLst>
-                              <p:cond delay="0"/>
-                            </p:stCondLst>
-                            <p:childTnLst>
-                              <p:par>
-                                <p:cTn id="21" presetID="10" presetClass="entr" presetSubtype="0" fill="hold" grpId="0" nodeType="clickEffect">
-                                  <p:stCondLst>
-                                    <p:cond delay="1500"/>
-                                  </p:stCondLst>
-                                  <p:iterate>
-                                    <p:tmPct val="10000"/>
-                                  </p:iterate>
-                                  <p:childTnLst>
-                                    <p:set>
-                                      <p:cBhvr>
-                                        <p:cTn id="22" dur="1" fill="hold">
-                                          <p:stCondLst>
-                                            <p:cond delay="0"/>
-                                          </p:stCondLst>
-                                        </p:cTn>
-                                        <p:tgtEl>
-                                          <p:spTgt spid="3">
-                                            <p:txEl>
-                                              <p:pRg st="2" end="2"/>
-                                            </p:txEl>
-                                          </p:spTgt>
-                                        </p:tgtEl>
-                                        <p:attrNameLst>
-                                          <p:attrName>style.visibility</p:attrName>
-                                        </p:attrNameLst>
-                                      </p:cBhvr>
-                                      <p:to>
-                                        <p:strVal val="visible"/>
-                                      </p:to>
-                                    </p:set>
-                                    <p:animEffect transition="in" filter="fade">
-                                      <p:cBhvr>
-                                        <p:cTn id="23" dur="700"/>
-                                        <p:tgtEl>
-                                          <p:spTgt spid="3">
-                                            <p:txEl>
-                                              <p:pRg st="2" end="2"/>
-                                            </p:txEl>
-                                          </p:spTgt>
-                                        </p:tgtEl>
-                                      </p:cBhvr>
-                                    </p:animEffect>
-                                  </p:childTnLst>
-                                </p:cTn>
-                              </p:par>
-                            </p:childTnLst>
-                          </p:cTn>
-                        </p:par>
-                      </p:childTnLst>
-                    </p:cTn>
-                  </p:par>
-                  <p:par>
-                    <p:cTn id="24" fill="hold">
-                      <p:stCondLst>
-                        <p:cond delay="indefinite"/>
-                      </p:stCondLst>
-                      <p:childTnLst>
-                        <p:par>
-                          <p:cTn id="25" fill="hold">
-                            <p:stCondLst>
-                              <p:cond delay="0"/>
-                            </p:stCondLst>
-                            <p:childTnLst>
-                              <p:par>
-                                <p:cTn id="26" presetID="10" presetClass="entr" presetSubtype="0" fill="hold" grpId="0" nodeType="clickEffect">
-                                  <p:stCondLst>
-                                    <p:cond delay="1500"/>
-                                  </p:stCondLst>
-                                  <p:iterate>
-                                    <p:tmPct val="10000"/>
-                                  </p:iterate>
-                                  <p:childTnLst>
-                                    <p:set>
-                                      <p:cBhvr>
-                                        <p:cTn id="27" dur="1" fill="hold">
-                                          <p:stCondLst>
-                                            <p:cond delay="0"/>
-                                          </p:stCondLst>
-                                        </p:cTn>
-                                        <p:tgtEl>
-                                          <p:spTgt spid="3">
-                                            <p:txEl>
-                                              <p:pRg st="3" end="3"/>
-                                            </p:txEl>
-                                          </p:spTgt>
-                                        </p:tgtEl>
-                                        <p:attrNameLst>
-                                          <p:attrName>style.visibility</p:attrName>
-                                        </p:attrNameLst>
-                                      </p:cBhvr>
-                                      <p:to>
-                                        <p:strVal val="visible"/>
-                                      </p:to>
-                                    </p:set>
-                                    <p:animEffect transition="in" filter="fade">
-                                      <p:cBhvr>
-                                        <p:cTn id="28" dur="700"/>
-                                        <p:tgtEl>
-                                          <p:spTgt spid="3">
-                                            <p:txEl>
-                                              <p:pRg st="3" end="3"/>
-                                            </p:txEl>
-                                          </p:spTgt>
-                                        </p:tgtEl>
-                                      </p:cBhvr>
-                                    </p:animEffect>
-                                  </p:childTnLst>
-                                </p:cTn>
-                              </p:par>
-                            </p:childTnLst>
-                          </p:cTn>
-                        </p:par>
-                      </p:childTnLst>
-                    </p:cTn>
-                  </p:par>
-                  <p:par>
-                    <p:cTn id="29" fill="hold">
-                      <p:stCondLst>
-                        <p:cond delay="indefinite"/>
-                      </p:stCondLst>
-                      <p:childTnLst>
-                        <p:par>
-                          <p:cTn id="30" fill="hold">
-                            <p:stCondLst>
-                              <p:cond delay="0"/>
-                            </p:stCondLst>
-                            <p:childTnLst>
-                              <p:par>
-                                <p:cTn id="31" presetID="10" presetClass="entr" presetSubtype="0" fill="hold" grpId="0" nodeType="clickEffect">
-                                  <p:stCondLst>
-                                    <p:cond delay="1500"/>
-                                  </p:stCondLst>
-                                  <p:iterate>
-                                    <p:tmPct val="10000"/>
-                                  </p:iterate>
-                                  <p:childTnLst>
-                                    <p:set>
-                                      <p:cBhvr>
-                                        <p:cTn id="32" dur="1" fill="hold">
-                                          <p:stCondLst>
-                                            <p:cond delay="0"/>
-                                          </p:stCondLst>
-                                        </p:cTn>
-                                        <p:tgtEl>
-                                          <p:spTgt spid="3">
-                                            <p:txEl>
-                                              <p:pRg st="4" end="4"/>
-                                            </p:txEl>
-                                          </p:spTgt>
-                                        </p:tgtEl>
-                                        <p:attrNameLst>
-                                          <p:attrName>style.visibility</p:attrName>
-                                        </p:attrNameLst>
-                                      </p:cBhvr>
-                                      <p:to>
-                                        <p:strVal val="visible"/>
-                                      </p:to>
-                                    </p:set>
-                                    <p:animEffect transition="in" filter="fade">
-                                      <p:cBhvr>
-                                        <p:cTn id="33" dur="700"/>
-                                        <p:tgtEl>
-                                          <p:spTgt spid="3">
-                                            <p:txEl>
-                                              <p:pRg st="4" end="4"/>
-                                            </p:txEl>
-                                          </p:spTgt>
-                                        </p:tgtEl>
-                                      </p:cBhvr>
-                                    </p:animEffect>
-                                  </p:childTnLst>
-                                </p:cTn>
-                              </p:par>
-                            </p:childTnLst>
-                          </p:cTn>
-                        </p:par>
-                      </p:childTnLst>
-                    </p:cTn>
-                  </p:par>
-                  <p:par>
-                    <p:cTn id="34" fill="hold">
-                      <p:stCondLst>
-                        <p:cond delay="indefinite"/>
-                      </p:stCondLst>
-                      <p:childTnLst>
-                        <p:par>
-                          <p:cTn id="35" fill="hold">
-                            <p:stCondLst>
-                              <p:cond delay="0"/>
-                            </p:stCondLst>
-                            <p:childTnLst>
-                              <p:par>
-                                <p:cTn id="36" presetID="10" presetClass="entr" presetSubtype="0" fill="hold" grpId="0" nodeType="clickEffect">
-                                  <p:stCondLst>
-                                    <p:cond delay="1500"/>
-                                  </p:stCondLst>
-                                  <p:iterate>
-                                    <p:tmPct val="10000"/>
-                                  </p:iterate>
-                                  <p:childTnLst>
-                                    <p:set>
-                                      <p:cBhvr>
-                                        <p:cTn id="37" dur="1" fill="hold">
-                                          <p:stCondLst>
-                                            <p:cond delay="0"/>
-                                          </p:stCondLst>
-                                        </p:cTn>
-                                        <p:tgtEl>
-                                          <p:spTgt spid="3">
-                                            <p:txEl>
-                                              <p:pRg st="5" end="5"/>
-                                            </p:txEl>
-                                          </p:spTgt>
-                                        </p:tgtEl>
-                                        <p:attrNameLst>
-                                          <p:attrName>style.visibility</p:attrName>
-                                        </p:attrNameLst>
-                                      </p:cBhvr>
-                                      <p:to>
-                                        <p:strVal val="visible"/>
-                                      </p:to>
-                                    </p:set>
-                                    <p:animEffect transition="in" filter="fade">
-                                      <p:cBhvr>
-                                        <p:cTn id="38" dur="700"/>
-                                        <p:tgtEl>
-                                          <p:spTgt spid="3">
-                                            <p:txEl>
-                                              <p:pRg st="5" end="5"/>
-                                            </p:txEl>
-                                          </p:spTgt>
-                                        </p:tgtEl>
-                                      </p:cBhvr>
-                                    </p:animEffect>
-                                  </p:childTnLst>
-                                </p:cTn>
-                              </p:par>
-                            </p:childTnLst>
-                          </p:cTn>
-                        </p:par>
-                      </p:childTnLst>
-                    </p:cTn>
-                  </p:par>
-                  <p:par>
-                    <p:cTn id="39" fill="hold">
-                      <p:stCondLst>
-                        <p:cond delay="indefinite"/>
-                      </p:stCondLst>
-                      <p:childTnLst>
-                        <p:par>
-                          <p:cTn id="40" fill="hold">
-                            <p:stCondLst>
-                              <p:cond delay="0"/>
-                            </p:stCondLst>
-                            <p:childTnLst>
-                              <p:par>
-                                <p:cTn id="41" presetID="10" presetClass="entr" presetSubtype="0" fill="hold" grpId="0" nodeType="clickEffect">
-                                  <p:stCondLst>
-                                    <p:cond delay="1500"/>
-                                  </p:stCondLst>
-                                  <p:iterate>
-                                    <p:tmPct val="10000"/>
-                                  </p:iterate>
-                                  <p:childTnLst>
-                                    <p:set>
-                                      <p:cBhvr>
-                                        <p:cTn id="42" dur="1" fill="hold">
-                                          <p:stCondLst>
-                                            <p:cond delay="0"/>
-                                          </p:stCondLst>
-                                        </p:cTn>
-                                        <p:tgtEl>
-                                          <p:spTgt spid="3">
-                                            <p:txEl>
-                                              <p:pRg st="6" end="6"/>
-                                            </p:txEl>
-                                          </p:spTgt>
-                                        </p:tgtEl>
-                                        <p:attrNameLst>
-                                          <p:attrName>style.visibility</p:attrName>
-                                        </p:attrNameLst>
-                                      </p:cBhvr>
-                                      <p:to>
-                                        <p:strVal val="visible"/>
-                                      </p:to>
-                                    </p:set>
-                                    <p:animEffect transition="in" filter="fade">
-                                      <p:cBhvr>
-                                        <p:cTn id="43" dur="700"/>
-                                        <p:tgtEl>
-                                          <p:spTgt spid="3">
-                                            <p:txEl>
-                                              <p:pRg st="6" end="6"/>
-                                            </p:txEl>
-                                          </p:spTgt>
-                                        </p:tgtEl>
-                                      </p:cBhvr>
-                                    </p:animEffect>
-                                  </p:childTnLst>
-                                </p:cTn>
-                              </p:par>
-                              <p:par>
-                                <p:cTn id="44" presetID="10" presetClass="entr" presetSubtype="0" fill="hold" grpId="0" nodeType="withEffect">
-                                  <p:stCondLst>
-                                    <p:cond delay="1500"/>
-                                  </p:stCondLst>
-                                  <p:iterate>
-                                    <p:tmPct val="10000"/>
-                                  </p:iterate>
-                                  <p:childTnLst>
-                                    <p:set>
-                                      <p:cBhvr>
-                                        <p:cTn id="45" dur="1" fill="hold">
-                                          <p:stCondLst>
-                                            <p:cond delay="0"/>
-                                          </p:stCondLst>
-                                        </p:cTn>
-                                        <p:tgtEl>
-                                          <p:spTgt spid="3">
-                                            <p:txEl>
-                                              <p:pRg st="7" end="7"/>
-                                            </p:txEl>
-                                          </p:spTgt>
-                                        </p:tgtEl>
-                                        <p:attrNameLst>
-                                          <p:attrName>style.visibility</p:attrName>
-                                        </p:attrNameLst>
-                                      </p:cBhvr>
-                                      <p:to>
-                                        <p:strVal val="visible"/>
-                                      </p:to>
-                                    </p:set>
-                                    <p:animEffect transition="in" filter="fade">
-                                      <p:cBhvr>
-                                        <p:cTn id="46" dur="700"/>
-                                        <p:tgtEl>
-                                          <p:spTgt spid="3">
-                                            <p:txEl>
-                                              <p:pRg st="7" end="7"/>
-                                            </p:txEl>
-                                          </p:spTgt>
-                                        </p:tgtEl>
-                                      </p:cBhvr>
-                                    </p:animEffect>
-                                  </p:childTnLst>
-                                </p:cTn>
-                              </p:par>
-                            </p:childTnLst>
-                          </p:cTn>
-                        </p:par>
-                      </p:childTnLst>
-                    </p:cTn>
-                  </p:par>
-                </p:childTnLst>
-              </p:cTn>
-              <p:prevCondLst>
-                <p:cond evt="onPrev" delay="0">
-                  <p:tgtEl>
-                    <p:sldTgt/>
-                  </p:tgtEl>
-                </p:cond>
-              </p:prevCondLst>
-              <p:nextCondLst>
-                <p:cond evt="onNext" delay="0">
-                  <p:tgtEl>
-                    <p:sldTgt/>
-                  </p:tgtEl>
-                </p:cond>
-              </p:nextCondLst>
-            </p:seq>
-          </p:childTnLst>
-        </p:cTn>
-      </p:par>
-    </p:tnLst>
-    <p:bldLst>
-      <p:bldP spid="2" grpId="0"/>
-      <p:bldP spid="5" grpId="0" build="p"/>
-      <p:bldP spid="3" grpId="0" build="p"/>
-    </p:bldLst>
-  </p:timing>
+  <mc:AlternateContent xmlns:mc="http://schemas.openxmlformats.org/markup-compatibility/2006">
+    <mc:Choice xmlns:p14="http://schemas.microsoft.com/office/powerpoint/2010/main" Requires="p14">
+      <p:transition spd="slow" p14:dur="1250">
+        <p14:flip dir="r"/>
+      </p:transition>
+    </mc:Choice>
+    <mc:Fallback>
+      <p:transition spd="slow">
+        <p:fade/>
+      </p:transition>
+    </mc:Fallback>
+  </mc:AlternateContent>
 </p:sld>
 </file>
 
